--- a/scaling in the cloud.pptx
+++ b/scaling in the cloud.pptx
@@ -5,10 +5,10 @@
     <p:sldMasterId id="2147483650" r:id="rId1"/>
   </p:sldMasterIdLst>
   <p:notesMasterIdLst>
-    <p:notesMasterId r:id="rId12"/>
+    <p:notesMasterId r:id="rId22"/>
   </p:notesMasterIdLst>
   <p:handoutMasterIdLst>
-    <p:handoutMasterId r:id="rId13"/>
+    <p:handoutMasterId r:id="rId23"/>
   </p:handoutMasterIdLst>
   <p:sldIdLst>
     <p:sldId id="256" r:id="rId2"/>
@@ -20,7 +20,17 @@
     <p:sldId id="415" r:id="rId8"/>
     <p:sldId id="416" r:id="rId9"/>
     <p:sldId id="418" r:id="rId10"/>
-    <p:sldId id="271" r:id="rId11"/>
+    <p:sldId id="419" r:id="rId11"/>
+    <p:sldId id="422" r:id="rId12"/>
+    <p:sldId id="420" r:id="rId13"/>
+    <p:sldId id="423" r:id="rId14"/>
+    <p:sldId id="421" r:id="rId15"/>
+    <p:sldId id="424" r:id="rId16"/>
+    <p:sldId id="425" r:id="rId17"/>
+    <p:sldId id="426" r:id="rId18"/>
+    <p:sldId id="428" r:id="rId19"/>
+    <p:sldId id="429" r:id="rId20"/>
+    <p:sldId id="271" r:id="rId21"/>
   </p:sldIdLst>
   <p:sldSz cx="18291175" cy="10290175"/>
   <p:notesSz cx="6858000" cy="9144000"/>
@@ -234,7 +244,7 @@
           <a:p>
             <a:fld id="{4D0CBB7A-33AF-434C-B8C5-B5F21D294CDF}" type="datetimeFigureOut">
               <a:rPr lang="tr-TR" smtClean="0"/>
-              <a:t>3.04.2017</a:t>
+              <a:t>4.04.2017</a:t>
             </a:fld>
             <a:endParaRPr lang="tr-TR"/>
           </a:p>
@@ -399,7 +409,7 @@
           <a:p>
             <a:fld id="{6C6C1039-E6FF-4F78-9751-FFD9A3AC8099}" type="datetimeFigureOut">
               <a:rPr lang="tr-TR" smtClean="0"/>
-              <a:t>3.04.2017</a:t>
+              <a:t>4.04.2017</a:t>
             </a:fld>
             <a:endParaRPr lang="tr-TR"/>
           </a:p>
@@ -816,7 +826,7 @@
           <a:p>
             <a:fld id="{802DA432-7CF7-4A2F-BE93-45834DC6981A}" type="slidenum">
               <a:rPr lang="tr-TR" smtClean="0"/>
-              <a:t>10</a:t>
+              <a:t>20</a:t>
             </a:fld>
             <a:endParaRPr lang="tr-TR"/>
           </a:p>
@@ -1016,7 +1026,7 @@
           <a:p>
             <a:fld id="{DC9C75F7-98FD-4D05-8C3F-C506B544AE03}" type="datetimeFigureOut">
               <a:rPr lang="tr-TR" smtClean="0"/>
-              <a:t>3.04.2017</a:t>
+              <a:t>4.04.2017</a:t>
             </a:fld>
             <a:endParaRPr lang="tr-TR"/>
           </a:p>
@@ -1198,7 +1208,7 @@
           <a:p>
             <a:fld id="{DC9C75F7-98FD-4D05-8C3F-C506B544AE03}" type="datetimeFigureOut">
               <a:rPr lang="tr-TR" smtClean="0"/>
-              <a:t>3.04.2017</a:t>
+              <a:t>4.04.2017</a:t>
             </a:fld>
             <a:endParaRPr lang="tr-TR"/>
           </a:p>
@@ -1390,7 +1400,7 @@
           <a:p>
             <a:fld id="{DC9C75F7-98FD-4D05-8C3F-C506B544AE03}" type="datetimeFigureOut">
               <a:rPr lang="tr-TR" smtClean="0"/>
-              <a:t>3.04.2017</a:t>
+              <a:t>4.04.2017</a:t>
             </a:fld>
             <a:endParaRPr lang="tr-TR"/>
           </a:p>
@@ -1572,7 +1582,7 @@
           <a:p>
             <a:fld id="{DC9C75F7-98FD-4D05-8C3F-C506B544AE03}" type="datetimeFigureOut">
               <a:rPr lang="tr-TR" smtClean="0"/>
-              <a:t>3.04.2017</a:t>
+              <a:t>4.04.2017</a:t>
             </a:fld>
             <a:endParaRPr lang="tr-TR"/>
           </a:p>
@@ -1830,7 +1840,7 @@
           <a:p>
             <a:fld id="{DC9C75F7-98FD-4D05-8C3F-C506B544AE03}" type="datetimeFigureOut">
               <a:rPr lang="tr-TR" smtClean="0"/>
-              <a:t>3.04.2017</a:t>
+              <a:t>4.04.2017</a:t>
             </a:fld>
             <a:endParaRPr lang="tr-TR"/>
           </a:p>
@@ -2130,7 +2140,7 @@
           <a:p>
             <a:fld id="{DC9C75F7-98FD-4D05-8C3F-C506B544AE03}" type="datetimeFigureOut">
               <a:rPr lang="tr-TR" smtClean="0"/>
-              <a:t>3.04.2017</a:t>
+              <a:t>4.04.2017</a:t>
             </a:fld>
             <a:endParaRPr lang="tr-TR"/>
           </a:p>
@@ -2564,7 +2574,7 @@
           <a:p>
             <a:fld id="{DC9C75F7-98FD-4D05-8C3F-C506B544AE03}" type="datetimeFigureOut">
               <a:rPr lang="tr-TR" smtClean="0"/>
-              <a:t>3.04.2017</a:t>
+              <a:t>4.04.2017</a:t>
             </a:fld>
             <a:endParaRPr lang="tr-TR"/>
           </a:p>
@@ -2694,7 +2704,7 @@
           <a:p>
             <a:fld id="{DC9C75F7-98FD-4D05-8C3F-C506B544AE03}" type="datetimeFigureOut">
               <a:rPr lang="tr-TR" smtClean="0"/>
-              <a:t>3.04.2017</a:t>
+              <a:t>4.04.2017</a:t>
             </a:fld>
             <a:endParaRPr lang="tr-TR"/>
           </a:p>
@@ -2801,7 +2811,7 @@
           <a:p>
             <a:fld id="{DC9C75F7-98FD-4D05-8C3F-C506B544AE03}" type="datetimeFigureOut">
               <a:rPr lang="tr-TR" smtClean="0"/>
-              <a:t>3.04.2017</a:t>
+              <a:t>4.04.2017</a:t>
             </a:fld>
             <a:endParaRPr lang="tr-TR"/>
           </a:p>
@@ -3090,7 +3100,7 @@
           <a:p>
             <a:fld id="{DC9C75F7-98FD-4D05-8C3F-C506B544AE03}" type="datetimeFigureOut">
               <a:rPr lang="tr-TR" smtClean="0"/>
-              <a:t>3.04.2017</a:t>
+              <a:t>4.04.2017</a:t>
             </a:fld>
             <a:endParaRPr lang="tr-TR"/>
           </a:p>
@@ -3355,7 +3365,7 @@
           <a:p>
             <a:fld id="{DC9C75F7-98FD-4D05-8C3F-C506B544AE03}" type="datetimeFigureOut">
               <a:rPr lang="tr-TR" smtClean="0"/>
-              <a:t>3.04.2017</a:t>
+              <a:t>4.04.2017</a:t>
             </a:fld>
             <a:endParaRPr lang="tr-TR"/>
           </a:p>
@@ -3589,7 +3599,7 @@
           <a:p>
             <a:fld id="{DC9C75F7-98FD-4D05-8C3F-C506B544AE03}" type="datetimeFigureOut">
               <a:rPr lang="tr-TR" smtClean="0"/>
-              <a:t>3.04.2017</a:t>
+              <a:t>4.04.2017</a:t>
             </a:fld>
             <a:endParaRPr lang="tr-TR"/>
           </a:p>
@@ -4954,6 +4964,3557 @@
           <a:chExt cx="0" cy="0"/>
         </a:xfrm>
       </p:grpSpPr>
+      <p:sp>
+        <p:nvSpPr>
+          <p:cNvPr id="4" name="Title 22"/>
+          <p:cNvSpPr txBox="1">
+            <a:spLocks/>
+          </p:cNvSpPr>
+          <p:nvPr/>
+        </p:nvSpPr>
+        <p:spPr>
+          <a:xfrm>
+            <a:off x="914400" y="412750"/>
+            <a:ext cx="16462375" cy="1714500"/>
+          </a:xfrm>
+          <a:prstGeom prst="rect">
+            <a:avLst/>
+          </a:prstGeom>
+        </p:spPr>
+        <p:txBody>
+          <a:bodyPr vert="horz" lIns="91440" tIns="45720" rIns="91440" bIns="45720" rtlCol="0" anchor="ctr">
+            <a:normAutofit/>
+          </a:bodyPr>
+          <a:lstStyle>
+            <a:lvl1pPr algn="ctr" defTabSz="914400" rtl="0" eaLnBrk="1" latinLnBrk="0" hangingPunct="1">
+              <a:spcBef>
+                <a:spcPct val="0"/>
+              </a:spcBef>
+              <a:buNone/>
+              <a:defRPr sz="4400" kern="1200">
+                <a:solidFill>
+                  <a:schemeClr val="tx1"/>
+                </a:solidFill>
+                <a:latin typeface="+mj-lt"/>
+                <a:ea typeface="+mj-ea"/>
+                <a:cs typeface="+mj-cs"/>
+              </a:defRPr>
+            </a:lvl1pPr>
+          </a:lstStyle>
+          <a:p>
+            <a:pPr defTabSz="1633210"/>
+            <a:r>
+              <a:rPr lang="en-US" sz="5000" b="1" dirty="0">
+                <a:solidFill>
+                  <a:schemeClr val="accent5">
+                    <a:lumMod val="75000"/>
+                  </a:schemeClr>
+                </a:solidFill>
+                <a:ea typeface="+mn-ea"/>
+                <a:cs typeface="+mn-cs"/>
+              </a:rPr>
+              <a:t>So many concerns</a:t>
+            </a:r>
+          </a:p>
+        </p:txBody>
+      </p:sp>
+      <p:pic>
+        <p:nvPicPr>
+          <p:cNvPr id="5" name="Picture 4"/>
+          <p:cNvPicPr>
+            <a:picLocks noChangeAspect="1"/>
+          </p:cNvPicPr>
+          <p:nvPr/>
+        </p:nvPicPr>
+        <p:blipFill>
+          <a:blip r:embed="rId2">
+            <a:extLst>
+              <a:ext uri="{28A0092B-C50C-407E-A947-70E740481C1C}">
+                <a14:useLocalDpi xmlns:a14="http://schemas.microsoft.com/office/drawing/2010/main" val="0"/>
+              </a:ext>
+            </a:extLst>
+          </a:blip>
+          <a:stretch>
+            <a:fillRect/>
+          </a:stretch>
+        </p:blipFill>
+        <p:spPr>
+          <a:xfrm rot="5400000">
+            <a:off x="8454536" y="-2460908"/>
+            <a:ext cx="1168254" cy="9003175"/>
+          </a:xfrm>
+          <a:prstGeom prst="rect">
+            <a:avLst/>
+          </a:prstGeom>
+        </p:spPr>
+      </p:pic>
+      <p:sp>
+        <p:nvSpPr>
+          <p:cNvPr id="6" name="Rectangle 5"/>
+          <p:cNvSpPr/>
+          <p:nvPr/>
+        </p:nvSpPr>
+        <p:spPr>
+          <a:xfrm>
+            <a:off x="2899691" y="2336775"/>
+            <a:ext cx="4295553" cy="6858000"/>
+          </a:xfrm>
+          <a:prstGeom prst="rect">
+            <a:avLst/>
+          </a:prstGeom>
+          <a:noFill/>
+          <a:ln>
+            <a:noFill/>
+          </a:ln>
+        </p:spPr>
+        <p:style>
+          <a:lnRef idx="1">
+            <a:schemeClr val="accent1"/>
+          </a:lnRef>
+          <a:fillRef idx="3">
+            <a:schemeClr val="accent1"/>
+          </a:fillRef>
+          <a:effectRef idx="2">
+            <a:schemeClr val="accent1"/>
+          </a:effectRef>
+          <a:fontRef idx="minor">
+            <a:schemeClr val="lt1"/>
+          </a:fontRef>
+        </p:style>
+        <p:txBody>
+          <a:bodyPr rtlCol="0" anchor="ctr"/>
+          <a:lstStyle/>
+          <a:p>
+            <a:pPr algn="ctr">
+              <a:spcBef>
+                <a:spcPct val="0"/>
+              </a:spcBef>
+            </a:pPr>
+            <a:r>
+              <a:rPr lang="en-US" sz="2800" b="1" dirty="0">
+                <a:solidFill>
+                  <a:schemeClr val="accent5">
+                    <a:lumMod val="75000"/>
+                  </a:schemeClr>
+                </a:solidFill>
+                <a:latin typeface="+mj-lt"/>
+              </a:rPr>
+              <a:t>    Physical Place</a:t>
+            </a:r>
+          </a:p>
+          <a:p>
+            <a:pPr algn="ctr">
+              <a:spcBef>
+                <a:spcPct val="0"/>
+              </a:spcBef>
+            </a:pPr>
+            <a:r>
+              <a:rPr lang="en-US" sz="2800" b="1" dirty="0">
+                <a:solidFill>
+                  <a:schemeClr val="accent5">
+                    <a:lumMod val="75000"/>
+                  </a:schemeClr>
+                </a:solidFill>
+                <a:latin typeface="+mj-lt"/>
+              </a:rPr>
+              <a:t>    Equipment</a:t>
+            </a:r>
+          </a:p>
+          <a:p>
+            <a:pPr algn="ctr">
+              <a:spcBef>
+                <a:spcPct val="0"/>
+              </a:spcBef>
+            </a:pPr>
+            <a:r>
+              <a:rPr lang="en-US" sz="2800" b="1" dirty="0">
+                <a:solidFill>
+                  <a:schemeClr val="accent5">
+                    <a:lumMod val="75000"/>
+                  </a:schemeClr>
+                </a:solidFill>
+                <a:latin typeface="+mj-lt"/>
+              </a:rPr>
+              <a:t>    Implementation</a:t>
+            </a:r>
+          </a:p>
+          <a:p>
+            <a:pPr algn="ctr">
+              <a:spcBef>
+                <a:spcPct val="0"/>
+              </a:spcBef>
+            </a:pPr>
+            <a:r>
+              <a:rPr lang="en-US" sz="2800" b="1" dirty="0">
+                <a:solidFill>
+                  <a:schemeClr val="accent5">
+                    <a:lumMod val="75000"/>
+                  </a:schemeClr>
+                </a:solidFill>
+                <a:latin typeface="+mj-lt"/>
+              </a:rPr>
+              <a:t>    Heat</a:t>
+            </a:r>
+          </a:p>
+          <a:p>
+            <a:pPr algn="ctr">
+              <a:spcBef>
+                <a:spcPct val="0"/>
+              </a:spcBef>
+            </a:pPr>
+            <a:r>
+              <a:rPr lang="en-US" sz="2800" b="1" dirty="0">
+                <a:solidFill>
+                  <a:schemeClr val="accent5">
+                    <a:lumMod val="75000"/>
+                  </a:schemeClr>
+                </a:solidFill>
+                <a:latin typeface="+mj-lt"/>
+              </a:rPr>
+              <a:t>    Electricity</a:t>
+            </a:r>
+          </a:p>
+          <a:p>
+            <a:pPr algn="ctr">
+              <a:spcBef>
+                <a:spcPct val="0"/>
+              </a:spcBef>
+            </a:pPr>
+            <a:r>
+              <a:rPr lang="en-US" sz="2800" b="1" dirty="0">
+                <a:solidFill>
+                  <a:schemeClr val="accent5">
+                    <a:lumMod val="75000"/>
+                  </a:schemeClr>
+                </a:solidFill>
+                <a:latin typeface="+mj-lt"/>
+              </a:rPr>
+              <a:t>    Access </a:t>
+            </a:r>
+          </a:p>
+          <a:p>
+            <a:pPr algn="ctr">
+              <a:spcBef>
+                <a:spcPct val="0"/>
+              </a:spcBef>
+            </a:pPr>
+            <a:r>
+              <a:rPr lang="en-US" sz="2800" b="1" dirty="0">
+                <a:solidFill>
+                  <a:schemeClr val="accent5">
+                    <a:lumMod val="75000"/>
+                  </a:schemeClr>
+                </a:solidFill>
+                <a:latin typeface="+mj-lt"/>
+              </a:rPr>
+              <a:t>    Security</a:t>
+            </a:r>
+          </a:p>
+          <a:p>
+            <a:pPr algn="ctr">
+              <a:spcBef>
+                <a:spcPct val="0"/>
+              </a:spcBef>
+            </a:pPr>
+            <a:r>
+              <a:rPr lang="en-US" sz="2800" b="1" dirty="0">
+                <a:solidFill>
+                  <a:schemeClr val="accent5">
+                    <a:lumMod val="75000"/>
+                  </a:schemeClr>
+                </a:solidFill>
+                <a:latin typeface="+mj-lt"/>
+              </a:rPr>
+              <a:t>    Scaling</a:t>
+            </a:r>
+          </a:p>
+          <a:p>
+            <a:pPr algn="ctr">
+              <a:spcBef>
+                <a:spcPct val="0"/>
+              </a:spcBef>
+            </a:pPr>
+            <a:endParaRPr lang="en-US" sz="2800" b="1" dirty="0">
+              <a:solidFill>
+                <a:schemeClr val="accent5">
+                  <a:lumMod val="75000"/>
+                </a:schemeClr>
+              </a:solidFill>
+              <a:latin typeface="+mj-lt"/>
+            </a:endParaRPr>
+          </a:p>
+          <a:p>
+            <a:pPr algn="ctr">
+              <a:spcBef>
+                <a:spcPct val="0"/>
+              </a:spcBef>
+            </a:pPr>
+            <a:r>
+              <a:rPr lang="en-US" sz="2800" b="1" dirty="0">
+                <a:solidFill>
+                  <a:schemeClr val="accent5">
+                    <a:lumMod val="75000"/>
+                  </a:schemeClr>
+                </a:solidFill>
+                <a:latin typeface="+mj-lt"/>
+              </a:rPr>
+              <a:t>  </a:t>
+            </a:r>
+          </a:p>
+          <a:p>
+            <a:pPr algn="ctr">
+              <a:spcBef>
+                <a:spcPct val="0"/>
+              </a:spcBef>
+            </a:pPr>
+            <a:r>
+              <a:rPr lang="en-US" sz="2800" b="1" dirty="0">
+                <a:solidFill>
+                  <a:schemeClr val="accent5">
+                    <a:lumMod val="75000"/>
+                  </a:schemeClr>
+                </a:solidFill>
+                <a:latin typeface="+mj-lt"/>
+              </a:rPr>
+              <a:t>So why don’t we move all of these implementation away and rent a server in the cloud?</a:t>
+            </a:r>
+          </a:p>
+          <a:p>
+            <a:pPr algn="ctr"/>
+            <a:endParaRPr lang="en-US" sz="2800" dirty="0"/>
+          </a:p>
+        </p:txBody>
+      </p:sp>
+      <p:pic>
+        <p:nvPicPr>
+          <p:cNvPr id="8" name="Picture 7"/>
+          <p:cNvPicPr>
+            <a:picLocks noChangeAspect="1"/>
+          </p:cNvPicPr>
+          <p:nvPr/>
+        </p:nvPicPr>
+        <p:blipFill>
+          <a:blip r:embed="rId3">
+            <a:duotone>
+              <a:prstClr val="black"/>
+              <a:schemeClr val="accent2">
+                <a:tint val="45000"/>
+                <a:satMod val="400000"/>
+              </a:schemeClr>
+            </a:duotone>
+            <a:extLst>
+              <a:ext uri="{28A0092B-C50C-407E-A947-70E740481C1C}">
+                <a14:useLocalDpi xmlns:a14="http://schemas.microsoft.com/office/drawing/2010/main" val="0"/>
+              </a:ext>
+            </a:extLst>
+          </a:blip>
+          <a:stretch>
+            <a:fillRect/>
+          </a:stretch>
+        </p:blipFill>
+        <p:spPr>
+          <a:xfrm>
+            <a:off x="9793659" y="2128812"/>
+            <a:ext cx="6696744" cy="6225998"/>
+          </a:xfrm>
+          <a:prstGeom prst="rect">
+            <a:avLst/>
+          </a:prstGeom>
+        </p:spPr>
+      </p:pic>
+    </p:spTree>
+    <p:extLst>
+      <p:ext uri="{BB962C8B-B14F-4D97-AF65-F5344CB8AC3E}">
+        <p14:creationId xmlns:p14="http://schemas.microsoft.com/office/powerpoint/2010/main" val="1956578164"/>
+      </p:ext>
+    </p:extLst>
+  </p:cSld>
+  <p:clrMapOvr>
+    <a:masterClrMapping/>
+  </p:clrMapOvr>
+  <mc:AlternateContent xmlns:mc="http://schemas.openxmlformats.org/markup-compatibility/2006" xmlns:p14="http://schemas.microsoft.com/office/powerpoint/2010/main">
+    <mc:Choice Requires="p14">
+      <p:transition spd="med" p14:dur="700">
+        <p:fade/>
+      </p:transition>
+    </mc:Choice>
+    <mc:Fallback xmlns="">
+      <p:transition spd="med">
+        <p:fade/>
+      </p:transition>
+    </mc:Fallback>
+  </mc:AlternateContent>
+</p:sld>
+</file>
+
+<file path=ppt/slides/slide11.xml><?xml version="1.0" encoding="utf-8"?>
+<p:sld xmlns:a="http://schemas.openxmlformats.org/drawingml/2006/main" xmlns:r="http://schemas.openxmlformats.org/officeDocument/2006/relationships" xmlns:p="http://schemas.openxmlformats.org/presentationml/2006/main">
+  <p:cSld>
+    <p:spTree>
+      <p:nvGrpSpPr>
+        <p:cNvPr id="1" name=""/>
+        <p:cNvGrpSpPr/>
+        <p:nvPr/>
+      </p:nvGrpSpPr>
+      <p:grpSpPr>
+        <a:xfrm>
+          <a:off x="0" y="0"/>
+          <a:ext cx="0" cy="0"/>
+          <a:chOff x="0" y="0"/>
+          <a:chExt cx="0" cy="0"/>
+        </a:xfrm>
+      </p:grpSpPr>
+      <p:sp>
+        <p:nvSpPr>
+          <p:cNvPr id="4" name="Title 22"/>
+          <p:cNvSpPr txBox="1">
+            <a:spLocks/>
+          </p:cNvSpPr>
+          <p:nvPr/>
+        </p:nvSpPr>
+        <p:spPr>
+          <a:xfrm>
+            <a:off x="914400" y="412750"/>
+            <a:ext cx="16462375" cy="1714500"/>
+          </a:xfrm>
+          <a:prstGeom prst="rect">
+            <a:avLst/>
+          </a:prstGeom>
+        </p:spPr>
+        <p:txBody>
+          <a:bodyPr vert="horz" lIns="91440" tIns="45720" rIns="91440" bIns="45720" rtlCol="0" anchor="ctr">
+            <a:normAutofit/>
+          </a:bodyPr>
+          <a:lstStyle>
+            <a:lvl1pPr algn="ctr" defTabSz="914400" rtl="0" eaLnBrk="1" latinLnBrk="0" hangingPunct="1">
+              <a:spcBef>
+                <a:spcPct val="0"/>
+              </a:spcBef>
+              <a:buNone/>
+              <a:defRPr sz="4400" kern="1200">
+                <a:solidFill>
+                  <a:schemeClr val="tx1"/>
+                </a:solidFill>
+                <a:latin typeface="+mj-lt"/>
+                <a:ea typeface="+mj-ea"/>
+                <a:cs typeface="+mj-cs"/>
+              </a:defRPr>
+            </a:lvl1pPr>
+          </a:lstStyle>
+          <a:p>
+            <a:pPr defTabSz="1633210"/>
+            <a:r>
+              <a:rPr lang="en-US" sz="5000" b="1" dirty="0">
+                <a:solidFill>
+                  <a:schemeClr val="accent5">
+                    <a:lumMod val="75000"/>
+                  </a:schemeClr>
+                </a:solidFill>
+                <a:ea typeface="+mn-ea"/>
+                <a:cs typeface="+mn-cs"/>
+              </a:rPr>
+              <a:t>The ultimate solution... The Cloud</a:t>
+            </a:r>
+          </a:p>
+        </p:txBody>
+      </p:sp>
+      <p:pic>
+        <p:nvPicPr>
+          <p:cNvPr id="5" name="Picture 4"/>
+          <p:cNvPicPr>
+            <a:picLocks noChangeAspect="1"/>
+          </p:cNvPicPr>
+          <p:nvPr/>
+        </p:nvPicPr>
+        <p:blipFill>
+          <a:blip r:embed="rId2">
+            <a:extLst>
+              <a:ext uri="{28A0092B-C50C-407E-A947-70E740481C1C}">
+                <a14:useLocalDpi xmlns:a14="http://schemas.microsoft.com/office/drawing/2010/main" val="0"/>
+              </a:ext>
+            </a:extLst>
+          </a:blip>
+          <a:stretch>
+            <a:fillRect/>
+          </a:stretch>
+        </p:blipFill>
+        <p:spPr>
+          <a:xfrm rot="5400000">
+            <a:off x="8624452" y="-2432787"/>
+            <a:ext cx="1168254" cy="9003175"/>
+          </a:xfrm>
+          <a:prstGeom prst="rect">
+            <a:avLst/>
+          </a:prstGeom>
+        </p:spPr>
+      </p:pic>
+      <p:pic>
+        <p:nvPicPr>
+          <p:cNvPr id="9" name="Picture 8"/>
+          <p:cNvPicPr>
+            <a:picLocks noChangeAspect="1"/>
+          </p:cNvPicPr>
+          <p:nvPr/>
+        </p:nvPicPr>
+        <p:blipFill>
+          <a:blip r:embed="rId3">
+            <a:extLst>
+              <a:ext uri="{28A0092B-C50C-407E-A947-70E740481C1C}">
+                <a14:useLocalDpi xmlns:a14="http://schemas.microsoft.com/office/drawing/2010/main" val="0"/>
+              </a:ext>
+            </a:extLst>
+          </a:blip>
+          <a:stretch>
+            <a:fillRect/>
+          </a:stretch>
+        </p:blipFill>
+        <p:spPr>
+          <a:xfrm>
+            <a:off x="-287461" y="3724851"/>
+            <a:ext cx="7558590" cy="3511406"/>
+          </a:xfrm>
+          <a:prstGeom prst="rect">
+            <a:avLst/>
+          </a:prstGeom>
+        </p:spPr>
+      </p:pic>
+      <p:pic>
+        <p:nvPicPr>
+          <p:cNvPr id="11" name="Picture 10"/>
+          <p:cNvPicPr>
+            <a:picLocks noChangeAspect="1"/>
+          </p:cNvPicPr>
+          <p:nvPr/>
+        </p:nvPicPr>
+        <p:blipFill>
+          <a:blip r:embed="rId4">
+            <a:extLst>
+              <a:ext uri="{28A0092B-C50C-407E-A947-70E740481C1C}">
+                <a14:useLocalDpi xmlns:a14="http://schemas.microsoft.com/office/drawing/2010/main" val="0"/>
+              </a:ext>
+            </a:extLst>
+          </a:blip>
+          <a:stretch>
+            <a:fillRect/>
+          </a:stretch>
+        </p:blipFill>
+        <p:spPr>
+          <a:xfrm>
+            <a:off x="6697315" y="3680702"/>
+            <a:ext cx="5714286" cy="3555555"/>
+          </a:xfrm>
+          <a:prstGeom prst="rect">
+            <a:avLst/>
+          </a:prstGeom>
+        </p:spPr>
+      </p:pic>
+      <p:pic>
+        <p:nvPicPr>
+          <p:cNvPr id="13" name="Picture 12"/>
+          <p:cNvPicPr>
+            <a:picLocks noChangeAspect="1"/>
+          </p:cNvPicPr>
+          <p:nvPr/>
+        </p:nvPicPr>
+        <p:blipFill>
+          <a:blip r:embed="rId5">
+            <a:extLst>
+              <a:ext uri="{28A0092B-C50C-407E-A947-70E740481C1C}">
+                <a14:useLocalDpi xmlns:a14="http://schemas.microsoft.com/office/drawing/2010/main" val="0"/>
+              </a:ext>
+            </a:extLst>
+          </a:blip>
+          <a:stretch>
+            <a:fillRect/>
+          </a:stretch>
+        </p:blipFill>
+        <p:spPr>
+          <a:xfrm>
+            <a:off x="13034019" y="3995975"/>
+            <a:ext cx="4779243" cy="3016027"/>
+          </a:xfrm>
+          <a:prstGeom prst="rect">
+            <a:avLst/>
+          </a:prstGeom>
+        </p:spPr>
+      </p:pic>
+    </p:spTree>
+    <p:extLst>
+      <p:ext uri="{BB962C8B-B14F-4D97-AF65-F5344CB8AC3E}">
+        <p14:creationId xmlns:p14="http://schemas.microsoft.com/office/powerpoint/2010/main" val="139302820"/>
+      </p:ext>
+    </p:extLst>
+  </p:cSld>
+  <p:clrMapOvr>
+    <a:masterClrMapping/>
+  </p:clrMapOvr>
+  <mc:AlternateContent xmlns:mc="http://schemas.openxmlformats.org/markup-compatibility/2006" xmlns:p14="http://schemas.microsoft.com/office/powerpoint/2010/main">
+    <mc:Choice Requires="p14">
+      <p:transition spd="med" p14:dur="700">
+        <p:fade/>
+      </p:transition>
+    </mc:Choice>
+    <mc:Fallback xmlns="">
+      <p:transition spd="med">
+        <p:fade/>
+      </p:transition>
+    </mc:Fallback>
+  </mc:AlternateContent>
+</p:sld>
+</file>
+
+<file path=ppt/slides/slide12.xml><?xml version="1.0" encoding="utf-8"?>
+<p:sld xmlns:a="http://schemas.openxmlformats.org/drawingml/2006/main" xmlns:r="http://schemas.openxmlformats.org/officeDocument/2006/relationships" xmlns:p="http://schemas.openxmlformats.org/presentationml/2006/main">
+  <p:cSld>
+    <p:spTree>
+      <p:nvGrpSpPr>
+        <p:cNvPr id="1" name=""/>
+        <p:cNvGrpSpPr/>
+        <p:nvPr/>
+      </p:nvGrpSpPr>
+      <p:grpSpPr>
+        <a:xfrm>
+          <a:off x="0" y="0"/>
+          <a:ext cx="0" cy="0"/>
+          <a:chOff x="0" y="0"/>
+          <a:chExt cx="0" cy="0"/>
+        </a:xfrm>
+      </p:grpSpPr>
+      <p:sp>
+        <p:nvSpPr>
+          <p:cNvPr id="4" name="Title 22"/>
+          <p:cNvSpPr txBox="1">
+            <a:spLocks/>
+          </p:cNvSpPr>
+          <p:nvPr/>
+        </p:nvSpPr>
+        <p:spPr>
+          <a:xfrm>
+            <a:off x="914400" y="412750"/>
+            <a:ext cx="16462375" cy="1714500"/>
+          </a:xfrm>
+          <a:prstGeom prst="rect">
+            <a:avLst/>
+          </a:prstGeom>
+        </p:spPr>
+        <p:txBody>
+          <a:bodyPr vert="horz" lIns="91440" tIns="45720" rIns="91440" bIns="45720" rtlCol="0" anchor="ctr">
+            <a:normAutofit/>
+          </a:bodyPr>
+          <a:lstStyle>
+            <a:lvl1pPr algn="ctr" defTabSz="914400" rtl="0" eaLnBrk="1" latinLnBrk="0" hangingPunct="1">
+              <a:spcBef>
+                <a:spcPct val="0"/>
+              </a:spcBef>
+              <a:buNone/>
+              <a:defRPr sz="4400" kern="1200">
+                <a:solidFill>
+                  <a:schemeClr val="tx1"/>
+                </a:solidFill>
+                <a:latin typeface="+mj-lt"/>
+                <a:ea typeface="+mj-ea"/>
+                <a:cs typeface="+mj-cs"/>
+              </a:defRPr>
+            </a:lvl1pPr>
+          </a:lstStyle>
+          <a:p>
+            <a:pPr defTabSz="1633210"/>
+            <a:r>
+              <a:rPr lang="en-US" sz="5000" b="1" dirty="0">
+                <a:solidFill>
+                  <a:schemeClr val="accent5">
+                    <a:lumMod val="75000"/>
+                  </a:schemeClr>
+                </a:solidFill>
+                <a:ea typeface="+mn-ea"/>
+                <a:cs typeface="+mn-cs"/>
+              </a:rPr>
+              <a:t>But How !!</a:t>
+            </a:r>
+          </a:p>
+        </p:txBody>
+      </p:sp>
+      <p:pic>
+        <p:nvPicPr>
+          <p:cNvPr id="5" name="Picture 4"/>
+          <p:cNvPicPr>
+            <a:picLocks noChangeAspect="1"/>
+          </p:cNvPicPr>
+          <p:nvPr/>
+        </p:nvPicPr>
+        <p:blipFill>
+          <a:blip r:embed="rId2">
+            <a:extLst>
+              <a:ext uri="{28A0092B-C50C-407E-A947-70E740481C1C}">
+                <a14:useLocalDpi xmlns:a14="http://schemas.microsoft.com/office/drawing/2010/main" val="0"/>
+              </a:ext>
+            </a:extLst>
+          </a:blip>
+          <a:stretch>
+            <a:fillRect/>
+          </a:stretch>
+        </p:blipFill>
+        <p:spPr>
+          <a:xfrm rot="5400000">
+            <a:off x="8624452" y="-2432787"/>
+            <a:ext cx="1168254" cy="9003175"/>
+          </a:xfrm>
+          <a:prstGeom prst="rect">
+            <a:avLst/>
+          </a:prstGeom>
+        </p:spPr>
+      </p:pic>
+      <p:pic>
+        <p:nvPicPr>
+          <p:cNvPr id="15" name="Picture 14"/>
+          <p:cNvPicPr>
+            <a:picLocks noChangeAspect="1"/>
+          </p:cNvPicPr>
+          <p:nvPr/>
+        </p:nvPicPr>
+        <p:blipFill>
+          <a:blip r:embed="rId3">
+            <a:extLst>
+              <a:ext uri="{28A0092B-C50C-407E-A947-70E740481C1C}">
+                <a14:useLocalDpi xmlns:a14="http://schemas.microsoft.com/office/drawing/2010/main" val="0"/>
+              </a:ext>
+            </a:extLst>
+          </a:blip>
+          <a:stretch>
+            <a:fillRect/>
+          </a:stretch>
+        </p:blipFill>
+        <p:spPr>
+          <a:xfrm>
+            <a:off x="3276769" y="2696815"/>
+            <a:ext cx="11737636" cy="6675220"/>
+          </a:xfrm>
+          <a:prstGeom prst="rect">
+            <a:avLst/>
+          </a:prstGeom>
+        </p:spPr>
+      </p:pic>
+    </p:spTree>
+    <p:extLst>
+      <p:ext uri="{BB962C8B-B14F-4D97-AF65-F5344CB8AC3E}">
+        <p14:creationId xmlns:p14="http://schemas.microsoft.com/office/powerpoint/2010/main" val="844316693"/>
+      </p:ext>
+    </p:extLst>
+  </p:cSld>
+  <p:clrMapOvr>
+    <a:masterClrMapping/>
+  </p:clrMapOvr>
+  <mc:AlternateContent xmlns:mc="http://schemas.openxmlformats.org/markup-compatibility/2006" xmlns:p14="http://schemas.microsoft.com/office/powerpoint/2010/main">
+    <mc:Choice Requires="p14">
+      <p:transition spd="med" p14:dur="700">
+        <p:fade/>
+      </p:transition>
+    </mc:Choice>
+    <mc:Fallback xmlns="">
+      <p:transition spd="med">
+        <p:fade/>
+      </p:transition>
+    </mc:Fallback>
+  </mc:AlternateContent>
+</p:sld>
+</file>
+
+<file path=ppt/slides/slide13.xml><?xml version="1.0" encoding="utf-8"?>
+<p:sld xmlns:a="http://schemas.openxmlformats.org/drawingml/2006/main" xmlns:r="http://schemas.openxmlformats.org/officeDocument/2006/relationships" xmlns:p="http://schemas.openxmlformats.org/presentationml/2006/main">
+  <p:cSld>
+    <p:spTree>
+      <p:nvGrpSpPr>
+        <p:cNvPr id="1" name=""/>
+        <p:cNvGrpSpPr/>
+        <p:nvPr/>
+      </p:nvGrpSpPr>
+      <p:grpSpPr>
+        <a:xfrm>
+          <a:off x="0" y="0"/>
+          <a:ext cx="0" cy="0"/>
+          <a:chOff x="0" y="0"/>
+          <a:chExt cx="0" cy="0"/>
+        </a:xfrm>
+      </p:grpSpPr>
+      <p:sp>
+        <p:nvSpPr>
+          <p:cNvPr id="4" name="Title 22"/>
+          <p:cNvSpPr txBox="1">
+            <a:spLocks/>
+          </p:cNvSpPr>
+          <p:nvPr/>
+        </p:nvSpPr>
+        <p:spPr>
+          <a:xfrm>
+            <a:off x="914400" y="412750"/>
+            <a:ext cx="16462375" cy="1714500"/>
+          </a:xfrm>
+          <a:prstGeom prst="rect">
+            <a:avLst/>
+          </a:prstGeom>
+        </p:spPr>
+        <p:txBody>
+          <a:bodyPr vert="horz" lIns="91440" tIns="45720" rIns="91440" bIns="45720" rtlCol="0" anchor="ctr">
+            <a:normAutofit/>
+          </a:bodyPr>
+          <a:lstStyle>
+            <a:lvl1pPr algn="ctr" defTabSz="914400" rtl="0" eaLnBrk="1" latinLnBrk="0" hangingPunct="1">
+              <a:spcBef>
+                <a:spcPct val="0"/>
+              </a:spcBef>
+              <a:buNone/>
+              <a:defRPr sz="4400" kern="1200">
+                <a:solidFill>
+                  <a:schemeClr val="tx1"/>
+                </a:solidFill>
+                <a:latin typeface="+mj-lt"/>
+                <a:ea typeface="+mj-ea"/>
+                <a:cs typeface="+mj-cs"/>
+              </a:defRPr>
+            </a:lvl1pPr>
+          </a:lstStyle>
+          <a:p>
+            <a:pPr defTabSz="1633210"/>
+            <a:r>
+              <a:rPr lang="en-US" sz="5000" b="1" dirty="0">
+                <a:solidFill>
+                  <a:schemeClr val="accent5">
+                    <a:lumMod val="75000"/>
+                  </a:schemeClr>
+                </a:solidFill>
+                <a:ea typeface="+mn-ea"/>
+                <a:cs typeface="+mn-cs"/>
+              </a:rPr>
+              <a:t>Factors</a:t>
+            </a:r>
+          </a:p>
+        </p:txBody>
+      </p:sp>
+      <p:pic>
+        <p:nvPicPr>
+          <p:cNvPr id="5" name="Picture 4"/>
+          <p:cNvPicPr>
+            <a:picLocks noChangeAspect="1"/>
+          </p:cNvPicPr>
+          <p:nvPr/>
+        </p:nvPicPr>
+        <p:blipFill>
+          <a:blip r:embed="rId2">
+            <a:extLst>
+              <a:ext uri="{28A0092B-C50C-407E-A947-70E740481C1C}">
+                <a14:useLocalDpi xmlns:a14="http://schemas.microsoft.com/office/drawing/2010/main" val="0"/>
+              </a:ext>
+            </a:extLst>
+          </a:blip>
+          <a:stretch>
+            <a:fillRect/>
+          </a:stretch>
+        </p:blipFill>
+        <p:spPr>
+          <a:xfrm rot="5400000">
+            <a:off x="8624452" y="-2432787"/>
+            <a:ext cx="1168254" cy="9003175"/>
+          </a:xfrm>
+          <a:prstGeom prst="rect">
+            <a:avLst/>
+          </a:prstGeom>
+        </p:spPr>
+      </p:pic>
+      <p:pic>
+        <p:nvPicPr>
+          <p:cNvPr id="7" name="Picture 6"/>
+          <p:cNvPicPr>
+            <a:picLocks noChangeAspect="1"/>
+          </p:cNvPicPr>
+          <p:nvPr/>
+        </p:nvPicPr>
+        <p:blipFill>
+          <a:blip r:embed="rId3">
+            <a:extLst>
+              <a:ext uri="{28A0092B-C50C-407E-A947-70E740481C1C}">
+                <a14:useLocalDpi xmlns:a14="http://schemas.microsoft.com/office/drawing/2010/main" val="0"/>
+              </a:ext>
+            </a:extLst>
+          </a:blip>
+          <a:stretch>
+            <a:fillRect/>
+          </a:stretch>
+        </p:blipFill>
+        <p:spPr>
+          <a:xfrm>
+            <a:off x="11881891" y="2692887"/>
+            <a:ext cx="4876800" cy="4876800"/>
+          </a:xfrm>
+          <a:prstGeom prst="rect">
+            <a:avLst/>
+          </a:prstGeom>
+        </p:spPr>
+      </p:pic>
+      <p:sp>
+        <p:nvSpPr>
+          <p:cNvPr id="8" name="Rectangle 7"/>
+          <p:cNvSpPr/>
+          <p:nvPr/>
+        </p:nvSpPr>
+        <p:spPr>
+          <a:xfrm>
+            <a:off x="1440731" y="4208983"/>
+            <a:ext cx="9144000" cy="1844608"/>
+          </a:xfrm>
+          <a:prstGeom prst="rect">
+            <a:avLst/>
+          </a:prstGeom>
+        </p:spPr>
+        <p:txBody>
+          <a:bodyPr>
+            <a:spAutoFit/>
+          </a:bodyPr>
+          <a:lstStyle/>
+          <a:p>
+            <a:pPr marL="571500" indent="-571500" defTabSz="914400">
+              <a:lnSpc>
+                <a:spcPct val="90000"/>
+              </a:lnSpc>
+              <a:spcBef>
+                <a:spcPts val="1000"/>
+              </a:spcBef>
+              <a:buClr>
+                <a:schemeClr val="dk1"/>
+              </a:buClr>
+              <a:buSzPct val="78571"/>
+              <a:buFont typeface="Arial" panose="020B0604020202020204" pitchFamily="34" charset="0"/>
+              <a:buChar char="•"/>
+            </a:pPr>
+            <a:r>
+              <a:rPr lang="en-US" sz="3600" dirty="0">
+                <a:solidFill>
+                  <a:srgbClr val="31859C"/>
+                </a:solidFill>
+              </a:rPr>
+              <a:t>Level of Details</a:t>
+            </a:r>
+          </a:p>
+          <a:p>
+            <a:pPr marL="571500" indent="-571500" defTabSz="914400">
+              <a:lnSpc>
+                <a:spcPct val="90000"/>
+              </a:lnSpc>
+              <a:spcBef>
+                <a:spcPts val="1000"/>
+              </a:spcBef>
+              <a:buClr>
+                <a:schemeClr val="dk1"/>
+              </a:buClr>
+              <a:buSzPct val="78571"/>
+              <a:buFont typeface="Arial" panose="020B0604020202020204" pitchFamily="34" charset="0"/>
+              <a:buChar char="•"/>
+            </a:pPr>
+            <a:r>
+              <a:rPr lang="en-US" sz="3600" dirty="0">
+                <a:solidFill>
+                  <a:srgbClr val="31859C"/>
+                </a:solidFill>
+              </a:rPr>
+              <a:t>Money</a:t>
+            </a:r>
+          </a:p>
+          <a:p>
+            <a:pPr marL="571500" indent="-571500" defTabSz="914400">
+              <a:lnSpc>
+                <a:spcPct val="90000"/>
+              </a:lnSpc>
+              <a:spcBef>
+                <a:spcPts val="1000"/>
+              </a:spcBef>
+              <a:buClr>
+                <a:schemeClr val="dk1"/>
+              </a:buClr>
+              <a:buSzPct val="78571"/>
+              <a:buFont typeface="Arial" panose="020B0604020202020204" pitchFamily="34" charset="0"/>
+              <a:buChar char="•"/>
+            </a:pPr>
+            <a:r>
+              <a:rPr lang="en-US" sz="3600" dirty="0">
+                <a:solidFill>
+                  <a:srgbClr val="31859C"/>
+                </a:solidFill>
+              </a:rPr>
+              <a:t>Control &amp; Access</a:t>
+            </a:r>
+          </a:p>
+        </p:txBody>
+      </p:sp>
+    </p:spTree>
+    <p:extLst>
+      <p:ext uri="{BB962C8B-B14F-4D97-AF65-F5344CB8AC3E}">
+        <p14:creationId xmlns:p14="http://schemas.microsoft.com/office/powerpoint/2010/main" val="2569337635"/>
+      </p:ext>
+    </p:extLst>
+  </p:cSld>
+  <p:clrMapOvr>
+    <a:masterClrMapping/>
+  </p:clrMapOvr>
+  <mc:AlternateContent xmlns:mc="http://schemas.openxmlformats.org/markup-compatibility/2006" xmlns:p14="http://schemas.microsoft.com/office/powerpoint/2010/main">
+    <mc:Choice Requires="p14">
+      <p:transition spd="med" p14:dur="700">
+        <p:fade/>
+      </p:transition>
+    </mc:Choice>
+    <mc:Fallback xmlns="">
+      <p:transition spd="med">
+        <p:fade/>
+      </p:transition>
+    </mc:Fallback>
+  </mc:AlternateContent>
+</p:sld>
+</file>
+
+<file path=ppt/slides/slide14.xml><?xml version="1.0" encoding="utf-8"?>
+<p:sld xmlns:a="http://schemas.openxmlformats.org/drawingml/2006/main" xmlns:r="http://schemas.openxmlformats.org/officeDocument/2006/relationships" xmlns:p="http://schemas.openxmlformats.org/presentationml/2006/main">
+  <p:cSld>
+    <p:spTree>
+      <p:nvGrpSpPr>
+        <p:cNvPr id="1" name=""/>
+        <p:cNvGrpSpPr/>
+        <p:nvPr/>
+      </p:nvGrpSpPr>
+      <p:grpSpPr>
+        <a:xfrm>
+          <a:off x="0" y="0"/>
+          <a:ext cx="0" cy="0"/>
+          <a:chOff x="0" y="0"/>
+          <a:chExt cx="0" cy="0"/>
+        </a:xfrm>
+      </p:grpSpPr>
+      <p:sp>
+        <p:nvSpPr>
+          <p:cNvPr id="4" name="Title 22"/>
+          <p:cNvSpPr txBox="1">
+            <a:spLocks/>
+          </p:cNvSpPr>
+          <p:nvPr/>
+        </p:nvSpPr>
+        <p:spPr>
+          <a:xfrm>
+            <a:off x="914400" y="412750"/>
+            <a:ext cx="16462375" cy="1714500"/>
+          </a:xfrm>
+          <a:prstGeom prst="rect">
+            <a:avLst/>
+          </a:prstGeom>
+        </p:spPr>
+        <p:txBody>
+          <a:bodyPr vert="horz" lIns="91440" tIns="45720" rIns="91440" bIns="45720" rtlCol="0" anchor="ctr">
+            <a:normAutofit/>
+          </a:bodyPr>
+          <a:lstStyle>
+            <a:lvl1pPr algn="ctr" defTabSz="914400" rtl="0" eaLnBrk="1" latinLnBrk="0" hangingPunct="1">
+              <a:spcBef>
+                <a:spcPct val="0"/>
+              </a:spcBef>
+              <a:buNone/>
+              <a:defRPr sz="4400" kern="1200">
+                <a:solidFill>
+                  <a:schemeClr val="tx1"/>
+                </a:solidFill>
+                <a:latin typeface="+mj-lt"/>
+                <a:ea typeface="+mj-ea"/>
+                <a:cs typeface="+mj-cs"/>
+              </a:defRPr>
+            </a:lvl1pPr>
+          </a:lstStyle>
+          <a:p>
+            <a:pPr defTabSz="1633210"/>
+            <a:r>
+              <a:rPr lang="en-US" sz="5000" b="1" dirty="0">
+                <a:solidFill>
+                  <a:schemeClr val="accent5">
+                    <a:lumMod val="75000"/>
+                  </a:schemeClr>
+                </a:solidFill>
+                <a:ea typeface="+mn-ea"/>
+                <a:cs typeface="+mn-cs"/>
+              </a:rPr>
+              <a:t>IAAS</a:t>
+            </a:r>
+          </a:p>
+        </p:txBody>
+      </p:sp>
+      <p:pic>
+        <p:nvPicPr>
+          <p:cNvPr id="5" name="Picture 4"/>
+          <p:cNvPicPr>
+            <a:picLocks noChangeAspect="1"/>
+          </p:cNvPicPr>
+          <p:nvPr/>
+        </p:nvPicPr>
+        <p:blipFill>
+          <a:blip r:embed="rId2">
+            <a:extLst>
+              <a:ext uri="{28A0092B-C50C-407E-A947-70E740481C1C}">
+                <a14:useLocalDpi xmlns:a14="http://schemas.microsoft.com/office/drawing/2010/main" val="0"/>
+              </a:ext>
+            </a:extLst>
+          </a:blip>
+          <a:stretch>
+            <a:fillRect/>
+          </a:stretch>
+        </p:blipFill>
+        <p:spPr>
+          <a:xfrm rot="5400000">
+            <a:off x="8624452" y="-2432787"/>
+            <a:ext cx="1168254" cy="9003175"/>
+          </a:xfrm>
+          <a:prstGeom prst="rect">
+            <a:avLst/>
+          </a:prstGeom>
+        </p:spPr>
+      </p:pic>
+      <p:pic>
+        <p:nvPicPr>
+          <p:cNvPr id="3" name="Picture 2"/>
+          <p:cNvPicPr>
+            <a:picLocks noChangeAspect="1"/>
+          </p:cNvPicPr>
+          <p:nvPr/>
+        </p:nvPicPr>
+        <p:blipFill>
+          <a:blip r:embed="rId3">
+            <a:extLst>
+              <a:ext uri="{28A0092B-C50C-407E-A947-70E740481C1C}">
+                <a14:useLocalDpi xmlns:a14="http://schemas.microsoft.com/office/drawing/2010/main" val="0"/>
+              </a:ext>
+            </a:extLst>
+          </a:blip>
+          <a:stretch>
+            <a:fillRect/>
+          </a:stretch>
+        </p:blipFill>
+        <p:spPr>
+          <a:xfrm>
+            <a:off x="11665867" y="3416895"/>
+            <a:ext cx="5285127" cy="3787924"/>
+          </a:xfrm>
+          <a:prstGeom prst="rect">
+            <a:avLst/>
+          </a:prstGeom>
+        </p:spPr>
+      </p:pic>
+      <p:sp>
+        <p:nvSpPr>
+          <p:cNvPr id="6" name="Rectangle 5"/>
+          <p:cNvSpPr/>
+          <p:nvPr/>
+        </p:nvSpPr>
+        <p:spPr>
+          <a:xfrm>
+            <a:off x="1224707" y="3953754"/>
+            <a:ext cx="9144000" cy="2714205"/>
+          </a:xfrm>
+          <a:prstGeom prst="rect">
+            <a:avLst/>
+          </a:prstGeom>
+        </p:spPr>
+        <p:txBody>
+          <a:bodyPr>
+            <a:spAutoFit/>
+          </a:bodyPr>
+          <a:lstStyle/>
+          <a:p>
+            <a:pPr marL="571500" indent="-571500" defTabSz="914400">
+              <a:lnSpc>
+                <a:spcPct val="90000"/>
+              </a:lnSpc>
+              <a:spcBef>
+                <a:spcPts val="1000"/>
+              </a:spcBef>
+              <a:buClr>
+                <a:schemeClr val="dk1"/>
+              </a:buClr>
+              <a:buSzPct val="78571"/>
+              <a:buFont typeface="Arial" panose="020B0604020202020204" pitchFamily="34" charset="0"/>
+              <a:buChar char="•"/>
+            </a:pPr>
+            <a:r>
+              <a:rPr lang="en-US" sz="3601" dirty="0">
+                <a:solidFill>
+                  <a:srgbClr val="31859C"/>
+                </a:solidFill>
+                <a:latin typeface="+mj-lt"/>
+              </a:rPr>
+              <a:t>Implement the architecture of our system and build the infrastructure virtually using software.</a:t>
+            </a:r>
+          </a:p>
+          <a:p>
+            <a:pPr marL="571500" indent="-571500" defTabSz="914400">
+              <a:lnSpc>
+                <a:spcPct val="90000"/>
+              </a:lnSpc>
+              <a:spcBef>
+                <a:spcPts val="1000"/>
+              </a:spcBef>
+              <a:buClr>
+                <a:schemeClr val="dk1"/>
+              </a:buClr>
+              <a:buSzPct val="78571"/>
+              <a:buFont typeface="Arial" panose="020B0604020202020204" pitchFamily="34" charset="0"/>
+              <a:buChar char="•"/>
+            </a:pPr>
+            <a:r>
+              <a:rPr lang="en-US" sz="3601" dirty="0">
+                <a:solidFill>
+                  <a:srgbClr val="31859C"/>
+                </a:solidFill>
+                <a:latin typeface="+mj-lt"/>
+              </a:rPr>
+              <a:t>Auto scale </a:t>
+            </a:r>
+            <a:r>
+              <a:rPr lang="en" sz="3601" dirty="0">
+                <a:solidFill>
+                  <a:srgbClr val="31859C"/>
+                </a:solidFill>
+                <a:latin typeface="+mj-lt"/>
+              </a:rPr>
+              <a:t>the architecture due to the situation &amp; the number of clients.</a:t>
+            </a:r>
+          </a:p>
+        </p:txBody>
+      </p:sp>
+    </p:spTree>
+    <p:extLst>
+      <p:ext uri="{BB962C8B-B14F-4D97-AF65-F5344CB8AC3E}">
+        <p14:creationId xmlns:p14="http://schemas.microsoft.com/office/powerpoint/2010/main" val="1054672261"/>
+      </p:ext>
+    </p:extLst>
+  </p:cSld>
+  <p:clrMapOvr>
+    <a:masterClrMapping/>
+  </p:clrMapOvr>
+  <mc:AlternateContent xmlns:mc="http://schemas.openxmlformats.org/markup-compatibility/2006" xmlns:p14="http://schemas.microsoft.com/office/powerpoint/2010/main">
+    <mc:Choice Requires="p14">
+      <p:transition spd="med" p14:dur="700">
+        <p:fade/>
+      </p:transition>
+    </mc:Choice>
+    <mc:Fallback xmlns="">
+      <p:transition spd="med">
+        <p:fade/>
+      </p:transition>
+    </mc:Fallback>
+  </mc:AlternateContent>
+</p:sld>
+</file>
+
+<file path=ppt/slides/slide15.xml><?xml version="1.0" encoding="utf-8"?>
+<p:sld xmlns:a="http://schemas.openxmlformats.org/drawingml/2006/main" xmlns:r="http://schemas.openxmlformats.org/officeDocument/2006/relationships" xmlns:p="http://schemas.openxmlformats.org/presentationml/2006/main">
+  <p:cSld>
+    <p:spTree>
+      <p:nvGrpSpPr>
+        <p:cNvPr id="1" name=""/>
+        <p:cNvGrpSpPr/>
+        <p:nvPr/>
+      </p:nvGrpSpPr>
+      <p:grpSpPr>
+        <a:xfrm>
+          <a:off x="0" y="0"/>
+          <a:ext cx="0" cy="0"/>
+          <a:chOff x="0" y="0"/>
+          <a:chExt cx="0" cy="0"/>
+        </a:xfrm>
+      </p:grpSpPr>
+      <p:sp>
+        <p:nvSpPr>
+          <p:cNvPr id="4" name="Title 22"/>
+          <p:cNvSpPr txBox="1">
+            <a:spLocks/>
+          </p:cNvSpPr>
+          <p:nvPr/>
+        </p:nvSpPr>
+        <p:spPr>
+          <a:xfrm>
+            <a:off x="914400" y="412750"/>
+            <a:ext cx="16462375" cy="1714500"/>
+          </a:xfrm>
+          <a:prstGeom prst="rect">
+            <a:avLst/>
+          </a:prstGeom>
+        </p:spPr>
+        <p:txBody>
+          <a:bodyPr vert="horz" lIns="91440" tIns="45720" rIns="91440" bIns="45720" rtlCol="0" anchor="ctr">
+            <a:normAutofit/>
+          </a:bodyPr>
+          <a:lstStyle>
+            <a:lvl1pPr algn="ctr" defTabSz="914400" rtl="0" eaLnBrk="1" latinLnBrk="0" hangingPunct="1">
+              <a:spcBef>
+                <a:spcPct val="0"/>
+              </a:spcBef>
+              <a:buNone/>
+              <a:defRPr sz="4400" kern="1200">
+                <a:solidFill>
+                  <a:schemeClr val="tx1"/>
+                </a:solidFill>
+                <a:latin typeface="+mj-lt"/>
+                <a:ea typeface="+mj-ea"/>
+                <a:cs typeface="+mj-cs"/>
+              </a:defRPr>
+            </a:lvl1pPr>
+          </a:lstStyle>
+          <a:p>
+            <a:pPr defTabSz="1633210"/>
+            <a:r>
+              <a:rPr lang="en-US" sz="5000" b="1" dirty="0">
+                <a:solidFill>
+                  <a:schemeClr val="accent5">
+                    <a:lumMod val="75000"/>
+                  </a:schemeClr>
+                </a:solidFill>
+                <a:ea typeface="+mn-ea"/>
+                <a:cs typeface="+mn-cs"/>
+              </a:rPr>
+              <a:t>PAAS</a:t>
+            </a:r>
+          </a:p>
+        </p:txBody>
+      </p:sp>
+      <p:pic>
+        <p:nvPicPr>
+          <p:cNvPr id="5" name="Picture 4"/>
+          <p:cNvPicPr>
+            <a:picLocks noChangeAspect="1"/>
+          </p:cNvPicPr>
+          <p:nvPr/>
+        </p:nvPicPr>
+        <p:blipFill>
+          <a:blip r:embed="rId2">
+            <a:extLst>
+              <a:ext uri="{28A0092B-C50C-407E-A947-70E740481C1C}">
+                <a14:useLocalDpi xmlns:a14="http://schemas.microsoft.com/office/drawing/2010/main" val="0"/>
+              </a:ext>
+            </a:extLst>
+          </a:blip>
+          <a:stretch>
+            <a:fillRect/>
+          </a:stretch>
+        </p:blipFill>
+        <p:spPr>
+          <a:xfrm rot="5400000">
+            <a:off x="8624452" y="-2432787"/>
+            <a:ext cx="1168254" cy="9003175"/>
+          </a:xfrm>
+          <a:prstGeom prst="rect">
+            <a:avLst/>
+          </a:prstGeom>
+        </p:spPr>
+      </p:pic>
+      <p:sp>
+        <p:nvSpPr>
+          <p:cNvPr id="6" name="Rectangle 5"/>
+          <p:cNvSpPr/>
+          <p:nvPr/>
+        </p:nvSpPr>
+        <p:spPr>
+          <a:xfrm>
+            <a:off x="1296715" y="3953754"/>
+            <a:ext cx="9144000" cy="2714205"/>
+          </a:xfrm>
+          <a:prstGeom prst="rect">
+            <a:avLst/>
+          </a:prstGeom>
+        </p:spPr>
+        <p:txBody>
+          <a:bodyPr>
+            <a:spAutoFit/>
+          </a:bodyPr>
+          <a:lstStyle/>
+          <a:p>
+            <a:pPr marL="571500" indent="-571500" algn="just" defTabSz="914400">
+              <a:lnSpc>
+                <a:spcPct val="90000"/>
+              </a:lnSpc>
+              <a:spcBef>
+                <a:spcPts val="1000"/>
+              </a:spcBef>
+              <a:buClr>
+                <a:schemeClr val="dk1"/>
+              </a:buClr>
+              <a:buSzPct val="78571"/>
+              <a:buFont typeface="Arial" panose="020B0604020202020204" pitchFamily="34" charset="0"/>
+              <a:buChar char="•"/>
+            </a:pPr>
+            <a:r>
+              <a:rPr lang="en-US" sz="3601" dirty="0">
+                <a:solidFill>
+                  <a:srgbClr val="31859C"/>
+                </a:solidFill>
+              </a:rPr>
+              <a:t>Don’t care about the infrastructure. So, pay a little bit more to abstract away those kind of details.</a:t>
+            </a:r>
+            <a:endParaRPr lang="en-US" sz="3601" dirty="0">
+              <a:solidFill>
+                <a:srgbClr val="31859C"/>
+              </a:solidFill>
+              <a:latin typeface="+mj-lt"/>
+            </a:endParaRPr>
+          </a:p>
+          <a:p>
+            <a:pPr marL="571500" indent="-571500" algn="just" defTabSz="914400">
+              <a:lnSpc>
+                <a:spcPct val="90000"/>
+              </a:lnSpc>
+              <a:spcBef>
+                <a:spcPts val="1000"/>
+              </a:spcBef>
+              <a:buClr>
+                <a:schemeClr val="dk1"/>
+              </a:buClr>
+              <a:buSzPct val="78571"/>
+              <a:buFont typeface="Arial" panose="020B0604020202020204" pitchFamily="34" charset="0"/>
+              <a:buChar char="•"/>
+            </a:pPr>
+            <a:r>
+              <a:rPr lang="en-US" sz="3601" dirty="0">
+                <a:solidFill>
+                  <a:srgbClr val="31859C"/>
+                </a:solidFill>
+                <a:latin typeface="+mj-lt"/>
+              </a:rPr>
+              <a:t>Make it easier for you to run your application on the cloud.</a:t>
+            </a:r>
+          </a:p>
+        </p:txBody>
+      </p:sp>
+      <p:pic>
+        <p:nvPicPr>
+          <p:cNvPr id="8" name="Picture 7"/>
+          <p:cNvPicPr>
+            <a:picLocks noChangeAspect="1"/>
+          </p:cNvPicPr>
+          <p:nvPr/>
+        </p:nvPicPr>
+        <p:blipFill>
+          <a:blip r:embed="rId3">
+            <a:extLst>
+              <a:ext uri="{28A0092B-C50C-407E-A947-70E740481C1C}">
+                <a14:useLocalDpi xmlns:a14="http://schemas.microsoft.com/office/drawing/2010/main" val="0"/>
+              </a:ext>
+            </a:extLst>
+          </a:blip>
+          <a:stretch>
+            <a:fillRect/>
+          </a:stretch>
+        </p:blipFill>
+        <p:spPr>
+          <a:xfrm>
+            <a:off x="11665866" y="3416895"/>
+            <a:ext cx="5285127" cy="3787924"/>
+          </a:xfrm>
+          <a:prstGeom prst="rect">
+            <a:avLst/>
+          </a:prstGeom>
+        </p:spPr>
+      </p:pic>
+    </p:spTree>
+    <p:extLst>
+      <p:ext uri="{BB962C8B-B14F-4D97-AF65-F5344CB8AC3E}">
+        <p14:creationId xmlns:p14="http://schemas.microsoft.com/office/powerpoint/2010/main" val="3986874717"/>
+      </p:ext>
+    </p:extLst>
+  </p:cSld>
+  <p:clrMapOvr>
+    <a:masterClrMapping/>
+  </p:clrMapOvr>
+  <mc:AlternateContent xmlns:mc="http://schemas.openxmlformats.org/markup-compatibility/2006" xmlns:p14="http://schemas.microsoft.com/office/powerpoint/2010/main">
+    <mc:Choice Requires="p14">
+      <p:transition spd="med" p14:dur="700">
+        <p:fade/>
+      </p:transition>
+    </mc:Choice>
+    <mc:Fallback xmlns="">
+      <p:transition spd="med">
+        <p:fade/>
+      </p:transition>
+    </mc:Fallback>
+  </mc:AlternateContent>
+</p:sld>
+</file>
+
+<file path=ppt/slides/slide16.xml><?xml version="1.0" encoding="utf-8"?>
+<p:sld xmlns:a="http://schemas.openxmlformats.org/drawingml/2006/main" xmlns:r="http://schemas.openxmlformats.org/officeDocument/2006/relationships" xmlns:p="http://schemas.openxmlformats.org/presentationml/2006/main">
+  <p:cSld>
+    <p:spTree>
+      <p:nvGrpSpPr>
+        <p:cNvPr id="1" name=""/>
+        <p:cNvGrpSpPr/>
+        <p:nvPr/>
+      </p:nvGrpSpPr>
+      <p:grpSpPr>
+        <a:xfrm>
+          <a:off x="0" y="0"/>
+          <a:ext cx="0" cy="0"/>
+          <a:chOff x="0" y="0"/>
+          <a:chExt cx="0" cy="0"/>
+        </a:xfrm>
+      </p:grpSpPr>
+      <p:sp>
+        <p:nvSpPr>
+          <p:cNvPr id="4" name="Title 22"/>
+          <p:cNvSpPr txBox="1">
+            <a:spLocks/>
+          </p:cNvSpPr>
+          <p:nvPr/>
+        </p:nvSpPr>
+        <p:spPr>
+          <a:xfrm>
+            <a:off x="914400" y="412750"/>
+            <a:ext cx="16462375" cy="1714500"/>
+          </a:xfrm>
+          <a:prstGeom prst="rect">
+            <a:avLst/>
+          </a:prstGeom>
+        </p:spPr>
+        <p:txBody>
+          <a:bodyPr vert="horz" lIns="91440" tIns="45720" rIns="91440" bIns="45720" rtlCol="0" anchor="ctr">
+            <a:normAutofit/>
+          </a:bodyPr>
+          <a:lstStyle>
+            <a:lvl1pPr algn="ctr" defTabSz="914400" rtl="0" eaLnBrk="1" latinLnBrk="0" hangingPunct="1">
+              <a:spcBef>
+                <a:spcPct val="0"/>
+              </a:spcBef>
+              <a:buNone/>
+              <a:defRPr sz="4400" kern="1200">
+                <a:solidFill>
+                  <a:schemeClr val="tx1"/>
+                </a:solidFill>
+                <a:latin typeface="+mj-lt"/>
+                <a:ea typeface="+mj-ea"/>
+                <a:cs typeface="+mj-cs"/>
+              </a:defRPr>
+            </a:lvl1pPr>
+          </a:lstStyle>
+          <a:p>
+            <a:pPr defTabSz="1633210"/>
+            <a:r>
+              <a:rPr lang="en-US" sz="5000" b="1" dirty="0">
+                <a:solidFill>
+                  <a:schemeClr val="accent5">
+                    <a:lumMod val="75000"/>
+                  </a:schemeClr>
+                </a:solidFill>
+                <a:ea typeface="+mn-ea"/>
+                <a:cs typeface="+mn-cs"/>
+              </a:rPr>
+              <a:t>SAAS</a:t>
+            </a:r>
+          </a:p>
+        </p:txBody>
+      </p:sp>
+      <p:pic>
+        <p:nvPicPr>
+          <p:cNvPr id="5" name="Picture 4"/>
+          <p:cNvPicPr>
+            <a:picLocks noChangeAspect="1"/>
+          </p:cNvPicPr>
+          <p:nvPr/>
+        </p:nvPicPr>
+        <p:blipFill>
+          <a:blip r:embed="rId2">
+            <a:extLst>
+              <a:ext uri="{28A0092B-C50C-407E-A947-70E740481C1C}">
+                <a14:useLocalDpi xmlns:a14="http://schemas.microsoft.com/office/drawing/2010/main" val="0"/>
+              </a:ext>
+            </a:extLst>
+          </a:blip>
+          <a:stretch>
+            <a:fillRect/>
+          </a:stretch>
+        </p:blipFill>
+        <p:spPr>
+          <a:xfrm rot="5400000">
+            <a:off x="8624452" y="-2432787"/>
+            <a:ext cx="1168254" cy="9003175"/>
+          </a:xfrm>
+          <a:prstGeom prst="rect">
+            <a:avLst/>
+          </a:prstGeom>
+        </p:spPr>
+      </p:pic>
+      <p:sp>
+        <p:nvSpPr>
+          <p:cNvPr id="6" name="Rectangle 5"/>
+          <p:cNvSpPr/>
+          <p:nvPr/>
+        </p:nvSpPr>
+        <p:spPr>
+          <a:xfrm>
+            <a:off x="1224707" y="4696860"/>
+            <a:ext cx="9144000" cy="1089786"/>
+          </a:xfrm>
+          <a:prstGeom prst="rect">
+            <a:avLst/>
+          </a:prstGeom>
+        </p:spPr>
+        <p:txBody>
+          <a:bodyPr>
+            <a:spAutoFit/>
+          </a:bodyPr>
+          <a:lstStyle/>
+          <a:p>
+            <a:pPr marL="571500" indent="-571500" defTabSz="914400">
+              <a:lnSpc>
+                <a:spcPct val="90000"/>
+              </a:lnSpc>
+              <a:spcBef>
+                <a:spcPts val="1000"/>
+              </a:spcBef>
+              <a:buClr>
+                <a:schemeClr val="dk1"/>
+              </a:buClr>
+              <a:buSzPct val="78571"/>
+              <a:buFont typeface="Arial" panose="020B0604020202020204" pitchFamily="34" charset="0"/>
+              <a:buChar char="•"/>
+            </a:pPr>
+            <a:r>
+              <a:rPr lang="en-US" sz="3601" dirty="0">
+                <a:solidFill>
+                  <a:srgbClr val="31859C"/>
+                </a:solidFill>
+                <a:latin typeface="+mj-lt"/>
+              </a:rPr>
+              <a:t>The all of underlying  implementation details are abstracted away.</a:t>
+            </a:r>
+          </a:p>
+        </p:txBody>
+      </p:sp>
+      <p:pic>
+        <p:nvPicPr>
+          <p:cNvPr id="7" name="Picture 6"/>
+          <p:cNvPicPr>
+            <a:picLocks noChangeAspect="1"/>
+          </p:cNvPicPr>
+          <p:nvPr/>
+        </p:nvPicPr>
+        <p:blipFill>
+          <a:blip r:embed="rId3">
+            <a:extLst>
+              <a:ext uri="{28A0092B-C50C-407E-A947-70E740481C1C}">
+                <a14:useLocalDpi xmlns:a14="http://schemas.microsoft.com/office/drawing/2010/main" val="0"/>
+              </a:ext>
+            </a:extLst>
+          </a:blip>
+          <a:stretch>
+            <a:fillRect/>
+          </a:stretch>
+        </p:blipFill>
+        <p:spPr>
+          <a:xfrm>
+            <a:off x="10873779" y="3056855"/>
+            <a:ext cx="6897671" cy="4369796"/>
+          </a:xfrm>
+          <a:prstGeom prst="rect">
+            <a:avLst/>
+          </a:prstGeom>
+        </p:spPr>
+      </p:pic>
+    </p:spTree>
+    <p:extLst>
+      <p:ext uri="{BB962C8B-B14F-4D97-AF65-F5344CB8AC3E}">
+        <p14:creationId xmlns:p14="http://schemas.microsoft.com/office/powerpoint/2010/main" val="874263649"/>
+      </p:ext>
+    </p:extLst>
+  </p:cSld>
+  <p:clrMapOvr>
+    <a:masterClrMapping/>
+  </p:clrMapOvr>
+  <mc:AlternateContent xmlns:mc="http://schemas.openxmlformats.org/markup-compatibility/2006" xmlns:p14="http://schemas.microsoft.com/office/powerpoint/2010/main">
+    <mc:Choice Requires="p14">
+      <p:transition spd="med" p14:dur="700">
+        <p:fade/>
+      </p:transition>
+    </mc:Choice>
+    <mc:Fallback xmlns="">
+      <p:transition spd="med">
+        <p:fade/>
+      </p:transition>
+    </mc:Fallback>
+  </mc:AlternateContent>
+</p:sld>
+</file>
+
+<file path=ppt/slides/slide17.xml><?xml version="1.0" encoding="utf-8"?>
+<p:sld xmlns:a="http://schemas.openxmlformats.org/drawingml/2006/main" xmlns:r="http://schemas.openxmlformats.org/officeDocument/2006/relationships" xmlns:p="http://schemas.openxmlformats.org/presentationml/2006/main">
+  <p:cSld>
+    <p:spTree>
+      <p:nvGrpSpPr>
+        <p:cNvPr id="1" name=""/>
+        <p:cNvGrpSpPr/>
+        <p:nvPr/>
+      </p:nvGrpSpPr>
+      <p:grpSpPr>
+        <a:xfrm>
+          <a:off x="0" y="0"/>
+          <a:ext cx="0" cy="0"/>
+          <a:chOff x="0" y="0"/>
+          <a:chExt cx="0" cy="0"/>
+        </a:xfrm>
+      </p:grpSpPr>
+      <p:sp>
+        <p:nvSpPr>
+          <p:cNvPr id="4" name="Title 22"/>
+          <p:cNvSpPr txBox="1">
+            <a:spLocks/>
+          </p:cNvSpPr>
+          <p:nvPr/>
+        </p:nvSpPr>
+        <p:spPr>
+          <a:xfrm>
+            <a:off x="914400" y="412750"/>
+            <a:ext cx="16462375" cy="1714500"/>
+          </a:xfrm>
+          <a:prstGeom prst="rect">
+            <a:avLst/>
+          </a:prstGeom>
+        </p:spPr>
+        <p:txBody>
+          <a:bodyPr vert="horz" lIns="91440" tIns="45720" rIns="91440" bIns="45720" rtlCol="0" anchor="ctr">
+            <a:normAutofit/>
+          </a:bodyPr>
+          <a:lstStyle>
+            <a:lvl1pPr algn="ctr" defTabSz="914400" rtl="0" eaLnBrk="1" latinLnBrk="0" hangingPunct="1">
+              <a:spcBef>
+                <a:spcPct val="0"/>
+              </a:spcBef>
+              <a:buNone/>
+              <a:defRPr sz="4400" kern="1200">
+                <a:solidFill>
+                  <a:schemeClr val="tx1"/>
+                </a:solidFill>
+                <a:latin typeface="+mj-lt"/>
+                <a:ea typeface="+mj-ea"/>
+                <a:cs typeface="+mj-cs"/>
+              </a:defRPr>
+            </a:lvl1pPr>
+          </a:lstStyle>
+          <a:p>
+            <a:pPr defTabSz="1633210"/>
+            <a:r>
+              <a:rPr lang="en-US" sz="5000" b="1" dirty="0">
+                <a:solidFill>
+                  <a:schemeClr val="accent5">
+                    <a:lumMod val="75000"/>
+                  </a:schemeClr>
+                </a:solidFill>
+                <a:ea typeface="+mn-ea"/>
+                <a:cs typeface="+mn-cs"/>
+              </a:rPr>
+              <a:t>Those was cloud service models</a:t>
+            </a:r>
+          </a:p>
+        </p:txBody>
+      </p:sp>
+      <p:pic>
+        <p:nvPicPr>
+          <p:cNvPr id="5" name="Picture 4"/>
+          <p:cNvPicPr>
+            <a:picLocks noChangeAspect="1"/>
+          </p:cNvPicPr>
+          <p:nvPr/>
+        </p:nvPicPr>
+        <p:blipFill>
+          <a:blip r:embed="rId2">
+            <a:extLst>
+              <a:ext uri="{28A0092B-C50C-407E-A947-70E740481C1C}">
+                <a14:useLocalDpi xmlns:a14="http://schemas.microsoft.com/office/drawing/2010/main" val="0"/>
+              </a:ext>
+            </a:extLst>
+          </a:blip>
+          <a:stretch>
+            <a:fillRect/>
+          </a:stretch>
+        </p:blipFill>
+        <p:spPr>
+          <a:xfrm rot="5400000">
+            <a:off x="8624452" y="-2432787"/>
+            <a:ext cx="1168254" cy="9003175"/>
+          </a:xfrm>
+          <a:prstGeom prst="rect">
+            <a:avLst/>
+          </a:prstGeom>
+        </p:spPr>
+      </p:pic>
+      <p:pic>
+        <p:nvPicPr>
+          <p:cNvPr id="3" name="Picture 2"/>
+          <p:cNvPicPr>
+            <a:picLocks noChangeAspect="1"/>
+          </p:cNvPicPr>
+          <p:nvPr/>
+        </p:nvPicPr>
+        <p:blipFill>
+          <a:blip r:embed="rId3">
+            <a:extLst>
+              <a:ext uri="{28A0092B-C50C-407E-A947-70E740481C1C}">
+                <a14:useLocalDpi xmlns:a14="http://schemas.microsoft.com/office/drawing/2010/main" val="0"/>
+              </a:ext>
+            </a:extLst>
+          </a:blip>
+          <a:stretch>
+            <a:fillRect/>
+          </a:stretch>
+        </p:blipFill>
+        <p:spPr>
+          <a:xfrm>
+            <a:off x="2115505" y="2652928"/>
+            <a:ext cx="14186147" cy="4989574"/>
+          </a:xfrm>
+          <a:prstGeom prst="rect">
+            <a:avLst/>
+          </a:prstGeom>
+        </p:spPr>
+      </p:pic>
+    </p:spTree>
+    <p:extLst>
+      <p:ext uri="{BB962C8B-B14F-4D97-AF65-F5344CB8AC3E}">
+        <p14:creationId xmlns:p14="http://schemas.microsoft.com/office/powerpoint/2010/main" val="1047148407"/>
+      </p:ext>
+    </p:extLst>
+  </p:cSld>
+  <p:clrMapOvr>
+    <a:masterClrMapping/>
+  </p:clrMapOvr>
+  <mc:AlternateContent xmlns:mc="http://schemas.openxmlformats.org/markup-compatibility/2006" xmlns:p14="http://schemas.microsoft.com/office/powerpoint/2010/main">
+    <mc:Choice Requires="p14">
+      <p:transition spd="med" p14:dur="700">
+        <p:fade/>
+      </p:transition>
+    </mc:Choice>
+    <mc:Fallback xmlns="">
+      <p:transition spd="med">
+        <p:fade/>
+      </p:transition>
+    </mc:Fallback>
+  </mc:AlternateContent>
+</p:sld>
+</file>
+
+<file path=ppt/slides/slide18.xml><?xml version="1.0" encoding="utf-8"?>
+<p:sld xmlns:a="http://schemas.openxmlformats.org/drawingml/2006/main" xmlns:r="http://schemas.openxmlformats.org/officeDocument/2006/relationships" xmlns:p="http://schemas.openxmlformats.org/presentationml/2006/main">
+  <p:cSld>
+    <p:spTree>
+      <p:nvGrpSpPr>
+        <p:cNvPr id="1" name=""/>
+        <p:cNvGrpSpPr/>
+        <p:nvPr/>
+      </p:nvGrpSpPr>
+      <p:grpSpPr>
+        <a:xfrm>
+          <a:off x="0" y="0"/>
+          <a:ext cx="0" cy="0"/>
+          <a:chOff x="0" y="0"/>
+          <a:chExt cx="0" cy="0"/>
+        </a:xfrm>
+      </p:grpSpPr>
+      <p:sp>
+        <p:nvSpPr>
+          <p:cNvPr id="4" name="Title 22"/>
+          <p:cNvSpPr txBox="1">
+            <a:spLocks/>
+          </p:cNvSpPr>
+          <p:nvPr/>
+        </p:nvSpPr>
+        <p:spPr>
+          <a:xfrm>
+            <a:off x="914400" y="412750"/>
+            <a:ext cx="16462375" cy="1714500"/>
+          </a:xfrm>
+          <a:prstGeom prst="rect">
+            <a:avLst/>
+          </a:prstGeom>
+        </p:spPr>
+        <p:txBody>
+          <a:bodyPr vert="horz" lIns="91440" tIns="45720" rIns="91440" bIns="45720" rtlCol="0" anchor="ctr">
+            <a:normAutofit/>
+          </a:bodyPr>
+          <a:lstStyle>
+            <a:lvl1pPr algn="ctr" defTabSz="914400" rtl="0" eaLnBrk="1" latinLnBrk="0" hangingPunct="1">
+              <a:spcBef>
+                <a:spcPct val="0"/>
+              </a:spcBef>
+              <a:buNone/>
+              <a:defRPr sz="4400" kern="1200">
+                <a:solidFill>
+                  <a:schemeClr val="tx1"/>
+                </a:solidFill>
+                <a:latin typeface="+mj-lt"/>
+                <a:ea typeface="+mj-ea"/>
+                <a:cs typeface="+mj-cs"/>
+              </a:defRPr>
+            </a:lvl1pPr>
+          </a:lstStyle>
+          <a:p>
+            <a:pPr defTabSz="1633210"/>
+            <a:r>
+              <a:rPr lang="en-US" sz="5000" b="1" dirty="0">
+                <a:solidFill>
+                  <a:schemeClr val="accent5">
+                    <a:lumMod val="75000"/>
+                  </a:schemeClr>
+                </a:solidFill>
+                <a:ea typeface="+mn-ea"/>
+                <a:cs typeface="+mn-cs"/>
+              </a:rPr>
+              <a:t>Vertical Scaling</a:t>
+            </a:r>
+          </a:p>
+        </p:txBody>
+      </p:sp>
+      <p:pic>
+        <p:nvPicPr>
+          <p:cNvPr id="5" name="Picture 4"/>
+          <p:cNvPicPr>
+            <a:picLocks noChangeAspect="1"/>
+          </p:cNvPicPr>
+          <p:nvPr/>
+        </p:nvPicPr>
+        <p:blipFill>
+          <a:blip r:embed="rId2">
+            <a:extLst>
+              <a:ext uri="{28A0092B-C50C-407E-A947-70E740481C1C}">
+                <a14:useLocalDpi xmlns:a14="http://schemas.microsoft.com/office/drawing/2010/main" val="0"/>
+              </a:ext>
+            </a:extLst>
+          </a:blip>
+          <a:stretch>
+            <a:fillRect/>
+          </a:stretch>
+        </p:blipFill>
+        <p:spPr>
+          <a:xfrm rot="5400000">
+            <a:off x="8624452" y="-2432787"/>
+            <a:ext cx="1168254" cy="9003175"/>
+          </a:xfrm>
+          <a:prstGeom prst="rect">
+            <a:avLst/>
+          </a:prstGeom>
+        </p:spPr>
+      </p:pic>
+      <p:sp>
+        <p:nvSpPr>
+          <p:cNvPr id="10" name="Cube 9"/>
+          <p:cNvSpPr/>
+          <p:nvPr/>
+        </p:nvSpPr>
+        <p:spPr>
+          <a:xfrm>
+            <a:off x="15338275" y="2840831"/>
+            <a:ext cx="1283368" cy="1812758"/>
+          </a:xfrm>
+          <a:prstGeom prst="cube">
+            <a:avLst>
+              <a:gd name="adj" fmla="val 38750"/>
+            </a:avLst>
+          </a:prstGeom>
+        </p:spPr>
+        <p:style>
+          <a:lnRef idx="2">
+            <a:schemeClr val="accent1">
+              <a:shade val="50000"/>
+            </a:schemeClr>
+          </a:lnRef>
+          <a:fillRef idx="1">
+            <a:schemeClr val="accent1"/>
+          </a:fillRef>
+          <a:effectRef idx="0">
+            <a:schemeClr val="accent1"/>
+          </a:effectRef>
+          <a:fontRef idx="minor">
+            <a:schemeClr val="lt1"/>
+          </a:fontRef>
+        </p:style>
+        <p:txBody>
+          <a:bodyPr rtlCol="0" anchor="ctr"/>
+          <a:lstStyle/>
+          <a:p>
+            <a:pPr algn="ctr"/>
+            <a:endParaRPr lang="en-US"/>
+          </a:p>
+        </p:txBody>
+      </p:sp>
+      <p:sp>
+        <p:nvSpPr>
+          <p:cNvPr id="11" name="Cube 10"/>
+          <p:cNvSpPr/>
+          <p:nvPr/>
+        </p:nvSpPr>
+        <p:spPr>
+          <a:xfrm>
+            <a:off x="15643075" y="4887097"/>
+            <a:ext cx="793754" cy="1314555"/>
+          </a:xfrm>
+          <a:prstGeom prst="cube">
+            <a:avLst>
+              <a:gd name="adj" fmla="val 38750"/>
+            </a:avLst>
+          </a:prstGeom>
+        </p:spPr>
+        <p:style>
+          <a:lnRef idx="2">
+            <a:schemeClr val="accent1">
+              <a:shade val="50000"/>
+            </a:schemeClr>
+          </a:lnRef>
+          <a:fillRef idx="1">
+            <a:schemeClr val="accent1"/>
+          </a:fillRef>
+          <a:effectRef idx="0">
+            <a:schemeClr val="accent1"/>
+          </a:effectRef>
+          <a:fontRef idx="minor">
+            <a:schemeClr val="lt1"/>
+          </a:fontRef>
+        </p:style>
+        <p:txBody>
+          <a:bodyPr rtlCol="0" anchor="ctr"/>
+          <a:lstStyle/>
+          <a:p>
+            <a:pPr algn="ctr"/>
+            <a:endParaRPr lang="en-US"/>
+          </a:p>
+        </p:txBody>
+      </p:sp>
+      <p:sp>
+        <p:nvSpPr>
+          <p:cNvPr id="12" name="Cube 11"/>
+          <p:cNvSpPr/>
+          <p:nvPr/>
+        </p:nvSpPr>
+        <p:spPr>
+          <a:xfrm>
+            <a:off x="15979958" y="6489340"/>
+            <a:ext cx="396343" cy="578586"/>
+          </a:xfrm>
+          <a:prstGeom prst="cube">
+            <a:avLst>
+              <a:gd name="adj" fmla="val 38750"/>
+            </a:avLst>
+          </a:prstGeom>
+        </p:spPr>
+        <p:style>
+          <a:lnRef idx="2">
+            <a:schemeClr val="accent1">
+              <a:shade val="50000"/>
+            </a:schemeClr>
+          </a:lnRef>
+          <a:fillRef idx="1">
+            <a:schemeClr val="accent1"/>
+          </a:fillRef>
+          <a:effectRef idx="0">
+            <a:schemeClr val="accent1"/>
+          </a:effectRef>
+          <a:fontRef idx="minor">
+            <a:schemeClr val="lt1"/>
+          </a:fontRef>
+        </p:style>
+        <p:txBody>
+          <a:bodyPr rtlCol="0" anchor="ctr"/>
+          <a:lstStyle/>
+          <a:p>
+            <a:pPr algn="ctr"/>
+            <a:endParaRPr lang="en-US"/>
+          </a:p>
+        </p:txBody>
+      </p:sp>
+      <p:sp>
+        <p:nvSpPr>
+          <p:cNvPr id="13" name="Rectangle 12"/>
+          <p:cNvSpPr/>
+          <p:nvPr/>
+        </p:nvSpPr>
+        <p:spPr>
+          <a:xfrm>
+            <a:off x="15490675" y="3603729"/>
+            <a:ext cx="489284" cy="143481"/>
+          </a:xfrm>
+          <a:prstGeom prst="rect">
+            <a:avLst/>
+          </a:prstGeom>
+          <a:ln>
+            <a:solidFill>
+              <a:schemeClr val="bg1"/>
+            </a:solidFill>
+          </a:ln>
+        </p:spPr>
+        <p:style>
+          <a:lnRef idx="2">
+            <a:schemeClr val="accent1">
+              <a:shade val="50000"/>
+            </a:schemeClr>
+          </a:lnRef>
+          <a:fillRef idx="1">
+            <a:schemeClr val="accent1"/>
+          </a:fillRef>
+          <a:effectRef idx="0">
+            <a:schemeClr val="accent1"/>
+          </a:effectRef>
+          <a:fontRef idx="minor">
+            <a:schemeClr val="lt1"/>
+          </a:fontRef>
+        </p:style>
+        <p:txBody>
+          <a:bodyPr rtlCol="0" anchor="ctr"/>
+          <a:lstStyle/>
+          <a:p>
+            <a:pPr algn="ctr"/>
+            <a:endParaRPr lang="en-US"/>
+          </a:p>
+        </p:txBody>
+      </p:sp>
+      <p:sp>
+        <p:nvSpPr>
+          <p:cNvPr id="14" name="Rectangle 13"/>
+          <p:cNvSpPr/>
+          <p:nvPr/>
+        </p:nvSpPr>
+        <p:spPr>
+          <a:xfrm>
+            <a:off x="15747843" y="5416487"/>
+            <a:ext cx="304635" cy="45719"/>
+          </a:xfrm>
+          <a:prstGeom prst="rect">
+            <a:avLst/>
+          </a:prstGeom>
+          <a:ln>
+            <a:solidFill>
+              <a:schemeClr val="bg1"/>
+            </a:solidFill>
+          </a:ln>
+        </p:spPr>
+        <p:style>
+          <a:lnRef idx="2">
+            <a:schemeClr val="accent1">
+              <a:shade val="50000"/>
+            </a:schemeClr>
+          </a:lnRef>
+          <a:fillRef idx="1">
+            <a:schemeClr val="accent1"/>
+          </a:fillRef>
+          <a:effectRef idx="0">
+            <a:schemeClr val="accent1"/>
+          </a:effectRef>
+          <a:fontRef idx="minor">
+            <a:schemeClr val="lt1"/>
+          </a:fontRef>
+        </p:style>
+        <p:txBody>
+          <a:bodyPr rtlCol="0" anchor="ctr"/>
+          <a:lstStyle/>
+          <a:p>
+            <a:pPr algn="ctr"/>
+            <a:endParaRPr lang="en-US"/>
+          </a:p>
+        </p:txBody>
+      </p:sp>
+      <p:sp>
+        <p:nvSpPr>
+          <p:cNvPr id="15" name="Rectangle 14"/>
+          <p:cNvSpPr/>
+          <p:nvPr/>
+        </p:nvSpPr>
+        <p:spPr>
+          <a:xfrm>
+            <a:off x="16014754" y="6731042"/>
+            <a:ext cx="159595" cy="45719"/>
+          </a:xfrm>
+          <a:prstGeom prst="rect">
+            <a:avLst/>
+          </a:prstGeom>
+          <a:ln>
+            <a:solidFill>
+              <a:schemeClr val="bg1"/>
+            </a:solidFill>
+          </a:ln>
+        </p:spPr>
+        <p:style>
+          <a:lnRef idx="2">
+            <a:schemeClr val="accent1">
+              <a:shade val="50000"/>
+            </a:schemeClr>
+          </a:lnRef>
+          <a:fillRef idx="1">
+            <a:schemeClr val="accent1"/>
+          </a:fillRef>
+          <a:effectRef idx="0">
+            <a:schemeClr val="accent1"/>
+          </a:effectRef>
+          <a:fontRef idx="minor">
+            <a:schemeClr val="lt1"/>
+          </a:fontRef>
+        </p:style>
+        <p:txBody>
+          <a:bodyPr rtlCol="0" anchor="ctr"/>
+          <a:lstStyle/>
+          <a:p>
+            <a:pPr algn="ctr"/>
+            <a:endParaRPr lang="en-US"/>
+          </a:p>
+        </p:txBody>
+      </p:sp>
+      <p:cxnSp>
+        <p:nvCxnSpPr>
+          <p:cNvPr id="16" name="Straight Connector 15"/>
+          <p:cNvCxnSpPr/>
+          <p:nvPr/>
+        </p:nvCxnSpPr>
+        <p:spPr>
+          <a:xfrm>
+            <a:off x="15488841" y="4493063"/>
+            <a:ext cx="491118" cy="19051"/>
+          </a:xfrm>
+          <a:prstGeom prst="line">
+            <a:avLst/>
+          </a:prstGeom>
+          <a:ln>
+            <a:solidFill>
+              <a:schemeClr val="bg1"/>
+            </a:solidFill>
+          </a:ln>
+        </p:spPr>
+        <p:style>
+          <a:lnRef idx="1">
+            <a:schemeClr val="accent1"/>
+          </a:lnRef>
+          <a:fillRef idx="0">
+            <a:schemeClr val="accent1"/>
+          </a:fillRef>
+          <a:effectRef idx="0">
+            <a:schemeClr val="accent1"/>
+          </a:effectRef>
+          <a:fontRef idx="minor">
+            <a:schemeClr val="tx1"/>
+          </a:fontRef>
+        </p:style>
+      </p:cxnSp>
+      <p:cxnSp>
+        <p:nvCxnSpPr>
+          <p:cNvPr id="17" name="Straight Connector 16"/>
+          <p:cNvCxnSpPr/>
+          <p:nvPr/>
+        </p:nvCxnSpPr>
+        <p:spPr>
+          <a:xfrm>
+            <a:off x="15483986" y="4366784"/>
+            <a:ext cx="491118" cy="19051"/>
+          </a:xfrm>
+          <a:prstGeom prst="line">
+            <a:avLst/>
+          </a:prstGeom>
+          <a:ln>
+            <a:solidFill>
+              <a:schemeClr val="bg1"/>
+            </a:solidFill>
+          </a:ln>
+        </p:spPr>
+        <p:style>
+          <a:lnRef idx="1">
+            <a:schemeClr val="accent1"/>
+          </a:lnRef>
+          <a:fillRef idx="0">
+            <a:schemeClr val="accent1"/>
+          </a:fillRef>
+          <a:effectRef idx="0">
+            <a:schemeClr val="accent1"/>
+          </a:effectRef>
+          <a:fontRef idx="minor">
+            <a:schemeClr val="tx1"/>
+          </a:fontRef>
+        </p:style>
+      </p:cxnSp>
+      <p:cxnSp>
+        <p:nvCxnSpPr>
+          <p:cNvPr id="18" name="Straight Connector 17"/>
+          <p:cNvCxnSpPr/>
+          <p:nvPr/>
+        </p:nvCxnSpPr>
+        <p:spPr>
+          <a:xfrm>
+            <a:off x="15747843" y="6093263"/>
+            <a:ext cx="232116" cy="0"/>
+          </a:xfrm>
+          <a:prstGeom prst="line">
+            <a:avLst/>
+          </a:prstGeom>
+          <a:ln>
+            <a:solidFill>
+              <a:schemeClr val="bg1"/>
+            </a:solidFill>
+          </a:ln>
+        </p:spPr>
+        <p:style>
+          <a:lnRef idx="1">
+            <a:schemeClr val="accent1"/>
+          </a:lnRef>
+          <a:fillRef idx="0">
+            <a:schemeClr val="accent1"/>
+          </a:fillRef>
+          <a:effectRef idx="0">
+            <a:schemeClr val="accent1"/>
+          </a:effectRef>
+          <a:fontRef idx="minor">
+            <a:schemeClr val="tx1"/>
+          </a:fontRef>
+        </p:style>
+      </p:cxnSp>
+      <p:cxnSp>
+        <p:nvCxnSpPr>
+          <p:cNvPr id="19" name="Straight Connector 18"/>
+          <p:cNvCxnSpPr/>
+          <p:nvPr/>
+        </p:nvCxnSpPr>
+        <p:spPr>
+          <a:xfrm>
+            <a:off x="15751428" y="6036113"/>
+            <a:ext cx="232116" cy="0"/>
+          </a:xfrm>
+          <a:prstGeom prst="line">
+            <a:avLst/>
+          </a:prstGeom>
+          <a:ln>
+            <a:solidFill>
+              <a:schemeClr val="bg1"/>
+            </a:solidFill>
+          </a:ln>
+        </p:spPr>
+        <p:style>
+          <a:lnRef idx="1">
+            <a:schemeClr val="accent1"/>
+          </a:lnRef>
+          <a:fillRef idx="0">
+            <a:schemeClr val="accent1"/>
+          </a:fillRef>
+          <a:effectRef idx="0">
+            <a:schemeClr val="accent1"/>
+          </a:effectRef>
+          <a:fontRef idx="minor">
+            <a:schemeClr val="tx1"/>
+          </a:fontRef>
+        </p:style>
+      </p:cxnSp>
+      <p:cxnSp>
+        <p:nvCxnSpPr>
+          <p:cNvPr id="20" name="Straight Connector 19"/>
+          <p:cNvCxnSpPr>
+            <a:stCxn id="12" idx="3"/>
+            <a:endCxn id="12" idx="3"/>
+          </p:cNvCxnSpPr>
+          <p:nvPr/>
+        </p:nvCxnSpPr>
+        <p:spPr>
+          <a:xfrm>
+            <a:off x="16101338" y="7067926"/>
+            <a:ext cx="0" cy="0"/>
+          </a:xfrm>
+          <a:prstGeom prst="line">
+            <a:avLst/>
+          </a:prstGeom>
+          <a:ln>
+            <a:solidFill>
+              <a:schemeClr val="bg1"/>
+            </a:solidFill>
+          </a:ln>
+        </p:spPr>
+        <p:style>
+          <a:lnRef idx="1">
+            <a:schemeClr val="accent1"/>
+          </a:lnRef>
+          <a:fillRef idx="0">
+            <a:schemeClr val="accent1"/>
+          </a:fillRef>
+          <a:effectRef idx="0">
+            <a:schemeClr val="accent1"/>
+          </a:effectRef>
+          <a:fontRef idx="minor">
+            <a:schemeClr val="tx1"/>
+          </a:fontRef>
+        </p:style>
+      </p:cxnSp>
+      <p:cxnSp>
+        <p:nvCxnSpPr>
+          <p:cNvPr id="21" name="Straight Connector 20"/>
+          <p:cNvCxnSpPr>
+            <a:stCxn id="12" idx="3"/>
+            <a:endCxn id="12" idx="3"/>
+          </p:cNvCxnSpPr>
+          <p:nvPr/>
+        </p:nvCxnSpPr>
+        <p:spPr>
+          <a:xfrm>
+            <a:off x="16101338" y="7067926"/>
+            <a:ext cx="0" cy="0"/>
+          </a:xfrm>
+          <a:prstGeom prst="line">
+            <a:avLst/>
+          </a:prstGeom>
+          <a:ln>
+            <a:solidFill>
+              <a:schemeClr val="bg1"/>
+            </a:solidFill>
+          </a:ln>
+        </p:spPr>
+        <p:style>
+          <a:lnRef idx="1">
+            <a:schemeClr val="accent1"/>
+          </a:lnRef>
+          <a:fillRef idx="0">
+            <a:schemeClr val="accent1"/>
+          </a:fillRef>
+          <a:effectRef idx="0">
+            <a:schemeClr val="accent1"/>
+          </a:effectRef>
+          <a:fontRef idx="minor">
+            <a:schemeClr val="tx1"/>
+          </a:fontRef>
+        </p:style>
+      </p:cxnSp>
+      <p:cxnSp>
+        <p:nvCxnSpPr>
+          <p:cNvPr id="22" name="Straight Connector 21"/>
+          <p:cNvCxnSpPr>
+            <a:stCxn id="12" idx="3"/>
+            <a:endCxn id="12" idx="3"/>
+          </p:cNvCxnSpPr>
+          <p:nvPr/>
+        </p:nvCxnSpPr>
+        <p:spPr>
+          <a:xfrm>
+            <a:off x="16101338" y="7067926"/>
+            <a:ext cx="0" cy="0"/>
+          </a:xfrm>
+          <a:prstGeom prst="line">
+            <a:avLst/>
+          </a:prstGeom>
+        </p:spPr>
+        <p:style>
+          <a:lnRef idx="1">
+            <a:schemeClr val="accent1"/>
+          </a:lnRef>
+          <a:fillRef idx="0">
+            <a:schemeClr val="accent1"/>
+          </a:fillRef>
+          <a:effectRef idx="0">
+            <a:schemeClr val="accent1"/>
+          </a:effectRef>
+          <a:fontRef idx="minor">
+            <a:schemeClr val="tx1"/>
+          </a:fontRef>
+        </p:style>
+      </p:cxnSp>
+      <p:cxnSp>
+        <p:nvCxnSpPr>
+          <p:cNvPr id="23" name="Straight Connector 22"/>
+          <p:cNvCxnSpPr/>
+          <p:nvPr/>
+        </p:nvCxnSpPr>
+        <p:spPr>
+          <a:xfrm>
+            <a:off x="16014754" y="7002389"/>
+            <a:ext cx="152317" cy="15937"/>
+          </a:xfrm>
+          <a:prstGeom prst="line">
+            <a:avLst/>
+          </a:prstGeom>
+          <a:ln>
+            <a:solidFill>
+              <a:schemeClr val="bg1"/>
+            </a:solidFill>
+          </a:ln>
+        </p:spPr>
+        <p:style>
+          <a:lnRef idx="1">
+            <a:schemeClr val="accent1"/>
+          </a:lnRef>
+          <a:fillRef idx="0">
+            <a:schemeClr val="accent1"/>
+          </a:fillRef>
+          <a:effectRef idx="0">
+            <a:schemeClr val="accent1"/>
+          </a:effectRef>
+          <a:fontRef idx="minor">
+            <a:schemeClr val="tx1"/>
+          </a:fontRef>
+        </p:style>
+      </p:cxnSp>
+      <p:cxnSp>
+        <p:nvCxnSpPr>
+          <p:cNvPr id="24" name="Straight Connector 23"/>
+          <p:cNvCxnSpPr/>
+          <p:nvPr/>
+        </p:nvCxnSpPr>
+        <p:spPr>
+          <a:xfrm>
+            <a:off x="16022032" y="6944820"/>
+            <a:ext cx="152317" cy="15937"/>
+          </a:xfrm>
+          <a:prstGeom prst="line">
+            <a:avLst/>
+          </a:prstGeom>
+          <a:ln>
+            <a:solidFill>
+              <a:schemeClr val="bg1"/>
+            </a:solidFill>
+          </a:ln>
+        </p:spPr>
+        <p:style>
+          <a:lnRef idx="1">
+            <a:schemeClr val="accent1"/>
+          </a:lnRef>
+          <a:fillRef idx="0">
+            <a:schemeClr val="accent1"/>
+          </a:fillRef>
+          <a:effectRef idx="0">
+            <a:schemeClr val="accent1"/>
+          </a:effectRef>
+          <a:fontRef idx="minor">
+            <a:schemeClr val="tx1"/>
+          </a:fontRef>
+        </p:style>
+      </p:cxnSp>
+      <p:sp>
+        <p:nvSpPr>
+          <p:cNvPr id="2" name="Rectangle 1"/>
+          <p:cNvSpPr/>
+          <p:nvPr/>
+        </p:nvSpPr>
+        <p:spPr>
+          <a:xfrm>
+            <a:off x="931785" y="4018123"/>
+            <a:ext cx="13402014" cy="2842445"/>
+          </a:xfrm>
+          <a:prstGeom prst="rect">
+            <a:avLst/>
+          </a:prstGeom>
+        </p:spPr>
+        <p:txBody>
+          <a:bodyPr wrap="square">
+            <a:spAutoFit/>
+          </a:bodyPr>
+          <a:lstStyle/>
+          <a:p>
+            <a:pPr marL="571500" indent="-571500" defTabSz="914400">
+              <a:lnSpc>
+                <a:spcPct val="90000"/>
+              </a:lnSpc>
+              <a:spcBef>
+                <a:spcPts val="1000"/>
+              </a:spcBef>
+              <a:buClr>
+                <a:schemeClr val="dk1"/>
+              </a:buClr>
+              <a:buSzPct val="78571"/>
+              <a:buFont typeface="Arial" panose="020B0604020202020204" pitchFamily="34" charset="0"/>
+              <a:buChar char="•"/>
+            </a:pPr>
+            <a:r>
+              <a:rPr lang="en-US" sz="3601" dirty="0">
+                <a:solidFill>
+                  <a:srgbClr val="31859C"/>
+                </a:solidFill>
+              </a:rPr>
+              <a:t>Increase the capacity of existing hardware or software by adding resources (RAM, CPU,Disks,..).</a:t>
+            </a:r>
+            <a:endParaRPr lang="en-US" sz="3601" dirty="0">
+              <a:solidFill>
+                <a:srgbClr val="31859C"/>
+              </a:solidFill>
+              <a:latin typeface="+mj-lt"/>
+            </a:endParaRPr>
+          </a:p>
+          <a:p>
+            <a:pPr marL="571500" indent="-571500" defTabSz="914400">
+              <a:lnSpc>
+                <a:spcPct val="90000"/>
+              </a:lnSpc>
+              <a:spcBef>
+                <a:spcPts val="1000"/>
+              </a:spcBef>
+              <a:buClr>
+                <a:schemeClr val="dk1"/>
+              </a:buClr>
+              <a:buSzPct val="78571"/>
+              <a:buFont typeface="Arial" panose="020B0604020202020204" pitchFamily="34" charset="0"/>
+              <a:buChar char="•"/>
+            </a:pPr>
+            <a:r>
+              <a:rPr lang="en-US" sz="3601" dirty="0">
+                <a:solidFill>
+                  <a:srgbClr val="31859C"/>
+                </a:solidFill>
+                <a:latin typeface="+mj-lt"/>
+              </a:rPr>
+              <a:t>Vertical scaling is limited by the fact that you can only get as big as the size of the server.</a:t>
+            </a:r>
+          </a:p>
+          <a:p>
+            <a:pPr marL="571500" indent="-571500" defTabSz="914400">
+              <a:lnSpc>
+                <a:spcPct val="90000"/>
+              </a:lnSpc>
+              <a:spcBef>
+                <a:spcPts val="1000"/>
+              </a:spcBef>
+              <a:buClr>
+                <a:schemeClr val="dk1"/>
+              </a:buClr>
+              <a:buSzPct val="78571"/>
+              <a:buFont typeface="Arial" panose="020B0604020202020204" pitchFamily="34" charset="0"/>
+              <a:buChar char="•"/>
+            </a:pPr>
+            <a:r>
+              <a:rPr lang="en-US" sz="3601" dirty="0">
+                <a:solidFill>
+                  <a:srgbClr val="31859C"/>
+                </a:solidFill>
+              </a:rPr>
+              <a:t>No change to code.</a:t>
+            </a:r>
+          </a:p>
+        </p:txBody>
+      </p:sp>
+    </p:spTree>
+    <p:extLst>
+      <p:ext uri="{BB962C8B-B14F-4D97-AF65-F5344CB8AC3E}">
+        <p14:creationId xmlns:p14="http://schemas.microsoft.com/office/powerpoint/2010/main" val="2568141511"/>
+      </p:ext>
+    </p:extLst>
+  </p:cSld>
+  <p:clrMapOvr>
+    <a:masterClrMapping/>
+  </p:clrMapOvr>
+  <mc:AlternateContent xmlns:mc="http://schemas.openxmlformats.org/markup-compatibility/2006" xmlns:p14="http://schemas.microsoft.com/office/powerpoint/2010/main">
+    <mc:Choice Requires="p14">
+      <p:transition spd="med" p14:dur="700">
+        <p:fade/>
+      </p:transition>
+    </mc:Choice>
+    <mc:Fallback xmlns="">
+      <p:transition spd="med">
+        <p:fade/>
+      </p:transition>
+    </mc:Fallback>
+  </mc:AlternateContent>
+</p:sld>
+</file>
+
+<file path=ppt/slides/slide19.xml><?xml version="1.0" encoding="utf-8"?>
+<p:sld xmlns:a="http://schemas.openxmlformats.org/drawingml/2006/main" xmlns:r="http://schemas.openxmlformats.org/officeDocument/2006/relationships" xmlns:p="http://schemas.openxmlformats.org/presentationml/2006/main">
+  <p:cSld>
+    <p:spTree>
+      <p:nvGrpSpPr>
+        <p:cNvPr id="1" name=""/>
+        <p:cNvGrpSpPr/>
+        <p:nvPr/>
+      </p:nvGrpSpPr>
+      <p:grpSpPr>
+        <a:xfrm>
+          <a:off x="0" y="0"/>
+          <a:ext cx="0" cy="0"/>
+          <a:chOff x="0" y="0"/>
+          <a:chExt cx="0" cy="0"/>
+        </a:xfrm>
+      </p:grpSpPr>
+      <p:sp>
+        <p:nvSpPr>
+          <p:cNvPr id="4" name="Title 22"/>
+          <p:cNvSpPr txBox="1">
+            <a:spLocks/>
+          </p:cNvSpPr>
+          <p:nvPr/>
+        </p:nvSpPr>
+        <p:spPr>
+          <a:xfrm>
+            <a:off x="914400" y="412750"/>
+            <a:ext cx="16462375" cy="1714500"/>
+          </a:xfrm>
+          <a:prstGeom prst="rect">
+            <a:avLst/>
+          </a:prstGeom>
+        </p:spPr>
+        <p:txBody>
+          <a:bodyPr vert="horz" lIns="91440" tIns="45720" rIns="91440" bIns="45720" rtlCol="0" anchor="ctr">
+            <a:normAutofit/>
+          </a:bodyPr>
+          <a:lstStyle>
+            <a:lvl1pPr algn="ctr" defTabSz="914400" rtl="0" eaLnBrk="1" latinLnBrk="0" hangingPunct="1">
+              <a:spcBef>
+                <a:spcPct val="0"/>
+              </a:spcBef>
+              <a:buNone/>
+              <a:defRPr sz="4400" kern="1200">
+                <a:solidFill>
+                  <a:schemeClr val="tx1"/>
+                </a:solidFill>
+                <a:latin typeface="+mj-lt"/>
+                <a:ea typeface="+mj-ea"/>
+                <a:cs typeface="+mj-cs"/>
+              </a:defRPr>
+            </a:lvl1pPr>
+          </a:lstStyle>
+          <a:p>
+            <a:pPr defTabSz="1633210"/>
+            <a:r>
+              <a:rPr lang="en-US" sz="5000" b="1" dirty="0">
+                <a:solidFill>
+                  <a:schemeClr val="accent5">
+                    <a:lumMod val="75000"/>
+                  </a:schemeClr>
+                </a:solidFill>
+                <a:ea typeface="+mn-ea"/>
+                <a:cs typeface="+mn-cs"/>
+              </a:rPr>
+              <a:t>Horizontal Scaling</a:t>
+            </a:r>
+          </a:p>
+        </p:txBody>
+      </p:sp>
+      <p:pic>
+        <p:nvPicPr>
+          <p:cNvPr id="5" name="Picture 4"/>
+          <p:cNvPicPr>
+            <a:picLocks noChangeAspect="1"/>
+          </p:cNvPicPr>
+          <p:nvPr/>
+        </p:nvPicPr>
+        <p:blipFill>
+          <a:blip r:embed="rId2">
+            <a:extLst>
+              <a:ext uri="{28A0092B-C50C-407E-A947-70E740481C1C}">
+                <a14:useLocalDpi xmlns:a14="http://schemas.microsoft.com/office/drawing/2010/main" val="0"/>
+              </a:ext>
+            </a:extLst>
+          </a:blip>
+          <a:stretch>
+            <a:fillRect/>
+          </a:stretch>
+        </p:blipFill>
+        <p:spPr>
+          <a:xfrm rot="5400000">
+            <a:off x="8624452" y="-2432787"/>
+            <a:ext cx="1168254" cy="9003175"/>
+          </a:xfrm>
+          <a:prstGeom prst="rect">
+            <a:avLst/>
+          </a:prstGeom>
+        </p:spPr>
+      </p:pic>
+      <p:sp>
+        <p:nvSpPr>
+          <p:cNvPr id="2" name="Rectangle 1"/>
+          <p:cNvSpPr/>
+          <p:nvPr/>
+        </p:nvSpPr>
+        <p:spPr>
+          <a:xfrm>
+            <a:off x="931785" y="4018123"/>
+            <a:ext cx="13402014" cy="1716752"/>
+          </a:xfrm>
+          <a:prstGeom prst="rect">
+            <a:avLst/>
+          </a:prstGeom>
+        </p:spPr>
+        <p:txBody>
+          <a:bodyPr wrap="square">
+            <a:spAutoFit/>
+          </a:bodyPr>
+          <a:lstStyle/>
+          <a:p>
+            <a:pPr marL="571500" indent="-571500" defTabSz="914400">
+              <a:lnSpc>
+                <a:spcPct val="90000"/>
+              </a:lnSpc>
+              <a:spcBef>
+                <a:spcPts val="1000"/>
+              </a:spcBef>
+              <a:buClr>
+                <a:schemeClr val="dk1"/>
+              </a:buClr>
+              <a:buSzPct val="78571"/>
+              <a:buFont typeface="Arial" panose="020B0604020202020204" pitchFamily="34" charset="0"/>
+              <a:buChar char="•"/>
+            </a:pPr>
+            <a:r>
+              <a:rPr lang="en-US" sz="3601" dirty="0">
+                <a:solidFill>
+                  <a:srgbClr val="31859C"/>
+                </a:solidFill>
+              </a:rPr>
+              <a:t>Connect multiple hardware or software entities so that they work as a single logical unit.</a:t>
+            </a:r>
+          </a:p>
+          <a:p>
+            <a:pPr marL="571500" indent="-571500" defTabSz="914400">
+              <a:lnSpc>
+                <a:spcPct val="90000"/>
+              </a:lnSpc>
+              <a:spcBef>
+                <a:spcPts val="1000"/>
+              </a:spcBef>
+              <a:buClr>
+                <a:schemeClr val="dk1"/>
+              </a:buClr>
+              <a:buSzPct val="78571"/>
+              <a:buFont typeface="Arial" panose="020B0604020202020204" pitchFamily="34" charset="0"/>
+              <a:buChar char="•"/>
+            </a:pPr>
+            <a:r>
+              <a:rPr lang="en-US" sz="3601" dirty="0">
+                <a:solidFill>
+                  <a:srgbClr val="31859C"/>
+                </a:solidFill>
+              </a:rPr>
+              <a:t>Cannot be implemented at a moment’s notice.</a:t>
+            </a:r>
+          </a:p>
+        </p:txBody>
+      </p:sp>
+      <p:sp>
+        <p:nvSpPr>
+          <p:cNvPr id="25" name="Cube 24"/>
+          <p:cNvSpPr/>
+          <p:nvPr/>
+        </p:nvSpPr>
+        <p:spPr>
+          <a:xfrm>
+            <a:off x="16778435" y="4352999"/>
+            <a:ext cx="793754" cy="1314555"/>
+          </a:xfrm>
+          <a:prstGeom prst="cube">
+            <a:avLst>
+              <a:gd name="adj" fmla="val 38750"/>
+            </a:avLst>
+          </a:prstGeom>
+        </p:spPr>
+        <p:style>
+          <a:lnRef idx="2">
+            <a:schemeClr val="accent1">
+              <a:shade val="50000"/>
+            </a:schemeClr>
+          </a:lnRef>
+          <a:fillRef idx="1">
+            <a:schemeClr val="accent1"/>
+          </a:fillRef>
+          <a:effectRef idx="0">
+            <a:schemeClr val="accent1"/>
+          </a:effectRef>
+          <a:fontRef idx="minor">
+            <a:schemeClr val="lt1"/>
+          </a:fontRef>
+        </p:style>
+        <p:txBody>
+          <a:bodyPr rtlCol="0" anchor="ctr"/>
+          <a:lstStyle/>
+          <a:p>
+            <a:pPr algn="ctr"/>
+            <a:endParaRPr lang="en-US"/>
+          </a:p>
+        </p:txBody>
+      </p:sp>
+      <p:sp>
+        <p:nvSpPr>
+          <p:cNvPr id="26" name="Rectangle 25"/>
+          <p:cNvSpPr/>
+          <p:nvPr/>
+        </p:nvSpPr>
+        <p:spPr>
+          <a:xfrm>
+            <a:off x="16883203" y="4882389"/>
+            <a:ext cx="304635" cy="45719"/>
+          </a:xfrm>
+          <a:prstGeom prst="rect">
+            <a:avLst/>
+          </a:prstGeom>
+          <a:ln>
+            <a:solidFill>
+              <a:schemeClr val="bg1"/>
+            </a:solidFill>
+          </a:ln>
+        </p:spPr>
+        <p:style>
+          <a:lnRef idx="2">
+            <a:schemeClr val="accent1">
+              <a:shade val="50000"/>
+            </a:schemeClr>
+          </a:lnRef>
+          <a:fillRef idx="1">
+            <a:schemeClr val="accent1"/>
+          </a:fillRef>
+          <a:effectRef idx="0">
+            <a:schemeClr val="accent1"/>
+          </a:effectRef>
+          <a:fontRef idx="minor">
+            <a:schemeClr val="lt1"/>
+          </a:fontRef>
+        </p:style>
+        <p:txBody>
+          <a:bodyPr rtlCol="0" anchor="ctr"/>
+          <a:lstStyle/>
+          <a:p>
+            <a:pPr algn="ctr"/>
+            <a:endParaRPr lang="en-US"/>
+          </a:p>
+        </p:txBody>
+      </p:sp>
+      <p:cxnSp>
+        <p:nvCxnSpPr>
+          <p:cNvPr id="27" name="Straight Connector 26"/>
+          <p:cNvCxnSpPr/>
+          <p:nvPr/>
+        </p:nvCxnSpPr>
+        <p:spPr>
+          <a:xfrm>
+            <a:off x="16883203" y="5559165"/>
+            <a:ext cx="232116" cy="0"/>
+          </a:xfrm>
+          <a:prstGeom prst="line">
+            <a:avLst/>
+          </a:prstGeom>
+          <a:ln>
+            <a:solidFill>
+              <a:schemeClr val="bg1"/>
+            </a:solidFill>
+          </a:ln>
+        </p:spPr>
+        <p:style>
+          <a:lnRef idx="1">
+            <a:schemeClr val="accent1"/>
+          </a:lnRef>
+          <a:fillRef idx="0">
+            <a:schemeClr val="accent1"/>
+          </a:fillRef>
+          <a:effectRef idx="0">
+            <a:schemeClr val="accent1"/>
+          </a:effectRef>
+          <a:fontRef idx="minor">
+            <a:schemeClr val="tx1"/>
+          </a:fontRef>
+        </p:style>
+      </p:cxnSp>
+      <p:cxnSp>
+        <p:nvCxnSpPr>
+          <p:cNvPr id="28" name="Straight Connector 27"/>
+          <p:cNvCxnSpPr/>
+          <p:nvPr/>
+        </p:nvCxnSpPr>
+        <p:spPr>
+          <a:xfrm>
+            <a:off x="17102301" y="6232850"/>
+            <a:ext cx="0" cy="0"/>
+          </a:xfrm>
+          <a:prstGeom prst="line">
+            <a:avLst/>
+          </a:prstGeom>
+          <a:ln>
+            <a:solidFill>
+              <a:schemeClr val="bg1"/>
+            </a:solidFill>
+          </a:ln>
+        </p:spPr>
+        <p:style>
+          <a:lnRef idx="1">
+            <a:schemeClr val="accent1"/>
+          </a:lnRef>
+          <a:fillRef idx="0">
+            <a:schemeClr val="accent1"/>
+          </a:fillRef>
+          <a:effectRef idx="0">
+            <a:schemeClr val="accent1"/>
+          </a:effectRef>
+          <a:fontRef idx="minor">
+            <a:schemeClr val="tx1"/>
+          </a:fontRef>
+        </p:style>
+      </p:cxnSp>
+      <p:cxnSp>
+        <p:nvCxnSpPr>
+          <p:cNvPr id="29" name="Straight Connector 28"/>
+          <p:cNvCxnSpPr/>
+          <p:nvPr/>
+        </p:nvCxnSpPr>
+        <p:spPr>
+          <a:xfrm>
+            <a:off x="17102301" y="6232850"/>
+            <a:ext cx="0" cy="0"/>
+          </a:xfrm>
+          <a:prstGeom prst="line">
+            <a:avLst/>
+          </a:prstGeom>
+          <a:ln>
+            <a:solidFill>
+              <a:schemeClr val="bg1"/>
+            </a:solidFill>
+          </a:ln>
+        </p:spPr>
+        <p:style>
+          <a:lnRef idx="1">
+            <a:schemeClr val="accent1"/>
+          </a:lnRef>
+          <a:fillRef idx="0">
+            <a:schemeClr val="accent1"/>
+          </a:fillRef>
+          <a:effectRef idx="0">
+            <a:schemeClr val="accent1"/>
+          </a:effectRef>
+          <a:fontRef idx="minor">
+            <a:schemeClr val="tx1"/>
+          </a:fontRef>
+        </p:style>
+      </p:cxnSp>
+      <p:cxnSp>
+        <p:nvCxnSpPr>
+          <p:cNvPr id="30" name="Straight Connector 29"/>
+          <p:cNvCxnSpPr/>
+          <p:nvPr/>
+        </p:nvCxnSpPr>
+        <p:spPr>
+          <a:xfrm>
+            <a:off x="17102301" y="6232850"/>
+            <a:ext cx="0" cy="0"/>
+          </a:xfrm>
+          <a:prstGeom prst="line">
+            <a:avLst/>
+          </a:prstGeom>
+        </p:spPr>
+        <p:style>
+          <a:lnRef idx="1">
+            <a:schemeClr val="accent1"/>
+          </a:lnRef>
+          <a:fillRef idx="0">
+            <a:schemeClr val="accent1"/>
+          </a:fillRef>
+          <a:effectRef idx="0">
+            <a:schemeClr val="accent1"/>
+          </a:effectRef>
+          <a:fontRef idx="minor">
+            <a:schemeClr val="tx1"/>
+          </a:fontRef>
+        </p:style>
+      </p:cxnSp>
+      <p:cxnSp>
+        <p:nvCxnSpPr>
+          <p:cNvPr id="31" name="Straight Connector 30"/>
+          <p:cNvCxnSpPr/>
+          <p:nvPr/>
+        </p:nvCxnSpPr>
+        <p:spPr>
+          <a:xfrm>
+            <a:off x="17015717" y="6167313"/>
+            <a:ext cx="152317" cy="15937"/>
+          </a:xfrm>
+          <a:prstGeom prst="line">
+            <a:avLst/>
+          </a:prstGeom>
+          <a:ln>
+            <a:solidFill>
+              <a:schemeClr val="bg1"/>
+            </a:solidFill>
+          </a:ln>
+        </p:spPr>
+        <p:style>
+          <a:lnRef idx="1">
+            <a:schemeClr val="accent1"/>
+          </a:lnRef>
+          <a:fillRef idx="0">
+            <a:schemeClr val="accent1"/>
+          </a:fillRef>
+          <a:effectRef idx="0">
+            <a:schemeClr val="accent1"/>
+          </a:effectRef>
+          <a:fontRef idx="minor">
+            <a:schemeClr val="tx1"/>
+          </a:fontRef>
+        </p:style>
+      </p:cxnSp>
+      <p:cxnSp>
+        <p:nvCxnSpPr>
+          <p:cNvPr id="32" name="Straight Connector 31"/>
+          <p:cNvCxnSpPr/>
+          <p:nvPr/>
+        </p:nvCxnSpPr>
+        <p:spPr>
+          <a:xfrm>
+            <a:off x="17022995" y="6109744"/>
+            <a:ext cx="152317" cy="15937"/>
+          </a:xfrm>
+          <a:prstGeom prst="line">
+            <a:avLst/>
+          </a:prstGeom>
+          <a:ln>
+            <a:solidFill>
+              <a:schemeClr val="bg1"/>
+            </a:solidFill>
+          </a:ln>
+        </p:spPr>
+        <p:style>
+          <a:lnRef idx="1">
+            <a:schemeClr val="accent1"/>
+          </a:lnRef>
+          <a:fillRef idx="0">
+            <a:schemeClr val="accent1"/>
+          </a:fillRef>
+          <a:effectRef idx="0">
+            <a:schemeClr val="accent1"/>
+          </a:effectRef>
+          <a:fontRef idx="minor">
+            <a:schemeClr val="tx1"/>
+          </a:fontRef>
+        </p:style>
+      </p:cxnSp>
+      <p:sp>
+        <p:nvSpPr>
+          <p:cNvPr id="33" name="Cube 32"/>
+          <p:cNvSpPr/>
+          <p:nvPr/>
+        </p:nvSpPr>
+        <p:spPr>
+          <a:xfrm>
+            <a:off x="15696050" y="4352999"/>
+            <a:ext cx="793754" cy="1314555"/>
+          </a:xfrm>
+          <a:prstGeom prst="cube">
+            <a:avLst>
+              <a:gd name="adj" fmla="val 38750"/>
+            </a:avLst>
+          </a:prstGeom>
+        </p:spPr>
+        <p:style>
+          <a:lnRef idx="2">
+            <a:schemeClr val="accent1">
+              <a:shade val="50000"/>
+            </a:schemeClr>
+          </a:lnRef>
+          <a:fillRef idx="1">
+            <a:schemeClr val="accent1"/>
+          </a:fillRef>
+          <a:effectRef idx="0">
+            <a:schemeClr val="accent1"/>
+          </a:effectRef>
+          <a:fontRef idx="minor">
+            <a:schemeClr val="lt1"/>
+          </a:fontRef>
+        </p:style>
+        <p:txBody>
+          <a:bodyPr rtlCol="0" anchor="ctr"/>
+          <a:lstStyle/>
+          <a:p>
+            <a:pPr algn="ctr"/>
+            <a:endParaRPr lang="en-US"/>
+          </a:p>
+        </p:txBody>
+      </p:sp>
+      <p:sp>
+        <p:nvSpPr>
+          <p:cNvPr id="34" name="Rectangle 33"/>
+          <p:cNvSpPr/>
+          <p:nvPr/>
+        </p:nvSpPr>
+        <p:spPr>
+          <a:xfrm>
+            <a:off x="15800818" y="4882389"/>
+            <a:ext cx="304635" cy="45719"/>
+          </a:xfrm>
+          <a:prstGeom prst="rect">
+            <a:avLst/>
+          </a:prstGeom>
+          <a:ln>
+            <a:solidFill>
+              <a:schemeClr val="bg1"/>
+            </a:solidFill>
+          </a:ln>
+        </p:spPr>
+        <p:style>
+          <a:lnRef idx="2">
+            <a:schemeClr val="accent1">
+              <a:shade val="50000"/>
+            </a:schemeClr>
+          </a:lnRef>
+          <a:fillRef idx="1">
+            <a:schemeClr val="accent1"/>
+          </a:fillRef>
+          <a:effectRef idx="0">
+            <a:schemeClr val="accent1"/>
+          </a:effectRef>
+          <a:fontRef idx="minor">
+            <a:schemeClr val="lt1"/>
+          </a:fontRef>
+        </p:style>
+        <p:txBody>
+          <a:bodyPr rtlCol="0" anchor="ctr"/>
+          <a:lstStyle/>
+          <a:p>
+            <a:pPr algn="ctr"/>
+            <a:endParaRPr lang="en-US"/>
+          </a:p>
+        </p:txBody>
+      </p:sp>
+      <p:cxnSp>
+        <p:nvCxnSpPr>
+          <p:cNvPr id="35" name="Straight Connector 34"/>
+          <p:cNvCxnSpPr/>
+          <p:nvPr/>
+        </p:nvCxnSpPr>
+        <p:spPr>
+          <a:xfrm>
+            <a:off x="15804403" y="5502015"/>
+            <a:ext cx="232116" cy="0"/>
+          </a:xfrm>
+          <a:prstGeom prst="line">
+            <a:avLst/>
+          </a:prstGeom>
+          <a:ln>
+            <a:solidFill>
+              <a:schemeClr val="bg1"/>
+            </a:solidFill>
+          </a:ln>
+        </p:spPr>
+        <p:style>
+          <a:lnRef idx="1">
+            <a:schemeClr val="accent1"/>
+          </a:lnRef>
+          <a:fillRef idx="0">
+            <a:schemeClr val="accent1"/>
+          </a:fillRef>
+          <a:effectRef idx="0">
+            <a:schemeClr val="accent1"/>
+          </a:effectRef>
+          <a:fontRef idx="minor">
+            <a:schemeClr val="tx1"/>
+          </a:fontRef>
+        </p:style>
+      </p:cxnSp>
+      <p:sp>
+        <p:nvSpPr>
+          <p:cNvPr id="36" name="Cube 35"/>
+          <p:cNvSpPr/>
+          <p:nvPr/>
+        </p:nvSpPr>
+        <p:spPr>
+          <a:xfrm>
+            <a:off x="14616208" y="4352999"/>
+            <a:ext cx="793754" cy="1314555"/>
+          </a:xfrm>
+          <a:prstGeom prst="cube">
+            <a:avLst>
+              <a:gd name="adj" fmla="val 38750"/>
+            </a:avLst>
+          </a:prstGeom>
+        </p:spPr>
+        <p:style>
+          <a:lnRef idx="2">
+            <a:schemeClr val="accent1">
+              <a:shade val="50000"/>
+            </a:schemeClr>
+          </a:lnRef>
+          <a:fillRef idx="1">
+            <a:schemeClr val="accent1"/>
+          </a:fillRef>
+          <a:effectRef idx="0">
+            <a:schemeClr val="accent1"/>
+          </a:effectRef>
+          <a:fontRef idx="minor">
+            <a:schemeClr val="lt1"/>
+          </a:fontRef>
+        </p:style>
+        <p:txBody>
+          <a:bodyPr rtlCol="0" anchor="ctr"/>
+          <a:lstStyle/>
+          <a:p>
+            <a:pPr algn="ctr"/>
+            <a:endParaRPr lang="en-US"/>
+          </a:p>
+        </p:txBody>
+      </p:sp>
+      <p:sp>
+        <p:nvSpPr>
+          <p:cNvPr id="37" name="Rectangle 36"/>
+          <p:cNvSpPr/>
+          <p:nvPr/>
+        </p:nvSpPr>
+        <p:spPr>
+          <a:xfrm>
+            <a:off x="14720976" y="4882389"/>
+            <a:ext cx="304635" cy="45719"/>
+          </a:xfrm>
+          <a:prstGeom prst="rect">
+            <a:avLst/>
+          </a:prstGeom>
+          <a:ln>
+            <a:solidFill>
+              <a:schemeClr val="bg1"/>
+            </a:solidFill>
+          </a:ln>
+        </p:spPr>
+        <p:style>
+          <a:lnRef idx="2">
+            <a:schemeClr val="accent1">
+              <a:shade val="50000"/>
+            </a:schemeClr>
+          </a:lnRef>
+          <a:fillRef idx="1">
+            <a:schemeClr val="accent1"/>
+          </a:fillRef>
+          <a:effectRef idx="0">
+            <a:schemeClr val="accent1"/>
+          </a:effectRef>
+          <a:fontRef idx="minor">
+            <a:schemeClr val="lt1"/>
+          </a:fontRef>
+        </p:style>
+        <p:txBody>
+          <a:bodyPr rtlCol="0" anchor="ctr"/>
+          <a:lstStyle/>
+          <a:p>
+            <a:pPr algn="ctr"/>
+            <a:endParaRPr lang="en-US"/>
+          </a:p>
+        </p:txBody>
+      </p:sp>
+      <p:cxnSp>
+        <p:nvCxnSpPr>
+          <p:cNvPr id="38" name="Straight Connector 37"/>
+          <p:cNvCxnSpPr/>
+          <p:nvPr/>
+        </p:nvCxnSpPr>
+        <p:spPr>
+          <a:xfrm>
+            <a:off x="14724561" y="5502015"/>
+            <a:ext cx="232116" cy="0"/>
+          </a:xfrm>
+          <a:prstGeom prst="line">
+            <a:avLst/>
+          </a:prstGeom>
+          <a:ln>
+            <a:solidFill>
+              <a:schemeClr val="bg1"/>
+            </a:solidFill>
+          </a:ln>
+        </p:spPr>
+        <p:style>
+          <a:lnRef idx="1">
+            <a:schemeClr val="accent1"/>
+          </a:lnRef>
+          <a:fillRef idx="0">
+            <a:schemeClr val="accent1"/>
+          </a:fillRef>
+          <a:effectRef idx="0">
+            <a:schemeClr val="accent1"/>
+          </a:effectRef>
+          <a:fontRef idx="minor">
+            <a:schemeClr val="tx1"/>
+          </a:fontRef>
+        </p:style>
+      </p:cxnSp>
+      <p:cxnSp>
+        <p:nvCxnSpPr>
+          <p:cNvPr id="39" name="Straight Connector 38"/>
+          <p:cNvCxnSpPr/>
+          <p:nvPr/>
+        </p:nvCxnSpPr>
+        <p:spPr>
+          <a:xfrm>
+            <a:off x="15804403" y="5382911"/>
+            <a:ext cx="232116" cy="0"/>
+          </a:xfrm>
+          <a:prstGeom prst="line">
+            <a:avLst/>
+          </a:prstGeom>
+          <a:ln>
+            <a:solidFill>
+              <a:schemeClr val="bg1"/>
+            </a:solidFill>
+          </a:ln>
+        </p:spPr>
+        <p:style>
+          <a:lnRef idx="1">
+            <a:schemeClr val="accent1"/>
+          </a:lnRef>
+          <a:fillRef idx="0">
+            <a:schemeClr val="accent1"/>
+          </a:fillRef>
+          <a:effectRef idx="0">
+            <a:schemeClr val="accent1"/>
+          </a:effectRef>
+          <a:fontRef idx="minor">
+            <a:schemeClr val="tx1"/>
+          </a:fontRef>
+        </p:style>
+      </p:cxnSp>
+      <p:cxnSp>
+        <p:nvCxnSpPr>
+          <p:cNvPr id="40" name="Straight Connector 39"/>
+          <p:cNvCxnSpPr/>
+          <p:nvPr/>
+        </p:nvCxnSpPr>
+        <p:spPr>
+          <a:xfrm>
+            <a:off x="14724561" y="5387592"/>
+            <a:ext cx="232116" cy="0"/>
+          </a:xfrm>
+          <a:prstGeom prst="line">
+            <a:avLst/>
+          </a:prstGeom>
+          <a:ln>
+            <a:solidFill>
+              <a:schemeClr val="bg1"/>
+            </a:solidFill>
+          </a:ln>
+        </p:spPr>
+        <p:style>
+          <a:lnRef idx="1">
+            <a:schemeClr val="accent1"/>
+          </a:lnRef>
+          <a:fillRef idx="0">
+            <a:schemeClr val="accent1"/>
+          </a:fillRef>
+          <a:effectRef idx="0">
+            <a:schemeClr val="accent1"/>
+          </a:effectRef>
+          <a:fontRef idx="minor">
+            <a:schemeClr val="tx1"/>
+          </a:fontRef>
+        </p:style>
+      </p:cxnSp>
+      <p:cxnSp>
+        <p:nvCxnSpPr>
+          <p:cNvPr id="41" name="Straight Connector 40"/>
+          <p:cNvCxnSpPr/>
+          <p:nvPr/>
+        </p:nvCxnSpPr>
+        <p:spPr>
+          <a:xfrm>
+            <a:off x="16883203" y="5470210"/>
+            <a:ext cx="232116" cy="0"/>
+          </a:xfrm>
+          <a:prstGeom prst="line">
+            <a:avLst/>
+          </a:prstGeom>
+          <a:ln>
+            <a:solidFill>
+              <a:schemeClr val="bg1"/>
+            </a:solidFill>
+          </a:ln>
+        </p:spPr>
+        <p:style>
+          <a:lnRef idx="1">
+            <a:schemeClr val="accent1"/>
+          </a:lnRef>
+          <a:fillRef idx="0">
+            <a:schemeClr val="accent1"/>
+          </a:fillRef>
+          <a:effectRef idx="0">
+            <a:schemeClr val="accent1"/>
+          </a:effectRef>
+          <a:fontRef idx="minor">
+            <a:schemeClr val="tx1"/>
+          </a:fontRef>
+        </p:style>
+      </p:cxnSp>
+    </p:spTree>
+    <p:extLst>
+      <p:ext uri="{BB962C8B-B14F-4D97-AF65-F5344CB8AC3E}">
+        <p14:creationId xmlns:p14="http://schemas.microsoft.com/office/powerpoint/2010/main" val="127367562"/>
+      </p:ext>
+    </p:extLst>
+  </p:cSld>
+  <p:clrMapOvr>
+    <a:masterClrMapping/>
+  </p:clrMapOvr>
+  <mc:AlternateContent xmlns:mc="http://schemas.openxmlformats.org/markup-compatibility/2006" xmlns:p14="http://schemas.microsoft.com/office/powerpoint/2010/main">
+    <mc:Choice Requires="p14">
+      <p:transition spd="med" p14:dur="700">
+        <p:fade/>
+      </p:transition>
+    </mc:Choice>
+    <mc:Fallback xmlns="">
+      <p:transition spd="med">
+        <p:fade/>
+      </p:transition>
+    </mc:Fallback>
+  </mc:AlternateContent>
+</p:sld>
+</file>
+
+<file path=ppt/slides/slide2.xml><?xml version="1.0" encoding="utf-8"?>
+<p:sld xmlns:a="http://schemas.openxmlformats.org/drawingml/2006/main" xmlns:r="http://schemas.openxmlformats.org/officeDocument/2006/relationships" xmlns:p="http://schemas.openxmlformats.org/presentationml/2006/main">
+  <p:cSld>
+    <p:bg>
+      <p:bgPr>
+        <a:blipFill dpi="0" rotWithShape="1">
+          <a:blip r:embed="rId2">
+            <a:lum/>
+          </a:blip>
+          <a:srcRect/>
+          <a:stretch>
+            <a:fillRect/>
+          </a:stretch>
+        </a:blipFill>
+        <a:effectLst/>
+      </p:bgPr>
+    </p:bg>
+    <p:spTree>
+      <p:nvGrpSpPr>
+        <p:cNvPr id="1" name=""/>
+        <p:cNvGrpSpPr/>
+        <p:nvPr/>
+      </p:nvGrpSpPr>
+      <p:grpSpPr>
+        <a:xfrm>
+          <a:off x="0" y="0"/>
+          <a:ext cx="0" cy="0"/>
+          <a:chOff x="0" y="0"/>
+          <a:chExt cx="0" cy="0"/>
+        </a:xfrm>
+      </p:grpSpPr>
+    </p:spTree>
+    <p:extLst>
+      <p:ext uri="{BB962C8B-B14F-4D97-AF65-F5344CB8AC3E}">
+        <p14:creationId xmlns:p14="http://schemas.microsoft.com/office/powerpoint/2010/main" val="2336370073"/>
+      </p:ext>
+    </p:extLst>
+  </p:cSld>
+  <p:clrMapOvr>
+    <a:masterClrMapping/>
+  </p:clrMapOvr>
+  <mc:AlternateContent xmlns:mc="http://schemas.openxmlformats.org/markup-compatibility/2006" xmlns:p14="http://schemas.microsoft.com/office/powerpoint/2010/main">
+    <mc:Choice Requires="p14">
+      <p:transition spd="med" p14:dur="700">
+        <p:fade/>
+      </p:transition>
+    </mc:Choice>
+    <mc:Fallback xmlns="">
+      <p:transition spd="med">
+        <p:fade/>
+      </p:transition>
+    </mc:Fallback>
+  </mc:AlternateContent>
+</p:sld>
+</file>
+
+<file path=ppt/slides/slide20.xml><?xml version="1.0" encoding="utf-8"?>
+<p:sld xmlns:a="http://schemas.openxmlformats.org/drawingml/2006/main" xmlns:r="http://schemas.openxmlformats.org/officeDocument/2006/relationships" xmlns:p="http://schemas.openxmlformats.org/presentationml/2006/main">
+  <p:cSld>
+    <p:spTree>
+      <p:nvGrpSpPr>
+        <p:cNvPr id="1" name=""/>
+        <p:cNvGrpSpPr/>
+        <p:nvPr/>
+      </p:nvGrpSpPr>
+      <p:grpSpPr>
+        <a:xfrm>
+          <a:off x="0" y="0"/>
+          <a:ext cx="0" cy="0"/>
+          <a:chOff x="0" y="0"/>
+          <a:chExt cx="0" cy="0"/>
+        </a:xfrm>
+      </p:grpSpPr>
       <p:pic>
         <p:nvPicPr>
           <p:cNvPr id="7" name="Picture 6"/>
@@ -5067,7 +8628,7 @@
       </p:sp>
       <p:pic>
         <p:nvPicPr>
-          <p:cNvPr id="8" name="Picture 7"/>
+          <p:cNvPr id="5" name="Picture 4"/>
           <p:cNvPicPr>
             <a:picLocks noChangeAspect="1"/>
           </p:cNvPicPr>
@@ -5087,8 +8648,8 @@
         </p:blipFill>
         <p:spPr>
           <a:xfrm>
-            <a:off x="7163211" y="2155376"/>
-            <a:ext cx="4036759" cy="3124411"/>
+            <a:off x="7118099" y="968623"/>
+            <a:ext cx="3960440" cy="4019846"/>
           </a:xfrm>
           <a:prstGeom prst="rect">
             <a:avLst/>
@@ -5099,62 +8660,6 @@
     <p:extLst>
       <p:ext uri="{BB962C8B-B14F-4D97-AF65-F5344CB8AC3E}">
         <p14:creationId xmlns:p14="http://schemas.microsoft.com/office/powerpoint/2010/main" val="1762867539"/>
-      </p:ext>
-    </p:extLst>
-  </p:cSld>
-  <p:clrMapOvr>
-    <a:masterClrMapping/>
-  </p:clrMapOvr>
-  <mc:AlternateContent xmlns:mc="http://schemas.openxmlformats.org/markup-compatibility/2006" xmlns:p14="http://schemas.microsoft.com/office/powerpoint/2010/main">
-    <mc:Choice Requires="p14">
-      <p:transition spd="med" p14:dur="700">
-        <p:fade/>
-      </p:transition>
-    </mc:Choice>
-    <mc:Fallback xmlns="">
-      <p:transition spd="med">
-        <p:fade/>
-      </p:transition>
-    </mc:Fallback>
-  </mc:AlternateContent>
-</p:sld>
-</file>
-
-<file path=ppt/slides/slide2.xml><?xml version="1.0" encoding="utf-8"?>
-<p:sld xmlns:a="http://schemas.openxmlformats.org/drawingml/2006/main" xmlns:r="http://schemas.openxmlformats.org/officeDocument/2006/relationships" xmlns:p="http://schemas.openxmlformats.org/presentationml/2006/main">
-  <p:cSld>
-    <p:bg>
-      <p:bgPr>
-        <a:blipFill dpi="0" rotWithShape="1">
-          <a:blip r:embed="rId2">
-            <a:lum/>
-          </a:blip>
-          <a:srcRect/>
-          <a:stretch>
-            <a:fillRect/>
-          </a:stretch>
-        </a:blipFill>
-        <a:effectLst/>
-      </p:bgPr>
-    </p:bg>
-    <p:spTree>
-      <p:nvGrpSpPr>
-        <p:cNvPr id="1" name=""/>
-        <p:cNvGrpSpPr/>
-        <p:nvPr/>
-      </p:nvGrpSpPr>
-      <p:grpSpPr>
-        <a:xfrm>
-          <a:off x="0" y="0"/>
-          <a:ext cx="0" cy="0"/>
-          <a:chOff x="0" y="0"/>
-          <a:chExt cx="0" cy="0"/>
-        </a:xfrm>
-      </p:grpSpPr>
-    </p:spTree>
-    <p:extLst>
-      <p:ext uri="{BB962C8B-B14F-4D97-AF65-F5344CB8AC3E}">
-        <p14:creationId xmlns:p14="http://schemas.microsoft.com/office/powerpoint/2010/main" val="2336370073"/>
       </p:ext>
     </p:extLst>
   </p:cSld>
@@ -18859,15 +22364,6 @@
               </a:rPr>
               <a:t>Load Balancer</a:t>
             </a:r>
-            <a:endParaRPr lang="en-US" sz="5000" b="1" dirty="0">
-              <a:solidFill>
-                <a:schemeClr val="accent5">
-                  <a:lumMod val="75000"/>
-                </a:schemeClr>
-              </a:solidFill>
-              <a:ea typeface="+mn-ea"/>
-              <a:cs typeface="+mn-cs"/>
-            </a:endParaRPr>
           </a:p>
         </p:txBody>
       </p:sp>

--- a/scaling in the cloud.pptx
+++ b/scaling in the cloud.pptx
@@ -5,32 +5,33 @@
     <p:sldMasterId id="2147483650" r:id="rId1"/>
   </p:sldMasterIdLst>
   <p:notesMasterIdLst>
-    <p:notesMasterId r:id="rId22"/>
+    <p:notesMasterId r:id="rId23"/>
   </p:notesMasterIdLst>
   <p:handoutMasterIdLst>
-    <p:handoutMasterId r:id="rId23"/>
+    <p:handoutMasterId r:id="rId24"/>
   </p:handoutMasterIdLst>
   <p:sldIdLst>
     <p:sldId id="256" r:id="rId2"/>
     <p:sldId id="406" r:id="rId3"/>
-    <p:sldId id="410" r:id="rId4"/>
-    <p:sldId id="411" r:id="rId5"/>
-    <p:sldId id="412" r:id="rId6"/>
-    <p:sldId id="413" r:id="rId7"/>
-    <p:sldId id="415" r:id="rId8"/>
-    <p:sldId id="416" r:id="rId9"/>
-    <p:sldId id="418" r:id="rId10"/>
-    <p:sldId id="419" r:id="rId11"/>
-    <p:sldId id="422" r:id="rId12"/>
-    <p:sldId id="420" r:id="rId13"/>
-    <p:sldId id="423" r:id="rId14"/>
-    <p:sldId id="421" r:id="rId15"/>
-    <p:sldId id="424" r:id="rId16"/>
-    <p:sldId id="425" r:id="rId17"/>
-    <p:sldId id="426" r:id="rId18"/>
-    <p:sldId id="428" r:id="rId19"/>
-    <p:sldId id="429" r:id="rId20"/>
-    <p:sldId id="271" r:id="rId21"/>
+    <p:sldId id="430" r:id="rId4"/>
+    <p:sldId id="410" r:id="rId5"/>
+    <p:sldId id="411" r:id="rId6"/>
+    <p:sldId id="412" r:id="rId7"/>
+    <p:sldId id="413" r:id="rId8"/>
+    <p:sldId id="415" r:id="rId9"/>
+    <p:sldId id="416" r:id="rId10"/>
+    <p:sldId id="418" r:id="rId11"/>
+    <p:sldId id="419" r:id="rId12"/>
+    <p:sldId id="422" r:id="rId13"/>
+    <p:sldId id="420" r:id="rId14"/>
+    <p:sldId id="423" r:id="rId15"/>
+    <p:sldId id="421" r:id="rId16"/>
+    <p:sldId id="424" r:id="rId17"/>
+    <p:sldId id="425" r:id="rId18"/>
+    <p:sldId id="426" r:id="rId19"/>
+    <p:sldId id="428" r:id="rId20"/>
+    <p:sldId id="429" r:id="rId21"/>
+    <p:sldId id="271" r:id="rId22"/>
   </p:sldIdLst>
   <p:sldSz cx="18291175" cy="10290175"/>
   <p:notesSz cx="6858000" cy="9144000"/>
@@ -826,7 +827,7 @@
           <a:p>
             <a:fld id="{802DA432-7CF7-4A2F-BE93-45834DC6981A}" type="slidenum">
               <a:rPr lang="tr-TR" smtClean="0"/>
-              <a:t>20</a:t>
+              <a:t>21</a:t>
             </a:fld>
             <a:endParaRPr lang="tr-TR"/>
           </a:p>
@@ -4966,6 +4967,4363 @@
       </p:grpSpPr>
       <p:sp>
         <p:nvSpPr>
+          <p:cNvPr id="23" name="Title 22"/>
+          <p:cNvSpPr>
+            <a:spLocks noGrp="1"/>
+          </p:cNvSpPr>
+          <p:nvPr>
+            <p:ph type="title"/>
+          </p:nvPr>
+        </p:nvSpPr>
+        <p:spPr/>
+        <p:txBody>
+          <a:bodyPr/>
+          <a:lstStyle/>
+          <a:p>
+            <a:pPr defTabSz="1633210"/>
+            <a:r>
+              <a:rPr lang="en-US" sz="5000" b="1" dirty="0">
+                <a:solidFill>
+                  <a:schemeClr val="accent5">
+                    <a:lumMod val="75000"/>
+                  </a:schemeClr>
+                </a:solidFill>
+              </a:rPr>
+              <a:t>Another</a:t>
+            </a:r>
+            <a:r>
+              <a:rPr lang="en-US" sz="5000" b="1" dirty="0">
+                <a:solidFill>
+                  <a:schemeClr val="accent5">
+                    <a:lumMod val="75000"/>
+                  </a:schemeClr>
+                </a:solidFill>
+                <a:ea typeface="+mn-ea"/>
+                <a:cs typeface="+mn-cs"/>
+              </a:rPr>
+              <a:t> Solution OMG !!</a:t>
+            </a:r>
+          </a:p>
+        </p:txBody>
+      </p:sp>
+      <p:pic>
+        <p:nvPicPr>
+          <p:cNvPr id="25" name="Picture 24"/>
+          <p:cNvPicPr>
+            <a:picLocks noChangeAspect="1"/>
+          </p:cNvPicPr>
+          <p:nvPr/>
+        </p:nvPicPr>
+        <p:blipFill>
+          <a:blip r:embed="rId2">
+            <a:extLst>
+              <a:ext uri="{28A0092B-C50C-407E-A947-70E740481C1C}">
+                <a14:useLocalDpi xmlns:a14="http://schemas.microsoft.com/office/drawing/2010/main" val="0"/>
+              </a:ext>
+            </a:extLst>
+          </a:blip>
+          <a:stretch>
+            <a:fillRect/>
+          </a:stretch>
+        </p:blipFill>
+        <p:spPr>
+          <a:xfrm rot="5400000">
+            <a:off x="8454536" y="-2460908"/>
+            <a:ext cx="1168254" cy="9003175"/>
+          </a:xfrm>
+          <a:prstGeom prst="rect">
+            <a:avLst/>
+          </a:prstGeom>
+        </p:spPr>
+      </p:pic>
+      <p:pic>
+        <p:nvPicPr>
+          <p:cNvPr id="9" name="Picture 8"/>
+          <p:cNvPicPr>
+            <a:picLocks noChangeAspect="1"/>
+          </p:cNvPicPr>
+          <p:nvPr/>
+        </p:nvPicPr>
+        <p:blipFill>
+          <a:blip r:embed="rId3">
+            <a:extLst>
+              <a:ext uri="{28A0092B-C50C-407E-A947-70E740481C1C}">
+                <a14:useLocalDpi xmlns:a14="http://schemas.microsoft.com/office/drawing/2010/main" val="0"/>
+              </a:ext>
+            </a:extLst>
+          </a:blip>
+          <a:stretch>
+            <a:fillRect/>
+          </a:stretch>
+        </p:blipFill>
+        <p:spPr>
+          <a:xfrm>
+            <a:off x="8713539" y="3668609"/>
+            <a:ext cx="4467041" cy="2963812"/>
+          </a:xfrm>
+          <a:prstGeom prst="rect">
+            <a:avLst/>
+          </a:prstGeom>
+        </p:spPr>
+      </p:pic>
+      <p:cxnSp>
+        <p:nvCxnSpPr>
+          <p:cNvPr id="12" name="Straight Arrow Connector 11"/>
+          <p:cNvCxnSpPr/>
+          <p:nvPr/>
+        </p:nvCxnSpPr>
+        <p:spPr>
+          <a:xfrm flipH="1">
+            <a:off x="13280297" y="5171965"/>
+            <a:ext cx="1080654" cy="0"/>
+          </a:xfrm>
+          <a:prstGeom prst="straightConnector1">
+            <a:avLst/>
+          </a:prstGeom>
+          <a:ln>
+            <a:tailEnd type="triangle"/>
+          </a:ln>
+        </p:spPr>
+        <p:style>
+          <a:lnRef idx="1">
+            <a:schemeClr val="accent1"/>
+          </a:lnRef>
+          <a:fillRef idx="0">
+            <a:schemeClr val="accent1"/>
+          </a:fillRef>
+          <a:effectRef idx="0">
+            <a:schemeClr val="accent1"/>
+          </a:effectRef>
+          <a:fontRef idx="minor">
+            <a:schemeClr val="tx1"/>
+          </a:fontRef>
+        </p:style>
+      </p:cxnSp>
+      <p:sp>
+        <p:nvSpPr>
+          <p:cNvPr id="13" name="Shape 292"/>
+          <p:cNvSpPr/>
+          <p:nvPr/>
+        </p:nvSpPr>
+        <p:spPr>
+          <a:xfrm>
+            <a:off x="14489839" y="2379600"/>
+            <a:ext cx="683221" cy="662882"/>
+          </a:xfrm>
+          <a:custGeom>
+            <a:avLst/>
+            <a:gdLst/>
+            <a:ahLst/>
+            <a:cxnLst/>
+            <a:rect l="0" t="0" r="0" b="0"/>
+            <a:pathLst>
+              <a:path w="143434" h="111665" extrusionOk="0">
+                <a:moveTo>
+                  <a:pt x="71751" y="2308"/>
+                </a:moveTo>
+                <a:lnTo>
+                  <a:pt x="71887" y="2376"/>
+                </a:lnTo>
+                <a:lnTo>
+                  <a:pt x="72091" y="2444"/>
+                </a:lnTo>
+                <a:lnTo>
+                  <a:pt x="72159" y="2647"/>
+                </a:lnTo>
+                <a:lnTo>
+                  <a:pt x="72226" y="2783"/>
+                </a:lnTo>
+                <a:lnTo>
+                  <a:pt x="72159" y="2987"/>
+                </a:lnTo>
+                <a:lnTo>
+                  <a:pt x="72091" y="3190"/>
+                </a:lnTo>
+                <a:lnTo>
+                  <a:pt x="71887" y="3258"/>
+                </a:lnTo>
+                <a:lnTo>
+                  <a:pt x="71751" y="3326"/>
+                </a:lnTo>
+                <a:lnTo>
+                  <a:pt x="71548" y="3258"/>
+                </a:lnTo>
+                <a:lnTo>
+                  <a:pt x="71344" y="3190"/>
+                </a:lnTo>
+                <a:lnTo>
+                  <a:pt x="71276" y="2987"/>
+                </a:lnTo>
+                <a:lnTo>
+                  <a:pt x="71208" y="2783"/>
+                </a:lnTo>
+                <a:lnTo>
+                  <a:pt x="71276" y="2647"/>
+                </a:lnTo>
+                <a:lnTo>
+                  <a:pt x="71344" y="2444"/>
+                </a:lnTo>
+                <a:lnTo>
+                  <a:pt x="71548" y="2376"/>
+                </a:lnTo>
+                <a:lnTo>
+                  <a:pt x="71751" y="2308"/>
+                </a:lnTo>
+                <a:close/>
+                <a:moveTo>
+                  <a:pt x="137528" y="5906"/>
+                </a:moveTo>
+                <a:lnTo>
+                  <a:pt x="137596" y="5974"/>
+                </a:lnTo>
+                <a:lnTo>
+                  <a:pt x="137596" y="89604"/>
+                </a:lnTo>
+                <a:lnTo>
+                  <a:pt x="5906" y="89604"/>
+                </a:lnTo>
+                <a:lnTo>
+                  <a:pt x="5906" y="5974"/>
+                </a:lnTo>
+                <a:lnTo>
+                  <a:pt x="5906" y="5906"/>
+                </a:lnTo>
+                <a:close/>
+                <a:moveTo>
+                  <a:pt x="3530" y="0"/>
+                </a:moveTo>
+                <a:lnTo>
+                  <a:pt x="3191" y="68"/>
+                </a:lnTo>
+                <a:lnTo>
+                  <a:pt x="2444" y="339"/>
+                </a:lnTo>
+                <a:lnTo>
+                  <a:pt x="1766" y="679"/>
+                </a:lnTo>
+                <a:lnTo>
+                  <a:pt x="1155" y="1154"/>
+                </a:lnTo>
+                <a:lnTo>
+                  <a:pt x="679" y="1765"/>
+                </a:lnTo>
+                <a:lnTo>
+                  <a:pt x="272" y="2444"/>
+                </a:lnTo>
+                <a:lnTo>
+                  <a:pt x="69" y="3190"/>
+                </a:lnTo>
+                <a:lnTo>
+                  <a:pt x="1" y="3598"/>
+                </a:lnTo>
+                <a:lnTo>
+                  <a:pt x="1" y="4005"/>
+                </a:lnTo>
+                <a:lnTo>
+                  <a:pt x="1" y="91572"/>
+                </a:lnTo>
+                <a:lnTo>
+                  <a:pt x="1" y="91979"/>
+                </a:lnTo>
+                <a:lnTo>
+                  <a:pt x="69" y="92319"/>
+                </a:lnTo>
+                <a:lnTo>
+                  <a:pt x="272" y="93065"/>
+                </a:lnTo>
+                <a:lnTo>
+                  <a:pt x="679" y="93744"/>
+                </a:lnTo>
+                <a:lnTo>
+                  <a:pt x="1155" y="94355"/>
+                </a:lnTo>
+                <a:lnTo>
+                  <a:pt x="1766" y="94830"/>
+                </a:lnTo>
+                <a:lnTo>
+                  <a:pt x="2444" y="95238"/>
+                </a:lnTo>
+                <a:lnTo>
+                  <a:pt x="3191" y="95441"/>
+                </a:lnTo>
+                <a:lnTo>
+                  <a:pt x="3530" y="95509"/>
+                </a:lnTo>
+                <a:lnTo>
+                  <a:pt x="139904" y="95509"/>
+                </a:lnTo>
+                <a:lnTo>
+                  <a:pt x="140311" y="95441"/>
+                </a:lnTo>
+                <a:lnTo>
+                  <a:pt x="141058" y="95238"/>
+                </a:lnTo>
+                <a:lnTo>
+                  <a:pt x="141737" y="94830"/>
+                </a:lnTo>
+                <a:lnTo>
+                  <a:pt x="142280" y="94355"/>
+                </a:lnTo>
+                <a:lnTo>
+                  <a:pt x="142755" y="93744"/>
+                </a:lnTo>
+                <a:lnTo>
+                  <a:pt x="143162" y="93065"/>
+                </a:lnTo>
+                <a:lnTo>
+                  <a:pt x="143366" y="92319"/>
+                </a:lnTo>
+                <a:lnTo>
+                  <a:pt x="143434" y="91979"/>
+                </a:lnTo>
+                <a:lnTo>
+                  <a:pt x="143434" y="91572"/>
+                </a:lnTo>
+                <a:lnTo>
+                  <a:pt x="143434" y="4005"/>
+                </a:lnTo>
+                <a:lnTo>
+                  <a:pt x="143434" y="3598"/>
+                </a:lnTo>
+                <a:lnTo>
+                  <a:pt x="143366" y="3190"/>
+                </a:lnTo>
+                <a:lnTo>
+                  <a:pt x="143162" y="2444"/>
+                </a:lnTo>
+                <a:lnTo>
+                  <a:pt x="142755" y="1765"/>
+                </a:lnTo>
+                <a:lnTo>
+                  <a:pt x="142280" y="1154"/>
+                </a:lnTo>
+                <a:lnTo>
+                  <a:pt x="141737" y="679"/>
+                </a:lnTo>
+                <a:lnTo>
+                  <a:pt x="141058" y="339"/>
+                </a:lnTo>
+                <a:lnTo>
+                  <a:pt x="140311" y="68"/>
+                </a:lnTo>
+                <a:lnTo>
+                  <a:pt x="139904" y="0"/>
+                </a:lnTo>
+                <a:close/>
+                <a:moveTo>
+                  <a:pt x="55324" y="95713"/>
+                </a:moveTo>
+                <a:lnTo>
+                  <a:pt x="55052" y="98971"/>
+                </a:lnTo>
+                <a:lnTo>
+                  <a:pt x="54713" y="102297"/>
+                </a:lnTo>
+                <a:lnTo>
+                  <a:pt x="54374" y="105284"/>
+                </a:lnTo>
+                <a:lnTo>
+                  <a:pt x="53966" y="107388"/>
+                </a:lnTo>
+                <a:lnTo>
+                  <a:pt x="53763" y="108203"/>
+                </a:lnTo>
+                <a:lnTo>
+                  <a:pt x="53627" y="108746"/>
+                </a:lnTo>
+                <a:lnTo>
+                  <a:pt x="53423" y="109153"/>
+                </a:lnTo>
+                <a:lnTo>
+                  <a:pt x="53220" y="109357"/>
+                </a:lnTo>
+                <a:lnTo>
+                  <a:pt x="52677" y="109493"/>
+                </a:lnTo>
+                <a:lnTo>
+                  <a:pt x="51794" y="109696"/>
+                </a:lnTo>
+                <a:lnTo>
+                  <a:pt x="49690" y="110036"/>
+                </a:lnTo>
+                <a:lnTo>
+                  <a:pt x="48061" y="110307"/>
+                </a:lnTo>
+                <a:lnTo>
+                  <a:pt x="47450" y="110443"/>
+                </a:lnTo>
+                <a:lnTo>
+                  <a:pt x="47110" y="110511"/>
+                </a:lnTo>
+                <a:lnTo>
+                  <a:pt x="47042" y="110579"/>
+                </a:lnTo>
+                <a:lnTo>
+                  <a:pt x="47042" y="110783"/>
+                </a:lnTo>
+                <a:lnTo>
+                  <a:pt x="47110" y="110850"/>
+                </a:lnTo>
+                <a:lnTo>
+                  <a:pt x="47585" y="110918"/>
+                </a:lnTo>
+                <a:lnTo>
+                  <a:pt x="48400" y="110986"/>
+                </a:lnTo>
+                <a:lnTo>
+                  <a:pt x="51387" y="111054"/>
+                </a:lnTo>
+                <a:lnTo>
+                  <a:pt x="56071" y="111122"/>
+                </a:lnTo>
+                <a:lnTo>
+                  <a:pt x="87092" y="111122"/>
+                </a:lnTo>
+                <a:lnTo>
+                  <a:pt x="91708" y="111054"/>
+                </a:lnTo>
+                <a:lnTo>
+                  <a:pt x="94695" y="110986"/>
+                </a:lnTo>
+                <a:lnTo>
+                  <a:pt x="95578" y="110918"/>
+                </a:lnTo>
+                <a:lnTo>
+                  <a:pt x="96053" y="110850"/>
+                </a:lnTo>
+                <a:lnTo>
+                  <a:pt x="96121" y="110783"/>
+                </a:lnTo>
+                <a:lnTo>
+                  <a:pt x="96121" y="110579"/>
+                </a:lnTo>
+                <a:lnTo>
+                  <a:pt x="96053" y="110511"/>
+                </a:lnTo>
+                <a:lnTo>
+                  <a:pt x="95713" y="110443"/>
+                </a:lnTo>
+                <a:lnTo>
+                  <a:pt x="95102" y="110307"/>
+                </a:lnTo>
+                <a:lnTo>
+                  <a:pt x="93473" y="110036"/>
+                </a:lnTo>
+                <a:lnTo>
+                  <a:pt x="91369" y="109696"/>
+                </a:lnTo>
+                <a:lnTo>
+                  <a:pt x="90487" y="109493"/>
+                </a:lnTo>
+                <a:lnTo>
+                  <a:pt x="89943" y="109357"/>
+                </a:lnTo>
+                <a:lnTo>
+                  <a:pt x="89740" y="109153"/>
+                </a:lnTo>
+                <a:lnTo>
+                  <a:pt x="89536" y="108746"/>
+                </a:lnTo>
+                <a:lnTo>
+                  <a:pt x="89333" y="108203"/>
+                </a:lnTo>
+                <a:lnTo>
+                  <a:pt x="89197" y="107388"/>
+                </a:lnTo>
+                <a:lnTo>
+                  <a:pt x="88789" y="105284"/>
+                </a:lnTo>
+                <a:lnTo>
+                  <a:pt x="88382" y="102297"/>
+                </a:lnTo>
+                <a:lnTo>
+                  <a:pt x="88043" y="98971"/>
+                </a:lnTo>
+                <a:lnTo>
+                  <a:pt x="87839" y="95713"/>
+                </a:lnTo>
+                <a:close/>
+                <a:moveTo>
+                  <a:pt x="47450" y="111054"/>
+                </a:moveTo>
+                <a:lnTo>
+                  <a:pt x="47450" y="111122"/>
+                </a:lnTo>
+                <a:lnTo>
+                  <a:pt x="47450" y="111393"/>
+                </a:lnTo>
+                <a:lnTo>
+                  <a:pt x="47518" y="111461"/>
+                </a:lnTo>
+                <a:lnTo>
+                  <a:pt x="48807" y="111529"/>
+                </a:lnTo>
+                <a:lnTo>
+                  <a:pt x="52473" y="111597"/>
+                </a:lnTo>
+                <a:lnTo>
+                  <a:pt x="62384" y="111665"/>
+                </a:lnTo>
+                <a:lnTo>
+                  <a:pt x="80779" y="111665"/>
+                </a:lnTo>
+                <a:lnTo>
+                  <a:pt x="90622" y="111597"/>
+                </a:lnTo>
+                <a:lnTo>
+                  <a:pt x="94356" y="111529"/>
+                </a:lnTo>
+                <a:lnTo>
+                  <a:pt x="95646" y="111461"/>
+                </a:lnTo>
+                <a:lnTo>
+                  <a:pt x="95713" y="111393"/>
+                </a:lnTo>
+                <a:lnTo>
+                  <a:pt x="95713" y="111122"/>
+                </a:lnTo>
+                <a:lnTo>
+                  <a:pt x="95646" y="111054"/>
+                </a:lnTo>
+                <a:lnTo>
+                  <a:pt x="94084" y="111122"/>
+                </a:lnTo>
+                <a:lnTo>
+                  <a:pt x="91233" y="111190"/>
+                </a:lnTo>
+                <a:lnTo>
+                  <a:pt x="80847" y="111258"/>
+                </a:lnTo>
+                <a:lnTo>
+                  <a:pt x="62316" y="111258"/>
+                </a:lnTo>
+                <a:lnTo>
+                  <a:pt x="51930" y="111190"/>
+                </a:lnTo>
+                <a:lnTo>
+                  <a:pt x="49079" y="111122"/>
+                </a:lnTo>
+                <a:lnTo>
+                  <a:pt x="47518" y="111054"/>
+                </a:lnTo>
+                <a:close/>
+              </a:path>
+            </a:pathLst>
+          </a:custGeom>
+          <a:solidFill>
+            <a:srgbClr val="FFFFFF"/>
+          </a:solidFill>
+          <a:ln w="19050" cap="flat" cmpd="sng">
+            <a:solidFill>
+              <a:srgbClr val="000000"/>
+            </a:solidFill>
+            <a:prstDash val="solid"/>
+            <a:round/>
+            <a:headEnd type="none" w="med" len="med"/>
+            <a:tailEnd type="none" w="med" len="med"/>
+          </a:ln>
+        </p:spPr>
+        <p:txBody>
+          <a:bodyPr lIns="91425" tIns="91425" rIns="91425" bIns="91425" anchor="ctr" anchorCtr="0">
+            <a:noAutofit/>
+          </a:bodyPr>
+          <a:lstStyle/>
+          <a:p>
+            <a:pPr lvl="0">
+              <a:spcBef>
+                <a:spcPts val="0"/>
+              </a:spcBef>
+              <a:buNone/>
+            </a:pPr>
+            <a:endParaRPr/>
+          </a:p>
+        </p:txBody>
+      </p:sp>
+      <p:sp>
+        <p:nvSpPr>
+          <p:cNvPr id="14" name="Shape 292"/>
+          <p:cNvSpPr/>
+          <p:nvPr/>
+        </p:nvSpPr>
+        <p:spPr>
+          <a:xfrm>
+            <a:off x="14489839" y="7608570"/>
+            <a:ext cx="683221" cy="662882"/>
+          </a:xfrm>
+          <a:custGeom>
+            <a:avLst/>
+            <a:gdLst/>
+            <a:ahLst/>
+            <a:cxnLst/>
+            <a:rect l="0" t="0" r="0" b="0"/>
+            <a:pathLst>
+              <a:path w="143434" h="111665" extrusionOk="0">
+                <a:moveTo>
+                  <a:pt x="71751" y="2308"/>
+                </a:moveTo>
+                <a:lnTo>
+                  <a:pt x="71887" y="2376"/>
+                </a:lnTo>
+                <a:lnTo>
+                  <a:pt x="72091" y="2444"/>
+                </a:lnTo>
+                <a:lnTo>
+                  <a:pt x="72159" y="2647"/>
+                </a:lnTo>
+                <a:lnTo>
+                  <a:pt x="72226" y="2783"/>
+                </a:lnTo>
+                <a:lnTo>
+                  <a:pt x="72159" y="2987"/>
+                </a:lnTo>
+                <a:lnTo>
+                  <a:pt x="72091" y="3190"/>
+                </a:lnTo>
+                <a:lnTo>
+                  <a:pt x="71887" y="3258"/>
+                </a:lnTo>
+                <a:lnTo>
+                  <a:pt x="71751" y="3326"/>
+                </a:lnTo>
+                <a:lnTo>
+                  <a:pt x="71548" y="3258"/>
+                </a:lnTo>
+                <a:lnTo>
+                  <a:pt x="71344" y="3190"/>
+                </a:lnTo>
+                <a:lnTo>
+                  <a:pt x="71276" y="2987"/>
+                </a:lnTo>
+                <a:lnTo>
+                  <a:pt x="71208" y="2783"/>
+                </a:lnTo>
+                <a:lnTo>
+                  <a:pt x="71276" y="2647"/>
+                </a:lnTo>
+                <a:lnTo>
+                  <a:pt x="71344" y="2444"/>
+                </a:lnTo>
+                <a:lnTo>
+                  <a:pt x="71548" y="2376"/>
+                </a:lnTo>
+                <a:lnTo>
+                  <a:pt x="71751" y="2308"/>
+                </a:lnTo>
+                <a:close/>
+                <a:moveTo>
+                  <a:pt x="137528" y="5906"/>
+                </a:moveTo>
+                <a:lnTo>
+                  <a:pt x="137596" y="5974"/>
+                </a:lnTo>
+                <a:lnTo>
+                  <a:pt x="137596" y="89604"/>
+                </a:lnTo>
+                <a:lnTo>
+                  <a:pt x="5906" y="89604"/>
+                </a:lnTo>
+                <a:lnTo>
+                  <a:pt x="5906" y="5974"/>
+                </a:lnTo>
+                <a:lnTo>
+                  <a:pt x="5906" y="5906"/>
+                </a:lnTo>
+                <a:close/>
+                <a:moveTo>
+                  <a:pt x="3530" y="0"/>
+                </a:moveTo>
+                <a:lnTo>
+                  <a:pt x="3191" y="68"/>
+                </a:lnTo>
+                <a:lnTo>
+                  <a:pt x="2444" y="339"/>
+                </a:lnTo>
+                <a:lnTo>
+                  <a:pt x="1766" y="679"/>
+                </a:lnTo>
+                <a:lnTo>
+                  <a:pt x="1155" y="1154"/>
+                </a:lnTo>
+                <a:lnTo>
+                  <a:pt x="679" y="1765"/>
+                </a:lnTo>
+                <a:lnTo>
+                  <a:pt x="272" y="2444"/>
+                </a:lnTo>
+                <a:lnTo>
+                  <a:pt x="69" y="3190"/>
+                </a:lnTo>
+                <a:lnTo>
+                  <a:pt x="1" y="3598"/>
+                </a:lnTo>
+                <a:lnTo>
+                  <a:pt x="1" y="4005"/>
+                </a:lnTo>
+                <a:lnTo>
+                  <a:pt x="1" y="91572"/>
+                </a:lnTo>
+                <a:lnTo>
+                  <a:pt x="1" y="91979"/>
+                </a:lnTo>
+                <a:lnTo>
+                  <a:pt x="69" y="92319"/>
+                </a:lnTo>
+                <a:lnTo>
+                  <a:pt x="272" y="93065"/>
+                </a:lnTo>
+                <a:lnTo>
+                  <a:pt x="679" y="93744"/>
+                </a:lnTo>
+                <a:lnTo>
+                  <a:pt x="1155" y="94355"/>
+                </a:lnTo>
+                <a:lnTo>
+                  <a:pt x="1766" y="94830"/>
+                </a:lnTo>
+                <a:lnTo>
+                  <a:pt x="2444" y="95238"/>
+                </a:lnTo>
+                <a:lnTo>
+                  <a:pt x="3191" y="95441"/>
+                </a:lnTo>
+                <a:lnTo>
+                  <a:pt x="3530" y="95509"/>
+                </a:lnTo>
+                <a:lnTo>
+                  <a:pt x="139904" y="95509"/>
+                </a:lnTo>
+                <a:lnTo>
+                  <a:pt x="140311" y="95441"/>
+                </a:lnTo>
+                <a:lnTo>
+                  <a:pt x="141058" y="95238"/>
+                </a:lnTo>
+                <a:lnTo>
+                  <a:pt x="141737" y="94830"/>
+                </a:lnTo>
+                <a:lnTo>
+                  <a:pt x="142280" y="94355"/>
+                </a:lnTo>
+                <a:lnTo>
+                  <a:pt x="142755" y="93744"/>
+                </a:lnTo>
+                <a:lnTo>
+                  <a:pt x="143162" y="93065"/>
+                </a:lnTo>
+                <a:lnTo>
+                  <a:pt x="143366" y="92319"/>
+                </a:lnTo>
+                <a:lnTo>
+                  <a:pt x="143434" y="91979"/>
+                </a:lnTo>
+                <a:lnTo>
+                  <a:pt x="143434" y="91572"/>
+                </a:lnTo>
+                <a:lnTo>
+                  <a:pt x="143434" y="4005"/>
+                </a:lnTo>
+                <a:lnTo>
+                  <a:pt x="143434" y="3598"/>
+                </a:lnTo>
+                <a:lnTo>
+                  <a:pt x="143366" y="3190"/>
+                </a:lnTo>
+                <a:lnTo>
+                  <a:pt x="143162" y="2444"/>
+                </a:lnTo>
+                <a:lnTo>
+                  <a:pt x="142755" y="1765"/>
+                </a:lnTo>
+                <a:lnTo>
+                  <a:pt x="142280" y="1154"/>
+                </a:lnTo>
+                <a:lnTo>
+                  <a:pt x="141737" y="679"/>
+                </a:lnTo>
+                <a:lnTo>
+                  <a:pt x="141058" y="339"/>
+                </a:lnTo>
+                <a:lnTo>
+                  <a:pt x="140311" y="68"/>
+                </a:lnTo>
+                <a:lnTo>
+                  <a:pt x="139904" y="0"/>
+                </a:lnTo>
+                <a:close/>
+                <a:moveTo>
+                  <a:pt x="55324" y="95713"/>
+                </a:moveTo>
+                <a:lnTo>
+                  <a:pt x="55052" y="98971"/>
+                </a:lnTo>
+                <a:lnTo>
+                  <a:pt x="54713" y="102297"/>
+                </a:lnTo>
+                <a:lnTo>
+                  <a:pt x="54374" y="105284"/>
+                </a:lnTo>
+                <a:lnTo>
+                  <a:pt x="53966" y="107388"/>
+                </a:lnTo>
+                <a:lnTo>
+                  <a:pt x="53763" y="108203"/>
+                </a:lnTo>
+                <a:lnTo>
+                  <a:pt x="53627" y="108746"/>
+                </a:lnTo>
+                <a:lnTo>
+                  <a:pt x="53423" y="109153"/>
+                </a:lnTo>
+                <a:lnTo>
+                  <a:pt x="53220" y="109357"/>
+                </a:lnTo>
+                <a:lnTo>
+                  <a:pt x="52677" y="109493"/>
+                </a:lnTo>
+                <a:lnTo>
+                  <a:pt x="51794" y="109696"/>
+                </a:lnTo>
+                <a:lnTo>
+                  <a:pt x="49690" y="110036"/>
+                </a:lnTo>
+                <a:lnTo>
+                  <a:pt x="48061" y="110307"/>
+                </a:lnTo>
+                <a:lnTo>
+                  <a:pt x="47450" y="110443"/>
+                </a:lnTo>
+                <a:lnTo>
+                  <a:pt x="47110" y="110511"/>
+                </a:lnTo>
+                <a:lnTo>
+                  <a:pt x="47042" y="110579"/>
+                </a:lnTo>
+                <a:lnTo>
+                  <a:pt x="47042" y="110783"/>
+                </a:lnTo>
+                <a:lnTo>
+                  <a:pt x="47110" y="110850"/>
+                </a:lnTo>
+                <a:lnTo>
+                  <a:pt x="47585" y="110918"/>
+                </a:lnTo>
+                <a:lnTo>
+                  <a:pt x="48400" y="110986"/>
+                </a:lnTo>
+                <a:lnTo>
+                  <a:pt x="51387" y="111054"/>
+                </a:lnTo>
+                <a:lnTo>
+                  <a:pt x="56071" y="111122"/>
+                </a:lnTo>
+                <a:lnTo>
+                  <a:pt x="87092" y="111122"/>
+                </a:lnTo>
+                <a:lnTo>
+                  <a:pt x="91708" y="111054"/>
+                </a:lnTo>
+                <a:lnTo>
+                  <a:pt x="94695" y="110986"/>
+                </a:lnTo>
+                <a:lnTo>
+                  <a:pt x="95578" y="110918"/>
+                </a:lnTo>
+                <a:lnTo>
+                  <a:pt x="96053" y="110850"/>
+                </a:lnTo>
+                <a:lnTo>
+                  <a:pt x="96121" y="110783"/>
+                </a:lnTo>
+                <a:lnTo>
+                  <a:pt x="96121" y="110579"/>
+                </a:lnTo>
+                <a:lnTo>
+                  <a:pt x="96053" y="110511"/>
+                </a:lnTo>
+                <a:lnTo>
+                  <a:pt x="95713" y="110443"/>
+                </a:lnTo>
+                <a:lnTo>
+                  <a:pt x="95102" y="110307"/>
+                </a:lnTo>
+                <a:lnTo>
+                  <a:pt x="93473" y="110036"/>
+                </a:lnTo>
+                <a:lnTo>
+                  <a:pt x="91369" y="109696"/>
+                </a:lnTo>
+                <a:lnTo>
+                  <a:pt x="90487" y="109493"/>
+                </a:lnTo>
+                <a:lnTo>
+                  <a:pt x="89943" y="109357"/>
+                </a:lnTo>
+                <a:lnTo>
+                  <a:pt x="89740" y="109153"/>
+                </a:lnTo>
+                <a:lnTo>
+                  <a:pt x="89536" y="108746"/>
+                </a:lnTo>
+                <a:lnTo>
+                  <a:pt x="89333" y="108203"/>
+                </a:lnTo>
+                <a:lnTo>
+                  <a:pt x="89197" y="107388"/>
+                </a:lnTo>
+                <a:lnTo>
+                  <a:pt x="88789" y="105284"/>
+                </a:lnTo>
+                <a:lnTo>
+                  <a:pt x="88382" y="102297"/>
+                </a:lnTo>
+                <a:lnTo>
+                  <a:pt x="88043" y="98971"/>
+                </a:lnTo>
+                <a:lnTo>
+                  <a:pt x="87839" y="95713"/>
+                </a:lnTo>
+                <a:close/>
+                <a:moveTo>
+                  <a:pt x="47450" y="111054"/>
+                </a:moveTo>
+                <a:lnTo>
+                  <a:pt x="47450" y="111122"/>
+                </a:lnTo>
+                <a:lnTo>
+                  <a:pt x="47450" y="111393"/>
+                </a:lnTo>
+                <a:lnTo>
+                  <a:pt x="47518" y="111461"/>
+                </a:lnTo>
+                <a:lnTo>
+                  <a:pt x="48807" y="111529"/>
+                </a:lnTo>
+                <a:lnTo>
+                  <a:pt x="52473" y="111597"/>
+                </a:lnTo>
+                <a:lnTo>
+                  <a:pt x="62384" y="111665"/>
+                </a:lnTo>
+                <a:lnTo>
+                  <a:pt x="80779" y="111665"/>
+                </a:lnTo>
+                <a:lnTo>
+                  <a:pt x="90622" y="111597"/>
+                </a:lnTo>
+                <a:lnTo>
+                  <a:pt x="94356" y="111529"/>
+                </a:lnTo>
+                <a:lnTo>
+                  <a:pt x="95646" y="111461"/>
+                </a:lnTo>
+                <a:lnTo>
+                  <a:pt x="95713" y="111393"/>
+                </a:lnTo>
+                <a:lnTo>
+                  <a:pt x="95713" y="111122"/>
+                </a:lnTo>
+                <a:lnTo>
+                  <a:pt x="95646" y="111054"/>
+                </a:lnTo>
+                <a:lnTo>
+                  <a:pt x="94084" y="111122"/>
+                </a:lnTo>
+                <a:lnTo>
+                  <a:pt x="91233" y="111190"/>
+                </a:lnTo>
+                <a:lnTo>
+                  <a:pt x="80847" y="111258"/>
+                </a:lnTo>
+                <a:lnTo>
+                  <a:pt x="62316" y="111258"/>
+                </a:lnTo>
+                <a:lnTo>
+                  <a:pt x="51930" y="111190"/>
+                </a:lnTo>
+                <a:lnTo>
+                  <a:pt x="49079" y="111122"/>
+                </a:lnTo>
+                <a:lnTo>
+                  <a:pt x="47518" y="111054"/>
+                </a:lnTo>
+                <a:close/>
+              </a:path>
+            </a:pathLst>
+          </a:custGeom>
+          <a:solidFill>
+            <a:srgbClr val="FFFFFF"/>
+          </a:solidFill>
+          <a:ln w="19050" cap="flat" cmpd="sng">
+            <a:solidFill>
+              <a:srgbClr val="000000"/>
+            </a:solidFill>
+            <a:prstDash val="solid"/>
+            <a:round/>
+            <a:headEnd type="none" w="med" len="med"/>
+            <a:tailEnd type="none" w="med" len="med"/>
+          </a:ln>
+        </p:spPr>
+        <p:txBody>
+          <a:bodyPr lIns="91425" tIns="91425" rIns="91425" bIns="91425" anchor="ctr" anchorCtr="0">
+            <a:noAutofit/>
+          </a:bodyPr>
+          <a:lstStyle/>
+          <a:p>
+            <a:pPr lvl="0">
+              <a:spcBef>
+                <a:spcPts val="0"/>
+              </a:spcBef>
+              <a:buNone/>
+            </a:pPr>
+            <a:endParaRPr/>
+          </a:p>
+        </p:txBody>
+      </p:sp>
+      <p:sp>
+        <p:nvSpPr>
+          <p:cNvPr id="15" name="Shape 292"/>
+          <p:cNvSpPr/>
+          <p:nvPr/>
+        </p:nvSpPr>
+        <p:spPr>
+          <a:xfrm>
+            <a:off x="14489841" y="8526378"/>
+            <a:ext cx="683221" cy="662882"/>
+          </a:xfrm>
+          <a:custGeom>
+            <a:avLst/>
+            <a:gdLst/>
+            <a:ahLst/>
+            <a:cxnLst/>
+            <a:rect l="0" t="0" r="0" b="0"/>
+            <a:pathLst>
+              <a:path w="143434" h="111665" extrusionOk="0">
+                <a:moveTo>
+                  <a:pt x="71751" y="2308"/>
+                </a:moveTo>
+                <a:lnTo>
+                  <a:pt x="71887" y="2376"/>
+                </a:lnTo>
+                <a:lnTo>
+                  <a:pt x="72091" y="2444"/>
+                </a:lnTo>
+                <a:lnTo>
+                  <a:pt x="72159" y="2647"/>
+                </a:lnTo>
+                <a:lnTo>
+                  <a:pt x="72226" y="2783"/>
+                </a:lnTo>
+                <a:lnTo>
+                  <a:pt x="72159" y="2987"/>
+                </a:lnTo>
+                <a:lnTo>
+                  <a:pt x="72091" y="3190"/>
+                </a:lnTo>
+                <a:lnTo>
+                  <a:pt x="71887" y="3258"/>
+                </a:lnTo>
+                <a:lnTo>
+                  <a:pt x="71751" y="3326"/>
+                </a:lnTo>
+                <a:lnTo>
+                  <a:pt x="71548" y="3258"/>
+                </a:lnTo>
+                <a:lnTo>
+                  <a:pt x="71344" y="3190"/>
+                </a:lnTo>
+                <a:lnTo>
+                  <a:pt x="71276" y="2987"/>
+                </a:lnTo>
+                <a:lnTo>
+                  <a:pt x="71208" y="2783"/>
+                </a:lnTo>
+                <a:lnTo>
+                  <a:pt x="71276" y="2647"/>
+                </a:lnTo>
+                <a:lnTo>
+                  <a:pt x="71344" y="2444"/>
+                </a:lnTo>
+                <a:lnTo>
+                  <a:pt x="71548" y="2376"/>
+                </a:lnTo>
+                <a:lnTo>
+                  <a:pt x="71751" y="2308"/>
+                </a:lnTo>
+                <a:close/>
+                <a:moveTo>
+                  <a:pt x="137528" y="5906"/>
+                </a:moveTo>
+                <a:lnTo>
+                  <a:pt x="137596" y="5974"/>
+                </a:lnTo>
+                <a:lnTo>
+                  <a:pt x="137596" y="89604"/>
+                </a:lnTo>
+                <a:lnTo>
+                  <a:pt x="5906" y="89604"/>
+                </a:lnTo>
+                <a:lnTo>
+                  <a:pt x="5906" y="5974"/>
+                </a:lnTo>
+                <a:lnTo>
+                  <a:pt x="5906" y="5906"/>
+                </a:lnTo>
+                <a:close/>
+                <a:moveTo>
+                  <a:pt x="3530" y="0"/>
+                </a:moveTo>
+                <a:lnTo>
+                  <a:pt x="3191" y="68"/>
+                </a:lnTo>
+                <a:lnTo>
+                  <a:pt x="2444" y="339"/>
+                </a:lnTo>
+                <a:lnTo>
+                  <a:pt x="1766" y="679"/>
+                </a:lnTo>
+                <a:lnTo>
+                  <a:pt x="1155" y="1154"/>
+                </a:lnTo>
+                <a:lnTo>
+                  <a:pt x="679" y="1765"/>
+                </a:lnTo>
+                <a:lnTo>
+                  <a:pt x="272" y="2444"/>
+                </a:lnTo>
+                <a:lnTo>
+                  <a:pt x="69" y="3190"/>
+                </a:lnTo>
+                <a:lnTo>
+                  <a:pt x="1" y="3598"/>
+                </a:lnTo>
+                <a:lnTo>
+                  <a:pt x="1" y="4005"/>
+                </a:lnTo>
+                <a:lnTo>
+                  <a:pt x="1" y="91572"/>
+                </a:lnTo>
+                <a:lnTo>
+                  <a:pt x="1" y="91979"/>
+                </a:lnTo>
+                <a:lnTo>
+                  <a:pt x="69" y="92319"/>
+                </a:lnTo>
+                <a:lnTo>
+                  <a:pt x="272" y="93065"/>
+                </a:lnTo>
+                <a:lnTo>
+                  <a:pt x="679" y="93744"/>
+                </a:lnTo>
+                <a:lnTo>
+                  <a:pt x="1155" y="94355"/>
+                </a:lnTo>
+                <a:lnTo>
+                  <a:pt x="1766" y="94830"/>
+                </a:lnTo>
+                <a:lnTo>
+                  <a:pt x="2444" y="95238"/>
+                </a:lnTo>
+                <a:lnTo>
+                  <a:pt x="3191" y="95441"/>
+                </a:lnTo>
+                <a:lnTo>
+                  <a:pt x="3530" y="95509"/>
+                </a:lnTo>
+                <a:lnTo>
+                  <a:pt x="139904" y="95509"/>
+                </a:lnTo>
+                <a:lnTo>
+                  <a:pt x="140311" y="95441"/>
+                </a:lnTo>
+                <a:lnTo>
+                  <a:pt x="141058" y="95238"/>
+                </a:lnTo>
+                <a:lnTo>
+                  <a:pt x="141737" y="94830"/>
+                </a:lnTo>
+                <a:lnTo>
+                  <a:pt x="142280" y="94355"/>
+                </a:lnTo>
+                <a:lnTo>
+                  <a:pt x="142755" y="93744"/>
+                </a:lnTo>
+                <a:lnTo>
+                  <a:pt x="143162" y="93065"/>
+                </a:lnTo>
+                <a:lnTo>
+                  <a:pt x="143366" y="92319"/>
+                </a:lnTo>
+                <a:lnTo>
+                  <a:pt x="143434" y="91979"/>
+                </a:lnTo>
+                <a:lnTo>
+                  <a:pt x="143434" y="91572"/>
+                </a:lnTo>
+                <a:lnTo>
+                  <a:pt x="143434" y="4005"/>
+                </a:lnTo>
+                <a:lnTo>
+                  <a:pt x="143434" y="3598"/>
+                </a:lnTo>
+                <a:lnTo>
+                  <a:pt x="143366" y="3190"/>
+                </a:lnTo>
+                <a:lnTo>
+                  <a:pt x="143162" y="2444"/>
+                </a:lnTo>
+                <a:lnTo>
+                  <a:pt x="142755" y="1765"/>
+                </a:lnTo>
+                <a:lnTo>
+                  <a:pt x="142280" y="1154"/>
+                </a:lnTo>
+                <a:lnTo>
+                  <a:pt x="141737" y="679"/>
+                </a:lnTo>
+                <a:lnTo>
+                  <a:pt x="141058" y="339"/>
+                </a:lnTo>
+                <a:lnTo>
+                  <a:pt x="140311" y="68"/>
+                </a:lnTo>
+                <a:lnTo>
+                  <a:pt x="139904" y="0"/>
+                </a:lnTo>
+                <a:close/>
+                <a:moveTo>
+                  <a:pt x="55324" y="95713"/>
+                </a:moveTo>
+                <a:lnTo>
+                  <a:pt x="55052" y="98971"/>
+                </a:lnTo>
+                <a:lnTo>
+                  <a:pt x="54713" y="102297"/>
+                </a:lnTo>
+                <a:lnTo>
+                  <a:pt x="54374" y="105284"/>
+                </a:lnTo>
+                <a:lnTo>
+                  <a:pt x="53966" y="107388"/>
+                </a:lnTo>
+                <a:lnTo>
+                  <a:pt x="53763" y="108203"/>
+                </a:lnTo>
+                <a:lnTo>
+                  <a:pt x="53627" y="108746"/>
+                </a:lnTo>
+                <a:lnTo>
+                  <a:pt x="53423" y="109153"/>
+                </a:lnTo>
+                <a:lnTo>
+                  <a:pt x="53220" y="109357"/>
+                </a:lnTo>
+                <a:lnTo>
+                  <a:pt x="52677" y="109493"/>
+                </a:lnTo>
+                <a:lnTo>
+                  <a:pt x="51794" y="109696"/>
+                </a:lnTo>
+                <a:lnTo>
+                  <a:pt x="49690" y="110036"/>
+                </a:lnTo>
+                <a:lnTo>
+                  <a:pt x="48061" y="110307"/>
+                </a:lnTo>
+                <a:lnTo>
+                  <a:pt x="47450" y="110443"/>
+                </a:lnTo>
+                <a:lnTo>
+                  <a:pt x="47110" y="110511"/>
+                </a:lnTo>
+                <a:lnTo>
+                  <a:pt x="47042" y="110579"/>
+                </a:lnTo>
+                <a:lnTo>
+                  <a:pt x="47042" y="110783"/>
+                </a:lnTo>
+                <a:lnTo>
+                  <a:pt x="47110" y="110850"/>
+                </a:lnTo>
+                <a:lnTo>
+                  <a:pt x="47585" y="110918"/>
+                </a:lnTo>
+                <a:lnTo>
+                  <a:pt x="48400" y="110986"/>
+                </a:lnTo>
+                <a:lnTo>
+                  <a:pt x="51387" y="111054"/>
+                </a:lnTo>
+                <a:lnTo>
+                  <a:pt x="56071" y="111122"/>
+                </a:lnTo>
+                <a:lnTo>
+                  <a:pt x="87092" y="111122"/>
+                </a:lnTo>
+                <a:lnTo>
+                  <a:pt x="91708" y="111054"/>
+                </a:lnTo>
+                <a:lnTo>
+                  <a:pt x="94695" y="110986"/>
+                </a:lnTo>
+                <a:lnTo>
+                  <a:pt x="95578" y="110918"/>
+                </a:lnTo>
+                <a:lnTo>
+                  <a:pt x="96053" y="110850"/>
+                </a:lnTo>
+                <a:lnTo>
+                  <a:pt x="96121" y="110783"/>
+                </a:lnTo>
+                <a:lnTo>
+                  <a:pt x="96121" y="110579"/>
+                </a:lnTo>
+                <a:lnTo>
+                  <a:pt x="96053" y="110511"/>
+                </a:lnTo>
+                <a:lnTo>
+                  <a:pt x="95713" y="110443"/>
+                </a:lnTo>
+                <a:lnTo>
+                  <a:pt x="95102" y="110307"/>
+                </a:lnTo>
+                <a:lnTo>
+                  <a:pt x="93473" y="110036"/>
+                </a:lnTo>
+                <a:lnTo>
+                  <a:pt x="91369" y="109696"/>
+                </a:lnTo>
+                <a:lnTo>
+                  <a:pt x="90487" y="109493"/>
+                </a:lnTo>
+                <a:lnTo>
+                  <a:pt x="89943" y="109357"/>
+                </a:lnTo>
+                <a:lnTo>
+                  <a:pt x="89740" y="109153"/>
+                </a:lnTo>
+                <a:lnTo>
+                  <a:pt x="89536" y="108746"/>
+                </a:lnTo>
+                <a:lnTo>
+                  <a:pt x="89333" y="108203"/>
+                </a:lnTo>
+                <a:lnTo>
+                  <a:pt x="89197" y="107388"/>
+                </a:lnTo>
+                <a:lnTo>
+                  <a:pt x="88789" y="105284"/>
+                </a:lnTo>
+                <a:lnTo>
+                  <a:pt x="88382" y="102297"/>
+                </a:lnTo>
+                <a:lnTo>
+                  <a:pt x="88043" y="98971"/>
+                </a:lnTo>
+                <a:lnTo>
+                  <a:pt x="87839" y="95713"/>
+                </a:lnTo>
+                <a:close/>
+                <a:moveTo>
+                  <a:pt x="47450" y="111054"/>
+                </a:moveTo>
+                <a:lnTo>
+                  <a:pt x="47450" y="111122"/>
+                </a:lnTo>
+                <a:lnTo>
+                  <a:pt x="47450" y="111393"/>
+                </a:lnTo>
+                <a:lnTo>
+                  <a:pt x="47518" y="111461"/>
+                </a:lnTo>
+                <a:lnTo>
+                  <a:pt x="48807" y="111529"/>
+                </a:lnTo>
+                <a:lnTo>
+                  <a:pt x="52473" y="111597"/>
+                </a:lnTo>
+                <a:lnTo>
+                  <a:pt x="62384" y="111665"/>
+                </a:lnTo>
+                <a:lnTo>
+                  <a:pt x="80779" y="111665"/>
+                </a:lnTo>
+                <a:lnTo>
+                  <a:pt x="90622" y="111597"/>
+                </a:lnTo>
+                <a:lnTo>
+                  <a:pt x="94356" y="111529"/>
+                </a:lnTo>
+                <a:lnTo>
+                  <a:pt x="95646" y="111461"/>
+                </a:lnTo>
+                <a:lnTo>
+                  <a:pt x="95713" y="111393"/>
+                </a:lnTo>
+                <a:lnTo>
+                  <a:pt x="95713" y="111122"/>
+                </a:lnTo>
+                <a:lnTo>
+                  <a:pt x="95646" y="111054"/>
+                </a:lnTo>
+                <a:lnTo>
+                  <a:pt x="94084" y="111122"/>
+                </a:lnTo>
+                <a:lnTo>
+                  <a:pt x="91233" y="111190"/>
+                </a:lnTo>
+                <a:lnTo>
+                  <a:pt x="80847" y="111258"/>
+                </a:lnTo>
+                <a:lnTo>
+                  <a:pt x="62316" y="111258"/>
+                </a:lnTo>
+                <a:lnTo>
+                  <a:pt x="51930" y="111190"/>
+                </a:lnTo>
+                <a:lnTo>
+                  <a:pt x="49079" y="111122"/>
+                </a:lnTo>
+                <a:lnTo>
+                  <a:pt x="47518" y="111054"/>
+                </a:lnTo>
+                <a:close/>
+              </a:path>
+            </a:pathLst>
+          </a:custGeom>
+          <a:solidFill>
+            <a:srgbClr val="FFFFFF"/>
+          </a:solidFill>
+          <a:ln w="19050" cap="flat" cmpd="sng">
+            <a:solidFill>
+              <a:srgbClr val="000000"/>
+            </a:solidFill>
+            <a:prstDash val="solid"/>
+            <a:round/>
+            <a:headEnd type="none" w="med" len="med"/>
+            <a:tailEnd type="none" w="med" len="med"/>
+          </a:ln>
+        </p:spPr>
+        <p:txBody>
+          <a:bodyPr lIns="91425" tIns="91425" rIns="91425" bIns="91425" anchor="ctr" anchorCtr="0">
+            <a:noAutofit/>
+          </a:bodyPr>
+          <a:lstStyle/>
+          <a:p>
+            <a:pPr lvl="0">
+              <a:spcBef>
+                <a:spcPts val="0"/>
+              </a:spcBef>
+              <a:buNone/>
+            </a:pPr>
+            <a:endParaRPr/>
+          </a:p>
+        </p:txBody>
+      </p:sp>
+      <p:sp>
+        <p:nvSpPr>
+          <p:cNvPr id="17" name="Shape 292"/>
+          <p:cNvSpPr/>
+          <p:nvPr/>
+        </p:nvSpPr>
+        <p:spPr>
+          <a:xfrm>
+            <a:off x="14489840" y="6615783"/>
+            <a:ext cx="683221" cy="662882"/>
+          </a:xfrm>
+          <a:custGeom>
+            <a:avLst/>
+            <a:gdLst/>
+            <a:ahLst/>
+            <a:cxnLst/>
+            <a:rect l="0" t="0" r="0" b="0"/>
+            <a:pathLst>
+              <a:path w="143434" h="111665" extrusionOk="0">
+                <a:moveTo>
+                  <a:pt x="71751" y="2308"/>
+                </a:moveTo>
+                <a:lnTo>
+                  <a:pt x="71887" y="2376"/>
+                </a:lnTo>
+                <a:lnTo>
+                  <a:pt x="72091" y="2444"/>
+                </a:lnTo>
+                <a:lnTo>
+                  <a:pt x="72159" y="2647"/>
+                </a:lnTo>
+                <a:lnTo>
+                  <a:pt x="72226" y="2783"/>
+                </a:lnTo>
+                <a:lnTo>
+                  <a:pt x="72159" y="2987"/>
+                </a:lnTo>
+                <a:lnTo>
+                  <a:pt x="72091" y="3190"/>
+                </a:lnTo>
+                <a:lnTo>
+                  <a:pt x="71887" y="3258"/>
+                </a:lnTo>
+                <a:lnTo>
+                  <a:pt x="71751" y="3326"/>
+                </a:lnTo>
+                <a:lnTo>
+                  <a:pt x="71548" y="3258"/>
+                </a:lnTo>
+                <a:lnTo>
+                  <a:pt x="71344" y="3190"/>
+                </a:lnTo>
+                <a:lnTo>
+                  <a:pt x="71276" y="2987"/>
+                </a:lnTo>
+                <a:lnTo>
+                  <a:pt x="71208" y="2783"/>
+                </a:lnTo>
+                <a:lnTo>
+                  <a:pt x="71276" y="2647"/>
+                </a:lnTo>
+                <a:lnTo>
+                  <a:pt x="71344" y="2444"/>
+                </a:lnTo>
+                <a:lnTo>
+                  <a:pt x="71548" y="2376"/>
+                </a:lnTo>
+                <a:lnTo>
+                  <a:pt x="71751" y="2308"/>
+                </a:lnTo>
+                <a:close/>
+                <a:moveTo>
+                  <a:pt x="137528" y="5906"/>
+                </a:moveTo>
+                <a:lnTo>
+                  <a:pt x="137596" y="5974"/>
+                </a:lnTo>
+                <a:lnTo>
+                  <a:pt x="137596" y="89604"/>
+                </a:lnTo>
+                <a:lnTo>
+                  <a:pt x="5906" y="89604"/>
+                </a:lnTo>
+                <a:lnTo>
+                  <a:pt x="5906" y="5974"/>
+                </a:lnTo>
+                <a:lnTo>
+                  <a:pt x="5906" y="5906"/>
+                </a:lnTo>
+                <a:close/>
+                <a:moveTo>
+                  <a:pt x="3530" y="0"/>
+                </a:moveTo>
+                <a:lnTo>
+                  <a:pt x="3191" y="68"/>
+                </a:lnTo>
+                <a:lnTo>
+                  <a:pt x="2444" y="339"/>
+                </a:lnTo>
+                <a:lnTo>
+                  <a:pt x="1766" y="679"/>
+                </a:lnTo>
+                <a:lnTo>
+                  <a:pt x="1155" y="1154"/>
+                </a:lnTo>
+                <a:lnTo>
+                  <a:pt x="679" y="1765"/>
+                </a:lnTo>
+                <a:lnTo>
+                  <a:pt x="272" y="2444"/>
+                </a:lnTo>
+                <a:lnTo>
+                  <a:pt x="69" y="3190"/>
+                </a:lnTo>
+                <a:lnTo>
+                  <a:pt x="1" y="3598"/>
+                </a:lnTo>
+                <a:lnTo>
+                  <a:pt x="1" y="4005"/>
+                </a:lnTo>
+                <a:lnTo>
+                  <a:pt x="1" y="91572"/>
+                </a:lnTo>
+                <a:lnTo>
+                  <a:pt x="1" y="91979"/>
+                </a:lnTo>
+                <a:lnTo>
+                  <a:pt x="69" y="92319"/>
+                </a:lnTo>
+                <a:lnTo>
+                  <a:pt x="272" y="93065"/>
+                </a:lnTo>
+                <a:lnTo>
+                  <a:pt x="679" y="93744"/>
+                </a:lnTo>
+                <a:lnTo>
+                  <a:pt x="1155" y="94355"/>
+                </a:lnTo>
+                <a:lnTo>
+                  <a:pt x="1766" y="94830"/>
+                </a:lnTo>
+                <a:lnTo>
+                  <a:pt x="2444" y="95238"/>
+                </a:lnTo>
+                <a:lnTo>
+                  <a:pt x="3191" y="95441"/>
+                </a:lnTo>
+                <a:lnTo>
+                  <a:pt x="3530" y="95509"/>
+                </a:lnTo>
+                <a:lnTo>
+                  <a:pt x="139904" y="95509"/>
+                </a:lnTo>
+                <a:lnTo>
+                  <a:pt x="140311" y="95441"/>
+                </a:lnTo>
+                <a:lnTo>
+                  <a:pt x="141058" y="95238"/>
+                </a:lnTo>
+                <a:lnTo>
+                  <a:pt x="141737" y="94830"/>
+                </a:lnTo>
+                <a:lnTo>
+                  <a:pt x="142280" y="94355"/>
+                </a:lnTo>
+                <a:lnTo>
+                  <a:pt x="142755" y="93744"/>
+                </a:lnTo>
+                <a:lnTo>
+                  <a:pt x="143162" y="93065"/>
+                </a:lnTo>
+                <a:lnTo>
+                  <a:pt x="143366" y="92319"/>
+                </a:lnTo>
+                <a:lnTo>
+                  <a:pt x="143434" y="91979"/>
+                </a:lnTo>
+                <a:lnTo>
+                  <a:pt x="143434" y="91572"/>
+                </a:lnTo>
+                <a:lnTo>
+                  <a:pt x="143434" y="4005"/>
+                </a:lnTo>
+                <a:lnTo>
+                  <a:pt x="143434" y="3598"/>
+                </a:lnTo>
+                <a:lnTo>
+                  <a:pt x="143366" y="3190"/>
+                </a:lnTo>
+                <a:lnTo>
+                  <a:pt x="143162" y="2444"/>
+                </a:lnTo>
+                <a:lnTo>
+                  <a:pt x="142755" y="1765"/>
+                </a:lnTo>
+                <a:lnTo>
+                  <a:pt x="142280" y="1154"/>
+                </a:lnTo>
+                <a:lnTo>
+                  <a:pt x="141737" y="679"/>
+                </a:lnTo>
+                <a:lnTo>
+                  <a:pt x="141058" y="339"/>
+                </a:lnTo>
+                <a:lnTo>
+                  <a:pt x="140311" y="68"/>
+                </a:lnTo>
+                <a:lnTo>
+                  <a:pt x="139904" y="0"/>
+                </a:lnTo>
+                <a:close/>
+                <a:moveTo>
+                  <a:pt x="55324" y="95713"/>
+                </a:moveTo>
+                <a:lnTo>
+                  <a:pt x="55052" y="98971"/>
+                </a:lnTo>
+                <a:lnTo>
+                  <a:pt x="54713" y="102297"/>
+                </a:lnTo>
+                <a:lnTo>
+                  <a:pt x="54374" y="105284"/>
+                </a:lnTo>
+                <a:lnTo>
+                  <a:pt x="53966" y="107388"/>
+                </a:lnTo>
+                <a:lnTo>
+                  <a:pt x="53763" y="108203"/>
+                </a:lnTo>
+                <a:lnTo>
+                  <a:pt x="53627" y="108746"/>
+                </a:lnTo>
+                <a:lnTo>
+                  <a:pt x="53423" y="109153"/>
+                </a:lnTo>
+                <a:lnTo>
+                  <a:pt x="53220" y="109357"/>
+                </a:lnTo>
+                <a:lnTo>
+                  <a:pt x="52677" y="109493"/>
+                </a:lnTo>
+                <a:lnTo>
+                  <a:pt x="51794" y="109696"/>
+                </a:lnTo>
+                <a:lnTo>
+                  <a:pt x="49690" y="110036"/>
+                </a:lnTo>
+                <a:lnTo>
+                  <a:pt x="48061" y="110307"/>
+                </a:lnTo>
+                <a:lnTo>
+                  <a:pt x="47450" y="110443"/>
+                </a:lnTo>
+                <a:lnTo>
+                  <a:pt x="47110" y="110511"/>
+                </a:lnTo>
+                <a:lnTo>
+                  <a:pt x="47042" y="110579"/>
+                </a:lnTo>
+                <a:lnTo>
+                  <a:pt x="47042" y="110783"/>
+                </a:lnTo>
+                <a:lnTo>
+                  <a:pt x="47110" y="110850"/>
+                </a:lnTo>
+                <a:lnTo>
+                  <a:pt x="47585" y="110918"/>
+                </a:lnTo>
+                <a:lnTo>
+                  <a:pt x="48400" y="110986"/>
+                </a:lnTo>
+                <a:lnTo>
+                  <a:pt x="51387" y="111054"/>
+                </a:lnTo>
+                <a:lnTo>
+                  <a:pt x="56071" y="111122"/>
+                </a:lnTo>
+                <a:lnTo>
+                  <a:pt x="87092" y="111122"/>
+                </a:lnTo>
+                <a:lnTo>
+                  <a:pt x="91708" y="111054"/>
+                </a:lnTo>
+                <a:lnTo>
+                  <a:pt x="94695" y="110986"/>
+                </a:lnTo>
+                <a:lnTo>
+                  <a:pt x="95578" y="110918"/>
+                </a:lnTo>
+                <a:lnTo>
+                  <a:pt x="96053" y="110850"/>
+                </a:lnTo>
+                <a:lnTo>
+                  <a:pt x="96121" y="110783"/>
+                </a:lnTo>
+                <a:lnTo>
+                  <a:pt x="96121" y="110579"/>
+                </a:lnTo>
+                <a:lnTo>
+                  <a:pt x="96053" y="110511"/>
+                </a:lnTo>
+                <a:lnTo>
+                  <a:pt x="95713" y="110443"/>
+                </a:lnTo>
+                <a:lnTo>
+                  <a:pt x="95102" y="110307"/>
+                </a:lnTo>
+                <a:lnTo>
+                  <a:pt x="93473" y="110036"/>
+                </a:lnTo>
+                <a:lnTo>
+                  <a:pt x="91369" y="109696"/>
+                </a:lnTo>
+                <a:lnTo>
+                  <a:pt x="90487" y="109493"/>
+                </a:lnTo>
+                <a:lnTo>
+                  <a:pt x="89943" y="109357"/>
+                </a:lnTo>
+                <a:lnTo>
+                  <a:pt x="89740" y="109153"/>
+                </a:lnTo>
+                <a:lnTo>
+                  <a:pt x="89536" y="108746"/>
+                </a:lnTo>
+                <a:lnTo>
+                  <a:pt x="89333" y="108203"/>
+                </a:lnTo>
+                <a:lnTo>
+                  <a:pt x="89197" y="107388"/>
+                </a:lnTo>
+                <a:lnTo>
+                  <a:pt x="88789" y="105284"/>
+                </a:lnTo>
+                <a:lnTo>
+                  <a:pt x="88382" y="102297"/>
+                </a:lnTo>
+                <a:lnTo>
+                  <a:pt x="88043" y="98971"/>
+                </a:lnTo>
+                <a:lnTo>
+                  <a:pt x="87839" y="95713"/>
+                </a:lnTo>
+                <a:close/>
+                <a:moveTo>
+                  <a:pt x="47450" y="111054"/>
+                </a:moveTo>
+                <a:lnTo>
+                  <a:pt x="47450" y="111122"/>
+                </a:lnTo>
+                <a:lnTo>
+                  <a:pt x="47450" y="111393"/>
+                </a:lnTo>
+                <a:lnTo>
+                  <a:pt x="47518" y="111461"/>
+                </a:lnTo>
+                <a:lnTo>
+                  <a:pt x="48807" y="111529"/>
+                </a:lnTo>
+                <a:lnTo>
+                  <a:pt x="52473" y="111597"/>
+                </a:lnTo>
+                <a:lnTo>
+                  <a:pt x="62384" y="111665"/>
+                </a:lnTo>
+                <a:lnTo>
+                  <a:pt x="80779" y="111665"/>
+                </a:lnTo>
+                <a:lnTo>
+                  <a:pt x="90622" y="111597"/>
+                </a:lnTo>
+                <a:lnTo>
+                  <a:pt x="94356" y="111529"/>
+                </a:lnTo>
+                <a:lnTo>
+                  <a:pt x="95646" y="111461"/>
+                </a:lnTo>
+                <a:lnTo>
+                  <a:pt x="95713" y="111393"/>
+                </a:lnTo>
+                <a:lnTo>
+                  <a:pt x="95713" y="111122"/>
+                </a:lnTo>
+                <a:lnTo>
+                  <a:pt x="95646" y="111054"/>
+                </a:lnTo>
+                <a:lnTo>
+                  <a:pt x="94084" y="111122"/>
+                </a:lnTo>
+                <a:lnTo>
+                  <a:pt x="91233" y="111190"/>
+                </a:lnTo>
+                <a:lnTo>
+                  <a:pt x="80847" y="111258"/>
+                </a:lnTo>
+                <a:lnTo>
+                  <a:pt x="62316" y="111258"/>
+                </a:lnTo>
+                <a:lnTo>
+                  <a:pt x="51930" y="111190"/>
+                </a:lnTo>
+                <a:lnTo>
+                  <a:pt x="49079" y="111122"/>
+                </a:lnTo>
+                <a:lnTo>
+                  <a:pt x="47518" y="111054"/>
+                </a:lnTo>
+                <a:close/>
+              </a:path>
+            </a:pathLst>
+          </a:custGeom>
+          <a:solidFill>
+            <a:srgbClr val="FFFFFF"/>
+          </a:solidFill>
+          <a:ln w="19050" cap="flat" cmpd="sng">
+            <a:solidFill>
+              <a:srgbClr val="000000"/>
+            </a:solidFill>
+            <a:prstDash val="solid"/>
+            <a:round/>
+            <a:headEnd type="none" w="med" len="med"/>
+            <a:tailEnd type="none" w="med" len="med"/>
+          </a:ln>
+        </p:spPr>
+        <p:txBody>
+          <a:bodyPr lIns="91425" tIns="91425" rIns="91425" bIns="91425" anchor="ctr" anchorCtr="0">
+            <a:noAutofit/>
+          </a:bodyPr>
+          <a:lstStyle/>
+          <a:p>
+            <a:pPr lvl="0">
+              <a:spcBef>
+                <a:spcPts val="0"/>
+              </a:spcBef>
+              <a:buNone/>
+            </a:pPr>
+            <a:endParaRPr/>
+          </a:p>
+        </p:txBody>
+      </p:sp>
+      <p:sp>
+        <p:nvSpPr>
+          <p:cNvPr id="21" name="Shape 292"/>
+          <p:cNvSpPr/>
+          <p:nvPr/>
+        </p:nvSpPr>
+        <p:spPr>
+          <a:xfrm>
+            <a:off x="14489839" y="3167158"/>
+            <a:ext cx="683221" cy="662882"/>
+          </a:xfrm>
+          <a:custGeom>
+            <a:avLst/>
+            <a:gdLst/>
+            <a:ahLst/>
+            <a:cxnLst/>
+            <a:rect l="0" t="0" r="0" b="0"/>
+            <a:pathLst>
+              <a:path w="143434" h="111665" extrusionOk="0">
+                <a:moveTo>
+                  <a:pt x="71751" y="2308"/>
+                </a:moveTo>
+                <a:lnTo>
+                  <a:pt x="71887" y="2376"/>
+                </a:lnTo>
+                <a:lnTo>
+                  <a:pt x="72091" y="2444"/>
+                </a:lnTo>
+                <a:lnTo>
+                  <a:pt x="72159" y="2647"/>
+                </a:lnTo>
+                <a:lnTo>
+                  <a:pt x="72226" y="2783"/>
+                </a:lnTo>
+                <a:lnTo>
+                  <a:pt x="72159" y="2987"/>
+                </a:lnTo>
+                <a:lnTo>
+                  <a:pt x="72091" y="3190"/>
+                </a:lnTo>
+                <a:lnTo>
+                  <a:pt x="71887" y="3258"/>
+                </a:lnTo>
+                <a:lnTo>
+                  <a:pt x="71751" y="3326"/>
+                </a:lnTo>
+                <a:lnTo>
+                  <a:pt x="71548" y="3258"/>
+                </a:lnTo>
+                <a:lnTo>
+                  <a:pt x="71344" y="3190"/>
+                </a:lnTo>
+                <a:lnTo>
+                  <a:pt x="71276" y="2987"/>
+                </a:lnTo>
+                <a:lnTo>
+                  <a:pt x="71208" y="2783"/>
+                </a:lnTo>
+                <a:lnTo>
+                  <a:pt x="71276" y="2647"/>
+                </a:lnTo>
+                <a:lnTo>
+                  <a:pt x="71344" y="2444"/>
+                </a:lnTo>
+                <a:lnTo>
+                  <a:pt x="71548" y="2376"/>
+                </a:lnTo>
+                <a:lnTo>
+                  <a:pt x="71751" y="2308"/>
+                </a:lnTo>
+                <a:close/>
+                <a:moveTo>
+                  <a:pt x="137528" y="5906"/>
+                </a:moveTo>
+                <a:lnTo>
+                  <a:pt x="137596" y="5974"/>
+                </a:lnTo>
+                <a:lnTo>
+                  <a:pt x="137596" y="89604"/>
+                </a:lnTo>
+                <a:lnTo>
+                  <a:pt x="5906" y="89604"/>
+                </a:lnTo>
+                <a:lnTo>
+                  <a:pt x="5906" y="5974"/>
+                </a:lnTo>
+                <a:lnTo>
+                  <a:pt x="5906" y="5906"/>
+                </a:lnTo>
+                <a:close/>
+                <a:moveTo>
+                  <a:pt x="3530" y="0"/>
+                </a:moveTo>
+                <a:lnTo>
+                  <a:pt x="3191" y="68"/>
+                </a:lnTo>
+                <a:lnTo>
+                  <a:pt x="2444" y="339"/>
+                </a:lnTo>
+                <a:lnTo>
+                  <a:pt x="1766" y="679"/>
+                </a:lnTo>
+                <a:lnTo>
+                  <a:pt x="1155" y="1154"/>
+                </a:lnTo>
+                <a:lnTo>
+                  <a:pt x="679" y="1765"/>
+                </a:lnTo>
+                <a:lnTo>
+                  <a:pt x="272" y="2444"/>
+                </a:lnTo>
+                <a:lnTo>
+                  <a:pt x="69" y="3190"/>
+                </a:lnTo>
+                <a:lnTo>
+                  <a:pt x="1" y="3598"/>
+                </a:lnTo>
+                <a:lnTo>
+                  <a:pt x="1" y="4005"/>
+                </a:lnTo>
+                <a:lnTo>
+                  <a:pt x="1" y="91572"/>
+                </a:lnTo>
+                <a:lnTo>
+                  <a:pt x="1" y="91979"/>
+                </a:lnTo>
+                <a:lnTo>
+                  <a:pt x="69" y="92319"/>
+                </a:lnTo>
+                <a:lnTo>
+                  <a:pt x="272" y="93065"/>
+                </a:lnTo>
+                <a:lnTo>
+                  <a:pt x="679" y="93744"/>
+                </a:lnTo>
+                <a:lnTo>
+                  <a:pt x="1155" y="94355"/>
+                </a:lnTo>
+                <a:lnTo>
+                  <a:pt x="1766" y="94830"/>
+                </a:lnTo>
+                <a:lnTo>
+                  <a:pt x="2444" y="95238"/>
+                </a:lnTo>
+                <a:lnTo>
+                  <a:pt x="3191" y="95441"/>
+                </a:lnTo>
+                <a:lnTo>
+                  <a:pt x="3530" y="95509"/>
+                </a:lnTo>
+                <a:lnTo>
+                  <a:pt x="139904" y="95509"/>
+                </a:lnTo>
+                <a:lnTo>
+                  <a:pt x="140311" y="95441"/>
+                </a:lnTo>
+                <a:lnTo>
+                  <a:pt x="141058" y="95238"/>
+                </a:lnTo>
+                <a:lnTo>
+                  <a:pt x="141737" y="94830"/>
+                </a:lnTo>
+                <a:lnTo>
+                  <a:pt x="142280" y="94355"/>
+                </a:lnTo>
+                <a:lnTo>
+                  <a:pt x="142755" y="93744"/>
+                </a:lnTo>
+                <a:lnTo>
+                  <a:pt x="143162" y="93065"/>
+                </a:lnTo>
+                <a:lnTo>
+                  <a:pt x="143366" y="92319"/>
+                </a:lnTo>
+                <a:lnTo>
+                  <a:pt x="143434" y="91979"/>
+                </a:lnTo>
+                <a:lnTo>
+                  <a:pt x="143434" y="91572"/>
+                </a:lnTo>
+                <a:lnTo>
+                  <a:pt x="143434" y="4005"/>
+                </a:lnTo>
+                <a:lnTo>
+                  <a:pt x="143434" y="3598"/>
+                </a:lnTo>
+                <a:lnTo>
+                  <a:pt x="143366" y="3190"/>
+                </a:lnTo>
+                <a:lnTo>
+                  <a:pt x="143162" y="2444"/>
+                </a:lnTo>
+                <a:lnTo>
+                  <a:pt x="142755" y="1765"/>
+                </a:lnTo>
+                <a:lnTo>
+                  <a:pt x="142280" y="1154"/>
+                </a:lnTo>
+                <a:lnTo>
+                  <a:pt x="141737" y="679"/>
+                </a:lnTo>
+                <a:lnTo>
+                  <a:pt x="141058" y="339"/>
+                </a:lnTo>
+                <a:lnTo>
+                  <a:pt x="140311" y="68"/>
+                </a:lnTo>
+                <a:lnTo>
+                  <a:pt x="139904" y="0"/>
+                </a:lnTo>
+                <a:close/>
+                <a:moveTo>
+                  <a:pt x="55324" y="95713"/>
+                </a:moveTo>
+                <a:lnTo>
+                  <a:pt x="55052" y="98971"/>
+                </a:lnTo>
+                <a:lnTo>
+                  <a:pt x="54713" y="102297"/>
+                </a:lnTo>
+                <a:lnTo>
+                  <a:pt x="54374" y="105284"/>
+                </a:lnTo>
+                <a:lnTo>
+                  <a:pt x="53966" y="107388"/>
+                </a:lnTo>
+                <a:lnTo>
+                  <a:pt x="53763" y="108203"/>
+                </a:lnTo>
+                <a:lnTo>
+                  <a:pt x="53627" y="108746"/>
+                </a:lnTo>
+                <a:lnTo>
+                  <a:pt x="53423" y="109153"/>
+                </a:lnTo>
+                <a:lnTo>
+                  <a:pt x="53220" y="109357"/>
+                </a:lnTo>
+                <a:lnTo>
+                  <a:pt x="52677" y="109493"/>
+                </a:lnTo>
+                <a:lnTo>
+                  <a:pt x="51794" y="109696"/>
+                </a:lnTo>
+                <a:lnTo>
+                  <a:pt x="49690" y="110036"/>
+                </a:lnTo>
+                <a:lnTo>
+                  <a:pt x="48061" y="110307"/>
+                </a:lnTo>
+                <a:lnTo>
+                  <a:pt x="47450" y="110443"/>
+                </a:lnTo>
+                <a:lnTo>
+                  <a:pt x="47110" y="110511"/>
+                </a:lnTo>
+                <a:lnTo>
+                  <a:pt x="47042" y="110579"/>
+                </a:lnTo>
+                <a:lnTo>
+                  <a:pt x="47042" y="110783"/>
+                </a:lnTo>
+                <a:lnTo>
+                  <a:pt x="47110" y="110850"/>
+                </a:lnTo>
+                <a:lnTo>
+                  <a:pt x="47585" y="110918"/>
+                </a:lnTo>
+                <a:lnTo>
+                  <a:pt x="48400" y="110986"/>
+                </a:lnTo>
+                <a:lnTo>
+                  <a:pt x="51387" y="111054"/>
+                </a:lnTo>
+                <a:lnTo>
+                  <a:pt x="56071" y="111122"/>
+                </a:lnTo>
+                <a:lnTo>
+                  <a:pt x="87092" y="111122"/>
+                </a:lnTo>
+                <a:lnTo>
+                  <a:pt x="91708" y="111054"/>
+                </a:lnTo>
+                <a:lnTo>
+                  <a:pt x="94695" y="110986"/>
+                </a:lnTo>
+                <a:lnTo>
+                  <a:pt x="95578" y="110918"/>
+                </a:lnTo>
+                <a:lnTo>
+                  <a:pt x="96053" y="110850"/>
+                </a:lnTo>
+                <a:lnTo>
+                  <a:pt x="96121" y="110783"/>
+                </a:lnTo>
+                <a:lnTo>
+                  <a:pt x="96121" y="110579"/>
+                </a:lnTo>
+                <a:lnTo>
+                  <a:pt x="96053" y="110511"/>
+                </a:lnTo>
+                <a:lnTo>
+                  <a:pt x="95713" y="110443"/>
+                </a:lnTo>
+                <a:lnTo>
+                  <a:pt x="95102" y="110307"/>
+                </a:lnTo>
+                <a:lnTo>
+                  <a:pt x="93473" y="110036"/>
+                </a:lnTo>
+                <a:lnTo>
+                  <a:pt x="91369" y="109696"/>
+                </a:lnTo>
+                <a:lnTo>
+                  <a:pt x="90487" y="109493"/>
+                </a:lnTo>
+                <a:lnTo>
+                  <a:pt x="89943" y="109357"/>
+                </a:lnTo>
+                <a:lnTo>
+                  <a:pt x="89740" y="109153"/>
+                </a:lnTo>
+                <a:lnTo>
+                  <a:pt x="89536" y="108746"/>
+                </a:lnTo>
+                <a:lnTo>
+                  <a:pt x="89333" y="108203"/>
+                </a:lnTo>
+                <a:lnTo>
+                  <a:pt x="89197" y="107388"/>
+                </a:lnTo>
+                <a:lnTo>
+                  <a:pt x="88789" y="105284"/>
+                </a:lnTo>
+                <a:lnTo>
+                  <a:pt x="88382" y="102297"/>
+                </a:lnTo>
+                <a:lnTo>
+                  <a:pt x="88043" y="98971"/>
+                </a:lnTo>
+                <a:lnTo>
+                  <a:pt x="87839" y="95713"/>
+                </a:lnTo>
+                <a:close/>
+                <a:moveTo>
+                  <a:pt x="47450" y="111054"/>
+                </a:moveTo>
+                <a:lnTo>
+                  <a:pt x="47450" y="111122"/>
+                </a:lnTo>
+                <a:lnTo>
+                  <a:pt x="47450" y="111393"/>
+                </a:lnTo>
+                <a:lnTo>
+                  <a:pt x="47518" y="111461"/>
+                </a:lnTo>
+                <a:lnTo>
+                  <a:pt x="48807" y="111529"/>
+                </a:lnTo>
+                <a:lnTo>
+                  <a:pt x="52473" y="111597"/>
+                </a:lnTo>
+                <a:lnTo>
+                  <a:pt x="62384" y="111665"/>
+                </a:lnTo>
+                <a:lnTo>
+                  <a:pt x="80779" y="111665"/>
+                </a:lnTo>
+                <a:lnTo>
+                  <a:pt x="90622" y="111597"/>
+                </a:lnTo>
+                <a:lnTo>
+                  <a:pt x="94356" y="111529"/>
+                </a:lnTo>
+                <a:lnTo>
+                  <a:pt x="95646" y="111461"/>
+                </a:lnTo>
+                <a:lnTo>
+                  <a:pt x="95713" y="111393"/>
+                </a:lnTo>
+                <a:lnTo>
+                  <a:pt x="95713" y="111122"/>
+                </a:lnTo>
+                <a:lnTo>
+                  <a:pt x="95646" y="111054"/>
+                </a:lnTo>
+                <a:lnTo>
+                  <a:pt x="94084" y="111122"/>
+                </a:lnTo>
+                <a:lnTo>
+                  <a:pt x="91233" y="111190"/>
+                </a:lnTo>
+                <a:lnTo>
+                  <a:pt x="80847" y="111258"/>
+                </a:lnTo>
+                <a:lnTo>
+                  <a:pt x="62316" y="111258"/>
+                </a:lnTo>
+                <a:lnTo>
+                  <a:pt x="51930" y="111190"/>
+                </a:lnTo>
+                <a:lnTo>
+                  <a:pt x="49079" y="111122"/>
+                </a:lnTo>
+                <a:lnTo>
+                  <a:pt x="47518" y="111054"/>
+                </a:lnTo>
+                <a:close/>
+              </a:path>
+            </a:pathLst>
+          </a:custGeom>
+          <a:solidFill>
+            <a:srgbClr val="FFFFFF"/>
+          </a:solidFill>
+          <a:ln w="19050" cap="flat" cmpd="sng">
+            <a:solidFill>
+              <a:srgbClr val="000000"/>
+            </a:solidFill>
+            <a:prstDash val="solid"/>
+            <a:round/>
+            <a:headEnd type="none" w="med" len="med"/>
+            <a:tailEnd type="none" w="med" len="med"/>
+          </a:ln>
+        </p:spPr>
+        <p:txBody>
+          <a:bodyPr lIns="91425" tIns="91425" rIns="91425" bIns="91425" anchor="ctr" anchorCtr="0">
+            <a:noAutofit/>
+          </a:bodyPr>
+          <a:lstStyle/>
+          <a:p>
+            <a:pPr lvl="0">
+              <a:spcBef>
+                <a:spcPts val="0"/>
+              </a:spcBef>
+              <a:buNone/>
+            </a:pPr>
+            <a:endParaRPr/>
+          </a:p>
+        </p:txBody>
+      </p:sp>
+      <p:sp>
+        <p:nvSpPr>
+          <p:cNvPr id="24" name="Shape 292"/>
+          <p:cNvSpPr/>
+          <p:nvPr/>
+        </p:nvSpPr>
+        <p:spPr>
+          <a:xfrm>
+            <a:off x="14489840" y="5672967"/>
+            <a:ext cx="683221" cy="662882"/>
+          </a:xfrm>
+          <a:custGeom>
+            <a:avLst/>
+            <a:gdLst/>
+            <a:ahLst/>
+            <a:cxnLst/>
+            <a:rect l="0" t="0" r="0" b="0"/>
+            <a:pathLst>
+              <a:path w="143434" h="111665" extrusionOk="0">
+                <a:moveTo>
+                  <a:pt x="71751" y="2308"/>
+                </a:moveTo>
+                <a:lnTo>
+                  <a:pt x="71887" y="2376"/>
+                </a:lnTo>
+                <a:lnTo>
+                  <a:pt x="72091" y="2444"/>
+                </a:lnTo>
+                <a:lnTo>
+                  <a:pt x="72159" y="2647"/>
+                </a:lnTo>
+                <a:lnTo>
+                  <a:pt x="72226" y="2783"/>
+                </a:lnTo>
+                <a:lnTo>
+                  <a:pt x="72159" y="2987"/>
+                </a:lnTo>
+                <a:lnTo>
+                  <a:pt x="72091" y="3190"/>
+                </a:lnTo>
+                <a:lnTo>
+                  <a:pt x="71887" y="3258"/>
+                </a:lnTo>
+                <a:lnTo>
+                  <a:pt x="71751" y="3326"/>
+                </a:lnTo>
+                <a:lnTo>
+                  <a:pt x="71548" y="3258"/>
+                </a:lnTo>
+                <a:lnTo>
+                  <a:pt x="71344" y="3190"/>
+                </a:lnTo>
+                <a:lnTo>
+                  <a:pt x="71276" y="2987"/>
+                </a:lnTo>
+                <a:lnTo>
+                  <a:pt x="71208" y="2783"/>
+                </a:lnTo>
+                <a:lnTo>
+                  <a:pt x="71276" y="2647"/>
+                </a:lnTo>
+                <a:lnTo>
+                  <a:pt x="71344" y="2444"/>
+                </a:lnTo>
+                <a:lnTo>
+                  <a:pt x="71548" y="2376"/>
+                </a:lnTo>
+                <a:lnTo>
+                  <a:pt x="71751" y="2308"/>
+                </a:lnTo>
+                <a:close/>
+                <a:moveTo>
+                  <a:pt x="137528" y="5906"/>
+                </a:moveTo>
+                <a:lnTo>
+                  <a:pt x="137596" y="5974"/>
+                </a:lnTo>
+                <a:lnTo>
+                  <a:pt x="137596" y="89604"/>
+                </a:lnTo>
+                <a:lnTo>
+                  <a:pt x="5906" y="89604"/>
+                </a:lnTo>
+                <a:lnTo>
+                  <a:pt x="5906" y="5974"/>
+                </a:lnTo>
+                <a:lnTo>
+                  <a:pt x="5906" y="5906"/>
+                </a:lnTo>
+                <a:close/>
+                <a:moveTo>
+                  <a:pt x="3530" y="0"/>
+                </a:moveTo>
+                <a:lnTo>
+                  <a:pt x="3191" y="68"/>
+                </a:lnTo>
+                <a:lnTo>
+                  <a:pt x="2444" y="339"/>
+                </a:lnTo>
+                <a:lnTo>
+                  <a:pt x="1766" y="679"/>
+                </a:lnTo>
+                <a:lnTo>
+                  <a:pt x="1155" y="1154"/>
+                </a:lnTo>
+                <a:lnTo>
+                  <a:pt x="679" y="1765"/>
+                </a:lnTo>
+                <a:lnTo>
+                  <a:pt x="272" y="2444"/>
+                </a:lnTo>
+                <a:lnTo>
+                  <a:pt x="69" y="3190"/>
+                </a:lnTo>
+                <a:lnTo>
+                  <a:pt x="1" y="3598"/>
+                </a:lnTo>
+                <a:lnTo>
+                  <a:pt x="1" y="4005"/>
+                </a:lnTo>
+                <a:lnTo>
+                  <a:pt x="1" y="91572"/>
+                </a:lnTo>
+                <a:lnTo>
+                  <a:pt x="1" y="91979"/>
+                </a:lnTo>
+                <a:lnTo>
+                  <a:pt x="69" y="92319"/>
+                </a:lnTo>
+                <a:lnTo>
+                  <a:pt x="272" y="93065"/>
+                </a:lnTo>
+                <a:lnTo>
+                  <a:pt x="679" y="93744"/>
+                </a:lnTo>
+                <a:lnTo>
+                  <a:pt x="1155" y="94355"/>
+                </a:lnTo>
+                <a:lnTo>
+                  <a:pt x="1766" y="94830"/>
+                </a:lnTo>
+                <a:lnTo>
+                  <a:pt x="2444" y="95238"/>
+                </a:lnTo>
+                <a:lnTo>
+                  <a:pt x="3191" y="95441"/>
+                </a:lnTo>
+                <a:lnTo>
+                  <a:pt x="3530" y="95509"/>
+                </a:lnTo>
+                <a:lnTo>
+                  <a:pt x="139904" y="95509"/>
+                </a:lnTo>
+                <a:lnTo>
+                  <a:pt x="140311" y="95441"/>
+                </a:lnTo>
+                <a:lnTo>
+                  <a:pt x="141058" y="95238"/>
+                </a:lnTo>
+                <a:lnTo>
+                  <a:pt x="141737" y="94830"/>
+                </a:lnTo>
+                <a:lnTo>
+                  <a:pt x="142280" y="94355"/>
+                </a:lnTo>
+                <a:lnTo>
+                  <a:pt x="142755" y="93744"/>
+                </a:lnTo>
+                <a:lnTo>
+                  <a:pt x="143162" y="93065"/>
+                </a:lnTo>
+                <a:lnTo>
+                  <a:pt x="143366" y="92319"/>
+                </a:lnTo>
+                <a:lnTo>
+                  <a:pt x="143434" y="91979"/>
+                </a:lnTo>
+                <a:lnTo>
+                  <a:pt x="143434" y="91572"/>
+                </a:lnTo>
+                <a:lnTo>
+                  <a:pt x="143434" y="4005"/>
+                </a:lnTo>
+                <a:lnTo>
+                  <a:pt x="143434" y="3598"/>
+                </a:lnTo>
+                <a:lnTo>
+                  <a:pt x="143366" y="3190"/>
+                </a:lnTo>
+                <a:lnTo>
+                  <a:pt x="143162" y="2444"/>
+                </a:lnTo>
+                <a:lnTo>
+                  <a:pt x="142755" y="1765"/>
+                </a:lnTo>
+                <a:lnTo>
+                  <a:pt x="142280" y="1154"/>
+                </a:lnTo>
+                <a:lnTo>
+                  <a:pt x="141737" y="679"/>
+                </a:lnTo>
+                <a:lnTo>
+                  <a:pt x="141058" y="339"/>
+                </a:lnTo>
+                <a:lnTo>
+                  <a:pt x="140311" y="68"/>
+                </a:lnTo>
+                <a:lnTo>
+                  <a:pt x="139904" y="0"/>
+                </a:lnTo>
+                <a:close/>
+                <a:moveTo>
+                  <a:pt x="55324" y="95713"/>
+                </a:moveTo>
+                <a:lnTo>
+                  <a:pt x="55052" y="98971"/>
+                </a:lnTo>
+                <a:lnTo>
+                  <a:pt x="54713" y="102297"/>
+                </a:lnTo>
+                <a:lnTo>
+                  <a:pt x="54374" y="105284"/>
+                </a:lnTo>
+                <a:lnTo>
+                  <a:pt x="53966" y="107388"/>
+                </a:lnTo>
+                <a:lnTo>
+                  <a:pt x="53763" y="108203"/>
+                </a:lnTo>
+                <a:lnTo>
+                  <a:pt x="53627" y="108746"/>
+                </a:lnTo>
+                <a:lnTo>
+                  <a:pt x="53423" y="109153"/>
+                </a:lnTo>
+                <a:lnTo>
+                  <a:pt x="53220" y="109357"/>
+                </a:lnTo>
+                <a:lnTo>
+                  <a:pt x="52677" y="109493"/>
+                </a:lnTo>
+                <a:lnTo>
+                  <a:pt x="51794" y="109696"/>
+                </a:lnTo>
+                <a:lnTo>
+                  <a:pt x="49690" y="110036"/>
+                </a:lnTo>
+                <a:lnTo>
+                  <a:pt x="48061" y="110307"/>
+                </a:lnTo>
+                <a:lnTo>
+                  <a:pt x="47450" y="110443"/>
+                </a:lnTo>
+                <a:lnTo>
+                  <a:pt x="47110" y="110511"/>
+                </a:lnTo>
+                <a:lnTo>
+                  <a:pt x="47042" y="110579"/>
+                </a:lnTo>
+                <a:lnTo>
+                  <a:pt x="47042" y="110783"/>
+                </a:lnTo>
+                <a:lnTo>
+                  <a:pt x="47110" y="110850"/>
+                </a:lnTo>
+                <a:lnTo>
+                  <a:pt x="47585" y="110918"/>
+                </a:lnTo>
+                <a:lnTo>
+                  <a:pt x="48400" y="110986"/>
+                </a:lnTo>
+                <a:lnTo>
+                  <a:pt x="51387" y="111054"/>
+                </a:lnTo>
+                <a:lnTo>
+                  <a:pt x="56071" y="111122"/>
+                </a:lnTo>
+                <a:lnTo>
+                  <a:pt x="87092" y="111122"/>
+                </a:lnTo>
+                <a:lnTo>
+                  <a:pt x="91708" y="111054"/>
+                </a:lnTo>
+                <a:lnTo>
+                  <a:pt x="94695" y="110986"/>
+                </a:lnTo>
+                <a:lnTo>
+                  <a:pt x="95578" y="110918"/>
+                </a:lnTo>
+                <a:lnTo>
+                  <a:pt x="96053" y="110850"/>
+                </a:lnTo>
+                <a:lnTo>
+                  <a:pt x="96121" y="110783"/>
+                </a:lnTo>
+                <a:lnTo>
+                  <a:pt x="96121" y="110579"/>
+                </a:lnTo>
+                <a:lnTo>
+                  <a:pt x="96053" y="110511"/>
+                </a:lnTo>
+                <a:lnTo>
+                  <a:pt x="95713" y="110443"/>
+                </a:lnTo>
+                <a:lnTo>
+                  <a:pt x="95102" y="110307"/>
+                </a:lnTo>
+                <a:lnTo>
+                  <a:pt x="93473" y="110036"/>
+                </a:lnTo>
+                <a:lnTo>
+                  <a:pt x="91369" y="109696"/>
+                </a:lnTo>
+                <a:lnTo>
+                  <a:pt x="90487" y="109493"/>
+                </a:lnTo>
+                <a:lnTo>
+                  <a:pt x="89943" y="109357"/>
+                </a:lnTo>
+                <a:lnTo>
+                  <a:pt x="89740" y="109153"/>
+                </a:lnTo>
+                <a:lnTo>
+                  <a:pt x="89536" y="108746"/>
+                </a:lnTo>
+                <a:lnTo>
+                  <a:pt x="89333" y="108203"/>
+                </a:lnTo>
+                <a:lnTo>
+                  <a:pt x="89197" y="107388"/>
+                </a:lnTo>
+                <a:lnTo>
+                  <a:pt x="88789" y="105284"/>
+                </a:lnTo>
+                <a:lnTo>
+                  <a:pt x="88382" y="102297"/>
+                </a:lnTo>
+                <a:lnTo>
+                  <a:pt x="88043" y="98971"/>
+                </a:lnTo>
+                <a:lnTo>
+                  <a:pt x="87839" y="95713"/>
+                </a:lnTo>
+                <a:close/>
+                <a:moveTo>
+                  <a:pt x="47450" y="111054"/>
+                </a:moveTo>
+                <a:lnTo>
+                  <a:pt x="47450" y="111122"/>
+                </a:lnTo>
+                <a:lnTo>
+                  <a:pt x="47450" y="111393"/>
+                </a:lnTo>
+                <a:lnTo>
+                  <a:pt x="47518" y="111461"/>
+                </a:lnTo>
+                <a:lnTo>
+                  <a:pt x="48807" y="111529"/>
+                </a:lnTo>
+                <a:lnTo>
+                  <a:pt x="52473" y="111597"/>
+                </a:lnTo>
+                <a:lnTo>
+                  <a:pt x="62384" y="111665"/>
+                </a:lnTo>
+                <a:lnTo>
+                  <a:pt x="80779" y="111665"/>
+                </a:lnTo>
+                <a:lnTo>
+                  <a:pt x="90622" y="111597"/>
+                </a:lnTo>
+                <a:lnTo>
+                  <a:pt x="94356" y="111529"/>
+                </a:lnTo>
+                <a:lnTo>
+                  <a:pt x="95646" y="111461"/>
+                </a:lnTo>
+                <a:lnTo>
+                  <a:pt x="95713" y="111393"/>
+                </a:lnTo>
+                <a:lnTo>
+                  <a:pt x="95713" y="111122"/>
+                </a:lnTo>
+                <a:lnTo>
+                  <a:pt x="95646" y="111054"/>
+                </a:lnTo>
+                <a:lnTo>
+                  <a:pt x="94084" y="111122"/>
+                </a:lnTo>
+                <a:lnTo>
+                  <a:pt x="91233" y="111190"/>
+                </a:lnTo>
+                <a:lnTo>
+                  <a:pt x="80847" y="111258"/>
+                </a:lnTo>
+                <a:lnTo>
+                  <a:pt x="62316" y="111258"/>
+                </a:lnTo>
+                <a:lnTo>
+                  <a:pt x="51930" y="111190"/>
+                </a:lnTo>
+                <a:lnTo>
+                  <a:pt x="49079" y="111122"/>
+                </a:lnTo>
+                <a:lnTo>
+                  <a:pt x="47518" y="111054"/>
+                </a:lnTo>
+                <a:close/>
+              </a:path>
+            </a:pathLst>
+          </a:custGeom>
+          <a:solidFill>
+            <a:srgbClr val="FFFFFF"/>
+          </a:solidFill>
+          <a:ln w="19050" cap="flat" cmpd="sng">
+            <a:solidFill>
+              <a:srgbClr val="000000"/>
+            </a:solidFill>
+            <a:prstDash val="solid"/>
+            <a:round/>
+            <a:headEnd type="none" w="med" len="med"/>
+            <a:tailEnd type="none" w="med" len="med"/>
+          </a:ln>
+        </p:spPr>
+        <p:txBody>
+          <a:bodyPr lIns="91425" tIns="91425" rIns="91425" bIns="91425" anchor="ctr" anchorCtr="0">
+            <a:noAutofit/>
+          </a:bodyPr>
+          <a:lstStyle/>
+          <a:p>
+            <a:pPr lvl="0">
+              <a:spcBef>
+                <a:spcPts val="0"/>
+              </a:spcBef>
+              <a:buNone/>
+            </a:pPr>
+            <a:endParaRPr/>
+          </a:p>
+        </p:txBody>
+      </p:sp>
+      <p:sp>
+        <p:nvSpPr>
+          <p:cNvPr id="26" name="Shape 292"/>
+          <p:cNvSpPr/>
+          <p:nvPr/>
+        </p:nvSpPr>
+        <p:spPr>
+          <a:xfrm>
+            <a:off x="14489839" y="4840524"/>
+            <a:ext cx="683221" cy="662882"/>
+          </a:xfrm>
+          <a:custGeom>
+            <a:avLst/>
+            <a:gdLst/>
+            <a:ahLst/>
+            <a:cxnLst/>
+            <a:rect l="0" t="0" r="0" b="0"/>
+            <a:pathLst>
+              <a:path w="143434" h="111665" extrusionOk="0">
+                <a:moveTo>
+                  <a:pt x="71751" y="2308"/>
+                </a:moveTo>
+                <a:lnTo>
+                  <a:pt x="71887" y="2376"/>
+                </a:lnTo>
+                <a:lnTo>
+                  <a:pt x="72091" y="2444"/>
+                </a:lnTo>
+                <a:lnTo>
+                  <a:pt x="72159" y="2647"/>
+                </a:lnTo>
+                <a:lnTo>
+                  <a:pt x="72226" y="2783"/>
+                </a:lnTo>
+                <a:lnTo>
+                  <a:pt x="72159" y="2987"/>
+                </a:lnTo>
+                <a:lnTo>
+                  <a:pt x="72091" y="3190"/>
+                </a:lnTo>
+                <a:lnTo>
+                  <a:pt x="71887" y="3258"/>
+                </a:lnTo>
+                <a:lnTo>
+                  <a:pt x="71751" y="3326"/>
+                </a:lnTo>
+                <a:lnTo>
+                  <a:pt x="71548" y="3258"/>
+                </a:lnTo>
+                <a:lnTo>
+                  <a:pt x="71344" y="3190"/>
+                </a:lnTo>
+                <a:lnTo>
+                  <a:pt x="71276" y="2987"/>
+                </a:lnTo>
+                <a:lnTo>
+                  <a:pt x="71208" y="2783"/>
+                </a:lnTo>
+                <a:lnTo>
+                  <a:pt x="71276" y="2647"/>
+                </a:lnTo>
+                <a:lnTo>
+                  <a:pt x="71344" y="2444"/>
+                </a:lnTo>
+                <a:lnTo>
+                  <a:pt x="71548" y="2376"/>
+                </a:lnTo>
+                <a:lnTo>
+                  <a:pt x="71751" y="2308"/>
+                </a:lnTo>
+                <a:close/>
+                <a:moveTo>
+                  <a:pt x="137528" y="5906"/>
+                </a:moveTo>
+                <a:lnTo>
+                  <a:pt x="137596" y="5974"/>
+                </a:lnTo>
+                <a:lnTo>
+                  <a:pt x="137596" y="89604"/>
+                </a:lnTo>
+                <a:lnTo>
+                  <a:pt x="5906" y="89604"/>
+                </a:lnTo>
+                <a:lnTo>
+                  <a:pt x="5906" y="5974"/>
+                </a:lnTo>
+                <a:lnTo>
+                  <a:pt x="5906" y="5906"/>
+                </a:lnTo>
+                <a:close/>
+                <a:moveTo>
+                  <a:pt x="3530" y="0"/>
+                </a:moveTo>
+                <a:lnTo>
+                  <a:pt x="3191" y="68"/>
+                </a:lnTo>
+                <a:lnTo>
+                  <a:pt x="2444" y="339"/>
+                </a:lnTo>
+                <a:lnTo>
+                  <a:pt x="1766" y="679"/>
+                </a:lnTo>
+                <a:lnTo>
+                  <a:pt x="1155" y="1154"/>
+                </a:lnTo>
+                <a:lnTo>
+                  <a:pt x="679" y="1765"/>
+                </a:lnTo>
+                <a:lnTo>
+                  <a:pt x="272" y="2444"/>
+                </a:lnTo>
+                <a:lnTo>
+                  <a:pt x="69" y="3190"/>
+                </a:lnTo>
+                <a:lnTo>
+                  <a:pt x="1" y="3598"/>
+                </a:lnTo>
+                <a:lnTo>
+                  <a:pt x="1" y="4005"/>
+                </a:lnTo>
+                <a:lnTo>
+                  <a:pt x="1" y="91572"/>
+                </a:lnTo>
+                <a:lnTo>
+                  <a:pt x="1" y="91979"/>
+                </a:lnTo>
+                <a:lnTo>
+                  <a:pt x="69" y="92319"/>
+                </a:lnTo>
+                <a:lnTo>
+                  <a:pt x="272" y="93065"/>
+                </a:lnTo>
+                <a:lnTo>
+                  <a:pt x="679" y="93744"/>
+                </a:lnTo>
+                <a:lnTo>
+                  <a:pt x="1155" y="94355"/>
+                </a:lnTo>
+                <a:lnTo>
+                  <a:pt x="1766" y="94830"/>
+                </a:lnTo>
+                <a:lnTo>
+                  <a:pt x="2444" y="95238"/>
+                </a:lnTo>
+                <a:lnTo>
+                  <a:pt x="3191" y="95441"/>
+                </a:lnTo>
+                <a:lnTo>
+                  <a:pt x="3530" y="95509"/>
+                </a:lnTo>
+                <a:lnTo>
+                  <a:pt x="139904" y="95509"/>
+                </a:lnTo>
+                <a:lnTo>
+                  <a:pt x="140311" y="95441"/>
+                </a:lnTo>
+                <a:lnTo>
+                  <a:pt x="141058" y="95238"/>
+                </a:lnTo>
+                <a:lnTo>
+                  <a:pt x="141737" y="94830"/>
+                </a:lnTo>
+                <a:lnTo>
+                  <a:pt x="142280" y="94355"/>
+                </a:lnTo>
+                <a:lnTo>
+                  <a:pt x="142755" y="93744"/>
+                </a:lnTo>
+                <a:lnTo>
+                  <a:pt x="143162" y="93065"/>
+                </a:lnTo>
+                <a:lnTo>
+                  <a:pt x="143366" y="92319"/>
+                </a:lnTo>
+                <a:lnTo>
+                  <a:pt x="143434" y="91979"/>
+                </a:lnTo>
+                <a:lnTo>
+                  <a:pt x="143434" y="91572"/>
+                </a:lnTo>
+                <a:lnTo>
+                  <a:pt x="143434" y="4005"/>
+                </a:lnTo>
+                <a:lnTo>
+                  <a:pt x="143434" y="3598"/>
+                </a:lnTo>
+                <a:lnTo>
+                  <a:pt x="143366" y="3190"/>
+                </a:lnTo>
+                <a:lnTo>
+                  <a:pt x="143162" y="2444"/>
+                </a:lnTo>
+                <a:lnTo>
+                  <a:pt x="142755" y="1765"/>
+                </a:lnTo>
+                <a:lnTo>
+                  <a:pt x="142280" y="1154"/>
+                </a:lnTo>
+                <a:lnTo>
+                  <a:pt x="141737" y="679"/>
+                </a:lnTo>
+                <a:lnTo>
+                  <a:pt x="141058" y="339"/>
+                </a:lnTo>
+                <a:lnTo>
+                  <a:pt x="140311" y="68"/>
+                </a:lnTo>
+                <a:lnTo>
+                  <a:pt x="139904" y="0"/>
+                </a:lnTo>
+                <a:close/>
+                <a:moveTo>
+                  <a:pt x="55324" y="95713"/>
+                </a:moveTo>
+                <a:lnTo>
+                  <a:pt x="55052" y="98971"/>
+                </a:lnTo>
+                <a:lnTo>
+                  <a:pt x="54713" y="102297"/>
+                </a:lnTo>
+                <a:lnTo>
+                  <a:pt x="54374" y="105284"/>
+                </a:lnTo>
+                <a:lnTo>
+                  <a:pt x="53966" y="107388"/>
+                </a:lnTo>
+                <a:lnTo>
+                  <a:pt x="53763" y="108203"/>
+                </a:lnTo>
+                <a:lnTo>
+                  <a:pt x="53627" y="108746"/>
+                </a:lnTo>
+                <a:lnTo>
+                  <a:pt x="53423" y="109153"/>
+                </a:lnTo>
+                <a:lnTo>
+                  <a:pt x="53220" y="109357"/>
+                </a:lnTo>
+                <a:lnTo>
+                  <a:pt x="52677" y="109493"/>
+                </a:lnTo>
+                <a:lnTo>
+                  <a:pt x="51794" y="109696"/>
+                </a:lnTo>
+                <a:lnTo>
+                  <a:pt x="49690" y="110036"/>
+                </a:lnTo>
+                <a:lnTo>
+                  <a:pt x="48061" y="110307"/>
+                </a:lnTo>
+                <a:lnTo>
+                  <a:pt x="47450" y="110443"/>
+                </a:lnTo>
+                <a:lnTo>
+                  <a:pt x="47110" y="110511"/>
+                </a:lnTo>
+                <a:lnTo>
+                  <a:pt x="47042" y="110579"/>
+                </a:lnTo>
+                <a:lnTo>
+                  <a:pt x="47042" y="110783"/>
+                </a:lnTo>
+                <a:lnTo>
+                  <a:pt x="47110" y="110850"/>
+                </a:lnTo>
+                <a:lnTo>
+                  <a:pt x="47585" y="110918"/>
+                </a:lnTo>
+                <a:lnTo>
+                  <a:pt x="48400" y="110986"/>
+                </a:lnTo>
+                <a:lnTo>
+                  <a:pt x="51387" y="111054"/>
+                </a:lnTo>
+                <a:lnTo>
+                  <a:pt x="56071" y="111122"/>
+                </a:lnTo>
+                <a:lnTo>
+                  <a:pt x="87092" y="111122"/>
+                </a:lnTo>
+                <a:lnTo>
+                  <a:pt x="91708" y="111054"/>
+                </a:lnTo>
+                <a:lnTo>
+                  <a:pt x="94695" y="110986"/>
+                </a:lnTo>
+                <a:lnTo>
+                  <a:pt x="95578" y="110918"/>
+                </a:lnTo>
+                <a:lnTo>
+                  <a:pt x="96053" y="110850"/>
+                </a:lnTo>
+                <a:lnTo>
+                  <a:pt x="96121" y="110783"/>
+                </a:lnTo>
+                <a:lnTo>
+                  <a:pt x="96121" y="110579"/>
+                </a:lnTo>
+                <a:lnTo>
+                  <a:pt x="96053" y="110511"/>
+                </a:lnTo>
+                <a:lnTo>
+                  <a:pt x="95713" y="110443"/>
+                </a:lnTo>
+                <a:lnTo>
+                  <a:pt x="95102" y="110307"/>
+                </a:lnTo>
+                <a:lnTo>
+                  <a:pt x="93473" y="110036"/>
+                </a:lnTo>
+                <a:lnTo>
+                  <a:pt x="91369" y="109696"/>
+                </a:lnTo>
+                <a:lnTo>
+                  <a:pt x="90487" y="109493"/>
+                </a:lnTo>
+                <a:lnTo>
+                  <a:pt x="89943" y="109357"/>
+                </a:lnTo>
+                <a:lnTo>
+                  <a:pt x="89740" y="109153"/>
+                </a:lnTo>
+                <a:lnTo>
+                  <a:pt x="89536" y="108746"/>
+                </a:lnTo>
+                <a:lnTo>
+                  <a:pt x="89333" y="108203"/>
+                </a:lnTo>
+                <a:lnTo>
+                  <a:pt x="89197" y="107388"/>
+                </a:lnTo>
+                <a:lnTo>
+                  <a:pt x="88789" y="105284"/>
+                </a:lnTo>
+                <a:lnTo>
+                  <a:pt x="88382" y="102297"/>
+                </a:lnTo>
+                <a:lnTo>
+                  <a:pt x="88043" y="98971"/>
+                </a:lnTo>
+                <a:lnTo>
+                  <a:pt x="87839" y="95713"/>
+                </a:lnTo>
+                <a:close/>
+                <a:moveTo>
+                  <a:pt x="47450" y="111054"/>
+                </a:moveTo>
+                <a:lnTo>
+                  <a:pt x="47450" y="111122"/>
+                </a:lnTo>
+                <a:lnTo>
+                  <a:pt x="47450" y="111393"/>
+                </a:lnTo>
+                <a:lnTo>
+                  <a:pt x="47518" y="111461"/>
+                </a:lnTo>
+                <a:lnTo>
+                  <a:pt x="48807" y="111529"/>
+                </a:lnTo>
+                <a:lnTo>
+                  <a:pt x="52473" y="111597"/>
+                </a:lnTo>
+                <a:lnTo>
+                  <a:pt x="62384" y="111665"/>
+                </a:lnTo>
+                <a:lnTo>
+                  <a:pt x="80779" y="111665"/>
+                </a:lnTo>
+                <a:lnTo>
+                  <a:pt x="90622" y="111597"/>
+                </a:lnTo>
+                <a:lnTo>
+                  <a:pt x="94356" y="111529"/>
+                </a:lnTo>
+                <a:lnTo>
+                  <a:pt x="95646" y="111461"/>
+                </a:lnTo>
+                <a:lnTo>
+                  <a:pt x="95713" y="111393"/>
+                </a:lnTo>
+                <a:lnTo>
+                  <a:pt x="95713" y="111122"/>
+                </a:lnTo>
+                <a:lnTo>
+                  <a:pt x="95646" y="111054"/>
+                </a:lnTo>
+                <a:lnTo>
+                  <a:pt x="94084" y="111122"/>
+                </a:lnTo>
+                <a:lnTo>
+                  <a:pt x="91233" y="111190"/>
+                </a:lnTo>
+                <a:lnTo>
+                  <a:pt x="80847" y="111258"/>
+                </a:lnTo>
+                <a:lnTo>
+                  <a:pt x="62316" y="111258"/>
+                </a:lnTo>
+                <a:lnTo>
+                  <a:pt x="51930" y="111190"/>
+                </a:lnTo>
+                <a:lnTo>
+                  <a:pt x="49079" y="111122"/>
+                </a:lnTo>
+                <a:lnTo>
+                  <a:pt x="47518" y="111054"/>
+                </a:lnTo>
+                <a:close/>
+              </a:path>
+            </a:pathLst>
+          </a:custGeom>
+          <a:solidFill>
+            <a:srgbClr val="FFFFFF"/>
+          </a:solidFill>
+          <a:ln w="19050" cap="flat" cmpd="sng">
+            <a:solidFill>
+              <a:srgbClr val="000000"/>
+            </a:solidFill>
+            <a:prstDash val="solid"/>
+            <a:round/>
+            <a:headEnd type="none" w="med" len="med"/>
+            <a:tailEnd type="none" w="med" len="med"/>
+          </a:ln>
+        </p:spPr>
+        <p:txBody>
+          <a:bodyPr lIns="91425" tIns="91425" rIns="91425" bIns="91425" anchor="ctr" anchorCtr="0">
+            <a:noAutofit/>
+          </a:bodyPr>
+          <a:lstStyle/>
+          <a:p>
+            <a:pPr lvl="0">
+              <a:spcBef>
+                <a:spcPts val="0"/>
+              </a:spcBef>
+              <a:buNone/>
+            </a:pPr>
+            <a:endParaRPr/>
+          </a:p>
+        </p:txBody>
+      </p:sp>
+      <p:sp>
+        <p:nvSpPr>
+          <p:cNvPr id="27" name="Shape 292"/>
+          <p:cNvSpPr/>
+          <p:nvPr/>
+        </p:nvSpPr>
+        <p:spPr>
+          <a:xfrm>
+            <a:off x="14489839" y="4012690"/>
+            <a:ext cx="683221" cy="662882"/>
+          </a:xfrm>
+          <a:custGeom>
+            <a:avLst/>
+            <a:gdLst/>
+            <a:ahLst/>
+            <a:cxnLst/>
+            <a:rect l="0" t="0" r="0" b="0"/>
+            <a:pathLst>
+              <a:path w="143434" h="111665" extrusionOk="0">
+                <a:moveTo>
+                  <a:pt x="71751" y="2308"/>
+                </a:moveTo>
+                <a:lnTo>
+                  <a:pt x="71887" y="2376"/>
+                </a:lnTo>
+                <a:lnTo>
+                  <a:pt x="72091" y="2444"/>
+                </a:lnTo>
+                <a:lnTo>
+                  <a:pt x="72159" y="2647"/>
+                </a:lnTo>
+                <a:lnTo>
+                  <a:pt x="72226" y="2783"/>
+                </a:lnTo>
+                <a:lnTo>
+                  <a:pt x="72159" y="2987"/>
+                </a:lnTo>
+                <a:lnTo>
+                  <a:pt x="72091" y="3190"/>
+                </a:lnTo>
+                <a:lnTo>
+                  <a:pt x="71887" y="3258"/>
+                </a:lnTo>
+                <a:lnTo>
+                  <a:pt x="71751" y="3326"/>
+                </a:lnTo>
+                <a:lnTo>
+                  <a:pt x="71548" y="3258"/>
+                </a:lnTo>
+                <a:lnTo>
+                  <a:pt x="71344" y="3190"/>
+                </a:lnTo>
+                <a:lnTo>
+                  <a:pt x="71276" y="2987"/>
+                </a:lnTo>
+                <a:lnTo>
+                  <a:pt x="71208" y="2783"/>
+                </a:lnTo>
+                <a:lnTo>
+                  <a:pt x="71276" y="2647"/>
+                </a:lnTo>
+                <a:lnTo>
+                  <a:pt x="71344" y="2444"/>
+                </a:lnTo>
+                <a:lnTo>
+                  <a:pt x="71548" y="2376"/>
+                </a:lnTo>
+                <a:lnTo>
+                  <a:pt x="71751" y="2308"/>
+                </a:lnTo>
+                <a:close/>
+                <a:moveTo>
+                  <a:pt x="137528" y="5906"/>
+                </a:moveTo>
+                <a:lnTo>
+                  <a:pt x="137596" y="5974"/>
+                </a:lnTo>
+                <a:lnTo>
+                  <a:pt x="137596" y="89604"/>
+                </a:lnTo>
+                <a:lnTo>
+                  <a:pt x="5906" y="89604"/>
+                </a:lnTo>
+                <a:lnTo>
+                  <a:pt x="5906" y="5974"/>
+                </a:lnTo>
+                <a:lnTo>
+                  <a:pt x="5906" y="5906"/>
+                </a:lnTo>
+                <a:close/>
+                <a:moveTo>
+                  <a:pt x="3530" y="0"/>
+                </a:moveTo>
+                <a:lnTo>
+                  <a:pt x="3191" y="68"/>
+                </a:lnTo>
+                <a:lnTo>
+                  <a:pt x="2444" y="339"/>
+                </a:lnTo>
+                <a:lnTo>
+                  <a:pt x="1766" y="679"/>
+                </a:lnTo>
+                <a:lnTo>
+                  <a:pt x="1155" y="1154"/>
+                </a:lnTo>
+                <a:lnTo>
+                  <a:pt x="679" y="1765"/>
+                </a:lnTo>
+                <a:lnTo>
+                  <a:pt x="272" y="2444"/>
+                </a:lnTo>
+                <a:lnTo>
+                  <a:pt x="69" y="3190"/>
+                </a:lnTo>
+                <a:lnTo>
+                  <a:pt x="1" y="3598"/>
+                </a:lnTo>
+                <a:lnTo>
+                  <a:pt x="1" y="4005"/>
+                </a:lnTo>
+                <a:lnTo>
+                  <a:pt x="1" y="91572"/>
+                </a:lnTo>
+                <a:lnTo>
+                  <a:pt x="1" y="91979"/>
+                </a:lnTo>
+                <a:lnTo>
+                  <a:pt x="69" y="92319"/>
+                </a:lnTo>
+                <a:lnTo>
+                  <a:pt x="272" y="93065"/>
+                </a:lnTo>
+                <a:lnTo>
+                  <a:pt x="679" y="93744"/>
+                </a:lnTo>
+                <a:lnTo>
+                  <a:pt x="1155" y="94355"/>
+                </a:lnTo>
+                <a:lnTo>
+                  <a:pt x="1766" y="94830"/>
+                </a:lnTo>
+                <a:lnTo>
+                  <a:pt x="2444" y="95238"/>
+                </a:lnTo>
+                <a:lnTo>
+                  <a:pt x="3191" y="95441"/>
+                </a:lnTo>
+                <a:lnTo>
+                  <a:pt x="3530" y="95509"/>
+                </a:lnTo>
+                <a:lnTo>
+                  <a:pt x="139904" y="95509"/>
+                </a:lnTo>
+                <a:lnTo>
+                  <a:pt x="140311" y="95441"/>
+                </a:lnTo>
+                <a:lnTo>
+                  <a:pt x="141058" y="95238"/>
+                </a:lnTo>
+                <a:lnTo>
+                  <a:pt x="141737" y="94830"/>
+                </a:lnTo>
+                <a:lnTo>
+                  <a:pt x="142280" y="94355"/>
+                </a:lnTo>
+                <a:lnTo>
+                  <a:pt x="142755" y="93744"/>
+                </a:lnTo>
+                <a:lnTo>
+                  <a:pt x="143162" y="93065"/>
+                </a:lnTo>
+                <a:lnTo>
+                  <a:pt x="143366" y="92319"/>
+                </a:lnTo>
+                <a:lnTo>
+                  <a:pt x="143434" y="91979"/>
+                </a:lnTo>
+                <a:lnTo>
+                  <a:pt x="143434" y="91572"/>
+                </a:lnTo>
+                <a:lnTo>
+                  <a:pt x="143434" y="4005"/>
+                </a:lnTo>
+                <a:lnTo>
+                  <a:pt x="143434" y="3598"/>
+                </a:lnTo>
+                <a:lnTo>
+                  <a:pt x="143366" y="3190"/>
+                </a:lnTo>
+                <a:lnTo>
+                  <a:pt x="143162" y="2444"/>
+                </a:lnTo>
+                <a:lnTo>
+                  <a:pt x="142755" y="1765"/>
+                </a:lnTo>
+                <a:lnTo>
+                  <a:pt x="142280" y="1154"/>
+                </a:lnTo>
+                <a:lnTo>
+                  <a:pt x="141737" y="679"/>
+                </a:lnTo>
+                <a:lnTo>
+                  <a:pt x="141058" y="339"/>
+                </a:lnTo>
+                <a:lnTo>
+                  <a:pt x="140311" y="68"/>
+                </a:lnTo>
+                <a:lnTo>
+                  <a:pt x="139904" y="0"/>
+                </a:lnTo>
+                <a:close/>
+                <a:moveTo>
+                  <a:pt x="55324" y="95713"/>
+                </a:moveTo>
+                <a:lnTo>
+                  <a:pt x="55052" y="98971"/>
+                </a:lnTo>
+                <a:lnTo>
+                  <a:pt x="54713" y="102297"/>
+                </a:lnTo>
+                <a:lnTo>
+                  <a:pt x="54374" y="105284"/>
+                </a:lnTo>
+                <a:lnTo>
+                  <a:pt x="53966" y="107388"/>
+                </a:lnTo>
+                <a:lnTo>
+                  <a:pt x="53763" y="108203"/>
+                </a:lnTo>
+                <a:lnTo>
+                  <a:pt x="53627" y="108746"/>
+                </a:lnTo>
+                <a:lnTo>
+                  <a:pt x="53423" y="109153"/>
+                </a:lnTo>
+                <a:lnTo>
+                  <a:pt x="53220" y="109357"/>
+                </a:lnTo>
+                <a:lnTo>
+                  <a:pt x="52677" y="109493"/>
+                </a:lnTo>
+                <a:lnTo>
+                  <a:pt x="51794" y="109696"/>
+                </a:lnTo>
+                <a:lnTo>
+                  <a:pt x="49690" y="110036"/>
+                </a:lnTo>
+                <a:lnTo>
+                  <a:pt x="48061" y="110307"/>
+                </a:lnTo>
+                <a:lnTo>
+                  <a:pt x="47450" y="110443"/>
+                </a:lnTo>
+                <a:lnTo>
+                  <a:pt x="47110" y="110511"/>
+                </a:lnTo>
+                <a:lnTo>
+                  <a:pt x="47042" y="110579"/>
+                </a:lnTo>
+                <a:lnTo>
+                  <a:pt x="47042" y="110783"/>
+                </a:lnTo>
+                <a:lnTo>
+                  <a:pt x="47110" y="110850"/>
+                </a:lnTo>
+                <a:lnTo>
+                  <a:pt x="47585" y="110918"/>
+                </a:lnTo>
+                <a:lnTo>
+                  <a:pt x="48400" y="110986"/>
+                </a:lnTo>
+                <a:lnTo>
+                  <a:pt x="51387" y="111054"/>
+                </a:lnTo>
+                <a:lnTo>
+                  <a:pt x="56071" y="111122"/>
+                </a:lnTo>
+                <a:lnTo>
+                  <a:pt x="87092" y="111122"/>
+                </a:lnTo>
+                <a:lnTo>
+                  <a:pt x="91708" y="111054"/>
+                </a:lnTo>
+                <a:lnTo>
+                  <a:pt x="94695" y="110986"/>
+                </a:lnTo>
+                <a:lnTo>
+                  <a:pt x="95578" y="110918"/>
+                </a:lnTo>
+                <a:lnTo>
+                  <a:pt x="96053" y="110850"/>
+                </a:lnTo>
+                <a:lnTo>
+                  <a:pt x="96121" y="110783"/>
+                </a:lnTo>
+                <a:lnTo>
+                  <a:pt x="96121" y="110579"/>
+                </a:lnTo>
+                <a:lnTo>
+                  <a:pt x="96053" y="110511"/>
+                </a:lnTo>
+                <a:lnTo>
+                  <a:pt x="95713" y="110443"/>
+                </a:lnTo>
+                <a:lnTo>
+                  <a:pt x="95102" y="110307"/>
+                </a:lnTo>
+                <a:lnTo>
+                  <a:pt x="93473" y="110036"/>
+                </a:lnTo>
+                <a:lnTo>
+                  <a:pt x="91369" y="109696"/>
+                </a:lnTo>
+                <a:lnTo>
+                  <a:pt x="90487" y="109493"/>
+                </a:lnTo>
+                <a:lnTo>
+                  <a:pt x="89943" y="109357"/>
+                </a:lnTo>
+                <a:lnTo>
+                  <a:pt x="89740" y="109153"/>
+                </a:lnTo>
+                <a:lnTo>
+                  <a:pt x="89536" y="108746"/>
+                </a:lnTo>
+                <a:lnTo>
+                  <a:pt x="89333" y="108203"/>
+                </a:lnTo>
+                <a:lnTo>
+                  <a:pt x="89197" y="107388"/>
+                </a:lnTo>
+                <a:lnTo>
+                  <a:pt x="88789" y="105284"/>
+                </a:lnTo>
+                <a:lnTo>
+                  <a:pt x="88382" y="102297"/>
+                </a:lnTo>
+                <a:lnTo>
+                  <a:pt x="88043" y="98971"/>
+                </a:lnTo>
+                <a:lnTo>
+                  <a:pt x="87839" y="95713"/>
+                </a:lnTo>
+                <a:close/>
+                <a:moveTo>
+                  <a:pt x="47450" y="111054"/>
+                </a:moveTo>
+                <a:lnTo>
+                  <a:pt x="47450" y="111122"/>
+                </a:lnTo>
+                <a:lnTo>
+                  <a:pt x="47450" y="111393"/>
+                </a:lnTo>
+                <a:lnTo>
+                  <a:pt x="47518" y="111461"/>
+                </a:lnTo>
+                <a:lnTo>
+                  <a:pt x="48807" y="111529"/>
+                </a:lnTo>
+                <a:lnTo>
+                  <a:pt x="52473" y="111597"/>
+                </a:lnTo>
+                <a:lnTo>
+                  <a:pt x="62384" y="111665"/>
+                </a:lnTo>
+                <a:lnTo>
+                  <a:pt x="80779" y="111665"/>
+                </a:lnTo>
+                <a:lnTo>
+                  <a:pt x="90622" y="111597"/>
+                </a:lnTo>
+                <a:lnTo>
+                  <a:pt x="94356" y="111529"/>
+                </a:lnTo>
+                <a:lnTo>
+                  <a:pt x="95646" y="111461"/>
+                </a:lnTo>
+                <a:lnTo>
+                  <a:pt x="95713" y="111393"/>
+                </a:lnTo>
+                <a:lnTo>
+                  <a:pt x="95713" y="111122"/>
+                </a:lnTo>
+                <a:lnTo>
+                  <a:pt x="95646" y="111054"/>
+                </a:lnTo>
+                <a:lnTo>
+                  <a:pt x="94084" y="111122"/>
+                </a:lnTo>
+                <a:lnTo>
+                  <a:pt x="91233" y="111190"/>
+                </a:lnTo>
+                <a:lnTo>
+                  <a:pt x="80847" y="111258"/>
+                </a:lnTo>
+                <a:lnTo>
+                  <a:pt x="62316" y="111258"/>
+                </a:lnTo>
+                <a:lnTo>
+                  <a:pt x="51930" y="111190"/>
+                </a:lnTo>
+                <a:lnTo>
+                  <a:pt x="49079" y="111122"/>
+                </a:lnTo>
+                <a:lnTo>
+                  <a:pt x="47518" y="111054"/>
+                </a:lnTo>
+                <a:close/>
+              </a:path>
+            </a:pathLst>
+          </a:custGeom>
+          <a:solidFill>
+            <a:srgbClr val="FFFFFF"/>
+          </a:solidFill>
+          <a:ln w="19050" cap="flat" cmpd="sng">
+            <a:solidFill>
+              <a:srgbClr val="000000"/>
+            </a:solidFill>
+            <a:prstDash val="solid"/>
+            <a:round/>
+            <a:headEnd type="none" w="med" len="med"/>
+            <a:tailEnd type="none" w="med" len="med"/>
+          </a:ln>
+        </p:spPr>
+        <p:txBody>
+          <a:bodyPr lIns="91425" tIns="91425" rIns="91425" bIns="91425" anchor="ctr" anchorCtr="0">
+            <a:noAutofit/>
+          </a:bodyPr>
+          <a:lstStyle/>
+          <a:p>
+            <a:pPr lvl="0">
+              <a:spcBef>
+                <a:spcPts val="0"/>
+              </a:spcBef>
+              <a:buNone/>
+            </a:pPr>
+            <a:endParaRPr/>
+          </a:p>
+        </p:txBody>
+      </p:sp>
+      <p:cxnSp>
+        <p:nvCxnSpPr>
+          <p:cNvPr id="28" name="Straight Arrow Connector 27"/>
+          <p:cNvCxnSpPr/>
+          <p:nvPr/>
+        </p:nvCxnSpPr>
+        <p:spPr>
+          <a:xfrm flipH="1">
+            <a:off x="13006791" y="4215478"/>
+            <a:ext cx="1347475" cy="460094"/>
+          </a:xfrm>
+          <a:prstGeom prst="straightConnector1">
+            <a:avLst/>
+          </a:prstGeom>
+          <a:ln>
+            <a:tailEnd type="triangle"/>
+          </a:ln>
+        </p:spPr>
+        <p:style>
+          <a:lnRef idx="1">
+            <a:schemeClr val="accent1"/>
+          </a:lnRef>
+          <a:fillRef idx="0">
+            <a:schemeClr val="accent1"/>
+          </a:fillRef>
+          <a:effectRef idx="0">
+            <a:schemeClr val="accent1"/>
+          </a:effectRef>
+          <a:fontRef idx="minor">
+            <a:schemeClr val="tx1"/>
+          </a:fontRef>
+        </p:style>
+      </p:cxnSp>
+      <p:cxnSp>
+        <p:nvCxnSpPr>
+          <p:cNvPr id="29" name="Straight Arrow Connector 28"/>
+          <p:cNvCxnSpPr/>
+          <p:nvPr/>
+        </p:nvCxnSpPr>
+        <p:spPr>
+          <a:xfrm flipH="1" flipV="1">
+            <a:off x="13278746" y="6335850"/>
+            <a:ext cx="961099" cy="611374"/>
+          </a:xfrm>
+          <a:prstGeom prst="straightConnector1">
+            <a:avLst/>
+          </a:prstGeom>
+          <a:ln>
+            <a:tailEnd type="triangle"/>
+          </a:ln>
+        </p:spPr>
+        <p:style>
+          <a:lnRef idx="1">
+            <a:schemeClr val="accent1"/>
+          </a:lnRef>
+          <a:fillRef idx="0">
+            <a:schemeClr val="accent1"/>
+          </a:fillRef>
+          <a:effectRef idx="0">
+            <a:schemeClr val="accent1"/>
+          </a:effectRef>
+          <a:fontRef idx="minor">
+            <a:schemeClr val="tx1"/>
+          </a:fontRef>
+        </p:style>
+      </p:cxnSp>
+      <p:cxnSp>
+        <p:nvCxnSpPr>
+          <p:cNvPr id="30" name="Straight Arrow Connector 29"/>
+          <p:cNvCxnSpPr/>
+          <p:nvPr/>
+        </p:nvCxnSpPr>
+        <p:spPr>
+          <a:xfrm flipH="1" flipV="1">
+            <a:off x="12303793" y="6615783"/>
+            <a:ext cx="2071626" cy="2242037"/>
+          </a:xfrm>
+          <a:prstGeom prst="straightConnector1">
+            <a:avLst/>
+          </a:prstGeom>
+          <a:ln>
+            <a:tailEnd type="triangle"/>
+          </a:ln>
+        </p:spPr>
+        <p:style>
+          <a:lnRef idx="1">
+            <a:schemeClr val="accent1"/>
+          </a:lnRef>
+          <a:fillRef idx="0">
+            <a:schemeClr val="accent1"/>
+          </a:fillRef>
+          <a:effectRef idx="0">
+            <a:schemeClr val="accent1"/>
+          </a:effectRef>
+          <a:fontRef idx="minor">
+            <a:schemeClr val="tx1"/>
+          </a:fontRef>
+        </p:style>
+      </p:cxnSp>
+      <p:cxnSp>
+        <p:nvCxnSpPr>
+          <p:cNvPr id="31" name="Straight Arrow Connector 30"/>
+          <p:cNvCxnSpPr/>
+          <p:nvPr/>
+        </p:nvCxnSpPr>
+        <p:spPr>
+          <a:xfrm flipH="1" flipV="1">
+            <a:off x="13413708" y="5769117"/>
+            <a:ext cx="940558" cy="451667"/>
+          </a:xfrm>
+          <a:prstGeom prst="straightConnector1">
+            <a:avLst/>
+          </a:prstGeom>
+          <a:ln>
+            <a:tailEnd type="triangle"/>
+          </a:ln>
+        </p:spPr>
+        <p:style>
+          <a:lnRef idx="1">
+            <a:schemeClr val="accent1"/>
+          </a:lnRef>
+          <a:fillRef idx="0">
+            <a:schemeClr val="accent1"/>
+          </a:fillRef>
+          <a:effectRef idx="0">
+            <a:schemeClr val="accent1"/>
+          </a:effectRef>
+          <a:fontRef idx="minor">
+            <a:schemeClr val="tx1"/>
+          </a:fontRef>
+        </p:style>
+      </p:cxnSp>
+      <p:cxnSp>
+        <p:nvCxnSpPr>
+          <p:cNvPr id="32" name="Straight Arrow Connector 31"/>
+          <p:cNvCxnSpPr/>
+          <p:nvPr/>
+        </p:nvCxnSpPr>
+        <p:spPr>
+          <a:xfrm flipH="1">
+            <a:off x="12899539" y="3370086"/>
+            <a:ext cx="1454727" cy="1011647"/>
+          </a:xfrm>
+          <a:prstGeom prst="straightConnector1">
+            <a:avLst/>
+          </a:prstGeom>
+          <a:ln>
+            <a:tailEnd type="triangle"/>
+          </a:ln>
+        </p:spPr>
+        <p:style>
+          <a:lnRef idx="1">
+            <a:schemeClr val="accent1"/>
+          </a:lnRef>
+          <a:fillRef idx="0">
+            <a:schemeClr val="accent1"/>
+          </a:fillRef>
+          <a:effectRef idx="0">
+            <a:schemeClr val="accent1"/>
+          </a:effectRef>
+          <a:fontRef idx="minor">
+            <a:schemeClr val="tx1"/>
+          </a:fontRef>
+        </p:style>
+      </p:cxnSp>
+      <p:cxnSp>
+        <p:nvCxnSpPr>
+          <p:cNvPr id="33" name="Straight Arrow Connector 32"/>
+          <p:cNvCxnSpPr/>
+          <p:nvPr/>
+        </p:nvCxnSpPr>
+        <p:spPr>
+          <a:xfrm flipH="1" flipV="1">
+            <a:off x="12774848" y="6615783"/>
+            <a:ext cx="1586103" cy="1324229"/>
+          </a:xfrm>
+          <a:prstGeom prst="straightConnector1">
+            <a:avLst/>
+          </a:prstGeom>
+          <a:ln>
+            <a:tailEnd type="triangle"/>
+          </a:ln>
+        </p:spPr>
+        <p:style>
+          <a:lnRef idx="1">
+            <a:schemeClr val="accent1"/>
+          </a:lnRef>
+          <a:fillRef idx="0">
+            <a:schemeClr val="accent1"/>
+          </a:fillRef>
+          <a:effectRef idx="0">
+            <a:schemeClr val="accent1"/>
+          </a:effectRef>
+          <a:fontRef idx="minor">
+            <a:schemeClr val="tx1"/>
+          </a:fontRef>
+        </p:style>
+      </p:cxnSp>
+      <p:cxnSp>
+        <p:nvCxnSpPr>
+          <p:cNvPr id="34" name="Straight Arrow Connector 33"/>
+          <p:cNvCxnSpPr/>
+          <p:nvPr/>
+        </p:nvCxnSpPr>
+        <p:spPr>
+          <a:xfrm flipH="1">
+            <a:off x="12622448" y="2732505"/>
+            <a:ext cx="1617397" cy="1305758"/>
+          </a:xfrm>
+          <a:prstGeom prst="straightConnector1">
+            <a:avLst/>
+          </a:prstGeom>
+          <a:ln>
+            <a:tailEnd type="triangle"/>
+          </a:ln>
+        </p:spPr>
+        <p:style>
+          <a:lnRef idx="1">
+            <a:schemeClr val="accent1"/>
+          </a:lnRef>
+          <a:fillRef idx="0">
+            <a:schemeClr val="accent1"/>
+          </a:fillRef>
+          <a:effectRef idx="0">
+            <a:schemeClr val="accent1"/>
+          </a:effectRef>
+          <a:fontRef idx="minor">
+            <a:schemeClr val="tx1"/>
+          </a:fontRef>
+        </p:style>
+      </p:cxnSp>
+      <p:cxnSp>
+        <p:nvCxnSpPr>
+          <p:cNvPr id="38" name="Straight Arrow Connector 37"/>
+          <p:cNvCxnSpPr>
+            <a:cxnSpLocks/>
+          </p:cNvCxnSpPr>
+          <p:nvPr/>
+        </p:nvCxnSpPr>
+        <p:spPr>
+          <a:xfrm flipH="1" flipV="1">
+            <a:off x="3657794" y="4284236"/>
+            <a:ext cx="1986201" cy="2259864"/>
+          </a:xfrm>
+          <a:prstGeom prst="straightConnector1">
+            <a:avLst/>
+          </a:prstGeom>
+          <a:ln>
+            <a:tailEnd type="triangle"/>
+          </a:ln>
+        </p:spPr>
+        <p:style>
+          <a:lnRef idx="1">
+            <a:schemeClr val="accent1"/>
+          </a:lnRef>
+          <a:fillRef idx="0">
+            <a:schemeClr val="accent1"/>
+          </a:fillRef>
+          <a:effectRef idx="0">
+            <a:schemeClr val="accent1"/>
+          </a:effectRef>
+          <a:fontRef idx="minor">
+            <a:schemeClr val="tx1"/>
+          </a:fontRef>
+        </p:style>
+      </p:cxnSp>
+      <p:pic>
+        <p:nvPicPr>
+          <p:cNvPr id="39" name="Picture 38"/>
+          <p:cNvPicPr>
+            <a:picLocks noChangeAspect="1"/>
+          </p:cNvPicPr>
+          <p:nvPr/>
+        </p:nvPicPr>
+        <p:blipFill>
+          <a:blip r:embed="rId4">
+            <a:extLst>
+              <a:ext uri="{28A0092B-C50C-407E-A947-70E740481C1C}">
+                <a14:useLocalDpi xmlns:a14="http://schemas.microsoft.com/office/drawing/2010/main" val="0"/>
+              </a:ext>
+            </a:extLst>
+          </a:blip>
+          <a:stretch>
+            <a:fillRect/>
+          </a:stretch>
+        </p:blipFill>
+        <p:spPr>
+          <a:xfrm>
+            <a:off x="1584648" y="1898246"/>
+            <a:ext cx="2608126" cy="2608126"/>
+          </a:xfrm>
+          <a:prstGeom prst="rect">
+            <a:avLst/>
+          </a:prstGeom>
+        </p:spPr>
+      </p:pic>
+      <p:pic>
+        <p:nvPicPr>
+          <p:cNvPr id="40" name="Picture 39"/>
+          <p:cNvPicPr>
+            <a:picLocks noChangeAspect="1"/>
+          </p:cNvPicPr>
+          <p:nvPr/>
+        </p:nvPicPr>
+        <p:blipFill>
+          <a:blip r:embed="rId4">
+            <a:extLst>
+              <a:ext uri="{28A0092B-C50C-407E-A947-70E740481C1C}">
+                <a14:useLocalDpi xmlns:a14="http://schemas.microsoft.com/office/drawing/2010/main" val="0"/>
+              </a:ext>
+            </a:extLst>
+          </a:blip>
+          <a:stretch>
+            <a:fillRect/>
+          </a:stretch>
+        </p:blipFill>
+        <p:spPr>
+          <a:xfrm>
+            <a:off x="1637154" y="6384184"/>
+            <a:ext cx="2608126" cy="2608126"/>
+          </a:xfrm>
+          <a:prstGeom prst="rect">
+            <a:avLst/>
+          </a:prstGeom>
+        </p:spPr>
+      </p:pic>
+      <p:cxnSp>
+        <p:nvCxnSpPr>
+          <p:cNvPr id="41" name="Straight Arrow Connector 40"/>
+          <p:cNvCxnSpPr>
+            <a:cxnSpLocks/>
+          </p:cNvCxnSpPr>
+          <p:nvPr/>
+        </p:nvCxnSpPr>
+        <p:spPr>
+          <a:xfrm flipH="1">
+            <a:off x="4245280" y="7277897"/>
+            <a:ext cx="1372462" cy="993555"/>
+          </a:xfrm>
+          <a:prstGeom prst="straightConnector1">
+            <a:avLst/>
+          </a:prstGeom>
+          <a:ln>
+            <a:tailEnd type="triangle"/>
+          </a:ln>
+        </p:spPr>
+        <p:style>
+          <a:lnRef idx="1">
+            <a:schemeClr val="accent1"/>
+          </a:lnRef>
+          <a:fillRef idx="0">
+            <a:schemeClr val="accent1"/>
+          </a:fillRef>
+          <a:effectRef idx="0">
+            <a:schemeClr val="accent1"/>
+          </a:effectRef>
+          <a:fontRef idx="minor">
+            <a:schemeClr val="tx1"/>
+          </a:fontRef>
+        </p:style>
+      </p:cxnSp>
+      <p:pic>
+        <p:nvPicPr>
+          <p:cNvPr id="42" name="Picture 41"/>
+          <p:cNvPicPr>
+            <a:picLocks noChangeAspect="1"/>
+          </p:cNvPicPr>
+          <p:nvPr/>
+        </p:nvPicPr>
+        <p:blipFill>
+          <a:blip r:embed="rId4">
+            <a:extLst>
+              <a:ext uri="{28A0092B-C50C-407E-A947-70E740481C1C}">
+                <a14:useLocalDpi xmlns:a14="http://schemas.microsoft.com/office/drawing/2010/main" val="0"/>
+              </a:ext>
+            </a:extLst>
+          </a:blip>
+          <a:stretch>
+            <a:fillRect/>
+          </a:stretch>
+        </p:blipFill>
+        <p:spPr>
+          <a:xfrm>
+            <a:off x="5978028" y="2699403"/>
+            <a:ext cx="1516075" cy="1516075"/>
+          </a:xfrm>
+          <a:prstGeom prst="rect">
+            <a:avLst/>
+          </a:prstGeom>
+        </p:spPr>
+      </p:pic>
+      <p:cxnSp>
+        <p:nvCxnSpPr>
+          <p:cNvPr id="43" name="Straight Arrow Connector 42"/>
+          <p:cNvCxnSpPr>
+            <a:cxnSpLocks/>
+          </p:cNvCxnSpPr>
+          <p:nvPr/>
+        </p:nvCxnSpPr>
+        <p:spPr>
+          <a:xfrm flipH="1" flipV="1">
+            <a:off x="7605054" y="5465370"/>
+            <a:ext cx="1091605" cy="28491"/>
+          </a:xfrm>
+          <a:prstGeom prst="straightConnector1">
+            <a:avLst/>
+          </a:prstGeom>
+          <a:ln>
+            <a:tailEnd type="triangle"/>
+          </a:ln>
+        </p:spPr>
+        <p:style>
+          <a:lnRef idx="1">
+            <a:schemeClr val="accent1"/>
+          </a:lnRef>
+          <a:fillRef idx="0">
+            <a:schemeClr val="accent1"/>
+          </a:fillRef>
+          <a:effectRef idx="0">
+            <a:schemeClr val="accent1"/>
+          </a:effectRef>
+          <a:fontRef idx="minor">
+            <a:schemeClr val="tx1"/>
+          </a:fontRef>
+        </p:style>
+      </p:cxnSp>
+      <p:sp>
+        <p:nvSpPr>
+          <p:cNvPr id="44" name="TextBox 43"/>
+          <p:cNvSpPr txBox="1"/>
+          <p:nvPr/>
+        </p:nvSpPr>
+        <p:spPr>
+          <a:xfrm>
+            <a:off x="5102132" y="8233990"/>
+            <a:ext cx="3203605" cy="584775"/>
+          </a:xfrm>
+          <a:prstGeom prst="rect">
+            <a:avLst/>
+          </a:prstGeom>
+          <a:noFill/>
+        </p:spPr>
+        <p:txBody>
+          <a:bodyPr wrap="square" rtlCol="0">
+            <a:spAutoFit/>
+          </a:bodyPr>
+          <a:lstStyle/>
+          <a:p>
+            <a:r>
+              <a:rPr lang="en-US" b="1" dirty="0">
+                <a:solidFill>
+                  <a:schemeClr val="accent5">
+                    <a:lumMod val="75000"/>
+                  </a:schemeClr>
+                </a:solidFill>
+              </a:rPr>
+              <a:t>Load Balancers</a:t>
+            </a:r>
+          </a:p>
+        </p:txBody>
+      </p:sp>
+      <p:pic>
+        <p:nvPicPr>
+          <p:cNvPr id="35" name="Picture 34"/>
+          <p:cNvPicPr>
+            <a:picLocks noChangeAspect="1"/>
+          </p:cNvPicPr>
+          <p:nvPr/>
+        </p:nvPicPr>
+        <p:blipFill>
+          <a:blip r:embed="rId4">
+            <a:extLst>
+              <a:ext uri="{28A0092B-C50C-407E-A947-70E740481C1C}">
+                <a14:useLocalDpi xmlns:a14="http://schemas.microsoft.com/office/drawing/2010/main" val="0"/>
+              </a:ext>
+            </a:extLst>
+          </a:blip>
+          <a:stretch>
+            <a:fillRect/>
+          </a:stretch>
+        </p:blipFill>
+        <p:spPr>
+          <a:xfrm>
+            <a:off x="5810116" y="6358293"/>
+            <a:ext cx="1581719" cy="1581719"/>
+          </a:xfrm>
+          <a:prstGeom prst="rect">
+            <a:avLst/>
+          </a:prstGeom>
+        </p:spPr>
+      </p:pic>
+      <p:cxnSp>
+        <p:nvCxnSpPr>
+          <p:cNvPr id="36" name="Straight Arrow Connector 35"/>
+          <p:cNvCxnSpPr>
+            <a:cxnSpLocks/>
+          </p:cNvCxnSpPr>
+          <p:nvPr/>
+        </p:nvCxnSpPr>
+        <p:spPr>
+          <a:xfrm flipH="1" flipV="1">
+            <a:off x="4209654" y="2651574"/>
+            <a:ext cx="1561210" cy="1051862"/>
+          </a:xfrm>
+          <a:prstGeom prst="straightConnector1">
+            <a:avLst/>
+          </a:prstGeom>
+          <a:ln>
+            <a:tailEnd type="triangle"/>
+          </a:ln>
+        </p:spPr>
+        <p:style>
+          <a:lnRef idx="1">
+            <a:schemeClr val="accent1"/>
+          </a:lnRef>
+          <a:fillRef idx="0">
+            <a:schemeClr val="accent1"/>
+          </a:fillRef>
+          <a:effectRef idx="0">
+            <a:schemeClr val="accent1"/>
+          </a:effectRef>
+          <a:fontRef idx="minor">
+            <a:schemeClr val="tx1"/>
+          </a:fontRef>
+        </p:style>
+      </p:cxnSp>
+      <p:cxnSp>
+        <p:nvCxnSpPr>
+          <p:cNvPr id="37" name="Straight Arrow Connector 36"/>
+          <p:cNvCxnSpPr>
+            <a:cxnSpLocks/>
+          </p:cNvCxnSpPr>
+          <p:nvPr/>
+        </p:nvCxnSpPr>
+        <p:spPr>
+          <a:xfrm flipH="1">
+            <a:off x="4130860" y="4416312"/>
+            <a:ext cx="1942544" cy="1899114"/>
+          </a:xfrm>
+          <a:prstGeom prst="straightConnector1">
+            <a:avLst/>
+          </a:prstGeom>
+          <a:ln>
+            <a:tailEnd type="triangle"/>
+          </a:ln>
+        </p:spPr>
+        <p:style>
+          <a:lnRef idx="1">
+            <a:schemeClr val="accent1"/>
+          </a:lnRef>
+          <a:fillRef idx="0">
+            <a:schemeClr val="accent1"/>
+          </a:fillRef>
+          <a:effectRef idx="0">
+            <a:schemeClr val="accent1"/>
+          </a:effectRef>
+          <a:fontRef idx="minor">
+            <a:schemeClr val="tx1"/>
+          </a:fontRef>
+        </p:style>
+      </p:cxnSp>
+      <p:cxnSp>
+        <p:nvCxnSpPr>
+          <p:cNvPr id="46" name="Straight Arrow Connector 45"/>
+          <p:cNvCxnSpPr>
+            <a:cxnSpLocks/>
+          </p:cNvCxnSpPr>
+          <p:nvPr/>
+        </p:nvCxnSpPr>
+        <p:spPr>
+          <a:xfrm flipH="1" flipV="1">
+            <a:off x="6938451" y="4591828"/>
+            <a:ext cx="14803" cy="1498036"/>
+          </a:xfrm>
+          <a:prstGeom prst="straightConnector1">
+            <a:avLst/>
+          </a:prstGeom>
+          <a:ln>
+            <a:tailEnd type="triangle"/>
+          </a:ln>
+        </p:spPr>
+        <p:style>
+          <a:lnRef idx="1">
+            <a:schemeClr val="accent1"/>
+          </a:lnRef>
+          <a:fillRef idx="0">
+            <a:schemeClr val="accent1"/>
+          </a:fillRef>
+          <a:effectRef idx="0">
+            <a:schemeClr val="accent1"/>
+          </a:effectRef>
+          <a:fontRef idx="minor">
+            <a:schemeClr val="tx1"/>
+          </a:fontRef>
+        </p:style>
+      </p:cxnSp>
+      <p:cxnSp>
+        <p:nvCxnSpPr>
+          <p:cNvPr id="47" name="Straight Arrow Connector 46"/>
+          <p:cNvCxnSpPr>
+            <a:cxnSpLocks/>
+          </p:cNvCxnSpPr>
+          <p:nvPr/>
+        </p:nvCxnSpPr>
+        <p:spPr>
+          <a:xfrm>
+            <a:off x="6545789" y="4547546"/>
+            <a:ext cx="0" cy="1542318"/>
+          </a:xfrm>
+          <a:prstGeom prst="straightConnector1">
+            <a:avLst/>
+          </a:prstGeom>
+          <a:ln>
+            <a:tailEnd type="triangle"/>
+          </a:ln>
+        </p:spPr>
+        <p:style>
+          <a:lnRef idx="1">
+            <a:schemeClr val="accent1"/>
+          </a:lnRef>
+          <a:fillRef idx="0">
+            <a:schemeClr val="accent1"/>
+          </a:fillRef>
+          <a:effectRef idx="0">
+            <a:schemeClr val="accent1"/>
+          </a:effectRef>
+          <a:fontRef idx="minor">
+            <a:schemeClr val="tx1"/>
+          </a:fontRef>
+        </p:style>
+      </p:cxnSp>
+      <p:pic>
+        <p:nvPicPr>
+          <p:cNvPr id="54" name="Picture 53"/>
+          <p:cNvPicPr>
+            <a:picLocks noChangeAspect="1"/>
+          </p:cNvPicPr>
+          <p:nvPr/>
+        </p:nvPicPr>
+        <p:blipFill>
+          <a:blip r:embed="rId5" cstate="print">
+            <a:extLst>
+              <a:ext uri="{28A0092B-C50C-407E-A947-70E740481C1C}">
+                <a14:useLocalDpi xmlns:a14="http://schemas.microsoft.com/office/drawing/2010/main" val="0"/>
+              </a:ext>
+            </a:extLst>
+          </a:blip>
+          <a:stretch>
+            <a:fillRect/>
+          </a:stretch>
+        </p:blipFill>
+        <p:spPr>
+          <a:xfrm>
+            <a:off x="4082132" y="8932406"/>
+            <a:ext cx="1183149" cy="1183149"/>
+          </a:xfrm>
+          <a:prstGeom prst="rect">
+            <a:avLst/>
+          </a:prstGeom>
+        </p:spPr>
+      </p:pic>
+    </p:spTree>
+    <p:extLst>
+      <p:ext uri="{BB962C8B-B14F-4D97-AF65-F5344CB8AC3E}">
+        <p14:creationId xmlns:p14="http://schemas.microsoft.com/office/powerpoint/2010/main" val="783414731"/>
+      </p:ext>
+    </p:extLst>
+  </p:cSld>
+  <p:clrMapOvr>
+    <a:masterClrMapping/>
+  </p:clrMapOvr>
+  <mc:AlternateContent xmlns:mc="http://schemas.openxmlformats.org/markup-compatibility/2006" xmlns:p14="http://schemas.microsoft.com/office/powerpoint/2010/main">
+    <mc:Choice Requires="p14">
+      <p:transition spd="med" p14:dur="700">
+        <p:fade/>
+      </p:transition>
+    </mc:Choice>
+    <mc:Fallback xmlns="">
+      <p:transition spd="med">
+        <p:fade/>
+      </p:transition>
+    </mc:Fallback>
+  </mc:AlternateContent>
+</p:sld>
+</file>
+
+<file path=ppt/slides/slide11.xml><?xml version="1.0" encoding="utf-8"?>
+<p:sld xmlns:a="http://schemas.openxmlformats.org/drawingml/2006/main" xmlns:r="http://schemas.openxmlformats.org/officeDocument/2006/relationships" xmlns:p="http://schemas.openxmlformats.org/presentationml/2006/main">
+  <p:cSld>
+    <p:spTree>
+      <p:nvGrpSpPr>
+        <p:cNvPr id="1" name=""/>
+        <p:cNvGrpSpPr/>
+        <p:nvPr/>
+      </p:nvGrpSpPr>
+      <p:grpSpPr>
+        <a:xfrm>
+          <a:off x="0" y="0"/>
+          <a:ext cx="0" cy="0"/>
+          <a:chOff x="0" y="0"/>
+          <a:chExt cx="0" cy="0"/>
+        </a:xfrm>
+      </p:grpSpPr>
+      <p:sp>
+        <p:nvSpPr>
           <p:cNvPr id="4" name="Title 22"/>
           <p:cNvSpPr txBox="1">
             <a:spLocks/>
@@ -5347,7 +9705,7 @@
 </p:sld>
 </file>
 
-<file path=ppt/slides/slide11.xml><?xml version="1.0" encoding="utf-8"?>
+<file path=ppt/slides/slide12.xml><?xml version="1.0" encoding="utf-8"?>
 <p:sld xmlns:a="http://schemas.openxmlformats.org/drawingml/2006/main" xmlns:r="http://schemas.openxmlformats.org/officeDocument/2006/relationships" xmlns:p="http://schemas.openxmlformats.org/presentationml/2006/main">
   <p:cSld>
     <p:spTree>
@@ -5563,7 +9921,7 @@
 </p:sld>
 </file>
 
-<file path=ppt/slides/slide12.xml><?xml version="1.0" encoding="utf-8"?>
+<file path=ppt/slides/slide13.xml><?xml version="1.0" encoding="utf-8"?>
 <p:sld xmlns:a="http://schemas.openxmlformats.org/drawingml/2006/main" xmlns:r="http://schemas.openxmlformats.org/officeDocument/2006/relationships" xmlns:p="http://schemas.openxmlformats.org/presentationml/2006/main">
   <p:cSld>
     <p:spTree>
@@ -5719,7 +10077,7 @@
 </p:sld>
 </file>
 
-<file path=ppt/slides/slide13.xml><?xml version="1.0" encoding="utf-8"?>
+<file path=ppt/slides/slide14.xml><?xml version="1.0" encoding="utf-8"?>
 <p:sld xmlns:a="http://schemas.openxmlformats.org/drawingml/2006/main" xmlns:r="http://schemas.openxmlformats.org/officeDocument/2006/relationships" xmlns:p="http://schemas.openxmlformats.org/presentationml/2006/main">
   <p:cSld>
     <p:spTree>
@@ -5891,7 +10249,7 @@
                   <a:srgbClr val="31859C"/>
                 </a:solidFill>
               </a:rPr>
-              <a:t>Level of Details</a:t>
+              <a:t>Abstraction Level</a:t>
             </a:r>
           </a:p>
           <a:p>
@@ -5969,7 +10327,7 @@
 </p:sld>
 </file>
 
-<file path=ppt/slides/slide14.xml><?xml version="1.0" encoding="utf-8"?>
+<file path=ppt/slides/slide15.xml><?xml version="1.0" encoding="utf-8"?>
 <p:sld xmlns:a="http://schemas.openxmlformats.org/drawingml/2006/main" xmlns:r="http://schemas.openxmlformats.org/officeDocument/2006/relationships" xmlns:p="http://schemas.openxmlformats.org/presentationml/2006/main">
   <p:cSld>
     <p:spTree>
@@ -6206,7 +10564,7 @@
 </p:sld>
 </file>
 
-<file path=ppt/slides/slide15.xml><?xml version="1.0" encoding="utf-8"?>
+<file path=ppt/slides/slide16.xml><?xml version="1.0" encoding="utf-8"?>
 <p:sld xmlns:a="http://schemas.openxmlformats.org/drawingml/2006/main" xmlns:r="http://schemas.openxmlformats.org/officeDocument/2006/relationships" xmlns:p="http://schemas.openxmlformats.org/presentationml/2006/main">
   <p:cSld>
     <p:spTree>
@@ -6439,7 +10797,7 @@
 </p:sld>
 </file>
 
-<file path=ppt/slides/slide16.xml><?xml version="1.0" encoding="utf-8"?>
+<file path=ppt/slides/slide17.xml><?xml version="1.0" encoding="utf-8"?>
 <p:sld xmlns:a="http://schemas.openxmlformats.org/drawingml/2006/main" xmlns:r="http://schemas.openxmlformats.org/officeDocument/2006/relationships" xmlns:p="http://schemas.openxmlformats.org/presentationml/2006/main">
   <p:cSld>
     <p:spTree>
@@ -6582,7 +10940,7 @@
                 </a:solidFill>
                 <a:latin typeface="+mj-lt"/>
               </a:rPr>
-              <a:t>The all of underlying  implementation details are abstracted away.</a:t>
+              <a:t>All of underlying  implementation details are abstracted away.</a:t>
             </a:r>
           </a:p>
         </p:txBody>
@@ -6642,7 +11000,7 @@
 </p:sld>
 </file>
 
-<file path=ppt/slides/slide17.xml><?xml version="1.0" encoding="utf-8"?>
+<file path=ppt/slides/slide18.xml><?xml version="1.0" encoding="utf-8"?>
 <p:sld xmlns:a="http://schemas.openxmlformats.org/drawingml/2006/main" xmlns:r="http://schemas.openxmlformats.org/officeDocument/2006/relationships" xmlns:p="http://schemas.openxmlformats.org/presentationml/2006/main">
   <p:cSld>
     <p:spTree>
@@ -6798,7 +11156,7 @@
 </p:sld>
 </file>
 
-<file path=ppt/slides/slide18.xml><?xml version="1.0" encoding="utf-8"?>
+<file path=ppt/slides/slide19.xml><?xml version="1.0" encoding="utf-8"?>
 <p:sld xmlns:a="http://schemas.openxmlformats.org/drawingml/2006/main" xmlns:r="http://schemas.openxmlformats.org/officeDocument/2006/relationships" xmlns:p="http://schemas.openxmlformats.org/presentationml/2006/main">
   <p:cSld>
     <p:spTree>
@@ -7605,7 +11963,63 @@
 </p:sld>
 </file>
 
-<file path=ppt/slides/slide19.xml><?xml version="1.0" encoding="utf-8"?>
+<file path=ppt/slides/slide2.xml><?xml version="1.0" encoding="utf-8"?>
+<p:sld xmlns:a="http://schemas.openxmlformats.org/drawingml/2006/main" xmlns:r="http://schemas.openxmlformats.org/officeDocument/2006/relationships" xmlns:p="http://schemas.openxmlformats.org/presentationml/2006/main">
+  <p:cSld>
+    <p:bg>
+      <p:bgPr>
+        <a:blipFill dpi="0" rotWithShape="1">
+          <a:blip r:embed="rId2">
+            <a:lum/>
+          </a:blip>
+          <a:srcRect/>
+          <a:stretch>
+            <a:fillRect/>
+          </a:stretch>
+        </a:blipFill>
+        <a:effectLst/>
+      </p:bgPr>
+    </p:bg>
+    <p:spTree>
+      <p:nvGrpSpPr>
+        <p:cNvPr id="1" name=""/>
+        <p:cNvGrpSpPr/>
+        <p:nvPr/>
+      </p:nvGrpSpPr>
+      <p:grpSpPr>
+        <a:xfrm>
+          <a:off x="0" y="0"/>
+          <a:ext cx="0" cy="0"/>
+          <a:chOff x="0" y="0"/>
+          <a:chExt cx="0" cy="0"/>
+        </a:xfrm>
+      </p:grpSpPr>
+    </p:spTree>
+    <p:extLst>
+      <p:ext uri="{BB962C8B-B14F-4D97-AF65-F5344CB8AC3E}">
+        <p14:creationId xmlns:p14="http://schemas.microsoft.com/office/powerpoint/2010/main" val="2336370073"/>
+      </p:ext>
+    </p:extLst>
+  </p:cSld>
+  <p:clrMapOvr>
+    <a:masterClrMapping/>
+  </p:clrMapOvr>
+  <mc:AlternateContent xmlns:mc="http://schemas.openxmlformats.org/markup-compatibility/2006" xmlns:p14="http://schemas.microsoft.com/office/powerpoint/2010/main">
+    <mc:Choice Requires="p14">
+      <p:transition spd="med" p14:dur="700">
+        <p:fade/>
+      </p:transition>
+    </mc:Choice>
+    <mc:Fallback xmlns="">
+      <p:transition spd="med">
+        <p:fade/>
+      </p:transition>
+    </mc:Fallback>
+  </mc:AlternateContent>
+</p:sld>
+</file>
+
+<file path=ppt/slides/slide20.xml><?xml version="1.0" encoding="utf-8"?>
 <p:sld xmlns:a="http://schemas.openxmlformats.org/drawingml/2006/main" xmlns:r="http://schemas.openxmlformats.org/officeDocument/2006/relationships" xmlns:p="http://schemas.openxmlformats.org/presentationml/2006/main">
   <p:cSld>
     <p:spTree>
@@ -8442,63 +12856,7 @@
 </p:sld>
 </file>
 
-<file path=ppt/slides/slide2.xml><?xml version="1.0" encoding="utf-8"?>
-<p:sld xmlns:a="http://schemas.openxmlformats.org/drawingml/2006/main" xmlns:r="http://schemas.openxmlformats.org/officeDocument/2006/relationships" xmlns:p="http://schemas.openxmlformats.org/presentationml/2006/main">
-  <p:cSld>
-    <p:bg>
-      <p:bgPr>
-        <a:blipFill dpi="0" rotWithShape="1">
-          <a:blip r:embed="rId2">
-            <a:lum/>
-          </a:blip>
-          <a:srcRect/>
-          <a:stretch>
-            <a:fillRect/>
-          </a:stretch>
-        </a:blipFill>
-        <a:effectLst/>
-      </p:bgPr>
-    </p:bg>
-    <p:spTree>
-      <p:nvGrpSpPr>
-        <p:cNvPr id="1" name=""/>
-        <p:cNvGrpSpPr/>
-        <p:nvPr/>
-      </p:nvGrpSpPr>
-      <p:grpSpPr>
-        <a:xfrm>
-          <a:off x="0" y="0"/>
-          <a:ext cx="0" cy="0"/>
-          <a:chOff x="0" y="0"/>
-          <a:chExt cx="0" cy="0"/>
-        </a:xfrm>
-      </p:grpSpPr>
-    </p:spTree>
-    <p:extLst>
-      <p:ext uri="{BB962C8B-B14F-4D97-AF65-F5344CB8AC3E}">
-        <p14:creationId xmlns:p14="http://schemas.microsoft.com/office/powerpoint/2010/main" val="2336370073"/>
-      </p:ext>
-    </p:extLst>
-  </p:cSld>
-  <p:clrMapOvr>
-    <a:masterClrMapping/>
-  </p:clrMapOvr>
-  <mc:AlternateContent xmlns:mc="http://schemas.openxmlformats.org/markup-compatibility/2006" xmlns:p14="http://schemas.microsoft.com/office/powerpoint/2010/main">
-    <mc:Choice Requires="p14">
-      <p:transition spd="med" p14:dur="700">
-        <p:fade/>
-      </p:transition>
-    </mc:Choice>
-    <mc:Fallback xmlns="">
-      <p:transition spd="med">
-        <p:fade/>
-      </p:transition>
-    </mc:Fallback>
-  </mc:AlternateContent>
-</p:sld>
-</file>
-
-<file path=ppt/slides/slide20.xml><?xml version="1.0" encoding="utf-8"?>
+<file path=ppt/slides/slide21.xml><?xml version="1.0" encoding="utf-8"?>
 <p:sld xmlns:a="http://schemas.openxmlformats.org/drawingml/2006/main" xmlns:r="http://schemas.openxmlformats.org/officeDocument/2006/relationships" xmlns:p="http://schemas.openxmlformats.org/presentationml/2006/main">
   <p:cSld>
     <p:spTree>
@@ -8682,6 +13040,78 @@
 </file>
 
 <file path=ppt/slides/slide3.xml><?xml version="1.0" encoding="utf-8"?>
+<p:sld xmlns:a="http://schemas.openxmlformats.org/drawingml/2006/main" xmlns:r="http://schemas.openxmlformats.org/officeDocument/2006/relationships" xmlns:p="http://schemas.openxmlformats.org/presentationml/2006/main">
+  <p:cSld>
+    <p:spTree>
+      <p:nvGrpSpPr>
+        <p:cNvPr id="1" name=""/>
+        <p:cNvGrpSpPr/>
+        <p:nvPr/>
+      </p:nvGrpSpPr>
+      <p:grpSpPr>
+        <a:xfrm>
+          <a:off x="0" y="0"/>
+          <a:ext cx="0" cy="0"/>
+          <a:chOff x="0" y="0"/>
+          <a:chExt cx="0" cy="0"/>
+        </a:xfrm>
+      </p:grpSpPr>
+      <p:pic>
+        <p:nvPicPr>
+          <p:cNvPr id="5" name="Picture 4"/>
+          <p:cNvPicPr>
+            <a:picLocks noChangeAspect="1"/>
+          </p:cNvPicPr>
+          <p:nvPr/>
+        </p:nvPicPr>
+        <p:blipFill>
+          <a:blip r:embed="rId2">
+            <a:extLst>
+              <a:ext uri="{28A0092B-C50C-407E-A947-70E740481C1C}">
+                <a14:useLocalDpi xmlns:a14="http://schemas.microsoft.com/office/drawing/2010/main" val="0"/>
+              </a:ext>
+            </a:extLst>
+          </a:blip>
+          <a:stretch>
+            <a:fillRect/>
+          </a:stretch>
+        </p:blipFill>
+        <p:spPr>
+          <a:xfrm>
+            <a:off x="4177035" y="320551"/>
+            <a:ext cx="9289032" cy="9289032"/>
+          </a:xfrm>
+          <a:prstGeom prst="rect">
+            <a:avLst/>
+          </a:prstGeom>
+        </p:spPr>
+      </p:pic>
+    </p:spTree>
+    <p:extLst>
+      <p:ext uri="{BB962C8B-B14F-4D97-AF65-F5344CB8AC3E}">
+        <p14:creationId xmlns:p14="http://schemas.microsoft.com/office/powerpoint/2010/main" val="1340364027"/>
+      </p:ext>
+    </p:extLst>
+  </p:cSld>
+  <p:clrMapOvr>
+    <a:masterClrMapping/>
+  </p:clrMapOvr>
+  <mc:AlternateContent xmlns:mc="http://schemas.openxmlformats.org/markup-compatibility/2006" xmlns:p14="http://schemas.microsoft.com/office/powerpoint/2010/main">
+    <mc:Choice Requires="p14">
+      <p:transition spd="med" p14:dur="700">
+        <p:fade/>
+      </p:transition>
+    </mc:Choice>
+    <mc:Fallback xmlns="">
+      <p:transition spd="med">
+        <p:fade/>
+      </p:transition>
+    </mc:Fallback>
+  </mc:AlternateContent>
+</p:sld>
+</file>
+
+<file path=ppt/slides/slide4.xml><?xml version="1.0" encoding="utf-8"?>
 <p:sld xmlns:a="http://schemas.openxmlformats.org/drawingml/2006/main" xmlns:r="http://schemas.openxmlformats.org/officeDocument/2006/relationships" xmlns:p="http://schemas.openxmlformats.org/presentationml/2006/main">
   <p:cSld>
     <p:spTree>
@@ -9350,7 +13780,7 @@
 </p:sld>
 </file>
 
-<file path=ppt/slides/slide4.xml><?xml version="1.0" encoding="utf-8"?>
+<file path=ppt/slides/slide5.xml><?xml version="1.0" encoding="utf-8"?>
 <p:sld xmlns:a="http://schemas.openxmlformats.org/drawingml/2006/main" xmlns:r="http://schemas.openxmlformats.org/officeDocument/2006/relationships" xmlns:p="http://schemas.openxmlformats.org/presentationml/2006/main">
   <p:cSld>
     <p:spTree>
@@ -13330,7 +17760,7 @@
 </p:sld>
 </file>
 
-<file path=ppt/slides/slide5.xml><?xml version="1.0" encoding="utf-8"?>
+<file path=ppt/slides/slide6.xml><?xml version="1.0" encoding="utf-8"?>
 <p:sld xmlns:a="http://schemas.openxmlformats.org/drawingml/2006/main" xmlns:r="http://schemas.openxmlformats.org/officeDocument/2006/relationships" xmlns:p="http://schemas.openxmlformats.org/presentationml/2006/main">
   <p:cSld>
     <p:spTree>
@@ -13603,260 +18033,10 @@
       </p:transition>
     </mc:Fallback>
   </mc:AlternateContent>
-  <p:timing>
-    <p:tnLst>
-      <p:par>
-        <p:cTn id="1" dur="indefinite" restart="never" nodeType="tmRoot">
-          <p:childTnLst>
-            <p:seq concurrent="1" nextAc="seek">
-              <p:cTn id="2" dur="indefinite" nodeType="mainSeq">
-                <p:childTnLst>
-                  <p:par>
-                    <p:cTn id="3" fill="hold">
-                      <p:stCondLst>
-                        <p:cond delay="indefinite"/>
-                        <p:cond evt="onBegin" delay="0">
-                          <p:tn val="2"/>
-                        </p:cond>
-                      </p:stCondLst>
-                      <p:childTnLst>
-                        <p:par>
-                          <p:cTn id="4" fill="hold">
-                            <p:stCondLst>
-                              <p:cond delay="0"/>
-                            </p:stCondLst>
-                            <p:childTnLst>
-                              <p:par>
-                                <p:cTn id="5" presetID="10" presetClass="entr" presetSubtype="0" fill="hold" grpId="0" nodeType="afterEffect">
-                                  <p:stCondLst>
-                                    <p:cond delay="0"/>
-                                  </p:stCondLst>
-                                  <p:childTnLst>
-                                    <p:set>
-                                      <p:cBhvr>
-                                        <p:cTn id="6" dur="1" fill="hold">
-                                          <p:stCondLst>
-                                            <p:cond delay="0"/>
-                                          </p:stCondLst>
-                                        </p:cTn>
-                                        <p:tgtEl>
-                                          <p:spTgt spid="38"/>
-                                        </p:tgtEl>
-                                        <p:attrNameLst>
-                                          <p:attrName>style.visibility</p:attrName>
-                                        </p:attrNameLst>
-                                      </p:cBhvr>
-                                      <p:to>
-                                        <p:strVal val="visible"/>
-                                      </p:to>
-                                    </p:set>
-                                    <p:animEffect transition="in" filter="fade">
-                                      <p:cBhvr>
-                                        <p:cTn id="7" dur="500"/>
-                                        <p:tgtEl>
-                                          <p:spTgt spid="38"/>
-                                        </p:tgtEl>
-                                      </p:cBhvr>
-                                    </p:animEffect>
-                                  </p:childTnLst>
-                                </p:cTn>
-                              </p:par>
-                            </p:childTnLst>
-                          </p:cTn>
-                        </p:par>
-                      </p:childTnLst>
-                    </p:cTn>
-                  </p:par>
-                  <p:par>
-                    <p:cTn id="8" fill="hold">
-                      <p:stCondLst>
-                        <p:cond delay="indefinite"/>
-                      </p:stCondLst>
-                      <p:childTnLst>
-                        <p:par>
-                          <p:cTn id="9" fill="hold">
-                            <p:stCondLst>
-                              <p:cond delay="0"/>
-                            </p:stCondLst>
-                            <p:childTnLst>
-                              <p:par>
-                                <p:cTn id="10" presetID="22" presetClass="entr" presetSubtype="2" fill="hold" grpId="0" nodeType="clickEffect">
-                                  <p:stCondLst>
-                                    <p:cond delay="0"/>
-                                  </p:stCondLst>
-                                  <p:childTnLst>
-                                    <p:set>
-                                      <p:cBhvr>
-                                        <p:cTn id="11" dur="1" fill="hold">
-                                          <p:stCondLst>
-                                            <p:cond delay="0"/>
-                                          </p:stCondLst>
-                                        </p:cTn>
-                                        <p:tgtEl>
-                                          <p:spTgt spid="37"/>
-                                        </p:tgtEl>
-                                        <p:attrNameLst>
-                                          <p:attrName>style.visibility</p:attrName>
-                                        </p:attrNameLst>
-                                      </p:cBhvr>
-                                      <p:to>
-                                        <p:strVal val="visible"/>
-                                      </p:to>
-                                    </p:set>
-                                    <p:animEffect transition="in" filter="wipe(right)">
-                                      <p:cBhvr>
-                                        <p:cTn id="12" dur="500"/>
-                                        <p:tgtEl>
-                                          <p:spTgt spid="37"/>
-                                        </p:tgtEl>
-                                      </p:cBhvr>
-                                    </p:animEffect>
-                                  </p:childTnLst>
-                                </p:cTn>
-                              </p:par>
-                            </p:childTnLst>
-                          </p:cTn>
-                        </p:par>
-                      </p:childTnLst>
-                    </p:cTn>
-                  </p:par>
-                  <p:par>
-                    <p:cTn id="13" fill="hold">
-                      <p:stCondLst>
-                        <p:cond delay="indefinite"/>
-                      </p:stCondLst>
-                      <p:childTnLst>
-                        <p:par>
-                          <p:cTn id="14" fill="hold">
-                            <p:stCondLst>
-                              <p:cond delay="0"/>
-                            </p:stCondLst>
-                            <p:childTnLst>
-                              <p:par>
-                                <p:cTn id="15" presetID="10" presetClass="entr" presetSubtype="0" fill="hold" grpId="0" nodeType="clickEffect">
-                                  <p:stCondLst>
-                                    <p:cond delay="0"/>
-                                  </p:stCondLst>
-                                  <p:childTnLst>
-                                    <p:set>
-                                      <p:cBhvr>
-                                        <p:cTn id="16" dur="1" fill="hold">
-                                          <p:stCondLst>
-                                            <p:cond delay="0"/>
-                                          </p:stCondLst>
-                                        </p:cTn>
-                                        <p:tgtEl>
-                                          <p:spTgt spid="36"/>
-                                        </p:tgtEl>
-                                        <p:attrNameLst>
-                                          <p:attrName>style.visibility</p:attrName>
-                                        </p:attrNameLst>
-                                      </p:cBhvr>
-                                      <p:to>
-                                        <p:strVal val="visible"/>
-                                      </p:to>
-                                    </p:set>
-                                    <p:animEffect transition="in" filter="fade">
-                                      <p:cBhvr>
-                                        <p:cTn id="17" dur="500"/>
-                                        <p:tgtEl>
-                                          <p:spTgt spid="36"/>
-                                        </p:tgtEl>
-                                      </p:cBhvr>
-                                    </p:animEffect>
-                                  </p:childTnLst>
-                                </p:cTn>
-                              </p:par>
-                            </p:childTnLst>
-                          </p:cTn>
-                        </p:par>
-                      </p:childTnLst>
-                    </p:cTn>
-                  </p:par>
-                  <p:par>
-                    <p:cTn id="18" fill="hold">
-                      <p:stCondLst>
-                        <p:cond delay="indefinite"/>
-                      </p:stCondLst>
-                      <p:childTnLst>
-                        <p:par>
-                          <p:cTn id="19" fill="hold">
-                            <p:stCondLst>
-                              <p:cond delay="0"/>
-                            </p:stCondLst>
-                            <p:childTnLst>
-                              <p:par>
-                                <p:cTn id="20" presetID="10" presetClass="entr" presetSubtype="0" fill="hold" nodeType="clickEffect">
-                                  <p:stCondLst>
-                                    <p:cond delay="0"/>
-                                  </p:stCondLst>
-                                  <p:childTnLst>
-                                    <p:set>
-                                      <p:cBhvr>
-                                        <p:cTn id="21" dur="1" fill="hold">
-                                          <p:stCondLst>
-                                            <p:cond delay="0"/>
-                                          </p:stCondLst>
-                                        </p:cTn>
-                                        <p:tgtEl>
-                                          <p:spTgt spid="35"/>
-                                        </p:tgtEl>
-                                        <p:attrNameLst>
-                                          <p:attrName>style.visibility</p:attrName>
-                                        </p:attrNameLst>
-                                      </p:cBhvr>
-                                      <p:to>
-                                        <p:strVal val="visible"/>
-                                      </p:to>
-                                    </p:set>
-                                    <p:animEffect transition="in" filter="fade">
-                                      <p:cBhvr>
-                                        <p:cTn id="22" dur="500"/>
-                                        <p:tgtEl>
-                                          <p:spTgt spid="35"/>
-                                        </p:tgtEl>
-                                      </p:cBhvr>
-                                    </p:animEffect>
-                                  </p:childTnLst>
-                                </p:cTn>
-                              </p:par>
-                            </p:childTnLst>
-                          </p:cTn>
-                        </p:par>
-                      </p:childTnLst>
-                    </p:cTn>
-                  </p:par>
-                </p:childTnLst>
-              </p:cTn>
-              <p:prevCondLst>
-                <p:cond evt="onPrev" delay="0">
-                  <p:tgtEl>
-                    <p:sldTgt/>
-                  </p:tgtEl>
-                </p:cond>
-              </p:prevCondLst>
-              <p:nextCondLst>
-                <p:cond evt="onNext" delay="0">
-                  <p:tgtEl>
-                    <p:sldTgt/>
-                  </p:tgtEl>
-                </p:cond>
-              </p:nextCondLst>
-            </p:seq>
-          </p:childTnLst>
-        </p:cTn>
-      </p:par>
-    </p:tnLst>
-    <p:bldLst>
-      <p:bldP spid="36" grpId="0"/>
-      <p:bldP spid="37" grpId="0" animBg="1"/>
-      <p:bldP spid="38" grpId="0"/>
-    </p:bldLst>
-  </p:timing>
 </p:sld>
 </file>
 
-<file path=ppt/slides/slide6.xml><?xml version="1.0" encoding="utf-8"?>
+<file path=ppt/slides/slide7.xml><?xml version="1.0" encoding="utf-8"?>
 <p:sld xmlns:a="http://schemas.openxmlformats.org/drawingml/2006/main" xmlns:r="http://schemas.openxmlformats.org/officeDocument/2006/relationships" xmlns:p="http://schemas.openxmlformats.org/presentationml/2006/main">
   <p:cSld>
     <p:spTree>
@@ -18162,7 +22342,7 @@
 </p:sld>
 </file>
 
-<file path=ppt/slides/slide7.xml><?xml version="1.0" encoding="utf-8"?>
+<file path=ppt/slides/slide8.xml><?xml version="1.0" encoding="utf-8"?>
 <p:sld xmlns:a="http://schemas.openxmlformats.org/drawingml/2006/main" xmlns:r="http://schemas.openxmlformats.org/officeDocument/2006/relationships" xmlns:p="http://schemas.openxmlformats.org/presentationml/2006/main">
   <p:cSld>
     <p:spTree>
@@ -22319,7 +26499,7 @@
 </p:sld>
 </file>
 
-<file path=ppt/slides/slide8.xml><?xml version="1.0" encoding="utf-8"?>
+<file path=ppt/slides/slide9.xml><?xml version="1.0" encoding="utf-8"?>
 <p:sld xmlns:a="http://schemas.openxmlformats.org/drawingml/2006/main" xmlns:r="http://schemas.openxmlformats.org/officeDocument/2006/relationships" xmlns:p="http://schemas.openxmlformats.org/presentationml/2006/main">
   <p:cSld>
     <p:spTree>
@@ -22960,4363 +27140,6 @@
     <p:extLst>
       <p:ext uri="{BB962C8B-B14F-4D97-AF65-F5344CB8AC3E}">
         <p14:creationId xmlns:p14="http://schemas.microsoft.com/office/powerpoint/2010/main" val="2162462929"/>
-      </p:ext>
-    </p:extLst>
-  </p:cSld>
-  <p:clrMapOvr>
-    <a:masterClrMapping/>
-  </p:clrMapOvr>
-  <mc:AlternateContent xmlns:mc="http://schemas.openxmlformats.org/markup-compatibility/2006" xmlns:p14="http://schemas.microsoft.com/office/powerpoint/2010/main">
-    <mc:Choice Requires="p14">
-      <p:transition spd="med" p14:dur="700">
-        <p:fade/>
-      </p:transition>
-    </mc:Choice>
-    <mc:Fallback xmlns="">
-      <p:transition spd="med">
-        <p:fade/>
-      </p:transition>
-    </mc:Fallback>
-  </mc:AlternateContent>
-</p:sld>
-</file>
-
-<file path=ppt/slides/slide9.xml><?xml version="1.0" encoding="utf-8"?>
-<p:sld xmlns:a="http://schemas.openxmlformats.org/drawingml/2006/main" xmlns:r="http://schemas.openxmlformats.org/officeDocument/2006/relationships" xmlns:p="http://schemas.openxmlformats.org/presentationml/2006/main">
-  <p:cSld>
-    <p:spTree>
-      <p:nvGrpSpPr>
-        <p:cNvPr id="1" name=""/>
-        <p:cNvGrpSpPr/>
-        <p:nvPr/>
-      </p:nvGrpSpPr>
-      <p:grpSpPr>
-        <a:xfrm>
-          <a:off x="0" y="0"/>
-          <a:ext cx="0" cy="0"/>
-          <a:chOff x="0" y="0"/>
-          <a:chExt cx="0" cy="0"/>
-        </a:xfrm>
-      </p:grpSpPr>
-      <p:sp>
-        <p:nvSpPr>
-          <p:cNvPr id="23" name="Title 22"/>
-          <p:cNvSpPr>
-            <a:spLocks noGrp="1"/>
-          </p:cNvSpPr>
-          <p:nvPr>
-            <p:ph type="title"/>
-          </p:nvPr>
-        </p:nvSpPr>
-        <p:spPr/>
-        <p:txBody>
-          <a:bodyPr/>
-          <a:lstStyle/>
-          <a:p>
-            <a:pPr defTabSz="1633210"/>
-            <a:r>
-              <a:rPr lang="en-US" sz="5000" b="1" dirty="0">
-                <a:solidFill>
-                  <a:schemeClr val="accent5">
-                    <a:lumMod val="75000"/>
-                  </a:schemeClr>
-                </a:solidFill>
-              </a:rPr>
-              <a:t>Another</a:t>
-            </a:r>
-            <a:r>
-              <a:rPr lang="en-US" sz="5000" b="1" dirty="0">
-                <a:solidFill>
-                  <a:schemeClr val="accent5">
-                    <a:lumMod val="75000"/>
-                  </a:schemeClr>
-                </a:solidFill>
-                <a:ea typeface="+mn-ea"/>
-                <a:cs typeface="+mn-cs"/>
-              </a:rPr>
-              <a:t> Solution OMG !!</a:t>
-            </a:r>
-          </a:p>
-        </p:txBody>
-      </p:sp>
-      <p:pic>
-        <p:nvPicPr>
-          <p:cNvPr id="25" name="Picture 24"/>
-          <p:cNvPicPr>
-            <a:picLocks noChangeAspect="1"/>
-          </p:cNvPicPr>
-          <p:nvPr/>
-        </p:nvPicPr>
-        <p:blipFill>
-          <a:blip r:embed="rId2">
-            <a:extLst>
-              <a:ext uri="{28A0092B-C50C-407E-A947-70E740481C1C}">
-                <a14:useLocalDpi xmlns:a14="http://schemas.microsoft.com/office/drawing/2010/main" val="0"/>
-              </a:ext>
-            </a:extLst>
-          </a:blip>
-          <a:stretch>
-            <a:fillRect/>
-          </a:stretch>
-        </p:blipFill>
-        <p:spPr>
-          <a:xfrm rot="5400000">
-            <a:off x="8454536" y="-2460908"/>
-            <a:ext cx="1168254" cy="9003175"/>
-          </a:xfrm>
-          <a:prstGeom prst="rect">
-            <a:avLst/>
-          </a:prstGeom>
-        </p:spPr>
-      </p:pic>
-      <p:pic>
-        <p:nvPicPr>
-          <p:cNvPr id="9" name="Picture 8"/>
-          <p:cNvPicPr>
-            <a:picLocks noChangeAspect="1"/>
-          </p:cNvPicPr>
-          <p:nvPr/>
-        </p:nvPicPr>
-        <p:blipFill>
-          <a:blip r:embed="rId3">
-            <a:extLst>
-              <a:ext uri="{28A0092B-C50C-407E-A947-70E740481C1C}">
-                <a14:useLocalDpi xmlns:a14="http://schemas.microsoft.com/office/drawing/2010/main" val="0"/>
-              </a:ext>
-            </a:extLst>
-          </a:blip>
-          <a:stretch>
-            <a:fillRect/>
-          </a:stretch>
-        </p:blipFill>
-        <p:spPr>
-          <a:xfrm>
-            <a:off x="8713539" y="3668609"/>
-            <a:ext cx="4467041" cy="2963812"/>
-          </a:xfrm>
-          <a:prstGeom prst="rect">
-            <a:avLst/>
-          </a:prstGeom>
-        </p:spPr>
-      </p:pic>
-      <p:cxnSp>
-        <p:nvCxnSpPr>
-          <p:cNvPr id="12" name="Straight Arrow Connector 11"/>
-          <p:cNvCxnSpPr/>
-          <p:nvPr/>
-        </p:nvCxnSpPr>
-        <p:spPr>
-          <a:xfrm flipH="1">
-            <a:off x="13280297" y="5171965"/>
-            <a:ext cx="1080654" cy="0"/>
-          </a:xfrm>
-          <a:prstGeom prst="straightConnector1">
-            <a:avLst/>
-          </a:prstGeom>
-          <a:ln>
-            <a:tailEnd type="triangle"/>
-          </a:ln>
-        </p:spPr>
-        <p:style>
-          <a:lnRef idx="1">
-            <a:schemeClr val="accent1"/>
-          </a:lnRef>
-          <a:fillRef idx="0">
-            <a:schemeClr val="accent1"/>
-          </a:fillRef>
-          <a:effectRef idx="0">
-            <a:schemeClr val="accent1"/>
-          </a:effectRef>
-          <a:fontRef idx="minor">
-            <a:schemeClr val="tx1"/>
-          </a:fontRef>
-        </p:style>
-      </p:cxnSp>
-      <p:sp>
-        <p:nvSpPr>
-          <p:cNvPr id="13" name="Shape 292"/>
-          <p:cNvSpPr/>
-          <p:nvPr/>
-        </p:nvSpPr>
-        <p:spPr>
-          <a:xfrm>
-            <a:off x="14489839" y="2379600"/>
-            <a:ext cx="683221" cy="662882"/>
-          </a:xfrm>
-          <a:custGeom>
-            <a:avLst/>
-            <a:gdLst/>
-            <a:ahLst/>
-            <a:cxnLst/>
-            <a:rect l="0" t="0" r="0" b="0"/>
-            <a:pathLst>
-              <a:path w="143434" h="111665" extrusionOk="0">
-                <a:moveTo>
-                  <a:pt x="71751" y="2308"/>
-                </a:moveTo>
-                <a:lnTo>
-                  <a:pt x="71887" y="2376"/>
-                </a:lnTo>
-                <a:lnTo>
-                  <a:pt x="72091" y="2444"/>
-                </a:lnTo>
-                <a:lnTo>
-                  <a:pt x="72159" y="2647"/>
-                </a:lnTo>
-                <a:lnTo>
-                  <a:pt x="72226" y="2783"/>
-                </a:lnTo>
-                <a:lnTo>
-                  <a:pt x="72159" y="2987"/>
-                </a:lnTo>
-                <a:lnTo>
-                  <a:pt x="72091" y="3190"/>
-                </a:lnTo>
-                <a:lnTo>
-                  <a:pt x="71887" y="3258"/>
-                </a:lnTo>
-                <a:lnTo>
-                  <a:pt x="71751" y="3326"/>
-                </a:lnTo>
-                <a:lnTo>
-                  <a:pt x="71548" y="3258"/>
-                </a:lnTo>
-                <a:lnTo>
-                  <a:pt x="71344" y="3190"/>
-                </a:lnTo>
-                <a:lnTo>
-                  <a:pt x="71276" y="2987"/>
-                </a:lnTo>
-                <a:lnTo>
-                  <a:pt x="71208" y="2783"/>
-                </a:lnTo>
-                <a:lnTo>
-                  <a:pt x="71276" y="2647"/>
-                </a:lnTo>
-                <a:lnTo>
-                  <a:pt x="71344" y="2444"/>
-                </a:lnTo>
-                <a:lnTo>
-                  <a:pt x="71548" y="2376"/>
-                </a:lnTo>
-                <a:lnTo>
-                  <a:pt x="71751" y="2308"/>
-                </a:lnTo>
-                <a:close/>
-                <a:moveTo>
-                  <a:pt x="137528" y="5906"/>
-                </a:moveTo>
-                <a:lnTo>
-                  <a:pt x="137596" y="5974"/>
-                </a:lnTo>
-                <a:lnTo>
-                  <a:pt x="137596" y="89604"/>
-                </a:lnTo>
-                <a:lnTo>
-                  <a:pt x="5906" y="89604"/>
-                </a:lnTo>
-                <a:lnTo>
-                  <a:pt x="5906" y="5974"/>
-                </a:lnTo>
-                <a:lnTo>
-                  <a:pt x="5906" y="5906"/>
-                </a:lnTo>
-                <a:close/>
-                <a:moveTo>
-                  <a:pt x="3530" y="0"/>
-                </a:moveTo>
-                <a:lnTo>
-                  <a:pt x="3191" y="68"/>
-                </a:lnTo>
-                <a:lnTo>
-                  <a:pt x="2444" y="339"/>
-                </a:lnTo>
-                <a:lnTo>
-                  <a:pt x="1766" y="679"/>
-                </a:lnTo>
-                <a:lnTo>
-                  <a:pt x="1155" y="1154"/>
-                </a:lnTo>
-                <a:lnTo>
-                  <a:pt x="679" y="1765"/>
-                </a:lnTo>
-                <a:lnTo>
-                  <a:pt x="272" y="2444"/>
-                </a:lnTo>
-                <a:lnTo>
-                  <a:pt x="69" y="3190"/>
-                </a:lnTo>
-                <a:lnTo>
-                  <a:pt x="1" y="3598"/>
-                </a:lnTo>
-                <a:lnTo>
-                  <a:pt x="1" y="4005"/>
-                </a:lnTo>
-                <a:lnTo>
-                  <a:pt x="1" y="91572"/>
-                </a:lnTo>
-                <a:lnTo>
-                  <a:pt x="1" y="91979"/>
-                </a:lnTo>
-                <a:lnTo>
-                  <a:pt x="69" y="92319"/>
-                </a:lnTo>
-                <a:lnTo>
-                  <a:pt x="272" y="93065"/>
-                </a:lnTo>
-                <a:lnTo>
-                  <a:pt x="679" y="93744"/>
-                </a:lnTo>
-                <a:lnTo>
-                  <a:pt x="1155" y="94355"/>
-                </a:lnTo>
-                <a:lnTo>
-                  <a:pt x="1766" y="94830"/>
-                </a:lnTo>
-                <a:lnTo>
-                  <a:pt x="2444" y="95238"/>
-                </a:lnTo>
-                <a:lnTo>
-                  <a:pt x="3191" y="95441"/>
-                </a:lnTo>
-                <a:lnTo>
-                  <a:pt x="3530" y="95509"/>
-                </a:lnTo>
-                <a:lnTo>
-                  <a:pt x="139904" y="95509"/>
-                </a:lnTo>
-                <a:lnTo>
-                  <a:pt x="140311" y="95441"/>
-                </a:lnTo>
-                <a:lnTo>
-                  <a:pt x="141058" y="95238"/>
-                </a:lnTo>
-                <a:lnTo>
-                  <a:pt x="141737" y="94830"/>
-                </a:lnTo>
-                <a:lnTo>
-                  <a:pt x="142280" y="94355"/>
-                </a:lnTo>
-                <a:lnTo>
-                  <a:pt x="142755" y="93744"/>
-                </a:lnTo>
-                <a:lnTo>
-                  <a:pt x="143162" y="93065"/>
-                </a:lnTo>
-                <a:lnTo>
-                  <a:pt x="143366" y="92319"/>
-                </a:lnTo>
-                <a:lnTo>
-                  <a:pt x="143434" y="91979"/>
-                </a:lnTo>
-                <a:lnTo>
-                  <a:pt x="143434" y="91572"/>
-                </a:lnTo>
-                <a:lnTo>
-                  <a:pt x="143434" y="4005"/>
-                </a:lnTo>
-                <a:lnTo>
-                  <a:pt x="143434" y="3598"/>
-                </a:lnTo>
-                <a:lnTo>
-                  <a:pt x="143366" y="3190"/>
-                </a:lnTo>
-                <a:lnTo>
-                  <a:pt x="143162" y="2444"/>
-                </a:lnTo>
-                <a:lnTo>
-                  <a:pt x="142755" y="1765"/>
-                </a:lnTo>
-                <a:lnTo>
-                  <a:pt x="142280" y="1154"/>
-                </a:lnTo>
-                <a:lnTo>
-                  <a:pt x="141737" y="679"/>
-                </a:lnTo>
-                <a:lnTo>
-                  <a:pt x="141058" y="339"/>
-                </a:lnTo>
-                <a:lnTo>
-                  <a:pt x="140311" y="68"/>
-                </a:lnTo>
-                <a:lnTo>
-                  <a:pt x="139904" y="0"/>
-                </a:lnTo>
-                <a:close/>
-                <a:moveTo>
-                  <a:pt x="55324" y="95713"/>
-                </a:moveTo>
-                <a:lnTo>
-                  <a:pt x="55052" y="98971"/>
-                </a:lnTo>
-                <a:lnTo>
-                  <a:pt x="54713" y="102297"/>
-                </a:lnTo>
-                <a:lnTo>
-                  <a:pt x="54374" y="105284"/>
-                </a:lnTo>
-                <a:lnTo>
-                  <a:pt x="53966" y="107388"/>
-                </a:lnTo>
-                <a:lnTo>
-                  <a:pt x="53763" y="108203"/>
-                </a:lnTo>
-                <a:lnTo>
-                  <a:pt x="53627" y="108746"/>
-                </a:lnTo>
-                <a:lnTo>
-                  <a:pt x="53423" y="109153"/>
-                </a:lnTo>
-                <a:lnTo>
-                  <a:pt x="53220" y="109357"/>
-                </a:lnTo>
-                <a:lnTo>
-                  <a:pt x="52677" y="109493"/>
-                </a:lnTo>
-                <a:lnTo>
-                  <a:pt x="51794" y="109696"/>
-                </a:lnTo>
-                <a:lnTo>
-                  <a:pt x="49690" y="110036"/>
-                </a:lnTo>
-                <a:lnTo>
-                  <a:pt x="48061" y="110307"/>
-                </a:lnTo>
-                <a:lnTo>
-                  <a:pt x="47450" y="110443"/>
-                </a:lnTo>
-                <a:lnTo>
-                  <a:pt x="47110" y="110511"/>
-                </a:lnTo>
-                <a:lnTo>
-                  <a:pt x="47042" y="110579"/>
-                </a:lnTo>
-                <a:lnTo>
-                  <a:pt x="47042" y="110783"/>
-                </a:lnTo>
-                <a:lnTo>
-                  <a:pt x="47110" y="110850"/>
-                </a:lnTo>
-                <a:lnTo>
-                  <a:pt x="47585" y="110918"/>
-                </a:lnTo>
-                <a:lnTo>
-                  <a:pt x="48400" y="110986"/>
-                </a:lnTo>
-                <a:lnTo>
-                  <a:pt x="51387" y="111054"/>
-                </a:lnTo>
-                <a:lnTo>
-                  <a:pt x="56071" y="111122"/>
-                </a:lnTo>
-                <a:lnTo>
-                  <a:pt x="87092" y="111122"/>
-                </a:lnTo>
-                <a:lnTo>
-                  <a:pt x="91708" y="111054"/>
-                </a:lnTo>
-                <a:lnTo>
-                  <a:pt x="94695" y="110986"/>
-                </a:lnTo>
-                <a:lnTo>
-                  <a:pt x="95578" y="110918"/>
-                </a:lnTo>
-                <a:lnTo>
-                  <a:pt x="96053" y="110850"/>
-                </a:lnTo>
-                <a:lnTo>
-                  <a:pt x="96121" y="110783"/>
-                </a:lnTo>
-                <a:lnTo>
-                  <a:pt x="96121" y="110579"/>
-                </a:lnTo>
-                <a:lnTo>
-                  <a:pt x="96053" y="110511"/>
-                </a:lnTo>
-                <a:lnTo>
-                  <a:pt x="95713" y="110443"/>
-                </a:lnTo>
-                <a:lnTo>
-                  <a:pt x="95102" y="110307"/>
-                </a:lnTo>
-                <a:lnTo>
-                  <a:pt x="93473" y="110036"/>
-                </a:lnTo>
-                <a:lnTo>
-                  <a:pt x="91369" y="109696"/>
-                </a:lnTo>
-                <a:lnTo>
-                  <a:pt x="90487" y="109493"/>
-                </a:lnTo>
-                <a:lnTo>
-                  <a:pt x="89943" y="109357"/>
-                </a:lnTo>
-                <a:lnTo>
-                  <a:pt x="89740" y="109153"/>
-                </a:lnTo>
-                <a:lnTo>
-                  <a:pt x="89536" y="108746"/>
-                </a:lnTo>
-                <a:lnTo>
-                  <a:pt x="89333" y="108203"/>
-                </a:lnTo>
-                <a:lnTo>
-                  <a:pt x="89197" y="107388"/>
-                </a:lnTo>
-                <a:lnTo>
-                  <a:pt x="88789" y="105284"/>
-                </a:lnTo>
-                <a:lnTo>
-                  <a:pt x="88382" y="102297"/>
-                </a:lnTo>
-                <a:lnTo>
-                  <a:pt x="88043" y="98971"/>
-                </a:lnTo>
-                <a:lnTo>
-                  <a:pt x="87839" y="95713"/>
-                </a:lnTo>
-                <a:close/>
-                <a:moveTo>
-                  <a:pt x="47450" y="111054"/>
-                </a:moveTo>
-                <a:lnTo>
-                  <a:pt x="47450" y="111122"/>
-                </a:lnTo>
-                <a:lnTo>
-                  <a:pt x="47450" y="111393"/>
-                </a:lnTo>
-                <a:lnTo>
-                  <a:pt x="47518" y="111461"/>
-                </a:lnTo>
-                <a:lnTo>
-                  <a:pt x="48807" y="111529"/>
-                </a:lnTo>
-                <a:lnTo>
-                  <a:pt x="52473" y="111597"/>
-                </a:lnTo>
-                <a:lnTo>
-                  <a:pt x="62384" y="111665"/>
-                </a:lnTo>
-                <a:lnTo>
-                  <a:pt x="80779" y="111665"/>
-                </a:lnTo>
-                <a:lnTo>
-                  <a:pt x="90622" y="111597"/>
-                </a:lnTo>
-                <a:lnTo>
-                  <a:pt x="94356" y="111529"/>
-                </a:lnTo>
-                <a:lnTo>
-                  <a:pt x="95646" y="111461"/>
-                </a:lnTo>
-                <a:lnTo>
-                  <a:pt x="95713" y="111393"/>
-                </a:lnTo>
-                <a:lnTo>
-                  <a:pt x="95713" y="111122"/>
-                </a:lnTo>
-                <a:lnTo>
-                  <a:pt x="95646" y="111054"/>
-                </a:lnTo>
-                <a:lnTo>
-                  <a:pt x="94084" y="111122"/>
-                </a:lnTo>
-                <a:lnTo>
-                  <a:pt x="91233" y="111190"/>
-                </a:lnTo>
-                <a:lnTo>
-                  <a:pt x="80847" y="111258"/>
-                </a:lnTo>
-                <a:lnTo>
-                  <a:pt x="62316" y="111258"/>
-                </a:lnTo>
-                <a:lnTo>
-                  <a:pt x="51930" y="111190"/>
-                </a:lnTo>
-                <a:lnTo>
-                  <a:pt x="49079" y="111122"/>
-                </a:lnTo>
-                <a:lnTo>
-                  <a:pt x="47518" y="111054"/>
-                </a:lnTo>
-                <a:close/>
-              </a:path>
-            </a:pathLst>
-          </a:custGeom>
-          <a:solidFill>
-            <a:srgbClr val="FFFFFF"/>
-          </a:solidFill>
-          <a:ln w="19050" cap="flat" cmpd="sng">
-            <a:solidFill>
-              <a:srgbClr val="000000"/>
-            </a:solidFill>
-            <a:prstDash val="solid"/>
-            <a:round/>
-            <a:headEnd type="none" w="med" len="med"/>
-            <a:tailEnd type="none" w="med" len="med"/>
-          </a:ln>
-        </p:spPr>
-        <p:txBody>
-          <a:bodyPr lIns="91425" tIns="91425" rIns="91425" bIns="91425" anchor="ctr" anchorCtr="0">
-            <a:noAutofit/>
-          </a:bodyPr>
-          <a:lstStyle/>
-          <a:p>
-            <a:pPr lvl="0">
-              <a:spcBef>
-                <a:spcPts val="0"/>
-              </a:spcBef>
-              <a:buNone/>
-            </a:pPr>
-            <a:endParaRPr/>
-          </a:p>
-        </p:txBody>
-      </p:sp>
-      <p:sp>
-        <p:nvSpPr>
-          <p:cNvPr id="14" name="Shape 292"/>
-          <p:cNvSpPr/>
-          <p:nvPr/>
-        </p:nvSpPr>
-        <p:spPr>
-          <a:xfrm>
-            <a:off x="14489839" y="7608570"/>
-            <a:ext cx="683221" cy="662882"/>
-          </a:xfrm>
-          <a:custGeom>
-            <a:avLst/>
-            <a:gdLst/>
-            <a:ahLst/>
-            <a:cxnLst/>
-            <a:rect l="0" t="0" r="0" b="0"/>
-            <a:pathLst>
-              <a:path w="143434" h="111665" extrusionOk="0">
-                <a:moveTo>
-                  <a:pt x="71751" y="2308"/>
-                </a:moveTo>
-                <a:lnTo>
-                  <a:pt x="71887" y="2376"/>
-                </a:lnTo>
-                <a:lnTo>
-                  <a:pt x="72091" y="2444"/>
-                </a:lnTo>
-                <a:lnTo>
-                  <a:pt x="72159" y="2647"/>
-                </a:lnTo>
-                <a:lnTo>
-                  <a:pt x="72226" y="2783"/>
-                </a:lnTo>
-                <a:lnTo>
-                  <a:pt x="72159" y="2987"/>
-                </a:lnTo>
-                <a:lnTo>
-                  <a:pt x="72091" y="3190"/>
-                </a:lnTo>
-                <a:lnTo>
-                  <a:pt x="71887" y="3258"/>
-                </a:lnTo>
-                <a:lnTo>
-                  <a:pt x="71751" y="3326"/>
-                </a:lnTo>
-                <a:lnTo>
-                  <a:pt x="71548" y="3258"/>
-                </a:lnTo>
-                <a:lnTo>
-                  <a:pt x="71344" y="3190"/>
-                </a:lnTo>
-                <a:lnTo>
-                  <a:pt x="71276" y="2987"/>
-                </a:lnTo>
-                <a:lnTo>
-                  <a:pt x="71208" y="2783"/>
-                </a:lnTo>
-                <a:lnTo>
-                  <a:pt x="71276" y="2647"/>
-                </a:lnTo>
-                <a:lnTo>
-                  <a:pt x="71344" y="2444"/>
-                </a:lnTo>
-                <a:lnTo>
-                  <a:pt x="71548" y="2376"/>
-                </a:lnTo>
-                <a:lnTo>
-                  <a:pt x="71751" y="2308"/>
-                </a:lnTo>
-                <a:close/>
-                <a:moveTo>
-                  <a:pt x="137528" y="5906"/>
-                </a:moveTo>
-                <a:lnTo>
-                  <a:pt x="137596" y="5974"/>
-                </a:lnTo>
-                <a:lnTo>
-                  <a:pt x="137596" y="89604"/>
-                </a:lnTo>
-                <a:lnTo>
-                  <a:pt x="5906" y="89604"/>
-                </a:lnTo>
-                <a:lnTo>
-                  <a:pt x="5906" y="5974"/>
-                </a:lnTo>
-                <a:lnTo>
-                  <a:pt x="5906" y="5906"/>
-                </a:lnTo>
-                <a:close/>
-                <a:moveTo>
-                  <a:pt x="3530" y="0"/>
-                </a:moveTo>
-                <a:lnTo>
-                  <a:pt x="3191" y="68"/>
-                </a:lnTo>
-                <a:lnTo>
-                  <a:pt x="2444" y="339"/>
-                </a:lnTo>
-                <a:lnTo>
-                  <a:pt x="1766" y="679"/>
-                </a:lnTo>
-                <a:lnTo>
-                  <a:pt x="1155" y="1154"/>
-                </a:lnTo>
-                <a:lnTo>
-                  <a:pt x="679" y="1765"/>
-                </a:lnTo>
-                <a:lnTo>
-                  <a:pt x="272" y="2444"/>
-                </a:lnTo>
-                <a:lnTo>
-                  <a:pt x="69" y="3190"/>
-                </a:lnTo>
-                <a:lnTo>
-                  <a:pt x="1" y="3598"/>
-                </a:lnTo>
-                <a:lnTo>
-                  <a:pt x="1" y="4005"/>
-                </a:lnTo>
-                <a:lnTo>
-                  <a:pt x="1" y="91572"/>
-                </a:lnTo>
-                <a:lnTo>
-                  <a:pt x="1" y="91979"/>
-                </a:lnTo>
-                <a:lnTo>
-                  <a:pt x="69" y="92319"/>
-                </a:lnTo>
-                <a:lnTo>
-                  <a:pt x="272" y="93065"/>
-                </a:lnTo>
-                <a:lnTo>
-                  <a:pt x="679" y="93744"/>
-                </a:lnTo>
-                <a:lnTo>
-                  <a:pt x="1155" y="94355"/>
-                </a:lnTo>
-                <a:lnTo>
-                  <a:pt x="1766" y="94830"/>
-                </a:lnTo>
-                <a:lnTo>
-                  <a:pt x="2444" y="95238"/>
-                </a:lnTo>
-                <a:lnTo>
-                  <a:pt x="3191" y="95441"/>
-                </a:lnTo>
-                <a:lnTo>
-                  <a:pt x="3530" y="95509"/>
-                </a:lnTo>
-                <a:lnTo>
-                  <a:pt x="139904" y="95509"/>
-                </a:lnTo>
-                <a:lnTo>
-                  <a:pt x="140311" y="95441"/>
-                </a:lnTo>
-                <a:lnTo>
-                  <a:pt x="141058" y="95238"/>
-                </a:lnTo>
-                <a:lnTo>
-                  <a:pt x="141737" y="94830"/>
-                </a:lnTo>
-                <a:lnTo>
-                  <a:pt x="142280" y="94355"/>
-                </a:lnTo>
-                <a:lnTo>
-                  <a:pt x="142755" y="93744"/>
-                </a:lnTo>
-                <a:lnTo>
-                  <a:pt x="143162" y="93065"/>
-                </a:lnTo>
-                <a:lnTo>
-                  <a:pt x="143366" y="92319"/>
-                </a:lnTo>
-                <a:lnTo>
-                  <a:pt x="143434" y="91979"/>
-                </a:lnTo>
-                <a:lnTo>
-                  <a:pt x="143434" y="91572"/>
-                </a:lnTo>
-                <a:lnTo>
-                  <a:pt x="143434" y="4005"/>
-                </a:lnTo>
-                <a:lnTo>
-                  <a:pt x="143434" y="3598"/>
-                </a:lnTo>
-                <a:lnTo>
-                  <a:pt x="143366" y="3190"/>
-                </a:lnTo>
-                <a:lnTo>
-                  <a:pt x="143162" y="2444"/>
-                </a:lnTo>
-                <a:lnTo>
-                  <a:pt x="142755" y="1765"/>
-                </a:lnTo>
-                <a:lnTo>
-                  <a:pt x="142280" y="1154"/>
-                </a:lnTo>
-                <a:lnTo>
-                  <a:pt x="141737" y="679"/>
-                </a:lnTo>
-                <a:lnTo>
-                  <a:pt x="141058" y="339"/>
-                </a:lnTo>
-                <a:lnTo>
-                  <a:pt x="140311" y="68"/>
-                </a:lnTo>
-                <a:lnTo>
-                  <a:pt x="139904" y="0"/>
-                </a:lnTo>
-                <a:close/>
-                <a:moveTo>
-                  <a:pt x="55324" y="95713"/>
-                </a:moveTo>
-                <a:lnTo>
-                  <a:pt x="55052" y="98971"/>
-                </a:lnTo>
-                <a:lnTo>
-                  <a:pt x="54713" y="102297"/>
-                </a:lnTo>
-                <a:lnTo>
-                  <a:pt x="54374" y="105284"/>
-                </a:lnTo>
-                <a:lnTo>
-                  <a:pt x="53966" y="107388"/>
-                </a:lnTo>
-                <a:lnTo>
-                  <a:pt x="53763" y="108203"/>
-                </a:lnTo>
-                <a:lnTo>
-                  <a:pt x="53627" y="108746"/>
-                </a:lnTo>
-                <a:lnTo>
-                  <a:pt x="53423" y="109153"/>
-                </a:lnTo>
-                <a:lnTo>
-                  <a:pt x="53220" y="109357"/>
-                </a:lnTo>
-                <a:lnTo>
-                  <a:pt x="52677" y="109493"/>
-                </a:lnTo>
-                <a:lnTo>
-                  <a:pt x="51794" y="109696"/>
-                </a:lnTo>
-                <a:lnTo>
-                  <a:pt x="49690" y="110036"/>
-                </a:lnTo>
-                <a:lnTo>
-                  <a:pt x="48061" y="110307"/>
-                </a:lnTo>
-                <a:lnTo>
-                  <a:pt x="47450" y="110443"/>
-                </a:lnTo>
-                <a:lnTo>
-                  <a:pt x="47110" y="110511"/>
-                </a:lnTo>
-                <a:lnTo>
-                  <a:pt x="47042" y="110579"/>
-                </a:lnTo>
-                <a:lnTo>
-                  <a:pt x="47042" y="110783"/>
-                </a:lnTo>
-                <a:lnTo>
-                  <a:pt x="47110" y="110850"/>
-                </a:lnTo>
-                <a:lnTo>
-                  <a:pt x="47585" y="110918"/>
-                </a:lnTo>
-                <a:lnTo>
-                  <a:pt x="48400" y="110986"/>
-                </a:lnTo>
-                <a:lnTo>
-                  <a:pt x="51387" y="111054"/>
-                </a:lnTo>
-                <a:lnTo>
-                  <a:pt x="56071" y="111122"/>
-                </a:lnTo>
-                <a:lnTo>
-                  <a:pt x="87092" y="111122"/>
-                </a:lnTo>
-                <a:lnTo>
-                  <a:pt x="91708" y="111054"/>
-                </a:lnTo>
-                <a:lnTo>
-                  <a:pt x="94695" y="110986"/>
-                </a:lnTo>
-                <a:lnTo>
-                  <a:pt x="95578" y="110918"/>
-                </a:lnTo>
-                <a:lnTo>
-                  <a:pt x="96053" y="110850"/>
-                </a:lnTo>
-                <a:lnTo>
-                  <a:pt x="96121" y="110783"/>
-                </a:lnTo>
-                <a:lnTo>
-                  <a:pt x="96121" y="110579"/>
-                </a:lnTo>
-                <a:lnTo>
-                  <a:pt x="96053" y="110511"/>
-                </a:lnTo>
-                <a:lnTo>
-                  <a:pt x="95713" y="110443"/>
-                </a:lnTo>
-                <a:lnTo>
-                  <a:pt x="95102" y="110307"/>
-                </a:lnTo>
-                <a:lnTo>
-                  <a:pt x="93473" y="110036"/>
-                </a:lnTo>
-                <a:lnTo>
-                  <a:pt x="91369" y="109696"/>
-                </a:lnTo>
-                <a:lnTo>
-                  <a:pt x="90487" y="109493"/>
-                </a:lnTo>
-                <a:lnTo>
-                  <a:pt x="89943" y="109357"/>
-                </a:lnTo>
-                <a:lnTo>
-                  <a:pt x="89740" y="109153"/>
-                </a:lnTo>
-                <a:lnTo>
-                  <a:pt x="89536" y="108746"/>
-                </a:lnTo>
-                <a:lnTo>
-                  <a:pt x="89333" y="108203"/>
-                </a:lnTo>
-                <a:lnTo>
-                  <a:pt x="89197" y="107388"/>
-                </a:lnTo>
-                <a:lnTo>
-                  <a:pt x="88789" y="105284"/>
-                </a:lnTo>
-                <a:lnTo>
-                  <a:pt x="88382" y="102297"/>
-                </a:lnTo>
-                <a:lnTo>
-                  <a:pt x="88043" y="98971"/>
-                </a:lnTo>
-                <a:lnTo>
-                  <a:pt x="87839" y="95713"/>
-                </a:lnTo>
-                <a:close/>
-                <a:moveTo>
-                  <a:pt x="47450" y="111054"/>
-                </a:moveTo>
-                <a:lnTo>
-                  <a:pt x="47450" y="111122"/>
-                </a:lnTo>
-                <a:lnTo>
-                  <a:pt x="47450" y="111393"/>
-                </a:lnTo>
-                <a:lnTo>
-                  <a:pt x="47518" y="111461"/>
-                </a:lnTo>
-                <a:lnTo>
-                  <a:pt x="48807" y="111529"/>
-                </a:lnTo>
-                <a:lnTo>
-                  <a:pt x="52473" y="111597"/>
-                </a:lnTo>
-                <a:lnTo>
-                  <a:pt x="62384" y="111665"/>
-                </a:lnTo>
-                <a:lnTo>
-                  <a:pt x="80779" y="111665"/>
-                </a:lnTo>
-                <a:lnTo>
-                  <a:pt x="90622" y="111597"/>
-                </a:lnTo>
-                <a:lnTo>
-                  <a:pt x="94356" y="111529"/>
-                </a:lnTo>
-                <a:lnTo>
-                  <a:pt x="95646" y="111461"/>
-                </a:lnTo>
-                <a:lnTo>
-                  <a:pt x="95713" y="111393"/>
-                </a:lnTo>
-                <a:lnTo>
-                  <a:pt x="95713" y="111122"/>
-                </a:lnTo>
-                <a:lnTo>
-                  <a:pt x="95646" y="111054"/>
-                </a:lnTo>
-                <a:lnTo>
-                  <a:pt x="94084" y="111122"/>
-                </a:lnTo>
-                <a:lnTo>
-                  <a:pt x="91233" y="111190"/>
-                </a:lnTo>
-                <a:lnTo>
-                  <a:pt x="80847" y="111258"/>
-                </a:lnTo>
-                <a:lnTo>
-                  <a:pt x="62316" y="111258"/>
-                </a:lnTo>
-                <a:lnTo>
-                  <a:pt x="51930" y="111190"/>
-                </a:lnTo>
-                <a:lnTo>
-                  <a:pt x="49079" y="111122"/>
-                </a:lnTo>
-                <a:lnTo>
-                  <a:pt x="47518" y="111054"/>
-                </a:lnTo>
-                <a:close/>
-              </a:path>
-            </a:pathLst>
-          </a:custGeom>
-          <a:solidFill>
-            <a:srgbClr val="FFFFFF"/>
-          </a:solidFill>
-          <a:ln w="19050" cap="flat" cmpd="sng">
-            <a:solidFill>
-              <a:srgbClr val="000000"/>
-            </a:solidFill>
-            <a:prstDash val="solid"/>
-            <a:round/>
-            <a:headEnd type="none" w="med" len="med"/>
-            <a:tailEnd type="none" w="med" len="med"/>
-          </a:ln>
-        </p:spPr>
-        <p:txBody>
-          <a:bodyPr lIns="91425" tIns="91425" rIns="91425" bIns="91425" anchor="ctr" anchorCtr="0">
-            <a:noAutofit/>
-          </a:bodyPr>
-          <a:lstStyle/>
-          <a:p>
-            <a:pPr lvl="0">
-              <a:spcBef>
-                <a:spcPts val="0"/>
-              </a:spcBef>
-              <a:buNone/>
-            </a:pPr>
-            <a:endParaRPr/>
-          </a:p>
-        </p:txBody>
-      </p:sp>
-      <p:sp>
-        <p:nvSpPr>
-          <p:cNvPr id="15" name="Shape 292"/>
-          <p:cNvSpPr/>
-          <p:nvPr/>
-        </p:nvSpPr>
-        <p:spPr>
-          <a:xfrm>
-            <a:off x="14489841" y="8526378"/>
-            <a:ext cx="683221" cy="662882"/>
-          </a:xfrm>
-          <a:custGeom>
-            <a:avLst/>
-            <a:gdLst/>
-            <a:ahLst/>
-            <a:cxnLst/>
-            <a:rect l="0" t="0" r="0" b="0"/>
-            <a:pathLst>
-              <a:path w="143434" h="111665" extrusionOk="0">
-                <a:moveTo>
-                  <a:pt x="71751" y="2308"/>
-                </a:moveTo>
-                <a:lnTo>
-                  <a:pt x="71887" y="2376"/>
-                </a:lnTo>
-                <a:lnTo>
-                  <a:pt x="72091" y="2444"/>
-                </a:lnTo>
-                <a:lnTo>
-                  <a:pt x="72159" y="2647"/>
-                </a:lnTo>
-                <a:lnTo>
-                  <a:pt x="72226" y="2783"/>
-                </a:lnTo>
-                <a:lnTo>
-                  <a:pt x="72159" y="2987"/>
-                </a:lnTo>
-                <a:lnTo>
-                  <a:pt x="72091" y="3190"/>
-                </a:lnTo>
-                <a:lnTo>
-                  <a:pt x="71887" y="3258"/>
-                </a:lnTo>
-                <a:lnTo>
-                  <a:pt x="71751" y="3326"/>
-                </a:lnTo>
-                <a:lnTo>
-                  <a:pt x="71548" y="3258"/>
-                </a:lnTo>
-                <a:lnTo>
-                  <a:pt x="71344" y="3190"/>
-                </a:lnTo>
-                <a:lnTo>
-                  <a:pt x="71276" y="2987"/>
-                </a:lnTo>
-                <a:lnTo>
-                  <a:pt x="71208" y="2783"/>
-                </a:lnTo>
-                <a:lnTo>
-                  <a:pt x="71276" y="2647"/>
-                </a:lnTo>
-                <a:lnTo>
-                  <a:pt x="71344" y="2444"/>
-                </a:lnTo>
-                <a:lnTo>
-                  <a:pt x="71548" y="2376"/>
-                </a:lnTo>
-                <a:lnTo>
-                  <a:pt x="71751" y="2308"/>
-                </a:lnTo>
-                <a:close/>
-                <a:moveTo>
-                  <a:pt x="137528" y="5906"/>
-                </a:moveTo>
-                <a:lnTo>
-                  <a:pt x="137596" y="5974"/>
-                </a:lnTo>
-                <a:lnTo>
-                  <a:pt x="137596" y="89604"/>
-                </a:lnTo>
-                <a:lnTo>
-                  <a:pt x="5906" y="89604"/>
-                </a:lnTo>
-                <a:lnTo>
-                  <a:pt x="5906" y="5974"/>
-                </a:lnTo>
-                <a:lnTo>
-                  <a:pt x="5906" y="5906"/>
-                </a:lnTo>
-                <a:close/>
-                <a:moveTo>
-                  <a:pt x="3530" y="0"/>
-                </a:moveTo>
-                <a:lnTo>
-                  <a:pt x="3191" y="68"/>
-                </a:lnTo>
-                <a:lnTo>
-                  <a:pt x="2444" y="339"/>
-                </a:lnTo>
-                <a:lnTo>
-                  <a:pt x="1766" y="679"/>
-                </a:lnTo>
-                <a:lnTo>
-                  <a:pt x="1155" y="1154"/>
-                </a:lnTo>
-                <a:lnTo>
-                  <a:pt x="679" y="1765"/>
-                </a:lnTo>
-                <a:lnTo>
-                  <a:pt x="272" y="2444"/>
-                </a:lnTo>
-                <a:lnTo>
-                  <a:pt x="69" y="3190"/>
-                </a:lnTo>
-                <a:lnTo>
-                  <a:pt x="1" y="3598"/>
-                </a:lnTo>
-                <a:lnTo>
-                  <a:pt x="1" y="4005"/>
-                </a:lnTo>
-                <a:lnTo>
-                  <a:pt x="1" y="91572"/>
-                </a:lnTo>
-                <a:lnTo>
-                  <a:pt x="1" y="91979"/>
-                </a:lnTo>
-                <a:lnTo>
-                  <a:pt x="69" y="92319"/>
-                </a:lnTo>
-                <a:lnTo>
-                  <a:pt x="272" y="93065"/>
-                </a:lnTo>
-                <a:lnTo>
-                  <a:pt x="679" y="93744"/>
-                </a:lnTo>
-                <a:lnTo>
-                  <a:pt x="1155" y="94355"/>
-                </a:lnTo>
-                <a:lnTo>
-                  <a:pt x="1766" y="94830"/>
-                </a:lnTo>
-                <a:lnTo>
-                  <a:pt x="2444" y="95238"/>
-                </a:lnTo>
-                <a:lnTo>
-                  <a:pt x="3191" y="95441"/>
-                </a:lnTo>
-                <a:lnTo>
-                  <a:pt x="3530" y="95509"/>
-                </a:lnTo>
-                <a:lnTo>
-                  <a:pt x="139904" y="95509"/>
-                </a:lnTo>
-                <a:lnTo>
-                  <a:pt x="140311" y="95441"/>
-                </a:lnTo>
-                <a:lnTo>
-                  <a:pt x="141058" y="95238"/>
-                </a:lnTo>
-                <a:lnTo>
-                  <a:pt x="141737" y="94830"/>
-                </a:lnTo>
-                <a:lnTo>
-                  <a:pt x="142280" y="94355"/>
-                </a:lnTo>
-                <a:lnTo>
-                  <a:pt x="142755" y="93744"/>
-                </a:lnTo>
-                <a:lnTo>
-                  <a:pt x="143162" y="93065"/>
-                </a:lnTo>
-                <a:lnTo>
-                  <a:pt x="143366" y="92319"/>
-                </a:lnTo>
-                <a:lnTo>
-                  <a:pt x="143434" y="91979"/>
-                </a:lnTo>
-                <a:lnTo>
-                  <a:pt x="143434" y="91572"/>
-                </a:lnTo>
-                <a:lnTo>
-                  <a:pt x="143434" y="4005"/>
-                </a:lnTo>
-                <a:lnTo>
-                  <a:pt x="143434" y="3598"/>
-                </a:lnTo>
-                <a:lnTo>
-                  <a:pt x="143366" y="3190"/>
-                </a:lnTo>
-                <a:lnTo>
-                  <a:pt x="143162" y="2444"/>
-                </a:lnTo>
-                <a:lnTo>
-                  <a:pt x="142755" y="1765"/>
-                </a:lnTo>
-                <a:lnTo>
-                  <a:pt x="142280" y="1154"/>
-                </a:lnTo>
-                <a:lnTo>
-                  <a:pt x="141737" y="679"/>
-                </a:lnTo>
-                <a:lnTo>
-                  <a:pt x="141058" y="339"/>
-                </a:lnTo>
-                <a:lnTo>
-                  <a:pt x="140311" y="68"/>
-                </a:lnTo>
-                <a:lnTo>
-                  <a:pt x="139904" y="0"/>
-                </a:lnTo>
-                <a:close/>
-                <a:moveTo>
-                  <a:pt x="55324" y="95713"/>
-                </a:moveTo>
-                <a:lnTo>
-                  <a:pt x="55052" y="98971"/>
-                </a:lnTo>
-                <a:lnTo>
-                  <a:pt x="54713" y="102297"/>
-                </a:lnTo>
-                <a:lnTo>
-                  <a:pt x="54374" y="105284"/>
-                </a:lnTo>
-                <a:lnTo>
-                  <a:pt x="53966" y="107388"/>
-                </a:lnTo>
-                <a:lnTo>
-                  <a:pt x="53763" y="108203"/>
-                </a:lnTo>
-                <a:lnTo>
-                  <a:pt x="53627" y="108746"/>
-                </a:lnTo>
-                <a:lnTo>
-                  <a:pt x="53423" y="109153"/>
-                </a:lnTo>
-                <a:lnTo>
-                  <a:pt x="53220" y="109357"/>
-                </a:lnTo>
-                <a:lnTo>
-                  <a:pt x="52677" y="109493"/>
-                </a:lnTo>
-                <a:lnTo>
-                  <a:pt x="51794" y="109696"/>
-                </a:lnTo>
-                <a:lnTo>
-                  <a:pt x="49690" y="110036"/>
-                </a:lnTo>
-                <a:lnTo>
-                  <a:pt x="48061" y="110307"/>
-                </a:lnTo>
-                <a:lnTo>
-                  <a:pt x="47450" y="110443"/>
-                </a:lnTo>
-                <a:lnTo>
-                  <a:pt x="47110" y="110511"/>
-                </a:lnTo>
-                <a:lnTo>
-                  <a:pt x="47042" y="110579"/>
-                </a:lnTo>
-                <a:lnTo>
-                  <a:pt x="47042" y="110783"/>
-                </a:lnTo>
-                <a:lnTo>
-                  <a:pt x="47110" y="110850"/>
-                </a:lnTo>
-                <a:lnTo>
-                  <a:pt x="47585" y="110918"/>
-                </a:lnTo>
-                <a:lnTo>
-                  <a:pt x="48400" y="110986"/>
-                </a:lnTo>
-                <a:lnTo>
-                  <a:pt x="51387" y="111054"/>
-                </a:lnTo>
-                <a:lnTo>
-                  <a:pt x="56071" y="111122"/>
-                </a:lnTo>
-                <a:lnTo>
-                  <a:pt x="87092" y="111122"/>
-                </a:lnTo>
-                <a:lnTo>
-                  <a:pt x="91708" y="111054"/>
-                </a:lnTo>
-                <a:lnTo>
-                  <a:pt x="94695" y="110986"/>
-                </a:lnTo>
-                <a:lnTo>
-                  <a:pt x="95578" y="110918"/>
-                </a:lnTo>
-                <a:lnTo>
-                  <a:pt x="96053" y="110850"/>
-                </a:lnTo>
-                <a:lnTo>
-                  <a:pt x="96121" y="110783"/>
-                </a:lnTo>
-                <a:lnTo>
-                  <a:pt x="96121" y="110579"/>
-                </a:lnTo>
-                <a:lnTo>
-                  <a:pt x="96053" y="110511"/>
-                </a:lnTo>
-                <a:lnTo>
-                  <a:pt x="95713" y="110443"/>
-                </a:lnTo>
-                <a:lnTo>
-                  <a:pt x="95102" y="110307"/>
-                </a:lnTo>
-                <a:lnTo>
-                  <a:pt x="93473" y="110036"/>
-                </a:lnTo>
-                <a:lnTo>
-                  <a:pt x="91369" y="109696"/>
-                </a:lnTo>
-                <a:lnTo>
-                  <a:pt x="90487" y="109493"/>
-                </a:lnTo>
-                <a:lnTo>
-                  <a:pt x="89943" y="109357"/>
-                </a:lnTo>
-                <a:lnTo>
-                  <a:pt x="89740" y="109153"/>
-                </a:lnTo>
-                <a:lnTo>
-                  <a:pt x="89536" y="108746"/>
-                </a:lnTo>
-                <a:lnTo>
-                  <a:pt x="89333" y="108203"/>
-                </a:lnTo>
-                <a:lnTo>
-                  <a:pt x="89197" y="107388"/>
-                </a:lnTo>
-                <a:lnTo>
-                  <a:pt x="88789" y="105284"/>
-                </a:lnTo>
-                <a:lnTo>
-                  <a:pt x="88382" y="102297"/>
-                </a:lnTo>
-                <a:lnTo>
-                  <a:pt x="88043" y="98971"/>
-                </a:lnTo>
-                <a:lnTo>
-                  <a:pt x="87839" y="95713"/>
-                </a:lnTo>
-                <a:close/>
-                <a:moveTo>
-                  <a:pt x="47450" y="111054"/>
-                </a:moveTo>
-                <a:lnTo>
-                  <a:pt x="47450" y="111122"/>
-                </a:lnTo>
-                <a:lnTo>
-                  <a:pt x="47450" y="111393"/>
-                </a:lnTo>
-                <a:lnTo>
-                  <a:pt x="47518" y="111461"/>
-                </a:lnTo>
-                <a:lnTo>
-                  <a:pt x="48807" y="111529"/>
-                </a:lnTo>
-                <a:lnTo>
-                  <a:pt x="52473" y="111597"/>
-                </a:lnTo>
-                <a:lnTo>
-                  <a:pt x="62384" y="111665"/>
-                </a:lnTo>
-                <a:lnTo>
-                  <a:pt x="80779" y="111665"/>
-                </a:lnTo>
-                <a:lnTo>
-                  <a:pt x="90622" y="111597"/>
-                </a:lnTo>
-                <a:lnTo>
-                  <a:pt x="94356" y="111529"/>
-                </a:lnTo>
-                <a:lnTo>
-                  <a:pt x="95646" y="111461"/>
-                </a:lnTo>
-                <a:lnTo>
-                  <a:pt x="95713" y="111393"/>
-                </a:lnTo>
-                <a:lnTo>
-                  <a:pt x="95713" y="111122"/>
-                </a:lnTo>
-                <a:lnTo>
-                  <a:pt x="95646" y="111054"/>
-                </a:lnTo>
-                <a:lnTo>
-                  <a:pt x="94084" y="111122"/>
-                </a:lnTo>
-                <a:lnTo>
-                  <a:pt x="91233" y="111190"/>
-                </a:lnTo>
-                <a:lnTo>
-                  <a:pt x="80847" y="111258"/>
-                </a:lnTo>
-                <a:lnTo>
-                  <a:pt x="62316" y="111258"/>
-                </a:lnTo>
-                <a:lnTo>
-                  <a:pt x="51930" y="111190"/>
-                </a:lnTo>
-                <a:lnTo>
-                  <a:pt x="49079" y="111122"/>
-                </a:lnTo>
-                <a:lnTo>
-                  <a:pt x="47518" y="111054"/>
-                </a:lnTo>
-                <a:close/>
-              </a:path>
-            </a:pathLst>
-          </a:custGeom>
-          <a:solidFill>
-            <a:srgbClr val="FFFFFF"/>
-          </a:solidFill>
-          <a:ln w="19050" cap="flat" cmpd="sng">
-            <a:solidFill>
-              <a:srgbClr val="000000"/>
-            </a:solidFill>
-            <a:prstDash val="solid"/>
-            <a:round/>
-            <a:headEnd type="none" w="med" len="med"/>
-            <a:tailEnd type="none" w="med" len="med"/>
-          </a:ln>
-        </p:spPr>
-        <p:txBody>
-          <a:bodyPr lIns="91425" tIns="91425" rIns="91425" bIns="91425" anchor="ctr" anchorCtr="0">
-            <a:noAutofit/>
-          </a:bodyPr>
-          <a:lstStyle/>
-          <a:p>
-            <a:pPr lvl="0">
-              <a:spcBef>
-                <a:spcPts val="0"/>
-              </a:spcBef>
-              <a:buNone/>
-            </a:pPr>
-            <a:endParaRPr/>
-          </a:p>
-        </p:txBody>
-      </p:sp>
-      <p:sp>
-        <p:nvSpPr>
-          <p:cNvPr id="17" name="Shape 292"/>
-          <p:cNvSpPr/>
-          <p:nvPr/>
-        </p:nvSpPr>
-        <p:spPr>
-          <a:xfrm>
-            <a:off x="14489840" y="6615783"/>
-            <a:ext cx="683221" cy="662882"/>
-          </a:xfrm>
-          <a:custGeom>
-            <a:avLst/>
-            <a:gdLst/>
-            <a:ahLst/>
-            <a:cxnLst/>
-            <a:rect l="0" t="0" r="0" b="0"/>
-            <a:pathLst>
-              <a:path w="143434" h="111665" extrusionOk="0">
-                <a:moveTo>
-                  <a:pt x="71751" y="2308"/>
-                </a:moveTo>
-                <a:lnTo>
-                  <a:pt x="71887" y="2376"/>
-                </a:lnTo>
-                <a:lnTo>
-                  <a:pt x="72091" y="2444"/>
-                </a:lnTo>
-                <a:lnTo>
-                  <a:pt x="72159" y="2647"/>
-                </a:lnTo>
-                <a:lnTo>
-                  <a:pt x="72226" y="2783"/>
-                </a:lnTo>
-                <a:lnTo>
-                  <a:pt x="72159" y="2987"/>
-                </a:lnTo>
-                <a:lnTo>
-                  <a:pt x="72091" y="3190"/>
-                </a:lnTo>
-                <a:lnTo>
-                  <a:pt x="71887" y="3258"/>
-                </a:lnTo>
-                <a:lnTo>
-                  <a:pt x="71751" y="3326"/>
-                </a:lnTo>
-                <a:lnTo>
-                  <a:pt x="71548" y="3258"/>
-                </a:lnTo>
-                <a:lnTo>
-                  <a:pt x="71344" y="3190"/>
-                </a:lnTo>
-                <a:lnTo>
-                  <a:pt x="71276" y="2987"/>
-                </a:lnTo>
-                <a:lnTo>
-                  <a:pt x="71208" y="2783"/>
-                </a:lnTo>
-                <a:lnTo>
-                  <a:pt x="71276" y="2647"/>
-                </a:lnTo>
-                <a:lnTo>
-                  <a:pt x="71344" y="2444"/>
-                </a:lnTo>
-                <a:lnTo>
-                  <a:pt x="71548" y="2376"/>
-                </a:lnTo>
-                <a:lnTo>
-                  <a:pt x="71751" y="2308"/>
-                </a:lnTo>
-                <a:close/>
-                <a:moveTo>
-                  <a:pt x="137528" y="5906"/>
-                </a:moveTo>
-                <a:lnTo>
-                  <a:pt x="137596" y="5974"/>
-                </a:lnTo>
-                <a:lnTo>
-                  <a:pt x="137596" y="89604"/>
-                </a:lnTo>
-                <a:lnTo>
-                  <a:pt x="5906" y="89604"/>
-                </a:lnTo>
-                <a:lnTo>
-                  <a:pt x="5906" y="5974"/>
-                </a:lnTo>
-                <a:lnTo>
-                  <a:pt x="5906" y="5906"/>
-                </a:lnTo>
-                <a:close/>
-                <a:moveTo>
-                  <a:pt x="3530" y="0"/>
-                </a:moveTo>
-                <a:lnTo>
-                  <a:pt x="3191" y="68"/>
-                </a:lnTo>
-                <a:lnTo>
-                  <a:pt x="2444" y="339"/>
-                </a:lnTo>
-                <a:lnTo>
-                  <a:pt x="1766" y="679"/>
-                </a:lnTo>
-                <a:lnTo>
-                  <a:pt x="1155" y="1154"/>
-                </a:lnTo>
-                <a:lnTo>
-                  <a:pt x="679" y="1765"/>
-                </a:lnTo>
-                <a:lnTo>
-                  <a:pt x="272" y="2444"/>
-                </a:lnTo>
-                <a:lnTo>
-                  <a:pt x="69" y="3190"/>
-                </a:lnTo>
-                <a:lnTo>
-                  <a:pt x="1" y="3598"/>
-                </a:lnTo>
-                <a:lnTo>
-                  <a:pt x="1" y="4005"/>
-                </a:lnTo>
-                <a:lnTo>
-                  <a:pt x="1" y="91572"/>
-                </a:lnTo>
-                <a:lnTo>
-                  <a:pt x="1" y="91979"/>
-                </a:lnTo>
-                <a:lnTo>
-                  <a:pt x="69" y="92319"/>
-                </a:lnTo>
-                <a:lnTo>
-                  <a:pt x="272" y="93065"/>
-                </a:lnTo>
-                <a:lnTo>
-                  <a:pt x="679" y="93744"/>
-                </a:lnTo>
-                <a:lnTo>
-                  <a:pt x="1155" y="94355"/>
-                </a:lnTo>
-                <a:lnTo>
-                  <a:pt x="1766" y="94830"/>
-                </a:lnTo>
-                <a:lnTo>
-                  <a:pt x="2444" y="95238"/>
-                </a:lnTo>
-                <a:lnTo>
-                  <a:pt x="3191" y="95441"/>
-                </a:lnTo>
-                <a:lnTo>
-                  <a:pt x="3530" y="95509"/>
-                </a:lnTo>
-                <a:lnTo>
-                  <a:pt x="139904" y="95509"/>
-                </a:lnTo>
-                <a:lnTo>
-                  <a:pt x="140311" y="95441"/>
-                </a:lnTo>
-                <a:lnTo>
-                  <a:pt x="141058" y="95238"/>
-                </a:lnTo>
-                <a:lnTo>
-                  <a:pt x="141737" y="94830"/>
-                </a:lnTo>
-                <a:lnTo>
-                  <a:pt x="142280" y="94355"/>
-                </a:lnTo>
-                <a:lnTo>
-                  <a:pt x="142755" y="93744"/>
-                </a:lnTo>
-                <a:lnTo>
-                  <a:pt x="143162" y="93065"/>
-                </a:lnTo>
-                <a:lnTo>
-                  <a:pt x="143366" y="92319"/>
-                </a:lnTo>
-                <a:lnTo>
-                  <a:pt x="143434" y="91979"/>
-                </a:lnTo>
-                <a:lnTo>
-                  <a:pt x="143434" y="91572"/>
-                </a:lnTo>
-                <a:lnTo>
-                  <a:pt x="143434" y="4005"/>
-                </a:lnTo>
-                <a:lnTo>
-                  <a:pt x="143434" y="3598"/>
-                </a:lnTo>
-                <a:lnTo>
-                  <a:pt x="143366" y="3190"/>
-                </a:lnTo>
-                <a:lnTo>
-                  <a:pt x="143162" y="2444"/>
-                </a:lnTo>
-                <a:lnTo>
-                  <a:pt x="142755" y="1765"/>
-                </a:lnTo>
-                <a:lnTo>
-                  <a:pt x="142280" y="1154"/>
-                </a:lnTo>
-                <a:lnTo>
-                  <a:pt x="141737" y="679"/>
-                </a:lnTo>
-                <a:lnTo>
-                  <a:pt x="141058" y="339"/>
-                </a:lnTo>
-                <a:lnTo>
-                  <a:pt x="140311" y="68"/>
-                </a:lnTo>
-                <a:lnTo>
-                  <a:pt x="139904" y="0"/>
-                </a:lnTo>
-                <a:close/>
-                <a:moveTo>
-                  <a:pt x="55324" y="95713"/>
-                </a:moveTo>
-                <a:lnTo>
-                  <a:pt x="55052" y="98971"/>
-                </a:lnTo>
-                <a:lnTo>
-                  <a:pt x="54713" y="102297"/>
-                </a:lnTo>
-                <a:lnTo>
-                  <a:pt x="54374" y="105284"/>
-                </a:lnTo>
-                <a:lnTo>
-                  <a:pt x="53966" y="107388"/>
-                </a:lnTo>
-                <a:lnTo>
-                  <a:pt x="53763" y="108203"/>
-                </a:lnTo>
-                <a:lnTo>
-                  <a:pt x="53627" y="108746"/>
-                </a:lnTo>
-                <a:lnTo>
-                  <a:pt x="53423" y="109153"/>
-                </a:lnTo>
-                <a:lnTo>
-                  <a:pt x="53220" y="109357"/>
-                </a:lnTo>
-                <a:lnTo>
-                  <a:pt x="52677" y="109493"/>
-                </a:lnTo>
-                <a:lnTo>
-                  <a:pt x="51794" y="109696"/>
-                </a:lnTo>
-                <a:lnTo>
-                  <a:pt x="49690" y="110036"/>
-                </a:lnTo>
-                <a:lnTo>
-                  <a:pt x="48061" y="110307"/>
-                </a:lnTo>
-                <a:lnTo>
-                  <a:pt x="47450" y="110443"/>
-                </a:lnTo>
-                <a:lnTo>
-                  <a:pt x="47110" y="110511"/>
-                </a:lnTo>
-                <a:lnTo>
-                  <a:pt x="47042" y="110579"/>
-                </a:lnTo>
-                <a:lnTo>
-                  <a:pt x="47042" y="110783"/>
-                </a:lnTo>
-                <a:lnTo>
-                  <a:pt x="47110" y="110850"/>
-                </a:lnTo>
-                <a:lnTo>
-                  <a:pt x="47585" y="110918"/>
-                </a:lnTo>
-                <a:lnTo>
-                  <a:pt x="48400" y="110986"/>
-                </a:lnTo>
-                <a:lnTo>
-                  <a:pt x="51387" y="111054"/>
-                </a:lnTo>
-                <a:lnTo>
-                  <a:pt x="56071" y="111122"/>
-                </a:lnTo>
-                <a:lnTo>
-                  <a:pt x="87092" y="111122"/>
-                </a:lnTo>
-                <a:lnTo>
-                  <a:pt x="91708" y="111054"/>
-                </a:lnTo>
-                <a:lnTo>
-                  <a:pt x="94695" y="110986"/>
-                </a:lnTo>
-                <a:lnTo>
-                  <a:pt x="95578" y="110918"/>
-                </a:lnTo>
-                <a:lnTo>
-                  <a:pt x="96053" y="110850"/>
-                </a:lnTo>
-                <a:lnTo>
-                  <a:pt x="96121" y="110783"/>
-                </a:lnTo>
-                <a:lnTo>
-                  <a:pt x="96121" y="110579"/>
-                </a:lnTo>
-                <a:lnTo>
-                  <a:pt x="96053" y="110511"/>
-                </a:lnTo>
-                <a:lnTo>
-                  <a:pt x="95713" y="110443"/>
-                </a:lnTo>
-                <a:lnTo>
-                  <a:pt x="95102" y="110307"/>
-                </a:lnTo>
-                <a:lnTo>
-                  <a:pt x="93473" y="110036"/>
-                </a:lnTo>
-                <a:lnTo>
-                  <a:pt x="91369" y="109696"/>
-                </a:lnTo>
-                <a:lnTo>
-                  <a:pt x="90487" y="109493"/>
-                </a:lnTo>
-                <a:lnTo>
-                  <a:pt x="89943" y="109357"/>
-                </a:lnTo>
-                <a:lnTo>
-                  <a:pt x="89740" y="109153"/>
-                </a:lnTo>
-                <a:lnTo>
-                  <a:pt x="89536" y="108746"/>
-                </a:lnTo>
-                <a:lnTo>
-                  <a:pt x="89333" y="108203"/>
-                </a:lnTo>
-                <a:lnTo>
-                  <a:pt x="89197" y="107388"/>
-                </a:lnTo>
-                <a:lnTo>
-                  <a:pt x="88789" y="105284"/>
-                </a:lnTo>
-                <a:lnTo>
-                  <a:pt x="88382" y="102297"/>
-                </a:lnTo>
-                <a:lnTo>
-                  <a:pt x="88043" y="98971"/>
-                </a:lnTo>
-                <a:lnTo>
-                  <a:pt x="87839" y="95713"/>
-                </a:lnTo>
-                <a:close/>
-                <a:moveTo>
-                  <a:pt x="47450" y="111054"/>
-                </a:moveTo>
-                <a:lnTo>
-                  <a:pt x="47450" y="111122"/>
-                </a:lnTo>
-                <a:lnTo>
-                  <a:pt x="47450" y="111393"/>
-                </a:lnTo>
-                <a:lnTo>
-                  <a:pt x="47518" y="111461"/>
-                </a:lnTo>
-                <a:lnTo>
-                  <a:pt x="48807" y="111529"/>
-                </a:lnTo>
-                <a:lnTo>
-                  <a:pt x="52473" y="111597"/>
-                </a:lnTo>
-                <a:lnTo>
-                  <a:pt x="62384" y="111665"/>
-                </a:lnTo>
-                <a:lnTo>
-                  <a:pt x="80779" y="111665"/>
-                </a:lnTo>
-                <a:lnTo>
-                  <a:pt x="90622" y="111597"/>
-                </a:lnTo>
-                <a:lnTo>
-                  <a:pt x="94356" y="111529"/>
-                </a:lnTo>
-                <a:lnTo>
-                  <a:pt x="95646" y="111461"/>
-                </a:lnTo>
-                <a:lnTo>
-                  <a:pt x="95713" y="111393"/>
-                </a:lnTo>
-                <a:lnTo>
-                  <a:pt x="95713" y="111122"/>
-                </a:lnTo>
-                <a:lnTo>
-                  <a:pt x="95646" y="111054"/>
-                </a:lnTo>
-                <a:lnTo>
-                  <a:pt x="94084" y="111122"/>
-                </a:lnTo>
-                <a:lnTo>
-                  <a:pt x="91233" y="111190"/>
-                </a:lnTo>
-                <a:lnTo>
-                  <a:pt x="80847" y="111258"/>
-                </a:lnTo>
-                <a:lnTo>
-                  <a:pt x="62316" y="111258"/>
-                </a:lnTo>
-                <a:lnTo>
-                  <a:pt x="51930" y="111190"/>
-                </a:lnTo>
-                <a:lnTo>
-                  <a:pt x="49079" y="111122"/>
-                </a:lnTo>
-                <a:lnTo>
-                  <a:pt x="47518" y="111054"/>
-                </a:lnTo>
-                <a:close/>
-              </a:path>
-            </a:pathLst>
-          </a:custGeom>
-          <a:solidFill>
-            <a:srgbClr val="FFFFFF"/>
-          </a:solidFill>
-          <a:ln w="19050" cap="flat" cmpd="sng">
-            <a:solidFill>
-              <a:srgbClr val="000000"/>
-            </a:solidFill>
-            <a:prstDash val="solid"/>
-            <a:round/>
-            <a:headEnd type="none" w="med" len="med"/>
-            <a:tailEnd type="none" w="med" len="med"/>
-          </a:ln>
-        </p:spPr>
-        <p:txBody>
-          <a:bodyPr lIns="91425" tIns="91425" rIns="91425" bIns="91425" anchor="ctr" anchorCtr="0">
-            <a:noAutofit/>
-          </a:bodyPr>
-          <a:lstStyle/>
-          <a:p>
-            <a:pPr lvl="0">
-              <a:spcBef>
-                <a:spcPts val="0"/>
-              </a:spcBef>
-              <a:buNone/>
-            </a:pPr>
-            <a:endParaRPr/>
-          </a:p>
-        </p:txBody>
-      </p:sp>
-      <p:sp>
-        <p:nvSpPr>
-          <p:cNvPr id="21" name="Shape 292"/>
-          <p:cNvSpPr/>
-          <p:nvPr/>
-        </p:nvSpPr>
-        <p:spPr>
-          <a:xfrm>
-            <a:off x="14489839" y="3167158"/>
-            <a:ext cx="683221" cy="662882"/>
-          </a:xfrm>
-          <a:custGeom>
-            <a:avLst/>
-            <a:gdLst/>
-            <a:ahLst/>
-            <a:cxnLst/>
-            <a:rect l="0" t="0" r="0" b="0"/>
-            <a:pathLst>
-              <a:path w="143434" h="111665" extrusionOk="0">
-                <a:moveTo>
-                  <a:pt x="71751" y="2308"/>
-                </a:moveTo>
-                <a:lnTo>
-                  <a:pt x="71887" y="2376"/>
-                </a:lnTo>
-                <a:lnTo>
-                  <a:pt x="72091" y="2444"/>
-                </a:lnTo>
-                <a:lnTo>
-                  <a:pt x="72159" y="2647"/>
-                </a:lnTo>
-                <a:lnTo>
-                  <a:pt x="72226" y="2783"/>
-                </a:lnTo>
-                <a:lnTo>
-                  <a:pt x="72159" y="2987"/>
-                </a:lnTo>
-                <a:lnTo>
-                  <a:pt x="72091" y="3190"/>
-                </a:lnTo>
-                <a:lnTo>
-                  <a:pt x="71887" y="3258"/>
-                </a:lnTo>
-                <a:lnTo>
-                  <a:pt x="71751" y="3326"/>
-                </a:lnTo>
-                <a:lnTo>
-                  <a:pt x="71548" y="3258"/>
-                </a:lnTo>
-                <a:lnTo>
-                  <a:pt x="71344" y="3190"/>
-                </a:lnTo>
-                <a:lnTo>
-                  <a:pt x="71276" y="2987"/>
-                </a:lnTo>
-                <a:lnTo>
-                  <a:pt x="71208" y="2783"/>
-                </a:lnTo>
-                <a:lnTo>
-                  <a:pt x="71276" y="2647"/>
-                </a:lnTo>
-                <a:lnTo>
-                  <a:pt x="71344" y="2444"/>
-                </a:lnTo>
-                <a:lnTo>
-                  <a:pt x="71548" y="2376"/>
-                </a:lnTo>
-                <a:lnTo>
-                  <a:pt x="71751" y="2308"/>
-                </a:lnTo>
-                <a:close/>
-                <a:moveTo>
-                  <a:pt x="137528" y="5906"/>
-                </a:moveTo>
-                <a:lnTo>
-                  <a:pt x="137596" y="5974"/>
-                </a:lnTo>
-                <a:lnTo>
-                  <a:pt x="137596" y="89604"/>
-                </a:lnTo>
-                <a:lnTo>
-                  <a:pt x="5906" y="89604"/>
-                </a:lnTo>
-                <a:lnTo>
-                  <a:pt x="5906" y="5974"/>
-                </a:lnTo>
-                <a:lnTo>
-                  <a:pt x="5906" y="5906"/>
-                </a:lnTo>
-                <a:close/>
-                <a:moveTo>
-                  <a:pt x="3530" y="0"/>
-                </a:moveTo>
-                <a:lnTo>
-                  <a:pt x="3191" y="68"/>
-                </a:lnTo>
-                <a:lnTo>
-                  <a:pt x="2444" y="339"/>
-                </a:lnTo>
-                <a:lnTo>
-                  <a:pt x="1766" y="679"/>
-                </a:lnTo>
-                <a:lnTo>
-                  <a:pt x="1155" y="1154"/>
-                </a:lnTo>
-                <a:lnTo>
-                  <a:pt x="679" y="1765"/>
-                </a:lnTo>
-                <a:lnTo>
-                  <a:pt x="272" y="2444"/>
-                </a:lnTo>
-                <a:lnTo>
-                  <a:pt x="69" y="3190"/>
-                </a:lnTo>
-                <a:lnTo>
-                  <a:pt x="1" y="3598"/>
-                </a:lnTo>
-                <a:lnTo>
-                  <a:pt x="1" y="4005"/>
-                </a:lnTo>
-                <a:lnTo>
-                  <a:pt x="1" y="91572"/>
-                </a:lnTo>
-                <a:lnTo>
-                  <a:pt x="1" y="91979"/>
-                </a:lnTo>
-                <a:lnTo>
-                  <a:pt x="69" y="92319"/>
-                </a:lnTo>
-                <a:lnTo>
-                  <a:pt x="272" y="93065"/>
-                </a:lnTo>
-                <a:lnTo>
-                  <a:pt x="679" y="93744"/>
-                </a:lnTo>
-                <a:lnTo>
-                  <a:pt x="1155" y="94355"/>
-                </a:lnTo>
-                <a:lnTo>
-                  <a:pt x="1766" y="94830"/>
-                </a:lnTo>
-                <a:lnTo>
-                  <a:pt x="2444" y="95238"/>
-                </a:lnTo>
-                <a:lnTo>
-                  <a:pt x="3191" y="95441"/>
-                </a:lnTo>
-                <a:lnTo>
-                  <a:pt x="3530" y="95509"/>
-                </a:lnTo>
-                <a:lnTo>
-                  <a:pt x="139904" y="95509"/>
-                </a:lnTo>
-                <a:lnTo>
-                  <a:pt x="140311" y="95441"/>
-                </a:lnTo>
-                <a:lnTo>
-                  <a:pt x="141058" y="95238"/>
-                </a:lnTo>
-                <a:lnTo>
-                  <a:pt x="141737" y="94830"/>
-                </a:lnTo>
-                <a:lnTo>
-                  <a:pt x="142280" y="94355"/>
-                </a:lnTo>
-                <a:lnTo>
-                  <a:pt x="142755" y="93744"/>
-                </a:lnTo>
-                <a:lnTo>
-                  <a:pt x="143162" y="93065"/>
-                </a:lnTo>
-                <a:lnTo>
-                  <a:pt x="143366" y="92319"/>
-                </a:lnTo>
-                <a:lnTo>
-                  <a:pt x="143434" y="91979"/>
-                </a:lnTo>
-                <a:lnTo>
-                  <a:pt x="143434" y="91572"/>
-                </a:lnTo>
-                <a:lnTo>
-                  <a:pt x="143434" y="4005"/>
-                </a:lnTo>
-                <a:lnTo>
-                  <a:pt x="143434" y="3598"/>
-                </a:lnTo>
-                <a:lnTo>
-                  <a:pt x="143366" y="3190"/>
-                </a:lnTo>
-                <a:lnTo>
-                  <a:pt x="143162" y="2444"/>
-                </a:lnTo>
-                <a:lnTo>
-                  <a:pt x="142755" y="1765"/>
-                </a:lnTo>
-                <a:lnTo>
-                  <a:pt x="142280" y="1154"/>
-                </a:lnTo>
-                <a:lnTo>
-                  <a:pt x="141737" y="679"/>
-                </a:lnTo>
-                <a:lnTo>
-                  <a:pt x="141058" y="339"/>
-                </a:lnTo>
-                <a:lnTo>
-                  <a:pt x="140311" y="68"/>
-                </a:lnTo>
-                <a:lnTo>
-                  <a:pt x="139904" y="0"/>
-                </a:lnTo>
-                <a:close/>
-                <a:moveTo>
-                  <a:pt x="55324" y="95713"/>
-                </a:moveTo>
-                <a:lnTo>
-                  <a:pt x="55052" y="98971"/>
-                </a:lnTo>
-                <a:lnTo>
-                  <a:pt x="54713" y="102297"/>
-                </a:lnTo>
-                <a:lnTo>
-                  <a:pt x="54374" y="105284"/>
-                </a:lnTo>
-                <a:lnTo>
-                  <a:pt x="53966" y="107388"/>
-                </a:lnTo>
-                <a:lnTo>
-                  <a:pt x="53763" y="108203"/>
-                </a:lnTo>
-                <a:lnTo>
-                  <a:pt x="53627" y="108746"/>
-                </a:lnTo>
-                <a:lnTo>
-                  <a:pt x="53423" y="109153"/>
-                </a:lnTo>
-                <a:lnTo>
-                  <a:pt x="53220" y="109357"/>
-                </a:lnTo>
-                <a:lnTo>
-                  <a:pt x="52677" y="109493"/>
-                </a:lnTo>
-                <a:lnTo>
-                  <a:pt x="51794" y="109696"/>
-                </a:lnTo>
-                <a:lnTo>
-                  <a:pt x="49690" y="110036"/>
-                </a:lnTo>
-                <a:lnTo>
-                  <a:pt x="48061" y="110307"/>
-                </a:lnTo>
-                <a:lnTo>
-                  <a:pt x="47450" y="110443"/>
-                </a:lnTo>
-                <a:lnTo>
-                  <a:pt x="47110" y="110511"/>
-                </a:lnTo>
-                <a:lnTo>
-                  <a:pt x="47042" y="110579"/>
-                </a:lnTo>
-                <a:lnTo>
-                  <a:pt x="47042" y="110783"/>
-                </a:lnTo>
-                <a:lnTo>
-                  <a:pt x="47110" y="110850"/>
-                </a:lnTo>
-                <a:lnTo>
-                  <a:pt x="47585" y="110918"/>
-                </a:lnTo>
-                <a:lnTo>
-                  <a:pt x="48400" y="110986"/>
-                </a:lnTo>
-                <a:lnTo>
-                  <a:pt x="51387" y="111054"/>
-                </a:lnTo>
-                <a:lnTo>
-                  <a:pt x="56071" y="111122"/>
-                </a:lnTo>
-                <a:lnTo>
-                  <a:pt x="87092" y="111122"/>
-                </a:lnTo>
-                <a:lnTo>
-                  <a:pt x="91708" y="111054"/>
-                </a:lnTo>
-                <a:lnTo>
-                  <a:pt x="94695" y="110986"/>
-                </a:lnTo>
-                <a:lnTo>
-                  <a:pt x="95578" y="110918"/>
-                </a:lnTo>
-                <a:lnTo>
-                  <a:pt x="96053" y="110850"/>
-                </a:lnTo>
-                <a:lnTo>
-                  <a:pt x="96121" y="110783"/>
-                </a:lnTo>
-                <a:lnTo>
-                  <a:pt x="96121" y="110579"/>
-                </a:lnTo>
-                <a:lnTo>
-                  <a:pt x="96053" y="110511"/>
-                </a:lnTo>
-                <a:lnTo>
-                  <a:pt x="95713" y="110443"/>
-                </a:lnTo>
-                <a:lnTo>
-                  <a:pt x="95102" y="110307"/>
-                </a:lnTo>
-                <a:lnTo>
-                  <a:pt x="93473" y="110036"/>
-                </a:lnTo>
-                <a:lnTo>
-                  <a:pt x="91369" y="109696"/>
-                </a:lnTo>
-                <a:lnTo>
-                  <a:pt x="90487" y="109493"/>
-                </a:lnTo>
-                <a:lnTo>
-                  <a:pt x="89943" y="109357"/>
-                </a:lnTo>
-                <a:lnTo>
-                  <a:pt x="89740" y="109153"/>
-                </a:lnTo>
-                <a:lnTo>
-                  <a:pt x="89536" y="108746"/>
-                </a:lnTo>
-                <a:lnTo>
-                  <a:pt x="89333" y="108203"/>
-                </a:lnTo>
-                <a:lnTo>
-                  <a:pt x="89197" y="107388"/>
-                </a:lnTo>
-                <a:lnTo>
-                  <a:pt x="88789" y="105284"/>
-                </a:lnTo>
-                <a:lnTo>
-                  <a:pt x="88382" y="102297"/>
-                </a:lnTo>
-                <a:lnTo>
-                  <a:pt x="88043" y="98971"/>
-                </a:lnTo>
-                <a:lnTo>
-                  <a:pt x="87839" y="95713"/>
-                </a:lnTo>
-                <a:close/>
-                <a:moveTo>
-                  <a:pt x="47450" y="111054"/>
-                </a:moveTo>
-                <a:lnTo>
-                  <a:pt x="47450" y="111122"/>
-                </a:lnTo>
-                <a:lnTo>
-                  <a:pt x="47450" y="111393"/>
-                </a:lnTo>
-                <a:lnTo>
-                  <a:pt x="47518" y="111461"/>
-                </a:lnTo>
-                <a:lnTo>
-                  <a:pt x="48807" y="111529"/>
-                </a:lnTo>
-                <a:lnTo>
-                  <a:pt x="52473" y="111597"/>
-                </a:lnTo>
-                <a:lnTo>
-                  <a:pt x="62384" y="111665"/>
-                </a:lnTo>
-                <a:lnTo>
-                  <a:pt x="80779" y="111665"/>
-                </a:lnTo>
-                <a:lnTo>
-                  <a:pt x="90622" y="111597"/>
-                </a:lnTo>
-                <a:lnTo>
-                  <a:pt x="94356" y="111529"/>
-                </a:lnTo>
-                <a:lnTo>
-                  <a:pt x="95646" y="111461"/>
-                </a:lnTo>
-                <a:lnTo>
-                  <a:pt x="95713" y="111393"/>
-                </a:lnTo>
-                <a:lnTo>
-                  <a:pt x="95713" y="111122"/>
-                </a:lnTo>
-                <a:lnTo>
-                  <a:pt x="95646" y="111054"/>
-                </a:lnTo>
-                <a:lnTo>
-                  <a:pt x="94084" y="111122"/>
-                </a:lnTo>
-                <a:lnTo>
-                  <a:pt x="91233" y="111190"/>
-                </a:lnTo>
-                <a:lnTo>
-                  <a:pt x="80847" y="111258"/>
-                </a:lnTo>
-                <a:lnTo>
-                  <a:pt x="62316" y="111258"/>
-                </a:lnTo>
-                <a:lnTo>
-                  <a:pt x="51930" y="111190"/>
-                </a:lnTo>
-                <a:lnTo>
-                  <a:pt x="49079" y="111122"/>
-                </a:lnTo>
-                <a:lnTo>
-                  <a:pt x="47518" y="111054"/>
-                </a:lnTo>
-                <a:close/>
-              </a:path>
-            </a:pathLst>
-          </a:custGeom>
-          <a:solidFill>
-            <a:srgbClr val="FFFFFF"/>
-          </a:solidFill>
-          <a:ln w="19050" cap="flat" cmpd="sng">
-            <a:solidFill>
-              <a:srgbClr val="000000"/>
-            </a:solidFill>
-            <a:prstDash val="solid"/>
-            <a:round/>
-            <a:headEnd type="none" w="med" len="med"/>
-            <a:tailEnd type="none" w="med" len="med"/>
-          </a:ln>
-        </p:spPr>
-        <p:txBody>
-          <a:bodyPr lIns="91425" tIns="91425" rIns="91425" bIns="91425" anchor="ctr" anchorCtr="0">
-            <a:noAutofit/>
-          </a:bodyPr>
-          <a:lstStyle/>
-          <a:p>
-            <a:pPr lvl="0">
-              <a:spcBef>
-                <a:spcPts val="0"/>
-              </a:spcBef>
-              <a:buNone/>
-            </a:pPr>
-            <a:endParaRPr/>
-          </a:p>
-        </p:txBody>
-      </p:sp>
-      <p:sp>
-        <p:nvSpPr>
-          <p:cNvPr id="24" name="Shape 292"/>
-          <p:cNvSpPr/>
-          <p:nvPr/>
-        </p:nvSpPr>
-        <p:spPr>
-          <a:xfrm>
-            <a:off x="14489840" y="5672967"/>
-            <a:ext cx="683221" cy="662882"/>
-          </a:xfrm>
-          <a:custGeom>
-            <a:avLst/>
-            <a:gdLst/>
-            <a:ahLst/>
-            <a:cxnLst/>
-            <a:rect l="0" t="0" r="0" b="0"/>
-            <a:pathLst>
-              <a:path w="143434" h="111665" extrusionOk="0">
-                <a:moveTo>
-                  <a:pt x="71751" y="2308"/>
-                </a:moveTo>
-                <a:lnTo>
-                  <a:pt x="71887" y="2376"/>
-                </a:lnTo>
-                <a:lnTo>
-                  <a:pt x="72091" y="2444"/>
-                </a:lnTo>
-                <a:lnTo>
-                  <a:pt x="72159" y="2647"/>
-                </a:lnTo>
-                <a:lnTo>
-                  <a:pt x="72226" y="2783"/>
-                </a:lnTo>
-                <a:lnTo>
-                  <a:pt x="72159" y="2987"/>
-                </a:lnTo>
-                <a:lnTo>
-                  <a:pt x="72091" y="3190"/>
-                </a:lnTo>
-                <a:lnTo>
-                  <a:pt x="71887" y="3258"/>
-                </a:lnTo>
-                <a:lnTo>
-                  <a:pt x="71751" y="3326"/>
-                </a:lnTo>
-                <a:lnTo>
-                  <a:pt x="71548" y="3258"/>
-                </a:lnTo>
-                <a:lnTo>
-                  <a:pt x="71344" y="3190"/>
-                </a:lnTo>
-                <a:lnTo>
-                  <a:pt x="71276" y="2987"/>
-                </a:lnTo>
-                <a:lnTo>
-                  <a:pt x="71208" y="2783"/>
-                </a:lnTo>
-                <a:lnTo>
-                  <a:pt x="71276" y="2647"/>
-                </a:lnTo>
-                <a:lnTo>
-                  <a:pt x="71344" y="2444"/>
-                </a:lnTo>
-                <a:lnTo>
-                  <a:pt x="71548" y="2376"/>
-                </a:lnTo>
-                <a:lnTo>
-                  <a:pt x="71751" y="2308"/>
-                </a:lnTo>
-                <a:close/>
-                <a:moveTo>
-                  <a:pt x="137528" y="5906"/>
-                </a:moveTo>
-                <a:lnTo>
-                  <a:pt x="137596" y="5974"/>
-                </a:lnTo>
-                <a:lnTo>
-                  <a:pt x="137596" y="89604"/>
-                </a:lnTo>
-                <a:lnTo>
-                  <a:pt x="5906" y="89604"/>
-                </a:lnTo>
-                <a:lnTo>
-                  <a:pt x="5906" y="5974"/>
-                </a:lnTo>
-                <a:lnTo>
-                  <a:pt x="5906" y="5906"/>
-                </a:lnTo>
-                <a:close/>
-                <a:moveTo>
-                  <a:pt x="3530" y="0"/>
-                </a:moveTo>
-                <a:lnTo>
-                  <a:pt x="3191" y="68"/>
-                </a:lnTo>
-                <a:lnTo>
-                  <a:pt x="2444" y="339"/>
-                </a:lnTo>
-                <a:lnTo>
-                  <a:pt x="1766" y="679"/>
-                </a:lnTo>
-                <a:lnTo>
-                  <a:pt x="1155" y="1154"/>
-                </a:lnTo>
-                <a:lnTo>
-                  <a:pt x="679" y="1765"/>
-                </a:lnTo>
-                <a:lnTo>
-                  <a:pt x="272" y="2444"/>
-                </a:lnTo>
-                <a:lnTo>
-                  <a:pt x="69" y="3190"/>
-                </a:lnTo>
-                <a:lnTo>
-                  <a:pt x="1" y="3598"/>
-                </a:lnTo>
-                <a:lnTo>
-                  <a:pt x="1" y="4005"/>
-                </a:lnTo>
-                <a:lnTo>
-                  <a:pt x="1" y="91572"/>
-                </a:lnTo>
-                <a:lnTo>
-                  <a:pt x="1" y="91979"/>
-                </a:lnTo>
-                <a:lnTo>
-                  <a:pt x="69" y="92319"/>
-                </a:lnTo>
-                <a:lnTo>
-                  <a:pt x="272" y="93065"/>
-                </a:lnTo>
-                <a:lnTo>
-                  <a:pt x="679" y="93744"/>
-                </a:lnTo>
-                <a:lnTo>
-                  <a:pt x="1155" y="94355"/>
-                </a:lnTo>
-                <a:lnTo>
-                  <a:pt x="1766" y="94830"/>
-                </a:lnTo>
-                <a:lnTo>
-                  <a:pt x="2444" y="95238"/>
-                </a:lnTo>
-                <a:lnTo>
-                  <a:pt x="3191" y="95441"/>
-                </a:lnTo>
-                <a:lnTo>
-                  <a:pt x="3530" y="95509"/>
-                </a:lnTo>
-                <a:lnTo>
-                  <a:pt x="139904" y="95509"/>
-                </a:lnTo>
-                <a:lnTo>
-                  <a:pt x="140311" y="95441"/>
-                </a:lnTo>
-                <a:lnTo>
-                  <a:pt x="141058" y="95238"/>
-                </a:lnTo>
-                <a:lnTo>
-                  <a:pt x="141737" y="94830"/>
-                </a:lnTo>
-                <a:lnTo>
-                  <a:pt x="142280" y="94355"/>
-                </a:lnTo>
-                <a:lnTo>
-                  <a:pt x="142755" y="93744"/>
-                </a:lnTo>
-                <a:lnTo>
-                  <a:pt x="143162" y="93065"/>
-                </a:lnTo>
-                <a:lnTo>
-                  <a:pt x="143366" y="92319"/>
-                </a:lnTo>
-                <a:lnTo>
-                  <a:pt x="143434" y="91979"/>
-                </a:lnTo>
-                <a:lnTo>
-                  <a:pt x="143434" y="91572"/>
-                </a:lnTo>
-                <a:lnTo>
-                  <a:pt x="143434" y="4005"/>
-                </a:lnTo>
-                <a:lnTo>
-                  <a:pt x="143434" y="3598"/>
-                </a:lnTo>
-                <a:lnTo>
-                  <a:pt x="143366" y="3190"/>
-                </a:lnTo>
-                <a:lnTo>
-                  <a:pt x="143162" y="2444"/>
-                </a:lnTo>
-                <a:lnTo>
-                  <a:pt x="142755" y="1765"/>
-                </a:lnTo>
-                <a:lnTo>
-                  <a:pt x="142280" y="1154"/>
-                </a:lnTo>
-                <a:lnTo>
-                  <a:pt x="141737" y="679"/>
-                </a:lnTo>
-                <a:lnTo>
-                  <a:pt x="141058" y="339"/>
-                </a:lnTo>
-                <a:lnTo>
-                  <a:pt x="140311" y="68"/>
-                </a:lnTo>
-                <a:lnTo>
-                  <a:pt x="139904" y="0"/>
-                </a:lnTo>
-                <a:close/>
-                <a:moveTo>
-                  <a:pt x="55324" y="95713"/>
-                </a:moveTo>
-                <a:lnTo>
-                  <a:pt x="55052" y="98971"/>
-                </a:lnTo>
-                <a:lnTo>
-                  <a:pt x="54713" y="102297"/>
-                </a:lnTo>
-                <a:lnTo>
-                  <a:pt x="54374" y="105284"/>
-                </a:lnTo>
-                <a:lnTo>
-                  <a:pt x="53966" y="107388"/>
-                </a:lnTo>
-                <a:lnTo>
-                  <a:pt x="53763" y="108203"/>
-                </a:lnTo>
-                <a:lnTo>
-                  <a:pt x="53627" y="108746"/>
-                </a:lnTo>
-                <a:lnTo>
-                  <a:pt x="53423" y="109153"/>
-                </a:lnTo>
-                <a:lnTo>
-                  <a:pt x="53220" y="109357"/>
-                </a:lnTo>
-                <a:lnTo>
-                  <a:pt x="52677" y="109493"/>
-                </a:lnTo>
-                <a:lnTo>
-                  <a:pt x="51794" y="109696"/>
-                </a:lnTo>
-                <a:lnTo>
-                  <a:pt x="49690" y="110036"/>
-                </a:lnTo>
-                <a:lnTo>
-                  <a:pt x="48061" y="110307"/>
-                </a:lnTo>
-                <a:lnTo>
-                  <a:pt x="47450" y="110443"/>
-                </a:lnTo>
-                <a:lnTo>
-                  <a:pt x="47110" y="110511"/>
-                </a:lnTo>
-                <a:lnTo>
-                  <a:pt x="47042" y="110579"/>
-                </a:lnTo>
-                <a:lnTo>
-                  <a:pt x="47042" y="110783"/>
-                </a:lnTo>
-                <a:lnTo>
-                  <a:pt x="47110" y="110850"/>
-                </a:lnTo>
-                <a:lnTo>
-                  <a:pt x="47585" y="110918"/>
-                </a:lnTo>
-                <a:lnTo>
-                  <a:pt x="48400" y="110986"/>
-                </a:lnTo>
-                <a:lnTo>
-                  <a:pt x="51387" y="111054"/>
-                </a:lnTo>
-                <a:lnTo>
-                  <a:pt x="56071" y="111122"/>
-                </a:lnTo>
-                <a:lnTo>
-                  <a:pt x="87092" y="111122"/>
-                </a:lnTo>
-                <a:lnTo>
-                  <a:pt x="91708" y="111054"/>
-                </a:lnTo>
-                <a:lnTo>
-                  <a:pt x="94695" y="110986"/>
-                </a:lnTo>
-                <a:lnTo>
-                  <a:pt x="95578" y="110918"/>
-                </a:lnTo>
-                <a:lnTo>
-                  <a:pt x="96053" y="110850"/>
-                </a:lnTo>
-                <a:lnTo>
-                  <a:pt x="96121" y="110783"/>
-                </a:lnTo>
-                <a:lnTo>
-                  <a:pt x="96121" y="110579"/>
-                </a:lnTo>
-                <a:lnTo>
-                  <a:pt x="96053" y="110511"/>
-                </a:lnTo>
-                <a:lnTo>
-                  <a:pt x="95713" y="110443"/>
-                </a:lnTo>
-                <a:lnTo>
-                  <a:pt x="95102" y="110307"/>
-                </a:lnTo>
-                <a:lnTo>
-                  <a:pt x="93473" y="110036"/>
-                </a:lnTo>
-                <a:lnTo>
-                  <a:pt x="91369" y="109696"/>
-                </a:lnTo>
-                <a:lnTo>
-                  <a:pt x="90487" y="109493"/>
-                </a:lnTo>
-                <a:lnTo>
-                  <a:pt x="89943" y="109357"/>
-                </a:lnTo>
-                <a:lnTo>
-                  <a:pt x="89740" y="109153"/>
-                </a:lnTo>
-                <a:lnTo>
-                  <a:pt x="89536" y="108746"/>
-                </a:lnTo>
-                <a:lnTo>
-                  <a:pt x="89333" y="108203"/>
-                </a:lnTo>
-                <a:lnTo>
-                  <a:pt x="89197" y="107388"/>
-                </a:lnTo>
-                <a:lnTo>
-                  <a:pt x="88789" y="105284"/>
-                </a:lnTo>
-                <a:lnTo>
-                  <a:pt x="88382" y="102297"/>
-                </a:lnTo>
-                <a:lnTo>
-                  <a:pt x="88043" y="98971"/>
-                </a:lnTo>
-                <a:lnTo>
-                  <a:pt x="87839" y="95713"/>
-                </a:lnTo>
-                <a:close/>
-                <a:moveTo>
-                  <a:pt x="47450" y="111054"/>
-                </a:moveTo>
-                <a:lnTo>
-                  <a:pt x="47450" y="111122"/>
-                </a:lnTo>
-                <a:lnTo>
-                  <a:pt x="47450" y="111393"/>
-                </a:lnTo>
-                <a:lnTo>
-                  <a:pt x="47518" y="111461"/>
-                </a:lnTo>
-                <a:lnTo>
-                  <a:pt x="48807" y="111529"/>
-                </a:lnTo>
-                <a:lnTo>
-                  <a:pt x="52473" y="111597"/>
-                </a:lnTo>
-                <a:lnTo>
-                  <a:pt x="62384" y="111665"/>
-                </a:lnTo>
-                <a:lnTo>
-                  <a:pt x="80779" y="111665"/>
-                </a:lnTo>
-                <a:lnTo>
-                  <a:pt x="90622" y="111597"/>
-                </a:lnTo>
-                <a:lnTo>
-                  <a:pt x="94356" y="111529"/>
-                </a:lnTo>
-                <a:lnTo>
-                  <a:pt x="95646" y="111461"/>
-                </a:lnTo>
-                <a:lnTo>
-                  <a:pt x="95713" y="111393"/>
-                </a:lnTo>
-                <a:lnTo>
-                  <a:pt x="95713" y="111122"/>
-                </a:lnTo>
-                <a:lnTo>
-                  <a:pt x="95646" y="111054"/>
-                </a:lnTo>
-                <a:lnTo>
-                  <a:pt x="94084" y="111122"/>
-                </a:lnTo>
-                <a:lnTo>
-                  <a:pt x="91233" y="111190"/>
-                </a:lnTo>
-                <a:lnTo>
-                  <a:pt x="80847" y="111258"/>
-                </a:lnTo>
-                <a:lnTo>
-                  <a:pt x="62316" y="111258"/>
-                </a:lnTo>
-                <a:lnTo>
-                  <a:pt x="51930" y="111190"/>
-                </a:lnTo>
-                <a:lnTo>
-                  <a:pt x="49079" y="111122"/>
-                </a:lnTo>
-                <a:lnTo>
-                  <a:pt x="47518" y="111054"/>
-                </a:lnTo>
-                <a:close/>
-              </a:path>
-            </a:pathLst>
-          </a:custGeom>
-          <a:solidFill>
-            <a:srgbClr val="FFFFFF"/>
-          </a:solidFill>
-          <a:ln w="19050" cap="flat" cmpd="sng">
-            <a:solidFill>
-              <a:srgbClr val="000000"/>
-            </a:solidFill>
-            <a:prstDash val="solid"/>
-            <a:round/>
-            <a:headEnd type="none" w="med" len="med"/>
-            <a:tailEnd type="none" w="med" len="med"/>
-          </a:ln>
-        </p:spPr>
-        <p:txBody>
-          <a:bodyPr lIns="91425" tIns="91425" rIns="91425" bIns="91425" anchor="ctr" anchorCtr="0">
-            <a:noAutofit/>
-          </a:bodyPr>
-          <a:lstStyle/>
-          <a:p>
-            <a:pPr lvl="0">
-              <a:spcBef>
-                <a:spcPts val="0"/>
-              </a:spcBef>
-              <a:buNone/>
-            </a:pPr>
-            <a:endParaRPr/>
-          </a:p>
-        </p:txBody>
-      </p:sp>
-      <p:sp>
-        <p:nvSpPr>
-          <p:cNvPr id="26" name="Shape 292"/>
-          <p:cNvSpPr/>
-          <p:nvPr/>
-        </p:nvSpPr>
-        <p:spPr>
-          <a:xfrm>
-            <a:off x="14489839" y="4840524"/>
-            <a:ext cx="683221" cy="662882"/>
-          </a:xfrm>
-          <a:custGeom>
-            <a:avLst/>
-            <a:gdLst/>
-            <a:ahLst/>
-            <a:cxnLst/>
-            <a:rect l="0" t="0" r="0" b="0"/>
-            <a:pathLst>
-              <a:path w="143434" h="111665" extrusionOk="0">
-                <a:moveTo>
-                  <a:pt x="71751" y="2308"/>
-                </a:moveTo>
-                <a:lnTo>
-                  <a:pt x="71887" y="2376"/>
-                </a:lnTo>
-                <a:lnTo>
-                  <a:pt x="72091" y="2444"/>
-                </a:lnTo>
-                <a:lnTo>
-                  <a:pt x="72159" y="2647"/>
-                </a:lnTo>
-                <a:lnTo>
-                  <a:pt x="72226" y="2783"/>
-                </a:lnTo>
-                <a:lnTo>
-                  <a:pt x="72159" y="2987"/>
-                </a:lnTo>
-                <a:lnTo>
-                  <a:pt x="72091" y="3190"/>
-                </a:lnTo>
-                <a:lnTo>
-                  <a:pt x="71887" y="3258"/>
-                </a:lnTo>
-                <a:lnTo>
-                  <a:pt x="71751" y="3326"/>
-                </a:lnTo>
-                <a:lnTo>
-                  <a:pt x="71548" y="3258"/>
-                </a:lnTo>
-                <a:lnTo>
-                  <a:pt x="71344" y="3190"/>
-                </a:lnTo>
-                <a:lnTo>
-                  <a:pt x="71276" y="2987"/>
-                </a:lnTo>
-                <a:lnTo>
-                  <a:pt x="71208" y="2783"/>
-                </a:lnTo>
-                <a:lnTo>
-                  <a:pt x="71276" y="2647"/>
-                </a:lnTo>
-                <a:lnTo>
-                  <a:pt x="71344" y="2444"/>
-                </a:lnTo>
-                <a:lnTo>
-                  <a:pt x="71548" y="2376"/>
-                </a:lnTo>
-                <a:lnTo>
-                  <a:pt x="71751" y="2308"/>
-                </a:lnTo>
-                <a:close/>
-                <a:moveTo>
-                  <a:pt x="137528" y="5906"/>
-                </a:moveTo>
-                <a:lnTo>
-                  <a:pt x="137596" y="5974"/>
-                </a:lnTo>
-                <a:lnTo>
-                  <a:pt x="137596" y="89604"/>
-                </a:lnTo>
-                <a:lnTo>
-                  <a:pt x="5906" y="89604"/>
-                </a:lnTo>
-                <a:lnTo>
-                  <a:pt x="5906" y="5974"/>
-                </a:lnTo>
-                <a:lnTo>
-                  <a:pt x="5906" y="5906"/>
-                </a:lnTo>
-                <a:close/>
-                <a:moveTo>
-                  <a:pt x="3530" y="0"/>
-                </a:moveTo>
-                <a:lnTo>
-                  <a:pt x="3191" y="68"/>
-                </a:lnTo>
-                <a:lnTo>
-                  <a:pt x="2444" y="339"/>
-                </a:lnTo>
-                <a:lnTo>
-                  <a:pt x="1766" y="679"/>
-                </a:lnTo>
-                <a:lnTo>
-                  <a:pt x="1155" y="1154"/>
-                </a:lnTo>
-                <a:lnTo>
-                  <a:pt x="679" y="1765"/>
-                </a:lnTo>
-                <a:lnTo>
-                  <a:pt x="272" y="2444"/>
-                </a:lnTo>
-                <a:lnTo>
-                  <a:pt x="69" y="3190"/>
-                </a:lnTo>
-                <a:lnTo>
-                  <a:pt x="1" y="3598"/>
-                </a:lnTo>
-                <a:lnTo>
-                  <a:pt x="1" y="4005"/>
-                </a:lnTo>
-                <a:lnTo>
-                  <a:pt x="1" y="91572"/>
-                </a:lnTo>
-                <a:lnTo>
-                  <a:pt x="1" y="91979"/>
-                </a:lnTo>
-                <a:lnTo>
-                  <a:pt x="69" y="92319"/>
-                </a:lnTo>
-                <a:lnTo>
-                  <a:pt x="272" y="93065"/>
-                </a:lnTo>
-                <a:lnTo>
-                  <a:pt x="679" y="93744"/>
-                </a:lnTo>
-                <a:lnTo>
-                  <a:pt x="1155" y="94355"/>
-                </a:lnTo>
-                <a:lnTo>
-                  <a:pt x="1766" y="94830"/>
-                </a:lnTo>
-                <a:lnTo>
-                  <a:pt x="2444" y="95238"/>
-                </a:lnTo>
-                <a:lnTo>
-                  <a:pt x="3191" y="95441"/>
-                </a:lnTo>
-                <a:lnTo>
-                  <a:pt x="3530" y="95509"/>
-                </a:lnTo>
-                <a:lnTo>
-                  <a:pt x="139904" y="95509"/>
-                </a:lnTo>
-                <a:lnTo>
-                  <a:pt x="140311" y="95441"/>
-                </a:lnTo>
-                <a:lnTo>
-                  <a:pt x="141058" y="95238"/>
-                </a:lnTo>
-                <a:lnTo>
-                  <a:pt x="141737" y="94830"/>
-                </a:lnTo>
-                <a:lnTo>
-                  <a:pt x="142280" y="94355"/>
-                </a:lnTo>
-                <a:lnTo>
-                  <a:pt x="142755" y="93744"/>
-                </a:lnTo>
-                <a:lnTo>
-                  <a:pt x="143162" y="93065"/>
-                </a:lnTo>
-                <a:lnTo>
-                  <a:pt x="143366" y="92319"/>
-                </a:lnTo>
-                <a:lnTo>
-                  <a:pt x="143434" y="91979"/>
-                </a:lnTo>
-                <a:lnTo>
-                  <a:pt x="143434" y="91572"/>
-                </a:lnTo>
-                <a:lnTo>
-                  <a:pt x="143434" y="4005"/>
-                </a:lnTo>
-                <a:lnTo>
-                  <a:pt x="143434" y="3598"/>
-                </a:lnTo>
-                <a:lnTo>
-                  <a:pt x="143366" y="3190"/>
-                </a:lnTo>
-                <a:lnTo>
-                  <a:pt x="143162" y="2444"/>
-                </a:lnTo>
-                <a:lnTo>
-                  <a:pt x="142755" y="1765"/>
-                </a:lnTo>
-                <a:lnTo>
-                  <a:pt x="142280" y="1154"/>
-                </a:lnTo>
-                <a:lnTo>
-                  <a:pt x="141737" y="679"/>
-                </a:lnTo>
-                <a:lnTo>
-                  <a:pt x="141058" y="339"/>
-                </a:lnTo>
-                <a:lnTo>
-                  <a:pt x="140311" y="68"/>
-                </a:lnTo>
-                <a:lnTo>
-                  <a:pt x="139904" y="0"/>
-                </a:lnTo>
-                <a:close/>
-                <a:moveTo>
-                  <a:pt x="55324" y="95713"/>
-                </a:moveTo>
-                <a:lnTo>
-                  <a:pt x="55052" y="98971"/>
-                </a:lnTo>
-                <a:lnTo>
-                  <a:pt x="54713" y="102297"/>
-                </a:lnTo>
-                <a:lnTo>
-                  <a:pt x="54374" y="105284"/>
-                </a:lnTo>
-                <a:lnTo>
-                  <a:pt x="53966" y="107388"/>
-                </a:lnTo>
-                <a:lnTo>
-                  <a:pt x="53763" y="108203"/>
-                </a:lnTo>
-                <a:lnTo>
-                  <a:pt x="53627" y="108746"/>
-                </a:lnTo>
-                <a:lnTo>
-                  <a:pt x="53423" y="109153"/>
-                </a:lnTo>
-                <a:lnTo>
-                  <a:pt x="53220" y="109357"/>
-                </a:lnTo>
-                <a:lnTo>
-                  <a:pt x="52677" y="109493"/>
-                </a:lnTo>
-                <a:lnTo>
-                  <a:pt x="51794" y="109696"/>
-                </a:lnTo>
-                <a:lnTo>
-                  <a:pt x="49690" y="110036"/>
-                </a:lnTo>
-                <a:lnTo>
-                  <a:pt x="48061" y="110307"/>
-                </a:lnTo>
-                <a:lnTo>
-                  <a:pt x="47450" y="110443"/>
-                </a:lnTo>
-                <a:lnTo>
-                  <a:pt x="47110" y="110511"/>
-                </a:lnTo>
-                <a:lnTo>
-                  <a:pt x="47042" y="110579"/>
-                </a:lnTo>
-                <a:lnTo>
-                  <a:pt x="47042" y="110783"/>
-                </a:lnTo>
-                <a:lnTo>
-                  <a:pt x="47110" y="110850"/>
-                </a:lnTo>
-                <a:lnTo>
-                  <a:pt x="47585" y="110918"/>
-                </a:lnTo>
-                <a:lnTo>
-                  <a:pt x="48400" y="110986"/>
-                </a:lnTo>
-                <a:lnTo>
-                  <a:pt x="51387" y="111054"/>
-                </a:lnTo>
-                <a:lnTo>
-                  <a:pt x="56071" y="111122"/>
-                </a:lnTo>
-                <a:lnTo>
-                  <a:pt x="87092" y="111122"/>
-                </a:lnTo>
-                <a:lnTo>
-                  <a:pt x="91708" y="111054"/>
-                </a:lnTo>
-                <a:lnTo>
-                  <a:pt x="94695" y="110986"/>
-                </a:lnTo>
-                <a:lnTo>
-                  <a:pt x="95578" y="110918"/>
-                </a:lnTo>
-                <a:lnTo>
-                  <a:pt x="96053" y="110850"/>
-                </a:lnTo>
-                <a:lnTo>
-                  <a:pt x="96121" y="110783"/>
-                </a:lnTo>
-                <a:lnTo>
-                  <a:pt x="96121" y="110579"/>
-                </a:lnTo>
-                <a:lnTo>
-                  <a:pt x="96053" y="110511"/>
-                </a:lnTo>
-                <a:lnTo>
-                  <a:pt x="95713" y="110443"/>
-                </a:lnTo>
-                <a:lnTo>
-                  <a:pt x="95102" y="110307"/>
-                </a:lnTo>
-                <a:lnTo>
-                  <a:pt x="93473" y="110036"/>
-                </a:lnTo>
-                <a:lnTo>
-                  <a:pt x="91369" y="109696"/>
-                </a:lnTo>
-                <a:lnTo>
-                  <a:pt x="90487" y="109493"/>
-                </a:lnTo>
-                <a:lnTo>
-                  <a:pt x="89943" y="109357"/>
-                </a:lnTo>
-                <a:lnTo>
-                  <a:pt x="89740" y="109153"/>
-                </a:lnTo>
-                <a:lnTo>
-                  <a:pt x="89536" y="108746"/>
-                </a:lnTo>
-                <a:lnTo>
-                  <a:pt x="89333" y="108203"/>
-                </a:lnTo>
-                <a:lnTo>
-                  <a:pt x="89197" y="107388"/>
-                </a:lnTo>
-                <a:lnTo>
-                  <a:pt x="88789" y="105284"/>
-                </a:lnTo>
-                <a:lnTo>
-                  <a:pt x="88382" y="102297"/>
-                </a:lnTo>
-                <a:lnTo>
-                  <a:pt x="88043" y="98971"/>
-                </a:lnTo>
-                <a:lnTo>
-                  <a:pt x="87839" y="95713"/>
-                </a:lnTo>
-                <a:close/>
-                <a:moveTo>
-                  <a:pt x="47450" y="111054"/>
-                </a:moveTo>
-                <a:lnTo>
-                  <a:pt x="47450" y="111122"/>
-                </a:lnTo>
-                <a:lnTo>
-                  <a:pt x="47450" y="111393"/>
-                </a:lnTo>
-                <a:lnTo>
-                  <a:pt x="47518" y="111461"/>
-                </a:lnTo>
-                <a:lnTo>
-                  <a:pt x="48807" y="111529"/>
-                </a:lnTo>
-                <a:lnTo>
-                  <a:pt x="52473" y="111597"/>
-                </a:lnTo>
-                <a:lnTo>
-                  <a:pt x="62384" y="111665"/>
-                </a:lnTo>
-                <a:lnTo>
-                  <a:pt x="80779" y="111665"/>
-                </a:lnTo>
-                <a:lnTo>
-                  <a:pt x="90622" y="111597"/>
-                </a:lnTo>
-                <a:lnTo>
-                  <a:pt x="94356" y="111529"/>
-                </a:lnTo>
-                <a:lnTo>
-                  <a:pt x="95646" y="111461"/>
-                </a:lnTo>
-                <a:lnTo>
-                  <a:pt x="95713" y="111393"/>
-                </a:lnTo>
-                <a:lnTo>
-                  <a:pt x="95713" y="111122"/>
-                </a:lnTo>
-                <a:lnTo>
-                  <a:pt x="95646" y="111054"/>
-                </a:lnTo>
-                <a:lnTo>
-                  <a:pt x="94084" y="111122"/>
-                </a:lnTo>
-                <a:lnTo>
-                  <a:pt x="91233" y="111190"/>
-                </a:lnTo>
-                <a:lnTo>
-                  <a:pt x="80847" y="111258"/>
-                </a:lnTo>
-                <a:lnTo>
-                  <a:pt x="62316" y="111258"/>
-                </a:lnTo>
-                <a:lnTo>
-                  <a:pt x="51930" y="111190"/>
-                </a:lnTo>
-                <a:lnTo>
-                  <a:pt x="49079" y="111122"/>
-                </a:lnTo>
-                <a:lnTo>
-                  <a:pt x="47518" y="111054"/>
-                </a:lnTo>
-                <a:close/>
-              </a:path>
-            </a:pathLst>
-          </a:custGeom>
-          <a:solidFill>
-            <a:srgbClr val="FFFFFF"/>
-          </a:solidFill>
-          <a:ln w="19050" cap="flat" cmpd="sng">
-            <a:solidFill>
-              <a:srgbClr val="000000"/>
-            </a:solidFill>
-            <a:prstDash val="solid"/>
-            <a:round/>
-            <a:headEnd type="none" w="med" len="med"/>
-            <a:tailEnd type="none" w="med" len="med"/>
-          </a:ln>
-        </p:spPr>
-        <p:txBody>
-          <a:bodyPr lIns="91425" tIns="91425" rIns="91425" bIns="91425" anchor="ctr" anchorCtr="0">
-            <a:noAutofit/>
-          </a:bodyPr>
-          <a:lstStyle/>
-          <a:p>
-            <a:pPr lvl="0">
-              <a:spcBef>
-                <a:spcPts val="0"/>
-              </a:spcBef>
-              <a:buNone/>
-            </a:pPr>
-            <a:endParaRPr/>
-          </a:p>
-        </p:txBody>
-      </p:sp>
-      <p:sp>
-        <p:nvSpPr>
-          <p:cNvPr id="27" name="Shape 292"/>
-          <p:cNvSpPr/>
-          <p:nvPr/>
-        </p:nvSpPr>
-        <p:spPr>
-          <a:xfrm>
-            <a:off x="14489839" y="4012690"/>
-            <a:ext cx="683221" cy="662882"/>
-          </a:xfrm>
-          <a:custGeom>
-            <a:avLst/>
-            <a:gdLst/>
-            <a:ahLst/>
-            <a:cxnLst/>
-            <a:rect l="0" t="0" r="0" b="0"/>
-            <a:pathLst>
-              <a:path w="143434" h="111665" extrusionOk="0">
-                <a:moveTo>
-                  <a:pt x="71751" y="2308"/>
-                </a:moveTo>
-                <a:lnTo>
-                  <a:pt x="71887" y="2376"/>
-                </a:lnTo>
-                <a:lnTo>
-                  <a:pt x="72091" y="2444"/>
-                </a:lnTo>
-                <a:lnTo>
-                  <a:pt x="72159" y="2647"/>
-                </a:lnTo>
-                <a:lnTo>
-                  <a:pt x="72226" y="2783"/>
-                </a:lnTo>
-                <a:lnTo>
-                  <a:pt x="72159" y="2987"/>
-                </a:lnTo>
-                <a:lnTo>
-                  <a:pt x="72091" y="3190"/>
-                </a:lnTo>
-                <a:lnTo>
-                  <a:pt x="71887" y="3258"/>
-                </a:lnTo>
-                <a:lnTo>
-                  <a:pt x="71751" y="3326"/>
-                </a:lnTo>
-                <a:lnTo>
-                  <a:pt x="71548" y="3258"/>
-                </a:lnTo>
-                <a:lnTo>
-                  <a:pt x="71344" y="3190"/>
-                </a:lnTo>
-                <a:lnTo>
-                  <a:pt x="71276" y="2987"/>
-                </a:lnTo>
-                <a:lnTo>
-                  <a:pt x="71208" y="2783"/>
-                </a:lnTo>
-                <a:lnTo>
-                  <a:pt x="71276" y="2647"/>
-                </a:lnTo>
-                <a:lnTo>
-                  <a:pt x="71344" y="2444"/>
-                </a:lnTo>
-                <a:lnTo>
-                  <a:pt x="71548" y="2376"/>
-                </a:lnTo>
-                <a:lnTo>
-                  <a:pt x="71751" y="2308"/>
-                </a:lnTo>
-                <a:close/>
-                <a:moveTo>
-                  <a:pt x="137528" y="5906"/>
-                </a:moveTo>
-                <a:lnTo>
-                  <a:pt x="137596" y="5974"/>
-                </a:lnTo>
-                <a:lnTo>
-                  <a:pt x="137596" y="89604"/>
-                </a:lnTo>
-                <a:lnTo>
-                  <a:pt x="5906" y="89604"/>
-                </a:lnTo>
-                <a:lnTo>
-                  <a:pt x="5906" y="5974"/>
-                </a:lnTo>
-                <a:lnTo>
-                  <a:pt x="5906" y="5906"/>
-                </a:lnTo>
-                <a:close/>
-                <a:moveTo>
-                  <a:pt x="3530" y="0"/>
-                </a:moveTo>
-                <a:lnTo>
-                  <a:pt x="3191" y="68"/>
-                </a:lnTo>
-                <a:lnTo>
-                  <a:pt x="2444" y="339"/>
-                </a:lnTo>
-                <a:lnTo>
-                  <a:pt x="1766" y="679"/>
-                </a:lnTo>
-                <a:lnTo>
-                  <a:pt x="1155" y="1154"/>
-                </a:lnTo>
-                <a:lnTo>
-                  <a:pt x="679" y="1765"/>
-                </a:lnTo>
-                <a:lnTo>
-                  <a:pt x="272" y="2444"/>
-                </a:lnTo>
-                <a:lnTo>
-                  <a:pt x="69" y="3190"/>
-                </a:lnTo>
-                <a:lnTo>
-                  <a:pt x="1" y="3598"/>
-                </a:lnTo>
-                <a:lnTo>
-                  <a:pt x="1" y="4005"/>
-                </a:lnTo>
-                <a:lnTo>
-                  <a:pt x="1" y="91572"/>
-                </a:lnTo>
-                <a:lnTo>
-                  <a:pt x="1" y="91979"/>
-                </a:lnTo>
-                <a:lnTo>
-                  <a:pt x="69" y="92319"/>
-                </a:lnTo>
-                <a:lnTo>
-                  <a:pt x="272" y="93065"/>
-                </a:lnTo>
-                <a:lnTo>
-                  <a:pt x="679" y="93744"/>
-                </a:lnTo>
-                <a:lnTo>
-                  <a:pt x="1155" y="94355"/>
-                </a:lnTo>
-                <a:lnTo>
-                  <a:pt x="1766" y="94830"/>
-                </a:lnTo>
-                <a:lnTo>
-                  <a:pt x="2444" y="95238"/>
-                </a:lnTo>
-                <a:lnTo>
-                  <a:pt x="3191" y="95441"/>
-                </a:lnTo>
-                <a:lnTo>
-                  <a:pt x="3530" y="95509"/>
-                </a:lnTo>
-                <a:lnTo>
-                  <a:pt x="139904" y="95509"/>
-                </a:lnTo>
-                <a:lnTo>
-                  <a:pt x="140311" y="95441"/>
-                </a:lnTo>
-                <a:lnTo>
-                  <a:pt x="141058" y="95238"/>
-                </a:lnTo>
-                <a:lnTo>
-                  <a:pt x="141737" y="94830"/>
-                </a:lnTo>
-                <a:lnTo>
-                  <a:pt x="142280" y="94355"/>
-                </a:lnTo>
-                <a:lnTo>
-                  <a:pt x="142755" y="93744"/>
-                </a:lnTo>
-                <a:lnTo>
-                  <a:pt x="143162" y="93065"/>
-                </a:lnTo>
-                <a:lnTo>
-                  <a:pt x="143366" y="92319"/>
-                </a:lnTo>
-                <a:lnTo>
-                  <a:pt x="143434" y="91979"/>
-                </a:lnTo>
-                <a:lnTo>
-                  <a:pt x="143434" y="91572"/>
-                </a:lnTo>
-                <a:lnTo>
-                  <a:pt x="143434" y="4005"/>
-                </a:lnTo>
-                <a:lnTo>
-                  <a:pt x="143434" y="3598"/>
-                </a:lnTo>
-                <a:lnTo>
-                  <a:pt x="143366" y="3190"/>
-                </a:lnTo>
-                <a:lnTo>
-                  <a:pt x="143162" y="2444"/>
-                </a:lnTo>
-                <a:lnTo>
-                  <a:pt x="142755" y="1765"/>
-                </a:lnTo>
-                <a:lnTo>
-                  <a:pt x="142280" y="1154"/>
-                </a:lnTo>
-                <a:lnTo>
-                  <a:pt x="141737" y="679"/>
-                </a:lnTo>
-                <a:lnTo>
-                  <a:pt x="141058" y="339"/>
-                </a:lnTo>
-                <a:lnTo>
-                  <a:pt x="140311" y="68"/>
-                </a:lnTo>
-                <a:lnTo>
-                  <a:pt x="139904" y="0"/>
-                </a:lnTo>
-                <a:close/>
-                <a:moveTo>
-                  <a:pt x="55324" y="95713"/>
-                </a:moveTo>
-                <a:lnTo>
-                  <a:pt x="55052" y="98971"/>
-                </a:lnTo>
-                <a:lnTo>
-                  <a:pt x="54713" y="102297"/>
-                </a:lnTo>
-                <a:lnTo>
-                  <a:pt x="54374" y="105284"/>
-                </a:lnTo>
-                <a:lnTo>
-                  <a:pt x="53966" y="107388"/>
-                </a:lnTo>
-                <a:lnTo>
-                  <a:pt x="53763" y="108203"/>
-                </a:lnTo>
-                <a:lnTo>
-                  <a:pt x="53627" y="108746"/>
-                </a:lnTo>
-                <a:lnTo>
-                  <a:pt x="53423" y="109153"/>
-                </a:lnTo>
-                <a:lnTo>
-                  <a:pt x="53220" y="109357"/>
-                </a:lnTo>
-                <a:lnTo>
-                  <a:pt x="52677" y="109493"/>
-                </a:lnTo>
-                <a:lnTo>
-                  <a:pt x="51794" y="109696"/>
-                </a:lnTo>
-                <a:lnTo>
-                  <a:pt x="49690" y="110036"/>
-                </a:lnTo>
-                <a:lnTo>
-                  <a:pt x="48061" y="110307"/>
-                </a:lnTo>
-                <a:lnTo>
-                  <a:pt x="47450" y="110443"/>
-                </a:lnTo>
-                <a:lnTo>
-                  <a:pt x="47110" y="110511"/>
-                </a:lnTo>
-                <a:lnTo>
-                  <a:pt x="47042" y="110579"/>
-                </a:lnTo>
-                <a:lnTo>
-                  <a:pt x="47042" y="110783"/>
-                </a:lnTo>
-                <a:lnTo>
-                  <a:pt x="47110" y="110850"/>
-                </a:lnTo>
-                <a:lnTo>
-                  <a:pt x="47585" y="110918"/>
-                </a:lnTo>
-                <a:lnTo>
-                  <a:pt x="48400" y="110986"/>
-                </a:lnTo>
-                <a:lnTo>
-                  <a:pt x="51387" y="111054"/>
-                </a:lnTo>
-                <a:lnTo>
-                  <a:pt x="56071" y="111122"/>
-                </a:lnTo>
-                <a:lnTo>
-                  <a:pt x="87092" y="111122"/>
-                </a:lnTo>
-                <a:lnTo>
-                  <a:pt x="91708" y="111054"/>
-                </a:lnTo>
-                <a:lnTo>
-                  <a:pt x="94695" y="110986"/>
-                </a:lnTo>
-                <a:lnTo>
-                  <a:pt x="95578" y="110918"/>
-                </a:lnTo>
-                <a:lnTo>
-                  <a:pt x="96053" y="110850"/>
-                </a:lnTo>
-                <a:lnTo>
-                  <a:pt x="96121" y="110783"/>
-                </a:lnTo>
-                <a:lnTo>
-                  <a:pt x="96121" y="110579"/>
-                </a:lnTo>
-                <a:lnTo>
-                  <a:pt x="96053" y="110511"/>
-                </a:lnTo>
-                <a:lnTo>
-                  <a:pt x="95713" y="110443"/>
-                </a:lnTo>
-                <a:lnTo>
-                  <a:pt x="95102" y="110307"/>
-                </a:lnTo>
-                <a:lnTo>
-                  <a:pt x="93473" y="110036"/>
-                </a:lnTo>
-                <a:lnTo>
-                  <a:pt x="91369" y="109696"/>
-                </a:lnTo>
-                <a:lnTo>
-                  <a:pt x="90487" y="109493"/>
-                </a:lnTo>
-                <a:lnTo>
-                  <a:pt x="89943" y="109357"/>
-                </a:lnTo>
-                <a:lnTo>
-                  <a:pt x="89740" y="109153"/>
-                </a:lnTo>
-                <a:lnTo>
-                  <a:pt x="89536" y="108746"/>
-                </a:lnTo>
-                <a:lnTo>
-                  <a:pt x="89333" y="108203"/>
-                </a:lnTo>
-                <a:lnTo>
-                  <a:pt x="89197" y="107388"/>
-                </a:lnTo>
-                <a:lnTo>
-                  <a:pt x="88789" y="105284"/>
-                </a:lnTo>
-                <a:lnTo>
-                  <a:pt x="88382" y="102297"/>
-                </a:lnTo>
-                <a:lnTo>
-                  <a:pt x="88043" y="98971"/>
-                </a:lnTo>
-                <a:lnTo>
-                  <a:pt x="87839" y="95713"/>
-                </a:lnTo>
-                <a:close/>
-                <a:moveTo>
-                  <a:pt x="47450" y="111054"/>
-                </a:moveTo>
-                <a:lnTo>
-                  <a:pt x="47450" y="111122"/>
-                </a:lnTo>
-                <a:lnTo>
-                  <a:pt x="47450" y="111393"/>
-                </a:lnTo>
-                <a:lnTo>
-                  <a:pt x="47518" y="111461"/>
-                </a:lnTo>
-                <a:lnTo>
-                  <a:pt x="48807" y="111529"/>
-                </a:lnTo>
-                <a:lnTo>
-                  <a:pt x="52473" y="111597"/>
-                </a:lnTo>
-                <a:lnTo>
-                  <a:pt x="62384" y="111665"/>
-                </a:lnTo>
-                <a:lnTo>
-                  <a:pt x="80779" y="111665"/>
-                </a:lnTo>
-                <a:lnTo>
-                  <a:pt x="90622" y="111597"/>
-                </a:lnTo>
-                <a:lnTo>
-                  <a:pt x="94356" y="111529"/>
-                </a:lnTo>
-                <a:lnTo>
-                  <a:pt x="95646" y="111461"/>
-                </a:lnTo>
-                <a:lnTo>
-                  <a:pt x="95713" y="111393"/>
-                </a:lnTo>
-                <a:lnTo>
-                  <a:pt x="95713" y="111122"/>
-                </a:lnTo>
-                <a:lnTo>
-                  <a:pt x="95646" y="111054"/>
-                </a:lnTo>
-                <a:lnTo>
-                  <a:pt x="94084" y="111122"/>
-                </a:lnTo>
-                <a:lnTo>
-                  <a:pt x="91233" y="111190"/>
-                </a:lnTo>
-                <a:lnTo>
-                  <a:pt x="80847" y="111258"/>
-                </a:lnTo>
-                <a:lnTo>
-                  <a:pt x="62316" y="111258"/>
-                </a:lnTo>
-                <a:lnTo>
-                  <a:pt x="51930" y="111190"/>
-                </a:lnTo>
-                <a:lnTo>
-                  <a:pt x="49079" y="111122"/>
-                </a:lnTo>
-                <a:lnTo>
-                  <a:pt x="47518" y="111054"/>
-                </a:lnTo>
-                <a:close/>
-              </a:path>
-            </a:pathLst>
-          </a:custGeom>
-          <a:solidFill>
-            <a:srgbClr val="FFFFFF"/>
-          </a:solidFill>
-          <a:ln w="19050" cap="flat" cmpd="sng">
-            <a:solidFill>
-              <a:srgbClr val="000000"/>
-            </a:solidFill>
-            <a:prstDash val="solid"/>
-            <a:round/>
-            <a:headEnd type="none" w="med" len="med"/>
-            <a:tailEnd type="none" w="med" len="med"/>
-          </a:ln>
-        </p:spPr>
-        <p:txBody>
-          <a:bodyPr lIns="91425" tIns="91425" rIns="91425" bIns="91425" anchor="ctr" anchorCtr="0">
-            <a:noAutofit/>
-          </a:bodyPr>
-          <a:lstStyle/>
-          <a:p>
-            <a:pPr lvl="0">
-              <a:spcBef>
-                <a:spcPts val="0"/>
-              </a:spcBef>
-              <a:buNone/>
-            </a:pPr>
-            <a:endParaRPr/>
-          </a:p>
-        </p:txBody>
-      </p:sp>
-      <p:cxnSp>
-        <p:nvCxnSpPr>
-          <p:cNvPr id="28" name="Straight Arrow Connector 27"/>
-          <p:cNvCxnSpPr/>
-          <p:nvPr/>
-        </p:nvCxnSpPr>
-        <p:spPr>
-          <a:xfrm flipH="1">
-            <a:off x="13006791" y="4215478"/>
-            <a:ext cx="1347475" cy="460094"/>
-          </a:xfrm>
-          <a:prstGeom prst="straightConnector1">
-            <a:avLst/>
-          </a:prstGeom>
-          <a:ln>
-            <a:tailEnd type="triangle"/>
-          </a:ln>
-        </p:spPr>
-        <p:style>
-          <a:lnRef idx="1">
-            <a:schemeClr val="accent1"/>
-          </a:lnRef>
-          <a:fillRef idx="0">
-            <a:schemeClr val="accent1"/>
-          </a:fillRef>
-          <a:effectRef idx="0">
-            <a:schemeClr val="accent1"/>
-          </a:effectRef>
-          <a:fontRef idx="minor">
-            <a:schemeClr val="tx1"/>
-          </a:fontRef>
-        </p:style>
-      </p:cxnSp>
-      <p:cxnSp>
-        <p:nvCxnSpPr>
-          <p:cNvPr id="29" name="Straight Arrow Connector 28"/>
-          <p:cNvCxnSpPr/>
-          <p:nvPr/>
-        </p:nvCxnSpPr>
-        <p:spPr>
-          <a:xfrm flipH="1" flipV="1">
-            <a:off x="13278746" y="6335850"/>
-            <a:ext cx="961099" cy="611374"/>
-          </a:xfrm>
-          <a:prstGeom prst="straightConnector1">
-            <a:avLst/>
-          </a:prstGeom>
-          <a:ln>
-            <a:tailEnd type="triangle"/>
-          </a:ln>
-        </p:spPr>
-        <p:style>
-          <a:lnRef idx="1">
-            <a:schemeClr val="accent1"/>
-          </a:lnRef>
-          <a:fillRef idx="0">
-            <a:schemeClr val="accent1"/>
-          </a:fillRef>
-          <a:effectRef idx="0">
-            <a:schemeClr val="accent1"/>
-          </a:effectRef>
-          <a:fontRef idx="minor">
-            <a:schemeClr val="tx1"/>
-          </a:fontRef>
-        </p:style>
-      </p:cxnSp>
-      <p:cxnSp>
-        <p:nvCxnSpPr>
-          <p:cNvPr id="30" name="Straight Arrow Connector 29"/>
-          <p:cNvCxnSpPr/>
-          <p:nvPr/>
-        </p:nvCxnSpPr>
-        <p:spPr>
-          <a:xfrm flipH="1" flipV="1">
-            <a:off x="12303793" y="6615783"/>
-            <a:ext cx="2071626" cy="2242037"/>
-          </a:xfrm>
-          <a:prstGeom prst="straightConnector1">
-            <a:avLst/>
-          </a:prstGeom>
-          <a:ln>
-            <a:tailEnd type="triangle"/>
-          </a:ln>
-        </p:spPr>
-        <p:style>
-          <a:lnRef idx="1">
-            <a:schemeClr val="accent1"/>
-          </a:lnRef>
-          <a:fillRef idx="0">
-            <a:schemeClr val="accent1"/>
-          </a:fillRef>
-          <a:effectRef idx="0">
-            <a:schemeClr val="accent1"/>
-          </a:effectRef>
-          <a:fontRef idx="minor">
-            <a:schemeClr val="tx1"/>
-          </a:fontRef>
-        </p:style>
-      </p:cxnSp>
-      <p:cxnSp>
-        <p:nvCxnSpPr>
-          <p:cNvPr id="31" name="Straight Arrow Connector 30"/>
-          <p:cNvCxnSpPr/>
-          <p:nvPr/>
-        </p:nvCxnSpPr>
-        <p:spPr>
-          <a:xfrm flipH="1" flipV="1">
-            <a:off x="13413708" y="5769117"/>
-            <a:ext cx="940558" cy="451667"/>
-          </a:xfrm>
-          <a:prstGeom prst="straightConnector1">
-            <a:avLst/>
-          </a:prstGeom>
-          <a:ln>
-            <a:tailEnd type="triangle"/>
-          </a:ln>
-        </p:spPr>
-        <p:style>
-          <a:lnRef idx="1">
-            <a:schemeClr val="accent1"/>
-          </a:lnRef>
-          <a:fillRef idx="0">
-            <a:schemeClr val="accent1"/>
-          </a:fillRef>
-          <a:effectRef idx="0">
-            <a:schemeClr val="accent1"/>
-          </a:effectRef>
-          <a:fontRef idx="minor">
-            <a:schemeClr val="tx1"/>
-          </a:fontRef>
-        </p:style>
-      </p:cxnSp>
-      <p:cxnSp>
-        <p:nvCxnSpPr>
-          <p:cNvPr id="32" name="Straight Arrow Connector 31"/>
-          <p:cNvCxnSpPr/>
-          <p:nvPr/>
-        </p:nvCxnSpPr>
-        <p:spPr>
-          <a:xfrm flipH="1">
-            <a:off x="12899539" y="3370086"/>
-            <a:ext cx="1454727" cy="1011647"/>
-          </a:xfrm>
-          <a:prstGeom prst="straightConnector1">
-            <a:avLst/>
-          </a:prstGeom>
-          <a:ln>
-            <a:tailEnd type="triangle"/>
-          </a:ln>
-        </p:spPr>
-        <p:style>
-          <a:lnRef idx="1">
-            <a:schemeClr val="accent1"/>
-          </a:lnRef>
-          <a:fillRef idx="0">
-            <a:schemeClr val="accent1"/>
-          </a:fillRef>
-          <a:effectRef idx="0">
-            <a:schemeClr val="accent1"/>
-          </a:effectRef>
-          <a:fontRef idx="minor">
-            <a:schemeClr val="tx1"/>
-          </a:fontRef>
-        </p:style>
-      </p:cxnSp>
-      <p:cxnSp>
-        <p:nvCxnSpPr>
-          <p:cNvPr id="33" name="Straight Arrow Connector 32"/>
-          <p:cNvCxnSpPr/>
-          <p:nvPr/>
-        </p:nvCxnSpPr>
-        <p:spPr>
-          <a:xfrm flipH="1" flipV="1">
-            <a:off x="12774848" y="6615783"/>
-            <a:ext cx="1586103" cy="1324229"/>
-          </a:xfrm>
-          <a:prstGeom prst="straightConnector1">
-            <a:avLst/>
-          </a:prstGeom>
-          <a:ln>
-            <a:tailEnd type="triangle"/>
-          </a:ln>
-        </p:spPr>
-        <p:style>
-          <a:lnRef idx="1">
-            <a:schemeClr val="accent1"/>
-          </a:lnRef>
-          <a:fillRef idx="0">
-            <a:schemeClr val="accent1"/>
-          </a:fillRef>
-          <a:effectRef idx="0">
-            <a:schemeClr val="accent1"/>
-          </a:effectRef>
-          <a:fontRef idx="minor">
-            <a:schemeClr val="tx1"/>
-          </a:fontRef>
-        </p:style>
-      </p:cxnSp>
-      <p:cxnSp>
-        <p:nvCxnSpPr>
-          <p:cNvPr id="34" name="Straight Arrow Connector 33"/>
-          <p:cNvCxnSpPr/>
-          <p:nvPr/>
-        </p:nvCxnSpPr>
-        <p:spPr>
-          <a:xfrm flipH="1">
-            <a:off x="12622448" y="2732505"/>
-            <a:ext cx="1617397" cy="1305758"/>
-          </a:xfrm>
-          <a:prstGeom prst="straightConnector1">
-            <a:avLst/>
-          </a:prstGeom>
-          <a:ln>
-            <a:tailEnd type="triangle"/>
-          </a:ln>
-        </p:spPr>
-        <p:style>
-          <a:lnRef idx="1">
-            <a:schemeClr val="accent1"/>
-          </a:lnRef>
-          <a:fillRef idx="0">
-            <a:schemeClr val="accent1"/>
-          </a:fillRef>
-          <a:effectRef idx="0">
-            <a:schemeClr val="accent1"/>
-          </a:effectRef>
-          <a:fontRef idx="minor">
-            <a:schemeClr val="tx1"/>
-          </a:fontRef>
-        </p:style>
-      </p:cxnSp>
-      <p:cxnSp>
-        <p:nvCxnSpPr>
-          <p:cNvPr id="38" name="Straight Arrow Connector 37"/>
-          <p:cNvCxnSpPr>
-            <a:cxnSpLocks/>
-          </p:cNvCxnSpPr>
-          <p:nvPr/>
-        </p:nvCxnSpPr>
-        <p:spPr>
-          <a:xfrm flipH="1" flipV="1">
-            <a:off x="3657794" y="4284236"/>
-            <a:ext cx="1986201" cy="2259864"/>
-          </a:xfrm>
-          <a:prstGeom prst="straightConnector1">
-            <a:avLst/>
-          </a:prstGeom>
-          <a:ln>
-            <a:tailEnd type="triangle"/>
-          </a:ln>
-        </p:spPr>
-        <p:style>
-          <a:lnRef idx="1">
-            <a:schemeClr val="accent1"/>
-          </a:lnRef>
-          <a:fillRef idx="0">
-            <a:schemeClr val="accent1"/>
-          </a:fillRef>
-          <a:effectRef idx="0">
-            <a:schemeClr val="accent1"/>
-          </a:effectRef>
-          <a:fontRef idx="minor">
-            <a:schemeClr val="tx1"/>
-          </a:fontRef>
-        </p:style>
-      </p:cxnSp>
-      <p:pic>
-        <p:nvPicPr>
-          <p:cNvPr id="39" name="Picture 38"/>
-          <p:cNvPicPr>
-            <a:picLocks noChangeAspect="1"/>
-          </p:cNvPicPr>
-          <p:nvPr/>
-        </p:nvPicPr>
-        <p:blipFill>
-          <a:blip r:embed="rId4">
-            <a:extLst>
-              <a:ext uri="{28A0092B-C50C-407E-A947-70E740481C1C}">
-                <a14:useLocalDpi xmlns:a14="http://schemas.microsoft.com/office/drawing/2010/main" val="0"/>
-              </a:ext>
-            </a:extLst>
-          </a:blip>
-          <a:stretch>
-            <a:fillRect/>
-          </a:stretch>
-        </p:blipFill>
-        <p:spPr>
-          <a:xfrm>
-            <a:off x="1584648" y="1898246"/>
-            <a:ext cx="2608126" cy="2608126"/>
-          </a:xfrm>
-          <a:prstGeom prst="rect">
-            <a:avLst/>
-          </a:prstGeom>
-        </p:spPr>
-      </p:pic>
-      <p:pic>
-        <p:nvPicPr>
-          <p:cNvPr id="40" name="Picture 39"/>
-          <p:cNvPicPr>
-            <a:picLocks noChangeAspect="1"/>
-          </p:cNvPicPr>
-          <p:nvPr/>
-        </p:nvPicPr>
-        <p:blipFill>
-          <a:blip r:embed="rId4">
-            <a:extLst>
-              <a:ext uri="{28A0092B-C50C-407E-A947-70E740481C1C}">
-                <a14:useLocalDpi xmlns:a14="http://schemas.microsoft.com/office/drawing/2010/main" val="0"/>
-              </a:ext>
-            </a:extLst>
-          </a:blip>
-          <a:stretch>
-            <a:fillRect/>
-          </a:stretch>
-        </p:blipFill>
-        <p:spPr>
-          <a:xfrm>
-            <a:off x="1637154" y="6384184"/>
-            <a:ext cx="2608126" cy="2608126"/>
-          </a:xfrm>
-          <a:prstGeom prst="rect">
-            <a:avLst/>
-          </a:prstGeom>
-        </p:spPr>
-      </p:pic>
-      <p:cxnSp>
-        <p:nvCxnSpPr>
-          <p:cNvPr id="41" name="Straight Arrow Connector 40"/>
-          <p:cNvCxnSpPr>
-            <a:cxnSpLocks/>
-          </p:cNvCxnSpPr>
-          <p:nvPr/>
-        </p:nvCxnSpPr>
-        <p:spPr>
-          <a:xfrm flipH="1">
-            <a:off x="4245280" y="7277897"/>
-            <a:ext cx="1372462" cy="993555"/>
-          </a:xfrm>
-          <a:prstGeom prst="straightConnector1">
-            <a:avLst/>
-          </a:prstGeom>
-          <a:ln>
-            <a:tailEnd type="triangle"/>
-          </a:ln>
-        </p:spPr>
-        <p:style>
-          <a:lnRef idx="1">
-            <a:schemeClr val="accent1"/>
-          </a:lnRef>
-          <a:fillRef idx="0">
-            <a:schemeClr val="accent1"/>
-          </a:fillRef>
-          <a:effectRef idx="0">
-            <a:schemeClr val="accent1"/>
-          </a:effectRef>
-          <a:fontRef idx="minor">
-            <a:schemeClr val="tx1"/>
-          </a:fontRef>
-        </p:style>
-      </p:cxnSp>
-      <p:pic>
-        <p:nvPicPr>
-          <p:cNvPr id="42" name="Picture 41"/>
-          <p:cNvPicPr>
-            <a:picLocks noChangeAspect="1"/>
-          </p:cNvPicPr>
-          <p:nvPr/>
-        </p:nvPicPr>
-        <p:blipFill>
-          <a:blip r:embed="rId4">
-            <a:extLst>
-              <a:ext uri="{28A0092B-C50C-407E-A947-70E740481C1C}">
-                <a14:useLocalDpi xmlns:a14="http://schemas.microsoft.com/office/drawing/2010/main" val="0"/>
-              </a:ext>
-            </a:extLst>
-          </a:blip>
-          <a:stretch>
-            <a:fillRect/>
-          </a:stretch>
-        </p:blipFill>
-        <p:spPr>
-          <a:xfrm>
-            <a:off x="5978028" y="2699403"/>
-            <a:ext cx="1516075" cy="1516075"/>
-          </a:xfrm>
-          <a:prstGeom prst="rect">
-            <a:avLst/>
-          </a:prstGeom>
-        </p:spPr>
-      </p:pic>
-      <p:cxnSp>
-        <p:nvCxnSpPr>
-          <p:cNvPr id="43" name="Straight Arrow Connector 42"/>
-          <p:cNvCxnSpPr>
-            <a:cxnSpLocks/>
-          </p:cNvCxnSpPr>
-          <p:nvPr/>
-        </p:nvCxnSpPr>
-        <p:spPr>
-          <a:xfrm flipH="1" flipV="1">
-            <a:off x="7605054" y="5465370"/>
-            <a:ext cx="1091605" cy="28491"/>
-          </a:xfrm>
-          <a:prstGeom prst="straightConnector1">
-            <a:avLst/>
-          </a:prstGeom>
-          <a:ln>
-            <a:tailEnd type="triangle"/>
-          </a:ln>
-        </p:spPr>
-        <p:style>
-          <a:lnRef idx="1">
-            <a:schemeClr val="accent1"/>
-          </a:lnRef>
-          <a:fillRef idx="0">
-            <a:schemeClr val="accent1"/>
-          </a:fillRef>
-          <a:effectRef idx="0">
-            <a:schemeClr val="accent1"/>
-          </a:effectRef>
-          <a:fontRef idx="minor">
-            <a:schemeClr val="tx1"/>
-          </a:fontRef>
-        </p:style>
-      </p:cxnSp>
-      <p:sp>
-        <p:nvSpPr>
-          <p:cNvPr id="44" name="TextBox 43"/>
-          <p:cNvSpPr txBox="1"/>
-          <p:nvPr/>
-        </p:nvSpPr>
-        <p:spPr>
-          <a:xfrm>
-            <a:off x="5102132" y="8233990"/>
-            <a:ext cx="3203605" cy="584775"/>
-          </a:xfrm>
-          <a:prstGeom prst="rect">
-            <a:avLst/>
-          </a:prstGeom>
-          <a:noFill/>
-        </p:spPr>
-        <p:txBody>
-          <a:bodyPr wrap="square" rtlCol="0">
-            <a:spAutoFit/>
-          </a:bodyPr>
-          <a:lstStyle/>
-          <a:p>
-            <a:r>
-              <a:rPr lang="en-US" b="1" dirty="0">
-                <a:solidFill>
-                  <a:schemeClr val="accent5">
-                    <a:lumMod val="75000"/>
-                  </a:schemeClr>
-                </a:solidFill>
-              </a:rPr>
-              <a:t>Load Balancers</a:t>
-            </a:r>
-          </a:p>
-        </p:txBody>
-      </p:sp>
-      <p:pic>
-        <p:nvPicPr>
-          <p:cNvPr id="35" name="Picture 34"/>
-          <p:cNvPicPr>
-            <a:picLocks noChangeAspect="1"/>
-          </p:cNvPicPr>
-          <p:nvPr/>
-        </p:nvPicPr>
-        <p:blipFill>
-          <a:blip r:embed="rId4">
-            <a:extLst>
-              <a:ext uri="{28A0092B-C50C-407E-A947-70E740481C1C}">
-                <a14:useLocalDpi xmlns:a14="http://schemas.microsoft.com/office/drawing/2010/main" val="0"/>
-              </a:ext>
-            </a:extLst>
-          </a:blip>
-          <a:stretch>
-            <a:fillRect/>
-          </a:stretch>
-        </p:blipFill>
-        <p:spPr>
-          <a:xfrm>
-            <a:off x="5810116" y="6358293"/>
-            <a:ext cx="1581719" cy="1581719"/>
-          </a:xfrm>
-          <a:prstGeom prst="rect">
-            <a:avLst/>
-          </a:prstGeom>
-        </p:spPr>
-      </p:pic>
-      <p:cxnSp>
-        <p:nvCxnSpPr>
-          <p:cNvPr id="36" name="Straight Arrow Connector 35"/>
-          <p:cNvCxnSpPr>
-            <a:cxnSpLocks/>
-          </p:cNvCxnSpPr>
-          <p:nvPr/>
-        </p:nvCxnSpPr>
-        <p:spPr>
-          <a:xfrm flipH="1" flipV="1">
-            <a:off x="4209654" y="2651574"/>
-            <a:ext cx="1561210" cy="1051862"/>
-          </a:xfrm>
-          <a:prstGeom prst="straightConnector1">
-            <a:avLst/>
-          </a:prstGeom>
-          <a:ln>
-            <a:tailEnd type="triangle"/>
-          </a:ln>
-        </p:spPr>
-        <p:style>
-          <a:lnRef idx="1">
-            <a:schemeClr val="accent1"/>
-          </a:lnRef>
-          <a:fillRef idx="0">
-            <a:schemeClr val="accent1"/>
-          </a:fillRef>
-          <a:effectRef idx="0">
-            <a:schemeClr val="accent1"/>
-          </a:effectRef>
-          <a:fontRef idx="minor">
-            <a:schemeClr val="tx1"/>
-          </a:fontRef>
-        </p:style>
-      </p:cxnSp>
-      <p:cxnSp>
-        <p:nvCxnSpPr>
-          <p:cNvPr id="37" name="Straight Arrow Connector 36"/>
-          <p:cNvCxnSpPr>
-            <a:cxnSpLocks/>
-          </p:cNvCxnSpPr>
-          <p:nvPr/>
-        </p:nvCxnSpPr>
-        <p:spPr>
-          <a:xfrm flipH="1">
-            <a:off x="4130860" y="4416312"/>
-            <a:ext cx="1942544" cy="1899114"/>
-          </a:xfrm>
-          <a:prstGeom prst="straightConnector1">
-            <a:avLst/>
-          </a:prstGeom>
-          <a:ln>
-            <a:tailEnd type="triangle"/>
-          </a:ln>
-        </p:spPr>
-        <p:style>
-          <a:lnRef idx="1">
-            <a:schemeClr val="accent1"/>
-          </a:lnRef>
-          <a:fillRef idx="0">
-            <a:schemeClr val="accent1"/>
-          </a:fillRef>
-          <a:effectRef idx="0">
-            <a:schemeClr val="accent1"/>
-          </a:effectRef>
-          <a:fontRef idx="minor">
-            <a:schemeClr val="tx1"/>
-          </a:fontRef>
-        </p:style>
-      </p:cxnSp>
-      <p:cxnSp>
-        <p:nvCxnSpPr>
-          <p:cNvPr id="46" name="Straight Arrow Connector 45"/>
-          <p:cNvCxnSpPr>
-            <a:cxnSpLocks/>
-          </p:cNvCxnSpPr>
-          <p:nvPr/>
-        </p:nvCxnSpPr>
-        <p:spPr>
-          <a:xfrm flipH="1" flipV="1">
-            <a:off x="6938451" y="4591828"/>
-            <a:ext cx="14803" cy="1498036"/>
-          </a:xfrm>
-          <a:prstGeom prst="straightConnector1">
-            <a:avLst/>
-          </a:prstGeom>
-          <a:ln>
-            <a:tailEnd type="triangle"/>
-          </a:ln>
-        </p:spPr>
-        <p:style>
-          <a:lnRef idx="1">
-            <a:schemeClr val="accent1"/>
-          </a:lnRef>
-          <a:fillRef idx="0">
-            <a:schemeClr val="accent1"/>
-          </a:fillRef>
-          <a:effectRef idx="0">
-            <a:schemeClr val="accent1"/>
-          </a:effectRef>
-          <a:fontRef idx="minor">
-            <a:schemeClr val="tx1"/>
-          </a:fontRef>
-        </p:style>
-      </p:cxnSp>
-      <p:cxnSp>
-        <p:nvCxnSpPr>
-          <p:cNvPr id="47" name="Straight Arrow Connector 46"/>
-          <p:cNvCxnSpPr>
-            <a:cxnSpLocks/>
-          </p:cNvCxnSpPr>
-          <p:nvPr/>
-        </p:nvCxnSpPr>
-        <p:spPr>
-          <a:xfrm>
-            <a:off x="6545789" y="4547546"/>
-            <a:ext cx="0" cy="1542318"/>
-          </a:xfrm>
-          <a:prstGeom prst="straightConnector1">
-            <a:avLst/>
-          </a:prstGeom>
-          <a:ln>
-            <a:tailEnd type="triangle"/>
-          </a:ln>
-        </p:spPr>
-        <p:style>
-          <a:lnRef idx="1">
-            <a:schemeClr val="accent1"/>
-          </a:lnRef>
-          <a:fillRef idx="0">
-            <a:schemeClr val="accent1"/>
-          </a:fillRef>
-          <a:effectRef idx="0">
-            <a:schemeClr val="accent1"/>
-          </a:effectRef>
-          <a:fontRef idx="minor">
-            <a:schemeClr val="tx1"/>
-          </a:fontRef>
-        </p:style>
-      </p:cxnSp>
-      <p:pic>
-        <p:nvPicPr>
-          <p:cNvPr id="54" name="Picture 53"/>
-          <p:cNvPicPr>
-            <a:picLocks noChangeAspect="1"/>
-          </p:cNvPicPr>
-          <p:nvPr/>
-        </p:nvPicPr>
-        <p:blipFill>
-          <a:blip r:embed="rId5" cstate="print">
-            <a:extLst>
-              <a:ext uri="{28A0092B-C50C-407E-A947-70E740481C1C}">
-                <a14:useLocalDpi xmlns:a14="http://schemas.microsoft.com/office/drawing/2010/main" val="0"/>
-              </a:ext>
-            </a:extLst>
-          </a:blip>
-          <a:stretch>
-            <a:fillRect/>
-          </a:stretch>
-        </p:blipFill>
-        <p:spPr>
-          <a:xfrm>
-            <a:off x="4082132" y="8932406"/>
-            <a:ext cx="1183149" cy="1183149"/>
-          </a:xfrm>
-          <a:prstGeom prst="rect">
-            <a:avLst/>
-          </a:prstGeom>
-        </p:spPr>
-      </p:pic>
-    </p:spTree>
-    <p:extLst>
-      <p:ext uri="{BB962C8B-B14F-4D97-AF65-F5344CB8AC3E}">
-        <p14:creationId xmlns:p14="http://schemas.microsoft.com/office/powerpoint/2010/main" val="783414731"/>
       </p:ext>
     </p:extLst>
   </p:cSld>
